--- a/Project 1 Presentation.pptx
+++ b/Project 1 Presentation.pptx
@@ -6,13 +6,16 @@
   </p:sldMasterIdLst>
   <p:sldIdLst>
     <p:sldId id="256" r:id="rId2"/>
-    <p:sldId id="257" r:id="rId3"/>
+    <p:sldId id="264" r:id="rId3"/>
     <p:sldId id="258" r:id="rId4"/>
     <p:sldId id="259" r:id="rId5"/>
-    <p:sldId id="260" r:id="rId6"/>
-    <p:sldId id="261" r:id="rId7"/>
-    <p:sldId id="262" r:id="rId8"/>
-    <p:sldId id="263" r:id="rId9"/>
+    <p:sldId id="266" r:id="rId6"/>
+    <p:sldId id="260" r:id="rId7"/>
+    <p:sldId id="265" r:id="rId8"/>
+    <p:sldId id="261" r:id="rId9"/>
+    <p:sldId id="267" r:id="rId10"/>
+    <p:sldId id="262" r:id="rId11"/>
+    <p:sldId id="263" r:id="rId12"/>
   </p:sldIdLst>
   <p:sldSz cx="12192000" cy="6858000"/>
   <p:notesSz cx="6858000" cy="9144000"/>
@@ -111,7 +114,4217 @@
       </a:defRPr>
     </a:lvl9pPr>
   </p:defaultTextStyle>
+  <p:extLst>
+    <p:ext uri="{EFAFB233-063F-42B5-8137-9DF3F51BA10A}">
+      <p15:sldGuideLst xmlns:p15="http://schemas.microsoft.com/office/powerpoint/2012/main"/>
+    </p:ext>
+  </p:extLst>
 </p:presentation>
+</file>
+
+<file path=ppt/diagrams/colors1.xml><?xml version="1.0" encoding="utf-8"?>
+<dgm:colorsDef xmlns:dgm="http://schemas.openxmlformats.org/drawingml/2006/diagram" xmlns:a="http://schemas.openxmlformats.org/drawingml/2006/main" uniqueId="urn:microsoft.com/office/officeart/2005/8/colors/colorful5">
+  <dgm:title val=""/>
+  <dgm:desc val=""/>
+  <dgm:catLst>
+    <dgm:cat type="colorful" pri="10500"/>
+  </dgm:catLst>
+  <dgm:styleLbl name="node0">
+    <dgm:fillClrLst meth="repeat">
+      <a:schemeClr val="accent4"/>
+    </dgm:fillClrLst>
+    <dgm:linClrLst meth="repeat">
+      <a:schemeClr val="lt1"/>
+    </dgm:linClrLst>
+    <dgm:effectClrLst/>
+    <dgm:txLinClrLst/>
+    <dgm:txFillClrLst/>
+    <dgm:txEffectClrLst/>
+  </dgm:styleLbl>
+  <dgm:styleLbl name="node1">
+    <dgm:fillClrLst>
+      <a:schemeClr val="accent5"/>
+      <a:schemeClr val="accent6"/>
+    </dgm:fillClrLst>
+    <dgm:linClrLst meth="repeat">
+      <a:schemeClr val="lt1"/>
+    </dgm:linClrLst>
+    <dgm:effectClrLst/>
+    <dgm:txLinClrLst/>
+    <dgm:txFillClrLst/>
+    <dgm:txEffectClrLst/>
+  </dgm:styleLbl>
+  <dgm:styleLbl name="alignNode1">
+    <dgm:fillClrLst>
+      <a:schemeClr val="accent5"/>
+      <a:schemeClr val="accent6"/>
+    </dgm:fillClrLst>
+    <dgm:linClrLst>
+      <a:schemeClr val="accent5"/>
+      <a:schemeClr val="accent6"/>
+    </dgm:linClrLst>
+    <dgm:effectClrLst/>
+    <dgm:txLinClrLst/>
+    <dgm:txFillClrLst/>
+    <dgm:txEffectClrLst/>
+  </dgm:styleLbl>
+  <dgm:styleLbl name="lnNode1">
+    <dgm:fillClrLst>
+      <a:schemeClr val="accent5"/>
+      <a:schemeClr val="accent6"/>
+    </dgm:fillClrLst>
+    <dgm:linClrLst meth="repeat">
+      <a:schemeClr val="lt1"/>
+    </dgm:linClrLst>
+    <dgm:effectClrLst/>
+    <dgm:txLinClrLst/>
+    <dgm:txFillClrLst/>
+    <dgm:txEffectClrLst/>
+  </dgm:styleLbl>
+  <dgm:styleLbl name="vennNode1">
+    <dgm:fillClrLst>
+      <a:schemeClr val="accent5">
+        <a:alpha val="50000"/>
+      </a:schemeClr>
+      <a:schemeClr val="accent6">
+        <a:alpha val="50000"/>
+      </a:schemeClr>
+    </dgm:fillClrLst>
+    <dgm:linClrLst meth="repeat">
+      <a:schemeClr val="lt1"/>
+    </dgm:linClrLst>
+    <dgm:effectClrLst/>
+    <dgm:txLinClrLst/>
+    <dgm:txFillClrLst/>
+    <dgm:txEffectClrLst/>
+  </dgm:styleLbl>
+  <dgm:styleLbl name="node2">
+    <dgm:fillClrLst>
+      <a:schemeClr val="accent6"/>
+    </dgm:fillClrLst>
+    <dgm:linClrLst meth="repeat">
+      <a:schemeClr val="lt1"/>
+    </dgm:linClrLst>
+    <dgm:effectClrLst/>
+    <dgm:txLinClrLst/>
+    <dgm:txFillClrLst/>
+    <dgm:txEffectClrLst/>
+  </dgm:styleLbl>
+  <dgm:styleLbl name="node3">
+    <dgm:fillClrLst>
+      <a:schemeClr val="accent1"/>
+    </dgm:fillClrLst>
+    <dgm:linClrLst meth="repeat">
+      <a:schemeClr val="lt1"/>
+    </dgm:linClrLst>
+    <dgm:effectClrLst/>
+    <dgm:txLinClrLst/>
+    <dgm:txFillClrLst/>
+    <dgm:txEffectClrLst/>
+  </dgm:styleLbl>
+  <dgm:styleLbl name="node4">
+    <dgm:fillClrLst>
+      <a:schemeClr val="accent2"/>
+    </dgm:fillClrLst>
+    <dgm:linClrLst meth="repeat">
+      <a:schemeClr val="lt1"/>
+    </dgm:linClrLst>
+    <dgm:effectClrLst/>
+    <dgm:txLinClrLst/>
+    <dgm:txFillClrLst/>
+    <dgm:txEffectClrLst/>
+  </dgm:styleLbl>
+  <dgm:styleLbl name="fgImgPlace1">
+    <dgm:fillClrLst>
+      <a:schemeClr val="accent5">
+        <a:tint val="50000"/>
+      </a:schemeClr>
+      <a:schemeClr val="accent6">
+        <a:tint val="50000"/>
+      </a:schemeClr>
+    </dgm:fillClrLst>
+    <dgm:linClrLst meth="repeat">
+      <a:schemeClr val="lt1"/>
+    </dgm:linClrLst>
+    <dgm:effectClrLst/>
+    <dgm:txLinClrLst/>
+    <dgm:txFillClrLst meth="repeat">
+      <a:schemeClr val="lt1"/>
+    </dgm:txFillClrLst>
+    <dgm:txEffectClrLst/>
+  </dgm:styleLbl>
+  <dgm:styleLbl name="alignImgPlace1">
+    <dgm:fillClrLst>
+      <a:schemeClr val="accent5">
+        <a:tint val="50000"/>
+      </a:schemeClr>
+      <a:schemeClr val="accent6">
+        <a:tint val="20000"/>
+      </a:schemeClr>
+    </dgm:fillClrLst>
+    <dgm:linClrLst meth="repeat">
+      <a:schemeClr val="lt1"/>
+    </dgm:linClrLst>
+    <dgm:effectClrLst/>
+    <dgm:txLinClrLst/>
+    <dgm:txFillClrLst meth="repeat">
+      <a:schemeClr val="lt1"/>
+    </dgm:txFillClrLst>
+    <dgm:txEffectClrLst/>
+  </dgm:styleLbl>
+  <dgm:styleLbl name="bgImgPlace1">
+    <dgm:fillClrLst>
+      <a:schemeClr val="accent5">
+        <a:tint val="50000"/>
+      </a:schemeClr>
+      <a:schemeClr val="accent6">
+        <a:tint val="20000"/>
+      </a:schemeClr>
+    </dgm:fillClrLst>
+    <dgm:linClrLst meth="repeat">
+      <a:schemeClr val="lt1"/>
+    </dgm:linClrLst>
+    <dgm:effectClrLst/>
+    <dgm:txLinClrLst/>
+    <dgm:txFillClrLst meth="repeat">
+      <a:schemeClr val="lt1"/>
+    </dgm:txFillClrLst>
+    <dgm:txEffectClrLst/>
+  </dgm:styleLbl>
+  <dgm:styleLbl name="sibTrans2D1">
+    <dgm:fillClrLst>
+      <a:schemeClr val="accent5"/>
+      <a:schemeClr val="accent6"/>
+    </dgm:fillClrLst>
+    <dgm:linClrLst meth="repeat">
+      <a:schemeClr val="lt1"/>
+    </dgm:linClrLst>
+    <dgm:effectClrLst/>
+    <dgm:txLinClrLst/>
+    <dgm:txFillClrLst/>
+    <dgm:txEffectClrLst/>
+  </dgm:styleLbl>
+  <dgm:styleLbl name="fgSibTrans2D1">
+    <dgm:fillClrLst>
+      <a:schemeClr val="accent5"/>
+      <a:schemeClr val="accent6"/>
+    </dgm:fillClrLst>
+    <dgm:linClrLst meth="repeat">
+      <a:schemeClr val="lt1"/>
+    </dgm:linClrLst>
+    <dgm:effectClrLst/>
+    <dgm:txLinClrLst/>
+    <dgm:txFillClrLst meth="repeat">
+      <a:schemeClr val="lt1"/>
+    </dgm:txFillClrLst>
+    <dgm:txEffectClrLst/>
+  </dgm:styleLbl>
+  <dgm:styleLbl name="bgSibTrans2D1">
+    <dgm:fillClrLst>
+      <a:schemeClr val="accent5"/>
+      <a:schemeClr val="accent6"/>
+    </dgm:fillClrLst>
+    <dgm:linClrLst meth="repeat">
+      <a:schemeClr val="lt1"/>
+    </dgm:linClrLst>
+    <dgm:effectClrLst/>
+    <dgm:txLinClrLst/>
+    <dgm:txFillClrLst meth="repeat">
+      <a:schemeClr val="lt1"/>
+    </dgm:txFillClrLst>
+    <dgm:txEffectClrLst/>
+  </dgm:styleLbl>
+  <dgm:styleLbl name="sibTrans1D1">
+    <dgm:fillClrLst/>
+    <dgm:linClrLst>
+      <a:schemeClr val="accent5"/>
+      <a:schemeClr val="accent6"/>
+    </dgm:linClrLst>
+    <dgm:effectClrLst/>
+    <dgm:txLinClrLst/>
+    <dgm:txFillClrLst meth="repeat">
+      <a:schemeClr val="tx1"/>
+    </dgm:txFillClrLst>
+    <dgm:txEffectClrLst/>
+  </dgm:styleLbl>
+  <dgm:styleLbl name="callout">
+    <dgm:fillClrLst meth="repeat">
+      <a:schemeClr val="accent5"/>
+    </dgm:fillClrLst>
+    <dgm:linClrLst meth="repeat">
+      <a:schemeClr val="accent5">
+        <a:tint val="50000"/>
+      </a:schemeClr>
+    </dgm:linClrLst>
+    <dgm:effectClrLst/>
+    <dgm:txLinClrLst/>
+    <dgm:txFillClrLst meth="repeat">
+      <a:schemeClr val="tx1"/>
+    </dgm:txFillClrLst>
+    <dgm:txEffectClrLst/>
+  </dgm:styleLbl>
+  <dgm:styleLbl name="asst0">
+    <dgm:fillClrLst meth="repeat">
+      <a:schemeClr val="accent5"/>
+    </dgm:fillClrLst>
+    <dgm:linClrLst meth="repeat">
+      <a:schemeClr val="lt1">
+        <a:shade val="80000"/>
+      </a:schemeClr>
+    </dgm:linClrLst>
+    <dgm:effectClrLst/>
+    <dgm:txLinClrLst/>
+    <dgm:txFillClrLst/>
+    <dgm:txEffectClrLst/>
+  </dgm:styleLbl>
+  <dgm:styleLbl name="asst1">
+    <dgm:fillClrLst meth="repeat">
+      <a:schemeClr val="accent6"/>
+    </dgm:fillClrLst>
+    <dgm:linClrLst meth="repeat">
+      <a:schemeClr val="lt1">
+        <a:shade val="80000"/>
+      </a:schemeClr>
+    </dgm:linClrLst>
+    <dgm:effectClrLst/>
+    <dgm:txLinClrLst/>
+    <dgm:txFillClrLst/>
+    <dgm:txEffectClrLst/>
+  </dgm:styleLbl>
+  <dgm:styleLbl name="asst2">
+    <dgm:fillClrLst>
+      <a:schemeClr val="accent1"/>
+    </dgm:fillClrLst>
+    <dgm:linClrLst meth="repeat">
+      <a:schemeClr val="lt1"/>
+    </dgm:linClrLst>
+    <dgm:effectClrLst/>
+    <dgm:txLinClrLst/>
+    <dgm:txFillClrLst/>
+    <dgm:txEffectClrLst/>
+  </dgm:styleLbl>
+  <dgm:styleLbl name="asst3">
+    <dgm:fillClrLst>
+      <a:schemeClr val="accent2"/>
+    </dgm:fillClrLst>
+    <dgm:linClrLst meth="repeat">
+      <a:schemeClr val="lt1"/>
+    </dgm:linClrLst>
+    <dgm:effectClrLst/>
+    <dgm:txLinClrLst/>
+    <dgm:txFillClrLst/>
+    <dgm:txEffectClrLst/>
+  </dgm:styleLbl>
+  <dgm:styleLbl name="asst4">
+    <dgm:fillClrLst>
+      <a:schemeClr val="accent3"/>
+    </dgm:fillClrLst>
+    <dgm:linClrLst meth="repeat">
+      <a:schemeClr val="lt1"/>
+    </dgm:linClrLst>
+    <dgm:effectClrLst/>
+    <dgm:txLinClrLst/>
+    <dgm:txFillClrLst/>
+    <dgm:txEffectClrLst/>
+  </dgm:styleLbl>
+  <dgm:styleLbl name="parChTrans2D1">
+    <dgm:fillClrLst meth="repeat">
+      <a:schemeClr val="accent5"/>
+    </dgm:fillClrLst>
+    <dgm:linClrLst meth="repeat">
+      <a:schemeClr val="lt1"/>
+    </dgm:linClrLst>
+    <dgm:effectClrLst/>
+    <dgm:txLinClrLst/>
+    <dgm:txFillClrLst meth="repeat">
+      <a:schemeClr val="lt1"/>
+    </dgm:txFillClrLst>
+    <dgm:txEffectClrLst/>
+  </dgm:styleLbl>
+  <dgm:styleLbl name="parChTrans2D2">
+    <dgm:fillClrLst meth="repeat">
+      <a:schemeClr val="accent6"/>
+    </dgm:fillClrLst>
+    <dgm:linClrLst meth="repeat">
+      <a:schemeClr val="lt1"/>
+    </dgm:linClrLst>
+    <dgm:effectClrLst/>
+    <dgm:txLinClrLst/>
+    <dgm:txFillClrLst/>
+    <dgm:txEffectClrLst/>
+  </dgm:styleLbl>
+  <dgm:styleLbl name="parChTrans2D3">
+    <dgm:fillClrLst meth="repeat">
+      <a:schemeClr val="accent6"/>
+    </dgm:fillClrLst>
+    <dgm:linClrLst meth="repeat">
+      <a:schemeClr val="lt1"/>
+    </dgm:linClrLst>
+    <dgm:effectClrLst/>
+    <dgm:txLinClrLst/>
+    <dgm:txFillClrLst/>
+    <dgm:txEffectClrLst/>
+  </dgm:styleLbl>
+  <dgm:styleLbl name="parChTrans2D4">
+    <dgm:fillClrLst meth="repeat">
+      <a:schemeClr val="accent1"/>
+    </dgm:fillClrLst>
+    <dgm:linClrLst meth="repeat">
+      <a:schemeClr val="lt1"/>
+    </dgm:linClrLst>
+    <dgm:effectClrLst/>
+    <dgm:txLinClrLst/>
+    <dgm:txFillClrLst meth="repeat">
+      <a:schemeClr val="lt1"/>
+    </dgm:txFillClrLst>
+    <dgm:txEffectClrLst/>
+  </dgm:styleLbl>
+  <dgm:styleLbl name="parChTrans1D1">
+    <dgm:fillClrLst meth="repeat">
+      <a:schemeClr val="accent5"/>
+    </dgm:fillClrLst>
+    <dgm:linClrLst meth="repeat">
+      <a:schemeClr val="accent5"/>
+    </dgm:linClrLst>
+    <dgm:effectClrLst/>
+    <dgm:txLinClrLst/>
+    <dgm:txFillClrLst meth="repeat">
+      <a:schemeClr val="tx1"/>
+    </dgm:txFillClrLst>
+    <dgm:txEffectClrLst/>
+  </dgm:styleLbl>
+  <dgm:styleLbl name="parChTrans1D2">
+    <dgm:fillClrLst meth="repeat">
+      <a:schemeClr val="accent6">
+        <a:tint val="90000"/>
+      </a:schemeClr>
+    </dgm:fillClrLst>
+    <dgm:linClrLst meth="repeat">
+      <a:schemeClr val="accent6"/>
+    </dgm:linClrLst>
+    <dgm:effectClrLst/>
+    <dgm:txLinClrLst/>
+    <dgm:txFillClrLst meth="repeat">
+      <a:schemeClr val="tx1"/>
+    </dgm:txFillClrLst>
+    <dgm:txEffectClrLst/>
+  </dgm:styleLbl>
+  <dgm:styleLbl name="parChTrans1D3">
+    <dgm:fillClrLst meth="repeat">
+      <a:schemeClr val="accent6">
+        <a:tint val="70000"/>
+      </a:schemeClr>
+    </dgm:fillClrLst>
+    <dgm:linClrLst meth="repeat">
+      <a:schemeClr val="accent1"/>
+    </dgm:linClrLst>
+    <dgm:effectClrLst/>
+    <dgm:txLinClrLst/>
+    <dgm:txFillClrLst meth="repeat">
+      <a:schemeClr val="tx1"/>
+    </dgm:txFillClrLst>
+    <dgm:txEffectClrLst/>
+  </dgm:styleLbl>
+  <dgm:styleLbl name="parChTrans1D4">
+    <dgm:fillClrLst meth="repeat">
+      <a:schemeClr val="accent6">
+        <a:tint val="50000"/>
+      </a:schemeClr>
+    </dgm:fillClrLst>
+    <dgm:linClrLst meth="repeat">
+      <a:schemeClr val="accent2"/>
+    </dgm:linClrLst>
+    <dgm:effectClrLst/>
+    <dgm:txLinClrLst/>
+    <dgm:txFillClrLst meth="repeat">
+      <a:schemeClr val="tx1"/>
+    </dgm:txFillClrLst>
+    <dgm:txEffectClrLst/>
+  </dgm:styleLbl>
+  <dgm:styleLbl name="fgAcc1">
+    <dgm:fillClrLst meth="repeat">
+      <a:schemeClr val="lt1">
+        <a:alpha val="90000"/>
+      </a:schemeClr>
+    </dgm:fillClrLst>
+    <dgm:linClrLst>
+      <a:schemeClr val="accent5"/>
+      <a:schemeClr val="accent6"/>
+    </dgm:linClrLst>
+    <dgm:effectClrLst/>
+    <dgm:txLinClrLst/>
+    <dgm:txFillClrLst meth="repeat">
+      <a:schemeClr val="dk1"/>
+    </dgm:txFillClrLst>
+    <dgm:txEffectClrLst/>
+  </dgm:styleLbl>
+  <dgm:styleLbl name="conFgAcc1">
+    <dgm:fillClrLst meth="repeat">
+      <a:schemeClr val="lt1">
+        <a:alpha val="90000"/>
+      </a:schemeClr>
+    </dgm:fillClrLst>
+    <dgm:linClrLst>
+      <a:schemeClr val="accent5"/>
+      <a:schemeClr val="accent6"/>
+    </dgm:linClrLst>
+    <dgm:effectClrLst/>
+    <dgm:txLinClrLst/>
+    <dgm:txFillClrLst meth="repeat">
+      <a:schemeClr val="dk1"/>
+    </dgm:txFillClrLst>
+    <dgm:txEffectClrLst/>
+  </dgm:styleLbl>
+  <dgm:styleLbl name="alignAcc1">
+    <dgm:fillClrLst meth="repeat">
+      <a:schemeClr val="lt1">
+        <a:alpha val="90000"/>
+      </a:schemeClr>
+    </dgm:fillClrLst>
+    <dgm:linClrLst>
+      <a:schemeClr val="accent5"/>
+      <a:schemeClr val="accent6"/>
+    </dgm:linClrLst>
+    <dgm:effectClrLst/>
+    <dgm:txLinClrLst/>
+    <dgm:txFillClrLst meth="repeat">
+      <a:schemeClr val="dk1"/>
+    </dgm:txFillClrLst>
+    <dgm:txEffectClrLst/>
+  </dgm:styleLbl>
+  <dgm:styleLbl name="trAlignAcc1">
+    <dgm:fillClrLst meth="repeat">
+      <a:schemeClr val="lt1">
+        <a:alpha val="40000"/>
+      </a:schemeClr>
+    </dgm:fillClrLst>
+    <dgm:linClrLst meth="repeat">
+      <a:schemeClr val="accent5"/>
+    </dgm:linClrLst>
+    <dgm:effectClrLst/>
+    <dgm:txLinClrLst/>
+    <dgm:txFillClrLst meth="repeat">
+      <a:schemeClr val="dk1"/>
+    </dgm:txFillClrLst>
+    <dgm:txEffectClrLst/>
+  </dgm:styleLbl>
+  <dgm:styleLbl name="bgAcc1">
+    <dgm:fillClrLst meth="repeat">
+      <a:schemeClr val="lt1">
+        <a:alpha val="90000"/>
+      </a:schemeClr>
+    </dgm:fillClrLst>
+    <dgm:linClrLst>
+      <a:schemeClr val="accent5"/>
+      <a:schemeClr val="accent6"/>
+    </dgm:linClrLst>
+    <dgm:effectClrLst/>
+    <dgm:txLinClrLst/>
+    <dgm:txFillClrLst meth="repeat">
+      <a:schemeClr val="dk1"/>
+    </dgm:txFillClrLst>
+    <dgm:txEffectClrLst/>
+  </dgm:styleLbl>
+  <dgm:styleLbl name="solidFgAcc1">
+    <dgm:fillClrLst meth="repeat">
+      <a:schemeClr val="lt1"/>
+    </dgm:fillClrLst>
+    <dgm:linClrLst>
+      <a:schemeClr val="accent5"/>
+      <a:schemeClr val="accent6"/>
+    </dgm:linClrLst>
+    <dgm:effectClrLst/>
+    <dgm:txLinClrLst/>
+    <dgm:txFillClrLst meth="repeat">
+      <a:schemeClr val="dk1"/>
+    </dgm:txFillClrLst>
+    <dgm:txEffectClrLst/>
+  </dgm:styleLbl>
+  <dgm:styleLbl name="solidAlignAcc1">
+    <dgm:fillClrLst meth="repeat">
+      <a:schemeClr val="lt1"/>
+    </dgm:fillClrLst>
+    <dgm:linClrLst>
+      <a:schemeClr val="accent5"/>
+      <a:schemeClr val="accent6"/>
+    </dgm:linClrLst>
+    <dgm:effectClrLst/>
+    <dgm:txLinClrLst/>
+    <dgm:txFillClrLst meth="repeat">
+      <a:schemeClr val="dk1"/>
+    </dgm:txFillClrLst>
+    <dgm:txEffectClrLst/>
+  </dgm:styleLbl>
+  <dgm:styleLbl name="solidBgAcc1">
+    <dgm:fillClrLst meth="repeat">
+      <a:schemeClr val="lt1"/>
+    </dgm:fillClrLst>
+    <dgm:linClrLst>
+      <a:schemeClr val="accent5"/>
+      <a:schemeClr val="accent6"/>
+    </dgm:linClrLst>
+    <dgm:effectClrLst/>
+    <dgm:txLinClrLst/>
+    <dgm:txFillClrLst meth="repeat">
+      <a:schemeClr val="dk1"/>
+    </dgm:txFillClrLst>
+    <dgm:txEffectClrLst/>
+  </dgm:styleLbl>
+  <dgm:styleLbl name="fgAccFollowNode1">
+    <dgm:fillClrLst>
+      <a:schemeClr val="accent5">
+        <a:tint val="40000"/>
+        <a:alpha val="90000"/>
+      </a:schemeClr>
+      <a:schemeClr val="accent6">
+        <a:tint val="40000"/>
+        <a:alpha val="90000"/>
+      </a:schemeClr>
+    </dgm:fillClrLst>
+    <dgm:linClrLst>
+      <a:schemeClr val="accent5">
+        <a:tint val="40000"/>
+        <a:alpha val="90000"/>
+      </a:schemeClr>
+      <a:schemeClr val="accent5">
+        <a:tint val="40000"/>
+        <a:alpha val="90000"/>
+      </a:schemeClr>
+    </dgm:linClrLst>
+    <dgm:effectClrLst/>
+    <dgm:txLinClrLst/>
+    <dgm:txFillClrLst meth="repeat">
+      <a:schemeClr val="dk1"/>
+    </dgm:txFillClrLst>
+    <dgm:txEffectClrLst/>
+  </dgm:styleLbl>
+  <dgm:styleLbl name="alignAccFollowNode1">
+    <dgm:fillClrLst>
+      <a:schemeClr val="accent5">
+        <a:tint val="40000"/>
+        <a:alpha val="90000"/>
+      </a:schemeClr>
+      <a:schemeClr val="accent6">
+        <a:tint val="40000"/>
+        <a:alpha val="90000"/>
+      </a:schemeClr>
+    </dgm:fillClrLst>
+    <dgm:linClrLst>
+      <a:schemeClr val="accent5">
+        <a:tint val="40000"/>
+        <a:alpha val="90000"/>
+      </a:schemeClr>
+      <a:schemeClr val="accent6">
+        <a:tint val="40000"/>
+        <a:alpha val="90000"/>
+      </a:schemeClr>
+    </dgm:linClrLst>
+    <dgm:effectClrLst/>
+    <dgm:txLinClrLst/>
+    <dgm:txFillClrLst meth="repeat">
+      <a:schemeClr val="dk1"/>
+    </dgm:txFillClrLst>
+    <dgm:txEffectClrLst/>
+  </dgm:styleLbl>
+  <dgm:styleLbl name="bgAccFollowNode1">
+    <dgm:fillClrLst>
+      <a:schemeClr val="accent5">
+        <a:tint val="40000"/>
+        <a:alpha val="90000"/>
+      </a:schemeClr>
+      <a:schemeClr val="accent6">
+        <a:tint val="40000"/>
+        <a:alpha val="90000"/>
+      </a:schemeClr>
+    </dgm:fillClrLst>
+    <dgm:linClrLst>
+      <a:schemeClr val="accent5">
+        <a:tint val="40000"/>
+        <a:alpha val="90000"/>
+      </a:schemeClr>
+      <a:schemeClr val="accent6">
+        <a:tint val="40000"/>
+        <a:alpha val="90000"/>
+      </a:schemeClr>
+    </dgm:linClrLst>
+    <dgm:effectClrLst/>
+    <dgm:txLinClrLst/>
+    <dgm:txFillClrLst meth="repeat">
+      <a:schemeClr val="dk1"/>
+    </dgm:txFillClrLst>
+    <dgm:txEffectClrLst/>
+  </dgm:styleLbl>
+  <dgm:styleLbl name="fgAcc0">
+    <dgm:fillClrLst meth="repeat">
+      <a:schemeClr val="lt1">
+        <a:alpha val="90000"/>
+      </a:schemeClr>
+    </dgm:fillClrLst>
+    <dgm:linClrLst>
+      <a:schemeClr val="accent4"/>
+    </dgm:linClrLst>
+    <dgm:effectClrLst/>
+    <dgm:txLinClrLst/>
+    <dgm:txFillClrLst meth="repeat">
+      <a:schemeClr val="dk1"/>
+    </dgm:txFillClrLst>
+    <dgm:txEffectClrLst/>
+  </dgm:styleLbl>
+  <dgm:styleLbl name="fgAcc2">
+    <dgm:fillClrLst meth="repeat">
+      <a:schemeClr val="lt1">
+        <a:alpha val="90000"/>
+      </a:schemeClr>
+    </dgm:fillClrLst>
+    <dgm:linClrLst>
+      <a:schemeClr val="accent6"/>
+    </dgm:linClrLst>
+    <dgm:effectClrLst/>
+    <dgm:txLinClrLst/>
+    <dgm:txFillClrLst meth="repeat">
+      <a:schemeClr val="dk1"/>
+    </dgm:txFillClrLst>
+    <dgm:txEffectClrLst/>
+  </dgm:styleLbl>
+  <dgm:styleLbl name="fgAcc3">
+    <dgm:fillClrLst meth="repeat">
+      <a:schemeClr val="lt1">
+        <a:alpha val="90000"/>
+      </a:schemeClr>
+    </dgm:fillClrLst>
+    <dgm:linClrLst>
+      <a:schemeClr val="accent1"/>
+    </dgm:linClrLst>
+    <dgm:effectClrLst/>
+    <dgm:txLinClrLst/>
+    <dgm:txFillClrLst meth="repeat">
+      <a:schemeClr val="dk1"/>
+    </dgm:txFillClrLst>
+    <dgm:txEffectClrLst/>
+  </dgm:styleLbl>
+  <dgm:styleLbl name="fgAcc4">
+    <dgm:fillClrLst meth="repeat">
+      <a:schemeClr val="lt1">
+        <a:alpha val="90000"/>
+      </a:schemeClr>
+    </dgm:fillClrLst>
+    <dgm:linClrLst>
+      <a:schemeClr val="accent2"/>
+    </dgm:linClrLst>
+    <dgm:effectClrLst/>
+    <dgm:txLinClrLst/>
+    <dgm:txFillClrLst meth="repeat">
+      <a:schemeClr val="dk1"/>
+    </dgm:txFillClrLst>
+    <dgm:txEffectClrLst/>
+  </dgm:styleLbl>
+  <dgm:styleLbl name="bgShp">
+    <dgm:fillClrLst meth="repeat">
+      <a:schemeClr val="accent5">
+        <a:tint val="40000"/>
+      </a:schemeClr>
+    </dgm:fillClrLst>
+    <dgm:linClrLst meth="repeat">
+      <a:schemeClr val="dk1"/>
+    </dgm:linClrLst>
+    <dgm:effectClrLst/>
+    <dgm:txLinClrLst/>
+    <dgm:txFillClrLst meth="repeat">
+      <a:schemeClr val="dk1"/>
+    </dgm:txFillClrLst>
+    <dgm:txEffectClrLst/>
+  </dgm:styleLbl>
+  <dgm:styleLbl name="dkBgShp">
+    <dgm:fillClrLst meth="repeat">
+      <a:schemeClr val="accent5">
+        <a:shade val="90000"/>
+      </a:schemeClr>
+    </dgm:fillClrLst>
+    <dgm:linClrLst meth="repeat">
+      <a:schemeClr val="dk1"/>
+    </dgm:linClrLst>
+    <dgm:effectClrLst/>
+    <dgm:txLinClrLst/>
+    <dgm:txFillClrLst meth="repeat">
+      <a:schemeClr val="lt1"/>
+    </dgm:txFillClrLst>
+    <dgm:txEffectClrLst/>
+  </dgm:styleLbl>
+  <dgm:styleLbl name="trBgShp">
+    <dgm:fillClrLst meth="repeat">
+      <a:schemeClr val="accent5">
+        <a:tint val="50000"/>
+        <a:alpha val="40000"/>
+      </a:schemeClr>
+    </dgm:fillClrLst>
+    <dgm:linClrLst meth="repeat">
+      <a:schemeClr val="accent5"/>
+    </dgm:linClrLst>
+    <dgm:effectClrLst/>
+    <dgm:txLinClrLst/>
+    <dgm:txFillClrLst meth="repeat">
+      <a:schemeClr val="lt1"/>
+    </dgm:txFillClrLst>
+    <dgm:txEffectClrLst/>
+  </dgm:styleLbl>
+  <dgm:styleLbl name="fgShp">
+    <dgm:fillClrLst meth="repeat">
+      <a:schemeClr val="accent5">
+        <a:tint val="40000"/>
+      </a:schemeClr>
+    </dgm:fillClrLst>
+    <dgm:linClrLst meth="repeat">
+      <a:schemeClr val="lt1"/>
+    </dgm:linClrLst>
+    <dgm:effectClrLst/>
+    <dgm:txLinClrLst/>
+    <dgm:txFillClrLst meth="repeat">
+      <a:schemeClr val="dk1"/>
+    </dgm:txFillClrLst>
+    <dgm:txEffectClrLst/>
+  </dgm:styleLbl>
+  <dgm:styleLbl name="revTx">
+    <dgm:fillClrLst meth="repeat">
+      <a:schemeClr val="lt1">
+        <a:alpha val="0"/>
+      </a:schemeClr>
+    </dgm:fillClrLst>
+    <dgm:linClrLst meth="repeat">
+      <a:schemeClr val="dk1">
+        <a:alpha val="0"/>
+      </a:schemeClr>
+    </dgm:linClrLst>
+    <dgm:effectClrLst/>
+    <dgm:txLinClrLst/>
+    <dgm:txFillClrLst meth="repeat">
+      <a:schemeClr val="tx1"/>
+    </dgm:txFillClrLst>
+    <dgm:txEffectClrLst/>
+  </dgm:styleLbl>
+</dgm:colorsDef>
+</file>
+
+<file path=ppt/diagrams/data1.xml><?xml version="1.0" encoding="utf-8"?>
+<dgm:dataModel xmlns:dgm="http://schemas.openxmlformats.org/drawingml/2006/diagram" xmlns:a="http://schemas.openxmlformats.org/drawingml/2006/main">
+  <dgm:ptLst>
+    <dgm:pt modelId="{4DDEA979-00F6-4D26-A58A-354F1FA94D3A}" type="doc">
+      <dgm:prSet loTypeId="urn:diagrams.loki3.com/BracketList" loCatId="list" qsTypeId="urn:microsoft.com/office/officeart/2005/8/quickstyle/simple1" qsCatId="simple" csTypeId="urn:microsoft.com/office/officeart/2005/8/colors/colorful5" csCatId="colorful" phldr="1"/>
+      <dgm:spPr/>
+      <dgm:t>
+        <a:bodyPr/>
+        <a:lstStyle/>
+        <a:p>
+          <a:endParaRPr lang="en-US"/>
+        </a:p>
+      </dgm:t>
+    </dgm:pt>
+    <dgm:pt modelId="{702D8FAB-D572-4785-872D-823D7E06FF0E}">
+      <dgm:prSet phldrT="[Text]"/>
+      <dgm:spPr/>
+      <dgm:t>
+        <a:bodyPr/>
+        <a:lstStyle/>
+        <a:p>
+          <a:r>
+            <a:rPr lang="en-US" dirty="0"/>
+            <a:t>Pandas</a:t>
+          </a:r>
+        </a:p>
+      </dgm:t>
+    </dgm:pt>
+    <dgm:pt modelId="{61611AF8-319A-4355-B449-31B904DBB784}" type="parTrans" cxnId="{AC81D259-74AE-4297-B2F9-97B763939D38}">
+      <dgm:prSet/>
+      <dgm:spPr/>
+      <dgm:t>
+        <a:bodyPr/>
+        <a:lstStyle/>
+        <a:p>
+          <a:endParaRPr lang="en-US"/>
+        </a:p>
+      </dgm:t>
+    </dgm:pt>
+    <dgm:pt modelId="{21E66362-B952-4FF6-924A-360387E06751}" type="sibTrans" cxnId="{AC81D259-74AE-4297-B2F9-97B763939D38}">
+      <dgm:prSet/>
+      <dgm:spPr/>
+      <dgm:t>
+        <a:bodyPr/>
+        <a:lstStyle/>
+        <a:p>
+          <a:endParaRPr lang="en-US"/>
+        </a:p>
+      </dgm:t>
+    </dgm:pt>
+    <dgm:pt modelId="{EAE172DC-1DD6-4825-8E30-7EE2FF8C1BDB}">
+      <dgm:prSet phldrT="[Text]"/>
+      <dgm:spPr/>
+      <dgm:t>
+        <a:bodyPr/>
+        <a:lstStyle/>
+        <a:p>
+          <a:r>
+            <a:rPr lang="en-US" dirty="0" err="1"/>
+            <a:t>Plotly</a:t>
+          </a:r>
+          <a:endParaRPr lang="en-US" dirty="0"/>
+        </a:p>
+      </dgm:t>
+    </dgm:pt>
+    <dgm:pt modelId="{7817AFD6-7D8D-4EE8-B794-053C5103C77D}" type="parTrans" cxnId="{E2889E66-1CA4-4F04-8800-4A0FC9AAB6DF}">
+      <dgm:prSet/>
+      <dgm:spPr/>
+      <dgm:t>
+        <a:bodyPr/>
+        <a:lstStyle/>
+        <a:p>
+          <a:endParaRPr lang="en-US"/>
+        </a:p>
+      </dgm:t>
+    </dgm:pt>
+    <dgm:pt modelId="{43FE45EE-2018-4C0C-8B34-BCA4EC1B4005}" type="sibTrans" cxnId="{E2889E66-1CA4-4F04-8800-4A0FC9AAB6DF}">
+      <dgm:prSet/>
+      <dgm:spPr/>
+      <dgm:t>
+        <a:bodyPr/>
+        <a:lstStyle/>
+        <a:p>
+          <a:endParaRPr lang="en-US"/>
+        </a:p>
+      </dgm:t>
+    </dgm:pt>
+    <dgm:pt modelId="{E1BFA3BC-BC9B-4A6A-B727-135E888EF701}">
+      <dgm:prSet phldrT="[Text]"/>
+      <dgm:spPr/>
+      <dgm:t>
+        <a:bodyPr/>
+        <a:lstStyle/>
+        <a:p>
+          <a:r>
+            <a:rPr lang="en-US" dirty="0"/>
+            <a:t>Bar Plots (</a:t>
+          </a:r>
+          <a:r>
+            <a:rPr lang="en-US" dirty="0" err="1"/>
+            <a:t>hvplot</a:t>
+          </a:r>
+          <a:r>
+            <a:rPr lang="en-US" dirty="0"/>
+            <a:t>)</a:t>
+          </a:r>
+        </a:p>
+      </dgm:t>
+    </dgm:pt>
+    <dgm:pt modelId="{01775667-E712-4C09-8C5B-AC1EA470524B}" type="parTrans" cxnId="{0C9F3FFF-D516-4088-93B7-F9655E42DEE7}">
+      <dgm:prSet/>
+      <dgm:spPr/>
+      <dgm:t>
+        <a:bodyPr/>
+        <a:lstStyle/>
+        <a:p>
+          <a:endParaRPr lang="en-US"/>
+        </a:p>
+      </dgm:t>
+    </dgm:pt>
+    <dgm:pt modelId="{2B30A4EC-A8C8-4B8F-9063-A5EDCEC45540}" type="sibTrans" cxnId="{0C9F3FFF-D516-4088-93B7-F9655E42DEE7}">
+      <dgm:prSet/>
+      <dgm:spPr/>
+      <dgm:t>
+        <a:bodyPr/>
+        <a:lstStyle/>
+        <a:p>
+          <a:endParaRPr lang="en-US"/>
+        </a:p>
+      </dgm:t>
+    </dgm:pt>
+    <dgm:pt modelId="{D54A34BD-EA49-4C30-9443-5529861F63F7}">
+      <dgm:prSet phldrT="[Text]"/>
+      <dgm:spPr/>
+      <dgm:t>
+        <a:bodyPr/>
+        <a:lstStyle/>
+        <a:p>
+          <a:r>
+            <a:rPr lang="en-US" dirty="0" err="1"/>
+            <a:t>Mapbox</a:t>
+          </a:r>
+          <a:endParaRPr lang="en-US" dirty="0"/>
+        </a:p>
+      </dgm:t>
+    </dgm:pt>
+    <dgm:pt modelId="{2DC4415D-4BEB-4B2F-9C63-FC04CDE16849}" type="parTrans" cxnId="{D2AFABF4-F58A-4E75-8372-B5EAD2257883}">
+      <dgm:prSet/>
+      <dgm:spPr/>
+      <dgm:t>
+        <a:bodyPr/>
+        <a:lstStyle/>
+        <a:p>
+          <a:endParaRPr lang="en-US"/>
+        </a:p>
+      </dgm:t>
+    </dgm:pt>
+    <dgm:pt modelId="{116C553B-1097-48B3-88F5-2E13277D39EE}" type="sibTrans" cxnId="{D2AFABF4-F58A-4E75-8372-B5EAD2257883}">
+      <dgm:prSet/>
+      <dgm:spPr/>
+      <dgm:t>
+        <a:bodyPr/>
+        <a:lstStyle/>
+        <a:p>
+          <a:endParaRPr lang="en-US"/>
+        </a:p>
+      </dgm:t>
+    </dgm:pt>
+    <dgm:pt modelId="{99421A2D-A868-43B5-AA41-0A70C4A2162D}">
+      <dgm:prSet phldrT="[Text]"/>
+      <dgm:spPr/>
+      <dgm:t>
+        <a:bodyPr/>
+        <a:lstStyle/>
+        <a:p>
+          <a:r>
+            <a:rPr lang="en-US" dirty="0"/>
+            <a:t>Altair</a:t>
+          </a:r>
+        </a:p>
+      </dgm:t>
+    </dgm:pt>
+    <dgm:pt modelId="{64B81F7C-7114-4AB3-ACEF-2884F903B99C}" type="parTrans" cxnId="{0D4C3C1A-F55E-48AE-A160-84848708ED01}">
+      <dgm:prSet/>
+      <dgm:spPr/>
+      <dgm:t>
+        <a:bodyPr/>
+        <a:lstStyle/>
+        <a:p>
+          <a:endParaRPr lang="en-US"/>
+        </a:p>
+      </dgm:t>
+    </dgm:pt>
+    <dgm:pt modelId="{F0DD9EE1-24FA-4286-AA77-C64D527A771D}" type="sibTrans" cxnId="{0D4C3C1A-F55E-48AE-A160-84848708ED01}">
+      <dgm:prSet/>
+      <dgm:spPr/>
+      <dgm:t>
+        <a:bodyPr/>
+        <a:lstStyle/>
+        <a:p>
+          <a:endParaRPr lang="en-US"/>
+        </a:p>
+      </dgm:t>
+    </dgm:pt>
+    <dgm:pt modelId="{37A71D09-5314-4A3D-8BEB-E9384CD481F9}">
+      <dgm:prSet phldrT="[Text]"/>
+      <dgm:spPr/>
+      <dgm:t>
+        <a:bodyPr/>
+        <a:lstStyle/>
+        <a:p>
+          <a:r>
+            <a:rPr lang="en-US" dirty="0"/>
+            <a:t>Plot Ice Maps</a:t>
+          </a:r>
+        </a:p>
+      </dgm:t>
+    </dgm:pt>
+    <dgm:pt modelId="{B4DF77F0-184A-4F10-B684-7506909C8618}" type="parTrans" cxnId="{2288C174-85A2-4E8E-AD7C-A9322903A3CF}">
+      <dgm:prSet/>
+      <dgm:spPr/>
+      <dgm:t>
+        <a:bodyPr/>
+        <a:lstStyle/>
+        <a:p>
+          <a:endParaRPr lang="en-US"/>
+        </a:p>
+      </dgm:t>
+    </dgm:pt>
+    <dgm:pt modelId="{D8ECF1E3-79E7-48BA-BE38-4A2B38A30119}" type="sibTrans" cxnId="{2288C174-85A2-4E8E-AD7C-A9322903A3CF}">
+      <dgm:prSet/>
+      <dgm:spPr/>
+      <dgm:t>
+        <a:bodyPr/>
+        <a:lstStyle/>
+        <a:p>
+          <a:endParaRPr lang="en-US"/>
+        </a:p>
+      </dgm:t>
+    </dgm:pt>
+    <dgm:pt modelId="{05F6036F-1FEC-4131-BF3E-B7D09BB68AED}">
+      <dgm:prSet phldrT="[Text]"/>
+      <dgm:spPr/>
+      <dgm:t>
+        <a:bodyPr/>
+        <a:lstStyle/>
+        <a:p>
+          <a:r>
+            <a:rPr lang="en-US" dirty="0"/>
+            <a:t>Correlation Graph </a:t>
+          </a:r>
+        </a:p>
+      </dgm:t>
+    </dgm:pt>
+    <dgm:pt modelId="{82EF2C32-B169-48FB-96D6-D9E3433995C5}" type="parTrans" cxnId="{74FEFD61-AA81-4450-925F-AA7F4CBF8E9F}">
+      <dgm:prSet/>
+      <dgm:spPr/>
+      <dgm:t>
+        <a:bodyPr/>
+        <a:lstStyle/>
+        <a:p>
+          <a:endParaRPr lang="en-US"/>
+        </a:p>
+      </dgm:t>
+    </dgm:pt>
+    <dgm:pt modelId="{E22F7975-4940-4C8B-B8CC-5D524B870B59}" type="sibTrans" cxnId="{74FEFD61-AA81-4450-925F-AA7F4CBF8E9F}">
+      <dgm:prSet/>
+      <dgm:spPr/>
+      <dgm:t>
+        <a:bodyPr/>
+        <a:lstStyle/>
+        <a:p>
+          <a:endParaRPr lang="en-US"/>
+        </a:p>
+      </dgm:t>
+    </dgm:pt>
+    <dgm:pt modelId="{2856CCA2-396E-47CD-A5CD-0ABC7B2BCD23}">
+      <dgm:prSet phldrT="[Text]"/>
+      <dgm:spPr/>
+      <dgm:t>
+        <a:bodyPr/>
+        <a:lstStyle/>
+        <a:p>
+          <a:r>
+            <a:rPr lang="en-US" dirty="0"/>
+            <a:t>Line Graphs (</a:t>
+          </a:r>
+          <a:r>
+            <a:rPr lang="en-US" dirty="0" err="1"/>
+            <a:t>hvplot</a:t>
+          </a:r>
+          <a:r>
+            <a:rPr lang="en-US" dirty="0"/>
+            <a:t>)</a:t>
+          </a:r>
+        </a:p>
+      </dgm:t>
+    </dgm:pt>
+    <dgm:pt modelId="{A5A4CF5B-40A2-4578-BCC2-086F063CB6CD}" type="parTrans" cxnId="{E892CC45-D0E8-4926-8DDC-78C8FE14EC35}">
+      <dgm:prSet/>
+      <dgm:spPr/>
+      <dgm:t>
+        <a:bodyPr/>
+        <a:lstStyle/>
+        <a:p>
+          <a:endParaRPr lang="en-US"/>
+        </a:p>
+      </dgm:t>
+    </dgm:pt>
+    <dgm:pt modelId="{88A88704-8F01-42D6-B4E5-CAD63A44F64D}" type="sibTrans" cxnId="{E892CC45-D0E8-4926-8DDC-78C8FE14EC35}">
+      <dgm:prSet/>
+      <dgm:spPr/>
+      <dgm:t>
+        <a:bodyPr/>
+        <a:lstStyle/>
+        <a:p>
+          <a:endParaRPr lang="en-US"/>
+        </a:p>
+      </dgm:t>
+    </dgm:pt>
+    <dgm:pt modelId="{CC659045-34D9-4727-9F8B-9F2C70A0367A}">
+      <dgm:prSet phldrT="[Text]"/>
+      <dgm:spPr/>
+      <dgm:t>
+        <a:bodyPr/>
+        <a:lstStyle/>
+        <a:p>
+          <a:r>
+            <a:rPr lang="en-US" dirty="0"/>
+            <a:t>Correlation Plots</a:t>
+          </a:r>
+        </a:p>
+      </dgm:t>
+    </dgm:pt>
+    <dgm:pt modelId="{8F66287F-7C76-419B-8305-9EE925185908}" type="parTrans" cxnId="{6244922A-F5E3-4197-869C-A3F4CC24AA0E}">
+      <dgm:prSet/>
+      <dgm:spPr/>
+      <dgm:t>
+        <a:bodyPr/>
+        <a:lstStyle/>
+        <a:p>
+          <a:endParaRPr lang="en-US"/>
+        </a:p>
+      </dgm:t>
+    </dgm:pt>
+    <dgm:pt modelId="{9DDABCE2-0464-49B9-99E0-87F56809641B}" type="sibTrans" cxnId="{6244922A-F5E3-4197-869C-A3F4CC24AA0E}">
+      <dgm:prSet/>
+      <dgm:spPr/>
+      <dgm:t>
+        <a:bodyPr/>
+        <a:lstStyle/>
+        <a:p>
+          <a:endParaRPr lang="en-US"/>
+        </a:p>
+      </dgm:t>
+    </dgm:pt>
+    <dgm:pt modelId="{0A656F42-B14D-468A-BBC5-63C8292F7620}">
+      <dgm:prSet phldrT="[Text]"/>
+      <dgm:spPr/>
+      <dgm:t>
+        <a:bodyPr/>
+        <a:lstStyle/>
+        <a:p>
+          <a:r>
+            <a:rPr lang="en-US"/>
+            <a:t>Numpy</a:t>
+          </a:r>
+          <a:endParaRPr lang="en-US" dirty="0"/>
+        </a:p>
+      </dgm:t>
+    </dgm:pt>
+    <dgm:pt modelId="{DA2EC68F-6678-4C2E-8BE5-0CAC92DBB8AA}" type="parTrans" cxnId="{9C125B8C-D04D-4107-9A55-B6ECAA5826AE}">
+      <dgm:prSet/>
+      <dgm:spPr/>
+      <dgm:t>
+        <a:bodyPr/>
+        <a:lstStyle/>
+        <a:p>
+          <a:endParaRPr lang="en-US"/>
+        </a:p>
+      </dgm:t>
+    </dgm:pt>
+    <dgm:pt modelId="{D78B5355-9E34-4C5F-AF57-E51FB66BB212}" type="sibTrans" cxnId="{9C125B8C-D04D-4107-9A55-B6ECAA5826AE}">
+      <dgm:prSet/>
+      <dgm:spPr/>
+      <dgm:t>
+        <a:bodyPr/>
+        <a:lstStyle/>
+        <a:p>
+          <a:endParaRPr lang="en-US"/>
+        </a:p>
+      </dgm:t>
+    </dgm:pt>
+    <dgm:pt modelId="{98241CA1-EE28-4FAD-9050-E507A52792DC}">
+      <dgm:prSet phldrT="[Text]"/>
+      <dgm:spPr/>
+      <dgm:t>
+        <a:bodyPr/>
+        <a:lstStyle/>
+        <a:p>
+          <a:r>
+            <a:rPr lang="en-US" dirty="0"/>
+            <a:t>Standard Deviation</a:t>
+          </a:r>
+        </a:p>
+      </dgm:t>
+    </dgm:pt>
+    <dgm:pt modelId="{AEECA90E-8EFE-4542-83A2-180D21ED7D48}" type="parTrans" cxnId="{4EDC311A-9492-41D5-8103-1113893D5126}">
+      <dgm:prSet/>
+      <dgm:spPr/>
+      <dgm:t>
+        <a:bodyPr/>
+        <a:lstStyle/>
+        <a:p>
+          <a:endParaRPr lang="en-US"/>
+        </a:p>
+      </dgm:t>
+    </dgm:pt>
+    <dgm:pt modelId="{AB2F9109-BC59-4E3D-8CB6-9D44E601B9A5}" type="sibTrans" cxnId="{4EDC311A-9492-41D5-8103-1113893D5126}">
+      <dgm:prSet/>
+      <dgm:spPr/>
+      <dgm:t>
+        <a:bodyPr/>
+        <a:lstStyle/>
+        <a:p>
+          <a:endParaRPr lang="en-US"/>
+        </a:p>
+      </dgm:t>
+    </dgm:pt>
+    <dgm:pt modelId="{B997664E-6E6E-4743-9D91-87B6C1355766}">
+      <dgm:prSet phldrT="[Text]"/>
+      <dgm:spPr/>
+      <dgm:t>
+        <a:bodyPr/>
+        <a:lstStyle/>
+        <a:p>
+          <a:r>
+            <a:rPr lang="en-US" dirty="0"/>
+            <a:t>Mean Values</a:t>
+          </a:r>
+        </a:p>
+      </dgm:t>
+    </dgm:pt>
+    <dgm:pt modelId="{4F213B43-BAFD-4FEC-BF1B-6A8C27D865AC}" type="parTrans" cxnId="{F5CE660B-3403-46C2-BC30-494A9C465902}">
+      <dgm:prSet/>
+      <dgm:spPr/>
+      <dgm:t>
+        <a:bodyPr/>
+        <a:lstStyle/>
+        <a:p>
+          <a:endParaRPr lang="en-US"/>
+        </a:p>
+      </dgm:t>
+    </dgm:pt>
+    <dgm:pt modelId="{4CAE78EA-6A92-42ED-892E-C9C3B301EA31}" type="sibTrans" cxnId="{F5CE660B-3403-46C2-BC30-494A9C465902}">
+      <dgm:prSet/>
+      <dgm:spPr/>
+      <dgm:t>
+        <a:bodyPr/>
+        <a:lstStyle/>
+        <a:p>
+          <a:endParaRPr lang="en-US"/>
+        </a:p>
+      </dgm:t>
+    </dgm:pt>
+    <dgm:pt modelId="{5CE35E04-F5E4-4721-94AF-7CDC4E20A807}">
+      <dgm:prSet phldrT="[Text]"/>
+      <dgm:spPr/>
+      <dgm:t>
+        <a:bodyPr/>
+        <a:lstStyle/>
+        <a:p>
+          <a:r>
+            <a:rPr lang="en-US" dirty="0"/>
+            <a:t>Monte Carlos Simulation</a:t>
+          </a:r>
+        </a:p>
+      </dgm:t>
+    </dgm:pt>
+    <dgm:pt modelId="{967C0489-F5EA-488A-BC94-FCE908561810}" type="parTrans" cxnId="{80445E5D-187D-411A-991B-1AA784F26DBE}">
+      <dgm:prSet/>
+      <dgm:spPr/>
+      <dgm:t>
+        <a:bodyPr/>
+        <a:lstStyle/>
+        <a:p>
+          <a:endParaRPr lang="en-US"/>
+        </a:p>
+      </dgm:t>
+    </dgm:pt>
+    <dgm:pt modelId="{786A9C46-5260-4DEB-9D16-DDC9FBAB2329}" type="sibTrans" cxnId="{80445E5D-187D-411A-991B-1AA784F26DBE}">
+      <dgm:prSet/>
+      <dgm:spPr/>
+      <dgm:t>
+        <a:bodyPr/>
+        <a:lstStyle/>
+        <a:p>
+          <a:endParaRPr lang="en-US"/>
+        </a:p>
+      </dgm:t>
+    </dgm:pt>
+    <dgm:pt modelId="{96AC9EB7-1DF2-4E4B-9974-3785D2AD65D7}">
+      <dgm:prSet phldrT="[Text]"/>
+      <dgm:spPr/>
+      <dgm:t>
+        <a:bodyPr/>
+        <a:lstStyle/>
+        <a:p>
+          <a:r>
+            <a:rPr lang="en-US" dirty="0"/>
+            <a:t>Random Number Generations</a:t>
+          </a:r>
+        </a:p>
+      </dgm:t>
+    </dgm:pt>
+    <dgm:pt modelId="{67895460-BB28-42DC-94C7-22DD99516FE2}" type="parTrans" cxnId="{88CB925D-B1E4-46F0-8CBD-D059E660EFCE}">
+      <dgm:prSet/>
+      <dgm:spPr/>
+      <dgm:t>
+        <a:bodyPr/>
+        <a:lstStyle/>
+        <a:p>
+          <a:endParaRPr lang="en-US"/>
+        </a:p>
+      </dgm:t>
+    </dgm:pt>
+    <dgm:pt modelId="{680ED7AD-C210-4018-9A92-A9AC5F861522}" type="sibTrans" cxnId="{88CB925D-B1E4-46F0-8CBD-D059E660EFCE}">
+      <dgm:prSet/>
+      <dgm:spPr/>
+      <dgm:t>
+        <a:bodyPr/>
+        <a:lstStyle/>
+        <a:p>
+          <a:endParaRPr lang="en-US"/>
+        </a:p>
+      </dgm:t>
+    </dgm:pt>
+    <dgm:pt modelId="{550EE69F-C8CC-4B52-88CF-DC0260BFC8BD}">
+      <dgm:prSet phldrT="[Text]"/>
+      <dgm:spPr/>
+      <dgm:t>
+        <a:bodyPr/>
+        <a:lstStyle/>
+        <a:p>
+          <a:r>
+            <a:rPr lang="en-US" dirty="0"/>
+            <a:t>Read CSV / Excel / HTML</a:t>
+          </a:r>
+        </a:p>
+      </dgm:t>
+    </dgm:pt>
+    <dgm:pt modelId="{BC836E39-510A-4017-B91C-D508737E7472}" type="sibTrans" cxnId="{825C18A8-AF51-40D0-97E9-9B436C1406DE}">
+      <dgm:prSet/>
+      <dgm:spPr/>
+      <dgm:t>
+        <a:bodyPr/>
+        <a:lstStyle/>
+        <a:p>
+          <a:endParaRPr lang="en-US"/>
+        </a:p>
+      </dgm:t>
+    </dgm:pt>
+    <dgm:pt modelId="{B2C4AC69-B9F0-4D87-9D84-407206DDCAF1}" type="parTrans" cxnId="{825C18A8-AF51-40D0-97E9-9B436C1406DE}">
+      <dgm:prSet/>
+      <dgm:spPr/>
+      <dgm:t>
+        <a:bodyPr/>
+        <a:lstStyle/>
+        <a:p>
+          <a:endParaRPr lang="en-US"/>
+        </a:p>
+      </dgm:t>
+    </dgm:pt>
+    <dgm:pt modelId="{D5408FF9-97AA-43A6-AC6B-D9CE2006C694}">
+      <dgm:prSet phldrT="[Text]"/>
+      <dgm:spPr/>
+      <dgm:t>
+        <a:bodyPr/>
+        <a:lstStyle/>
+        <a:p>
+          <a:r>
+            <a:rPr lang="en-US" dirty="0"/>
+            <a:t>Transpose Data Frames</a:t>
+          </a:r>
+        </a:p>
+      </dgm:t>
+    </dgm:pt>
+    <dgm:pt modelId="{F1773176-9F1C-44BB-A9E9-3C8B2F412F0E}" type="sibTrans" cxnId="{0BF1DA8D-6F5A-4231-A0CA-0F3647678E03}">
+      <dgm:prSet/>
+      <dgm:spPr/>
+      <dgm:t>
+        <a:bodyPr/>
+        <a:lstStyle/>
+        <a:p>
+          <a:endParaRPr lang="en-US"/>
+        </a:p>
+      </dgm:t>
+    </dgm:pt>
+    <dgm:pt modelId="{04831A81-9A21-47E7-A0A5-CDD131BB8262}" type="parTrans" cxnId="{0BF1DA8D-6F5A-4231-A0CA-0F3647678E03}">
+      <dgm:prSet/>
+      <dgm:spPr/>
+      <dgm:t>
+        <a:bodyPr/>
+        <a:lstStyle/>
+        <a:p>
+          <a:endParaRPr lang="en-US"/>
+        </a:p>
+      </dgm:t>
+    </dgm:pt>
+    <dgm:pt modelId="{75E100F4-8BF3-4C92-B13A-7B9F8E04BC92}">
+      <dgm:prSet phldrT="[Text]"/>
+      <dgm:spPr/>
+      <dgm:t>
+        <a:bodyPr/>
+        <a:lstStyle/>
+        <a:p>
+          <a:r>
+            <a:rPr lang="en-US" dirty="0"/>
+            <a:t>Dropped Null Values </a:t>
+          </a:r>
+        </a:p>
+      </dgm:t>
+    </dgm:pt>
+    <dgm:pt modelId="{5661777A-D155-45E2-A667-935A3677263C}" type="sibTrans" cxnId="{9E6770B8-8692-4633-9FEA-5981E92C5A8E}">
+      <dgm:prSet/>
+      <dgm:spPr/>
+      <dgm:t>
+        <a:bodyPr/>
+        <a:lstStyle/>
+        <a:p>
+          <a:endParaRPr lang="en-US"/>
+        </a:p>
+      </dgm:t>
+    </dgm:pt>
+    <dgm:pt modelId="{35E058FC-0471-4B2A-A6F1-736602C98B03}" type="parTrans" cxnId="{9E6770B8-8692-4633-9FEA-5981E92C5A8E}">
+      <dgm:prSet/>
+      <dgm:spPr/>
+      <dgm:t>
+        <a:bodyPr/>
+        <a:lstStyle/>
+        <a:p>
+          <a:endParaRPr lang="en-US"/>
+        </a:p>
+      </dgm:t>
+    </dgm:pt>
+    <dgm:pt modelId="{E66CFF90-197B-4EBC-9198-5FB9EB1D9CF6}">
+      <dgm:prSet phldrT="[Text]"/>
+      <dgm:spPr/>
+      <dgm:t>
+        <a:bodyPr/>
+        <a:lstStyle/>
+        <a:p>
+          <a:r>
+            <a:rPr lang="en-US" dirty="0"/>
+            <a:t>Calculate % Change</a:t>
+          </a:r>
+        </a:p>
+      </dgm:t>
+    </dgm:pt>
+    <dgm:pt modelId="{2A75C011-F819-473C-946F-A1A1D6C3FA0C}" type="sibTrans" cxnId="{8B6F0704-B34B-4124-8EF0-595580FBF619}">
+      <dgm:prSet/>
+      <dgm:spPr/>
+      <dgm:t>
+        <a:bodyPr/>
+        <a:lstStyle/>
+        <a:p>
+          <a:endParaRPr lang="en-US"/>
+        </a:p>
+      </dgm:t>
+    </dgm:pt>
+    <dgm:pt modelId="{E0FB0B20-C4B3-4949-AD71-459AD82B60CC}" type="parTrans" cxnId="{8B6F0704-B34B-4124-8EF0-595580FBF619}">
+      <dgm:prSet/>
+      <dgm:spPr/>
+      <dgm:t>
+        <a:bodyPr/>
+        <a:lstStyle/>
+        <a:p>
+          <a:endParaRPr lang="en-US"/>
+        </a:p>
+      </dgm:t>
+    </dgm:pt>
+    <dgm:pt modelId="{DF334197-20A9-4B8A-9E70-A58B3E217A4B}">
+      <dgm:prSet phldrT="[Text]"/>
+      <dgm:spPr/>
+      <dgm:t>
+        <a:bodyPr/>
+        <a:lstStyle/>
+        <a:p>
+          <a:r>
+            <a:rPr lang="en-US" dirty="0"/>
+            <a:t>Name / Order Columns</a:t>
+          </a:r>
+        </a:p>
+      </dgm:t>
+    </dgm:pt>
+    <dgm:pt modelId="{1DD4915D-A1F8-4E9F-B30F-5A0DCB4D454B}" type="sibTrans" cxnId="{FB36258D-B12C-43BA-A21B-FF12CFCFD8C1}">
+      <dgm:prSet/>
+      <dgm:spPr/>
+      <dgm:t>
+        <a:bodyPr/>
+        <a:lstStyle/>
+        <a:p>
+          <a:endParaRPr lang="en-US"/>
+        </a:p>
+      </dgm:t>
+    </dgm:pt>
+    <dgm:pt modelId="{CA0C7F92-79FE-4BF3-AFA8-65D15DF704C5}" type="parTrans" cxnId="{FB36258D-B12C-43BA-A21B-FF12CFCFD8C1}">
+      <dgm:prSet/>
+      <dgm:spPr/>
+      <dgm:t>
+        <a:bodyPr/>
+        <a:lstStyle/>
+        <a:p>
+          <a:endParaRPr lang="en-US"/>
+        </a:p>
+      </dgm:t>
+    </dgm:pt>
+    <dgm:pt modelId="{7A125C7F-1971-4882-A563-F559D7191D44}">
+      <dgm:prSet phldrT="[Text]"/>
+      <dgm:spPr/>
+      <dgm:t>
+        <a:bodyPr/>
+        <a:lstStyle/>
+        <a:p>
+          <a:r>
+            <a:rPr lang="en-US" dirty="0"/>
+            <a:t>Fill Blank Cells</a:t>
+          </a:r>
+        </a:p>
+      </dgm:t>
+    </dgm:pt>
+    <dgm:pt modelId="{0E1A2EE7-D01A-4DEA-B242-242AFAFE2132}" type="sibTrans" cxnId="{405BB15E-7A1E-45A6-8EEE-81EF7082224E}">
+      <dgm:prSet/>
+      <dgm:spPr/>
+      <dgm:t>
+        <a:bodyPr/>
+        <a:lstStyle/>
+        <a:p>
+          <a:endParaRPr lang="en-US"/>
+        </a:p>
+      </dgm:t>
+    </dgm:pt>
+    <dgm:pt modelId="{90758FE6-6074-4A96-B5F0-3D709999F29A}" type="parTrans" cxnId="{405BB15E-7A1E-45A6-8EEE-81EF7082224E}">
+      <dgm:prSet/>
+      <dgm:spPr/>
+      <dgm:t>
+        <a:bodyPr/>
+        <a:lstStyle/>
+        <a:p>
+          <a:endParaRPr lang="en-US"/>
+        </a:p>
+      </dgm:t>
+    </dgm:pt>
+    <dgm:pt modelId="{61B13824-9265-4B50-A1DF-3205552A31D0}">
+      <dgm:prSet phldrT="[Text]"/>
+      <dgm:spPr/>
+      <dgm:t>
+        <a:bodyPr/>
+        <a:lstStyle/>
+        <a:p>
+          <a:r>
+            <a:rPr lang="en-US" dirty="0"/>
+            <a:t>Concatenate Data Frames</a:t>
+          </a:r>
+        </a:p>
+      </dgm:t>
+    </dgm:pt>
+    <dgm:pt modelId="{F396C678-71F1-455D-AA72-CD4203424F69}" type="sibTrans" cxnId="{F1D75D5F-81A6-4E5E-9FA5-61C239AC9EC6}">
+      <dgm:prSet/>
+      <dgm:spPr/>
+      <dgm:t>
+        <a:bodyPr/>
+        <a:lstStyle/>
+        <a:p>
+          <a:endParaRPr lang="en-US"/>
+        </a:p>
+      </dgm:t>
+    </dgm:pt>
+    <dgm:pt modelId="{3F47A035-FACD-48D1-910F-0477AF224139}" type="parTrans" cxnId="{F1D75D5F-81A6-4E5E-9FA5-61C239AC9EC6}">
+      <dgm:prSet/>
+      <dgm:spPr/>
+      <dgm:t>
+        <a:bodyPr/>
+        <a:lstStyle/>
+        <a:p>
+          <a:endParaRPr lang="en-US"/>
+        </a:p>
+      </dgm:t>
+    </dgm:pt>
+    <dgm:pt modelId="{CA81BDFF-0F89-4B20-941E-0C10D5080CEC}" type="pres">
+      <dgm:prSet presAssocID="{4DDEA979-00F6-4D26-A58A-354F1FA94D3A}" presName="Name0" presStyleCnt="0">
+        <dgm:presLayoutVars>
+          <dgm:dir/>
+          <dgm:animLvl val="lvl"/>
+          <dgm:resizeHandles val="exact"/>
+        </dgm:presLayoutVars>
+      </dgm:prSet>
+      <dgm:spPr/>
+    </dgm:pt>
+    <dgm:pt modelId="{E6D7E981-5688-4D1D-A748-213DB9C9E82E}" type="pres">
+      <dgm:prSet presAssocID="{702D8FAB-D572-4785-872D-823D7E06FF0E}" presName="linNode" presStyleCnt="0"/>
+      <dgm:spPr/>
+    </dgm:pt>
+    <dgm:pt modelId="{E2D3A282-75AF-447E-B834-B4754095DDE6}" type="pres">
+      <dgm:prSet presAssocID="{702D8FAB-D572-4785-872D-823D7E06FF0E}" presName="parTx" presStyleLbl="revTx" presStyleIdx="0" presStyleCnt="5">
+        <dgm:presLayoutVars>
+          <dgm:chMax val="1"/>
+          <dgm:bulletEnabled val="1"/>
+        </dgm:presLayoutVars>
+      </dgm:prSet>
+      <dgm:spPr/>
+    </dgm:pt>
+    <dgm:pt modelId="{F9C733A0-2C4D-4533-9C42-DDBDF80F78D0}" type="pres">
+      <dgm:prSet presAssocID="{702D8FAB-D572-4785-872D-823D7E06FF0E}" presName="bracket" presStyleLbl="parChTrans1D1" presStyleIdx="0" presStyleCnt="5"/>
+      <dgm:spPr/>
+    </dgm:pt>
+    <dgm:pt modelId="{207199ED-7466-4414-8D1B-CCC1D7143E9E}" type="pres">
+      <dgm:prSet presAssocID="{702D8FAB-D572-4785-872D-823D7E06FF0E}" presName="spH" presStyleCnt="0"/>
+      <dgm:spPr/>
+    </dgm:pt>
+    <dgm:pt modelId="{7A96DE75-255B-4685-865C-02DE0D6F2453}" type="pres">
+      <dgm:prSet presAssocID="{702D8FAB-D572-4785-872D-823D7E06FF0E}" presName="desTx" presStyleLbl="node1" presStyleIdx="0" presStyleCnt="5">
+        <dgm:presLayoutVars>
+          <dgm:bulletEnabled val="1"/>
+        </dgm:presLayoutVars>
+      </dgm:prSet>
+      <dgm:spPr/>
+    </dgm:pt>
+    <dgm:pt modelId="{22B9AC6E-5B20-4F78-B491-B27E21F5C307}" type="pres">
+      <dgm:prSet presAssocID="{21E66362-B952-4FF6-924A-360387E06751}" presName="spV" presStyleCnt="0"/>
+      <dgm:spPr/>
+    </dgm:pt>
+    <dgm:pt modelId="{05ED852C-358A-4B98-A0BE-D974A3928C28}" type="pres">
+      <dgm:prSet presAssocID="{0A656F42-B14D-468A-BBC5-63C8292F7620}" presName="linNode" presStyleCnt="0"/>
+      <dgm:spPr/>
+    </dgm:pt>
+    <dgm:pt modelId="{8637DFE7-A81A-4AF6-BE18-D83D9BF069DF}" type="pres">
+      <dgm:prSet presAssocID="{0A656F42-B14D-468A-BBC5-63C8292F7620}" presName="parTx" presStyleLbl="revTx" presStyleIdx="1" presStyleCnt="5">
+        <dgm:presLayoutVars>
+          <dgm:chMax val="1"/>
+          <dgm:bulletEnabled val="1"/>
+        </dgm:presLayoutVars>
+      </dgm:prSet>
+      <dgm:spPr/>
+    </dgm:pt>
+    <dgm:pt modelId="{E354B591-2007-4F48-8C99-22713FBA1A19}" type="pres">
+      <dgm:prSet presAssocID="{0A656F42-B14D-468A-BBC5-63C8292F7620}" presName="bracket" presStyleLbl="parChTrans1D1" presStyleIdx="1" presStyleCnt="5"/>
+      <dgm:spPr/>
+    </dgm:pt>
+    <dgm:pt modelId="{F901DDD4-B155-44CC-89B9-806A8694E1CA}" type="pres">
+      <dgm:prSet presAssocID="{0A656F42-B14D-468A-BBC5-63C8292F7620}" presName="spH" presStyleCnt="0"/>
+      <dgm:spPr/>
+    </dgm:pt>
+    <dgm:pt modelId="{E0919275-8407-43DC-B61F-E9A617984F43}" type="pres">
+      <dgm:prSet presAssocID="{0A656F42-B14D-468A-BBC5-63C8292F7620}" presName="desTx" presStyleLbl="node1" presStyleIdx="1" presStyleCnt="5">
+        <dgm:presLayoutVars>
+          <dgm:bulletEnabled val="1"/>
+        </dgm:presLayoutVars>
+      </dgm:prSet>
+      <dgm:spPr/>
+    </dgm:pt>
+    <dgm:pt modelId="{B9EE2EC4-5B45-4D30-AEAF-14FB731F5C1C}" type="pres">
+      <dgm:prSet presAssocID="{D78B5355-9E34-4C5F-AF57-E51FB66BB212}" presName="spV" presStyleCnt="0"/>
+      <dgm:spPr/>
+    </dgm:pt>
+    <dgm:pt modelId="{309065E1-9E8C-4DA9-AC4A-C9D2958F5873}" type="pres">
+      <dgm:prSet presAssocID="{EAE172DC-1DD6-4825-8E30-7EE2FF8C1BDB}" presName="linNode" presStyleCnt="0"/>
+      <dgm:spPr/>
+    </dgm:pt>
+    <dgm:pt modelId="{EC5EE6F0-DC81-40DB-B2B1-3374EAFED1C4}" type="pres">
+      <dgm:prSet presAssocID="{EAE172DC-1DD6-4825-8E30-7EE2FF8C1BDB}" presName="parTx" presStyleLbl="revTx" presStyleIdx="2" presStyleCnt="5">
+        <dgm:presLayoutVars>
+          <dgm:chMax val="1"/>
+          <dgm:bulletEnabled val="1"/>
+        </dgm:presLayoutVars>
+      </dgm:prSet>
+      <dgm:spPr/>
+    </dgm:pt>
+    <dgm:pt modelId="{DC12D579-9A09-480E-9B0C-EBF57A8BBE00}" type="pres">
+      <dgm:prSet presAssocID="{EAE172DC-1DD6-4825-8E30-7EE2FF8C1BDB}" presName="bracket" presStyleLbl="parChTrans1D1" presStyleIdx="2" presStyleCnt="5"/>
+      <dgm:spPr/>
+    </dgm:pt>
+    <dgm:pt modelId="{156258E2-4546-41C4-A706-DEFB45E2497D}" type="pres">
+      <dgm:prSet presAssocID="{EAE172DC-1DD6-4825-8E30-7EE2FF8C1BDB}" presName="spH" presStyleCnt="0"/>
+      <dgm:spPr/>
+    </dgm:pt>
+    <dgm:pt modelId="{D9AEC054-1B6F-412F-99B4-4A044511C5DA}" type="pres">
+      <dgm:prSet presAssocID="{EAE172DC-1DD6-4825-8E30-7EE2FF8C1BDB}" presName="desTx" presStyleLbl="node1" presStyleIdx="2" presStyleCnt="5">
+        <dgm:presLayoutVars>
+          <dgm:bulletEnabled val="1"/>
+        </dgm:presLayoutVars>
+      </dgm:prSet>
+      <dgm:spPr/>
+    </dgm:pt>
+    <dgm:pt modelId="{FD15E9DE-E1A6-439C-B5A7-2F3042F012CA}" type="pres">
+      <dgm:prSet presAssocID="{43FE45EE-2018-4C0C-8B34-BCA4EC1B4005}" presName="spV" presStyleCnt="0"/>
+      <dgm:spPr/>
+    </dgm:pt>
+    <dgm:pt modelId="{42F92A61-CC35-471E-8733-47BC18B58581}" type="pres">
+      <dgm:prSet presAssocID="{D54A34BD-EA49-4C30-9443-5529861F63F7}" presName="linNode" presStyleCnt="0"/>
+      <dgm:spPr/>
+    </dgm:pt>
+    <dgm:pt modelId="{6839FE4E-FB24-484D-9D0D-BA69A65FB8EC}" type="pres">
+      <dgm:prSet presAssocID="{D54A34BD-EA49-4C30-9443-5529861F63F7}" presName="parTx" presStyleLbl="revTx" presStyleIdx="3" presStyleCnt="5">
+        <dgm:presLayoutVars>
+          <dgm:chMax val="1"/>
+          <dgm:bulletEnabled val="1"/>
+        </dgm:presLayoutVars>
+      </dgm:prSet>
+      <dgm:spPr/>
+    </dgm:pt>
+    <dgm:pt modelId="{F4980296-5968-47CA-A718-D3C40AD143FA}" type="pres">
+      <dgm:prSet presAssocID="{D54A34BD-EA49-4C30-9443-5529861F63F7}" presName="bracket" presStyleLbl="parChTrans1D1" presStyleIdx="3" presStyleCnt="5"/>
+      <dgm:spPr/>
+    </dgm:pt>
+    <dgm:pt modelId="{A41E762E-B28B-4968-BCE5-EC884F2D5951}" type="pres">
+      <dgm:prSet presAssocID="{D54A34BD-EA49-4C30-9443-5529861F63F7}" presName="spH" presStyleCnt="0"/>
+      <dgm:spPr/>
+    </dgm:pt>
+    <dgm:pt modelId="{C89F334D-08CD-4A2F-AB45-28C4BF063B80}" type="pres">
+      <dgm:prSet presAssocID="{D54A34BD-EA49-4C30-9443-5529861F63F7}" presName="desTx" presStyleLbl="node1" presStyleIdx="3" presStyleCnt="5">
+        <dgm:presLayoutVars>
+          <dgm:bulletEnabled val="1"/>
+        </dgm:presLayoutVars>
+      </dgm:prSet>
+      <dgm:spPr/>
+    </dgm:pt>
+    <dgm:pt modelId="{3FD6A9A9-555D-407A-A0D7-508AA24F8B87}" type="pres">
+      <dgm:prSet presAssocID="{116C553B-1097-48B3-88F5-2E13277D39EE}" presName="spV" presStyleCnt="0"/>
+      <dgm:spPr/>
+    </dgm:pt>
+    <dgm:pt modelId="{86F6C291-7387-48F0-82C9-9963C3DAD40A}" type="pres">
+      <dgm:prSet presAssocID="{99421A2D-A868-43B5-AA41-0A70C4A2162D}" presName="linNode" presStyleCnt="0"/>
+      <dgm:spPr/>
+    </dgm:pt>
+    <dgm:pt modelId="{4342207A-BE72-4470-917E-2E4A633C2EA0}" type="pres">
+      <dgm:prSet presAssocID="{99421A2D-A868-43B5-AA41-0A70C4A2162D}" presName="parTx" presStyleLbl="revTx" presStyleIdx="4" presStyleCnt="5">
+        <dgm:presLayoutVars>
+          <dgm:chMax val="1"/>
+          <dgm:bulletEnabled val="1"/>
+        </dgm:presLayoutVars>
+      </dgm:prSet>
+      <dgm:spPr/>
+    </dgm:pt>
+    <dgm:pt modelId="{0556E238-C039-4A18-97A5-F7174D8421A9}" type="pres">
+      <dgm:prSet presAssocID="{99421A2D-A868-43B5-AA41-0A70C4A2162D}" presName="bracket" presStyleLbl="parChTrans1D1" presStyleIdx="4" presStyleCnt="5"/>
+      <dgm:spPr/>
+    </dgm:pt>
+    <dgm:pt modelId="{FE46A928-A9C7-45E6-8CA2-BB80E8870C18}" type="pres">
+      <dgm:prSet presAssocID="{99421A2D-A868-43B5-AA41-0A70C4A2162D}" presName="spH" presStyleCnt="0"/>
+      <dgm:spPr/>
+    </dgm:pt>
+    <dgm:pt modelId="{D25F596D-CB3C-498A-B1A7-E6EFF0E20C15}" type="pres">
+      <dgm:prSet presAssocID="{99421A2D-A868-43B5-AA41-0A70C4A2162D}" presName="desTx" presStyleLbl="node1" presStyleIdx="4" presStyleCnt="5">
+        <dgm:presLayoutVars>
+          <dgm:bulletEnabled val="1"/>
+        </dgm:presLayoutVars>
+      </dgm:prSet>
+      <dgm:spPr/>
+    </dgm:pt>
+  </dgm:ptLst>
+  <dgm:cxnLst>
+    <dgm:cxn modelId="{8B6F0704-B34B-4124-8EF0-595580FBF619}" srcId="{702D8FAB-D572-4785-872D-823D7E06FF0E}" destId="{E66CFF90-197B-4EBC-9198-5FB9EB1D9CF6}" srcOrd="3" destOrd="0" parTransId="{E0FB0B20-C4B3-4949-AD71-459AD82B60CC}" sibTransId="{2A75C011-F819-473C-946F-A1A1D6C3FA0C}"/>
+    <dgm:cxn modelId="{6CF29704-E20C-4983-B9F2-69A51D1440FC}" type="presOf" srcId="{D5408FF9-97AA-43A6-AC6B-D9CE2006C694}" destId="{7A96DE75-255B-4685-865C-02DE0D6F2453}" srcOrd="0" destOrd="1" presId="urn:diagrams.loki3.com/BracketList"/>
+    <dgm:cxn modelId="{F5CE660B-3403-46C2-BC30-494A9C465902}" srcId="{0A656F42-B14D-468A-BBC5-63C8292F7620}" destId="{B997664E-6E6E-4743-9D91-87B6C1355766}" srcOrd="1" destOrd="0" parTransId="{4F213B43-BAFD-4FEC-BF1B-6A8C27D865AC}" sibTransId="{4CAE78EA-6A92-42ED-892E-C9C3B301EA31}"/>
+    <dgm:cxn modelId="{4EDC311A-9492-41D5-8103-1113893D5126}" srcId="{0A656F42-B14D-468A-BBC5-63C8292F7620}" destId="{98241CA1-EE28-4FAD-9050-E507A52792DC}" srcOrd="0" destOrd="0" parTransId="{AEECA90E-8EFE-4542-83A2-180D21ED7D48}" sibTransId="{AB2F9109-BC59-4E3D-8CB6-9D44E601B9A5}"/>
+    <dgm:cxn modelId="{0D4C3C1A-F55E-48AE-A160-84848708ED01}" srcId="{4DDEA979-00F6-4D26-A58A-354F1FA94D3A}" destId="{99421A2D-A868-43B5-AA41-0A70C4A2162D}" srcOrd="4" destOrd="0" parTransId="{64B81F7C-7114-4AB3-ACEF-2884F903B99C}" sibTransId="{F0DD9EE1-24FA-4286-AA77-C64D527A771D}"/>
+    <dgm:cxn modelId="{7BD35A29-4FAA-4E6B-AF3A-57094B559F1E}" type="presOf" srcId="{550EE69F-C8CC-4B52-88CF-DC0260BFC8BD}" destId="{7A96DE75-255B-4685-865C-02DE0D6F2453}" srcOrd="0" destOrd="0" presId="urn:diagrams.loki3.com/BracketList"/>
+    <dgm:cxn modelId="{6244922A-F5E3-4197-869C-A3F4CC24AA0E}" srcId="{EAE172DC-1DD6-4825-8E30-7EE2FF8C1BDB}" destId="{CC659045-34D9-4727-9F8B-9F2C70A0367A}" srcOrd="2" destOrd="0" parTransId="{8F66287F-7C76-419B-8305-9EE925185908}" sibTransId="{9DDABCE2-0464-49B9-99E0-87F56809641B}"/>
+    <dgm:cxn modelId="{AED4B22E-AA22-4E32-8100-C8F24D28A840}" type="presOf" srcId="{75E100F4-8BF3-4C92-B13A-7B9F8E04BC92}" destId="{7A96DE75-255B-4685-865C-02DE0D6F2453}" srcOrd="0" destOrd="2" presId="urn:diagrams.loki3.com/BracketList"/>
+    <dgm:cxn modelId="{A35E8731-3F0F-4BB3-A736-B691721E713D}" type="presOf" srcId="{4DDEA979-00F6-4D26-A58A-354F1FA94D3A}" destId="{CA81BDFF-0F89-4B20-941E-0C10D5080CEC}" srcOrd="0" destOrd="0" presId="urn:diagrams.loki3.com/BracketList"/>
+    <dgm:cxn modelId="{80445E5D-187D-411A-991B-1AA784F26DBE}" srcId="{0A656F42-B14D-468A-BBC5-63C8292F7620}" destId="{5CE35E04-F5E4-4721-94AF-7CDC4E20A807}" srcOrd="2" destOrd="0" parTransId="{967C0489-F5EA-488A-BC94-FCE908561810}" sibTransId="{786A9C46-5260-4DEB-9D16-DDC9FBAB2329}"/>
+    <dgm:cxn modelId="{88CB925D-B1E4-46F0-8CBD-D059E660EFCE}" srcId="{0A656F42-B14D-468A-BBC5-63C8292F7620}" destId="{96AC9EB7-1DF2-4E4B-9974-3785D2AD65D7}" srcOrd="3" destOrd="0" parTransId="{67895460-BB28-42DC-94C7-22DD99516FE2}" sibTransId="{680ED7AD-C210-4018-9A92-A9AC5F861522}"/>
+    <dgm:cxn modelId="{405BB15E-7A1E-45A6-8EEE-81EF7082224E}" srcId="{702D8FAB-D572-4785-872D-823D7E06FF0E}" destId="{7A125C7F-1971-4882-A563-F559D7191D44}" srcOrd="5" destOrd="0" parTransId="{90758FE6-6074-4A96-B5F0-3D709999F29A}" sibTransId="{0E1A2EE7-D01A-4DEA-B242-242AFAFE2132}"/>
+    <dgm:cxn modelId="{F1D75D5F-81A6-4E5E-9FA5-61C239AC9EC6}" srcId="{702D8FAB-D572-4785-872D-823D7E06FF0E}" destId="{61B13824-9265-4B50-A1DF-3205552A31D0}" srcOrd="6" destOrd="0" parTransId="{3F47A035-FACD-48D1-910F-0477AF224139}" sibTransId="{F396C678-71F1-455D-AA72-CD4203424F69}"/>
+    <dgm:cxn modelId="{74FEFD61-AA81-4450-925F-AA7F4CBF8E9F}" srcId="{99421A2D-A868-43B5-AA41-0A70C4A2162D}" destId="{05F6036F-1FEC-4131-BF3E-B7D09BB68AED}" srcOrd="0" destOrd="0" parTransId="{82EF2C32-B169-48FB-96D6-D9E3433995C5}" sibTransId="{E22F7975-4940-4C8B-B8CC-5D524B870B59}"/>
+    <dgm:cxn modelId="{E892CC45-D0E8-4926-8DDC-78C8FE14EC35}" srcId="{EAE172DC-1DD6-4825-8E30-7EE2FF8C1BDB}" destId="{2856CCA2-396E-47CD-A5CD-0ABC7B2BCD23}" srcOrd="1" destOrd="0" parTransId="{A5A4CF5B-40A2-4578-BCC2-086F063CB6CD}" sibTransId="{88A88704-8F01-42D6-B4E5-CAD63A44F64D}"/>
+    <dgm:cxn modelId="{E2889E66-1CA4-4F04-8800-4A0FC9AAB6DF}" srcId="{4DDEA979-00F6-4D26-A58A-354F1FA94D3A}" destId="{EAE172DC-1DD6-4825-8E30-7EE2FF8C1BDB}" srcOrd="2" destOrd="0" parTransId="{7817AFD6-7D8D-4EE8-B794-053C5103C77D}" sibTransId="{43FE45EE-2018-4C0C-8B34-BCA4EC1B4005}"/>
+    <dgm:cxn modelId="{E6EF2D69-1D0A-474B-9E3B-B6BD11ACF543}" type="presOf" srcId="{2856CCA2-396E-47CD-A5CD-0ABC7B2BCD23}" destId="{D9AEC054-1B6F-412F-99B4-4A044511C5DA}" srcOrd="0" destOrd="1" presId="urn:diagrams.loki3.com/BracketList"/>
+    <dgm:cxn modelId="{A166CE6F-3A7D-4B64-B412-7086A20AFFCC}" type="presOf" srcId="{37A71D09-5314-4A3D-8BEB-E9384CD481F9}" destId="{C89F334D-08CD-4A2F-AB45-28C4BF063B80}" srcOrd="0" destOrd="0" presId="urn:diagrams.loki3.com/BracketList"/>
+    <dgm:cxn modelId="{0C4BE86F-4C1F-46D3-8891-ECE9B278A2BC}" type="presOf" srcId="{99421A2D-A868-43B5-AA41-0A70C4A2162D}" destId="{4342207A-BE72-4470-917E-2E4A633C2EA0}" srcOrd="0" destOrd="0" presId="urn:diagrams.loki3.com/BracketList"/>
+    <dgm:cxn modelId="{ED56A552-1D3E-481D-A86D-3224A625C8A5}" type="presOf" srcId="{702D8FAB-D572-4785-872D-823D7E06FF0E}" destId="{E2D3A282-75AF-447E-B834-B4754095DDE6}" srcOrd="0" destOrd="0" presId="urn:diagrams.loki3.com/BracketList"/>
+    <dgm:cxn modelId="{98432773-0205-4DC1-BD11-E0218A780CB1}" type="presOf" srcId="{EAE172DC-1DD6-4825-8E30-7EE2FF8C1BDB}" destId="{EC5EE6F0-DC81-40DB-B2B1-3374EAFED1C4}" srcOrd="0" destOrd="0" presId="urn:diagrams.loki3.com/BracketList"/>
+    <dgm:cxn modelId="{2288C174-85A2-4E8E-AD7C-A9322903A3CF}" srcId="{D54A34BD-EA49-4C30-9443-5529861F63F7}" destId="{37A71D09-5314-4A3D-8BEB-E9384CD481F9}" srcOrd="0" destOrd="0" parTransId="{B4DF77F0-184A-4F10-B684-7506909C8618}" sibTransId="{D8ECF1E3-79E7-48BA-BE38-4A2B38A30119}"/>
+    <dgm:cxn modelId="{AC81D259-74AE-4297-B2F9-97B763939D38}" srcId="{4DDEA979-00F6-4D26-A58A-354F1FA94D3A}" destId="{702D8FAB-D572-4785-872D-823D7E06FF0E}" srcOrd="0" destOrd="0" parTransId="{61611AF8-319A-4355-B449-31B904DBB784}" sibTransId="{21E66362-B952-4FF6-924A-360387E06751}"/>
+    <dgm:cxn modelId="{353F7786-0B19-4D30-A477-BB87D6CE2066}" type="presOf" srcId="{D54A34BD-EA49-4C30-9443-5529861F63F7}" destId="{6839FE4E-FB24-484D-9D0D-BA69A65FB8EC}" srcOrd="0" destOrd="0" presId="urn:diagrams.loki3.com/BracketList"/>
+    <dgm:cxn modelId="{AF70E687-25BB-400A-98C6-34E9D5B36CB0}" type="presOf" srcId="{DF334197-20A9-4B8A-9E70-A58B3E217A4B}" destId="{7A96DE75-255B-4685-865C-02DE0D6F2453}" srcOrd="0" destOrd="4" presId="urn:diagrams.loki3.com/BracketList"/>
+    <dgm:cxn modelId="{9C125B8C-D04D-4107-9A55-B6ECAA5826AE}" srcId="{4DDEA979-00F6-4D26-A58A-354F1FA94D3A}" destId="{0A656F42-B14D-468A-BBC5-63C8292F7620}" srcOrd="1" destOrd="0" parTransId="{DA2EC68F-6678-4C2E-8BE5-0CAC92DBB8AA}" sibTransId="{D78B5355-9E34-4C5F-AF57-E51FB66BB212}"/>
+    <dgm:cxn modelId="{FB36258D-B12C-43BA-A21B-FF12CFCFD8C1}" srcId="{702D8FAB-D572-4785-872D-823D7E06FF0E}" destId="{DF334197-20A9-4B8A-9E70-A58B3E217A4B}" srcOrd="4" destOrd="0" parTransId="{CA0C7F92-79FE-4BF3-AFA8-65D15DF704C5}" sibTransId="{1DD4915D-A1F8-4E9F-B30F-5A0DCB4D454B}"/>
+    <dgm:cxn modelId="{0BF1DA8D-6F5A-4231-A0CA-0F3647678E03}" srcId="{702D8FAB-D572-4785-872D-823D7E06FF0E}" destId="{D5408FF9-97AA-43A6-AC6B-D9CE2006C694}" srcOrd="1" destOrd="0" parTransId="{04831A81-9A21-47E7-A0A5-CDD131BB8262}" sibTransId="{F1773176-9F1C-44BB-A9E9-3C8B2F412F0E}"/>
+    <dgm:cxn modelId="{E904DAA2-1E38-4BF6-87AB-C8736C22AE68}" type="presOf" srcId="{5CE35E04-F5E4-4721-94AF-7CDC4E20A807}" destId="{E0919275-8407-43DC-B61F-E9A617984F43}" srcOrd="0" destOrd="2" presId="urn:diagrams.loki3.com/BracketList"/>
+    <dgm:cxn modelId="{825C18A8-AF51-40D0-97E9-9B436C1406DE}" srcId="{702D8FAB-D572-4785-872D-823D7E06FF0E}" destId="{550EE69F-C8CC-4B52-88CF-DC0260BFC8BD}" srcOrd="0" destOrd="0" parTransId="{B2C4AC69-B9F0-4D87-9D84-407206DDCAF1}" sibTransId="{BC836E39-510A-4017-B91C-D508737E7472}"/>
+    <dgm:cxn modelId="{117F39AF-D8D9-4197-AEEF-9C5F618134CC}" type="presOf" srcId="{B997664E-6E6E-4743-9D91-87B6C1355766}" destId="{E0919275-8407-43DC-B61F-E9A617984F43}" srcOrd="0" destOrd="1" presId="urn:diagrams.loki3.com/BracketList"/>
+    <dgm:cxn modelId="{9979E4B0-A52F-485E-90BD-F21BB458EB7B}" type="presOf" srcId="{98241CA1-EE28-4FAD-9050-E507A52792DC}" destId="{E0919275-8407-43DC-B61F-E9A617984F43}" srcOrd="0" destOrd="0" presId="urn:diagrams.loki3.com/BracketList"/>
+    <dgm:cxn modelId="{C31108B5-2DBA-4AFF-B256-62C10E5EF769}" type="presOf" srcId="{CC659045-34D9-4727-9F8B-9F2C70A0367A}" destId="{D9AEC054-1B6F-412F-99B4-4A044511C5DA}" srcOrd="0" destOrd="2" presId="urn:diagrams.loki3.com/BracketList"/>
+    <dgm:cxn modelId="{9E6770B8-8692-4633-9FEA-5981E92C5A8E}" srcId="{702D8FAB-D572-4785-872D-823D7E06FF0E}" destId="{75E100F4-8BF3-4C92-B13A-7B9F8E04BC92}" srcOrd="2" destOrd="0" parTransId="{35E058FC-0471-4B2A-A6F1-736602C98B03}" sibTransId="{5661777A-D155-45E2-A667-935A3677263C}"/>
+    <dgm:cxn modelId="{481148C2-B1FA-4C54-8B92-88A8EE3FFC71}" type="presOf" srcId="{E66CFF90-197B-4EBC-9198-5FB9EB1D9CF6}" destId="{7A96DE75-255B-4685-865C-02DE0D6F2453}" srcOrd="0" destOrd="3" presId="urn:diagrams.loki3.com/BracketList"/>
+    <dgm:cxn modelId="{3244AAC9-709F-490B-91ED-BCD8E4BAED2C}" type="presOf" srcId="{7A125C7F-1971-4882-A563-F559D7191D44}" destId="{7A96DE75-255B-4685-865C-02DE0D6F2453}" srcOrd="0" destOrd="5" presId="urn:diagrams.loki3.com/BracketList"/>
+    <dgm:cxn modelId="{D17822CA-3905-428B-B0E7-8ABB4C88E257}" type="presOf" srcId="{E1BFA3BC-BC9B-4A6A-B727-135E888EF701}" destId="{D9AEC054-1B6F-412F-99B4-4A044511C5DA}" srcOrd="0" destOrd="0" presId="urn:diagrams.loki3.com/BracketList"/>
+    <dgm:cxn modelId="{C968EDCC-A84C-4FD2-A8EF-50EB8972631C}" type="presOf" srcId="{0A656F42-B14D-468A-BBC5-63C8292F7620}" destId="{8637DFE7-A81A-4AF6-BE18-D83D9BF069DF}" srcOrd="0" destOrd="0" presId="urn:diagrams.loki3.com/BracketList"/>
+    <dgm:cxn modelId="{14E691E1-054C-4446-9AFB-17200318F676}" type="presOf" srcId="{96AC9EB7-1DF2-4E4B-9974-3785D2AD65D7}" destId="{E0919275-8407-43DC-B61F-E9A617984F43}" srcOrd="0" destOrd="3" presId="urn:diagrams.loki3.com/BracketList"/>
+    <dgm:cxn modelId="{39223BE3-FDCE-4AA2-858A-B6CDB6B7B651}" type="presOf" srcId="{61B13824-9265-4B50-A1DF-3205552A31D0}" destId="{7A96DE75-255B-4685-865C-02DE0D6F2453}" srcOrd="0" destOrd="6" presId="urn:diagrams.loki3.com/BracketList"/>
+    <dgm:cxn modelId="{A63346EE-15AE-4724-A4DC-05CE0C572590}" type="presOf" srcId="{05F6036F-1FEC-4131-BF3E-B7D09BB68AED}" destId="{D25F596D-CB3C-498A-B1A7-E6EFF0E20C15}" srcOrd="0" destOrd="0" presId="urn:diagrams.loki3.com/BracketList"/>
+    <dgm:cxn modelId="{D2AFABF4-F58A-4E75-8372-B5EAD2257883}" srcId="{4DDEA979-00F6-4D26-A58A-354F1FA94D3A}" destId="{D54A34BD-EA49-4C30-9443-5529861F63F7}" srcOrd="3" destOrd="0" parTransId="{2DC4415D-4BEB-4B2F-9C63-FC04CDE16849}" sibTransId="{116C553B-1097-48B3-88F5-2E13277D39EE}"/>
+    <dgm:cxn modelId="{0C9F3FFF-D516-4088-93B7-F9655E42DEE7}" srcId="{EAE172DC-1DD6-4825-8E30-7EE2FF8C1BDB}" destId="{E1BFA3BC-BC9B-4A6A-B727-135E888EF701}" srcOrd="0" destOrd="0" parTransId="{01775667-E712-4C09-8C5B-AC1EA470524B}" sibTransId="{2B30A4EC-A8C8-4B8F-9063-A5EDCEC45540}"/>
+    <dgm:cxn modelId="{993E7C9E-C72D-479F-BEE1-3C529C092C61}" type="presParOf" srcId="{CA81BDFF-0F89-4B20-941E-0C10D5080CEC}" destId="{E6D7E981-5688-4D1D-A748-213DB9C9E82E}" srcOrd="0" destOrd="0" presId="urn:diagrams.loki3.com/BracketList"/>
+    <dgm:cxn modelId="{1E28CC49-066A-4212-BBA7-5F86C731F4A1}" type="presParOf" srcId="{E6D7E981-5688-4D1D-A748-213DB9C9E82E}" destId="{E2D3A282-75AF-447E-B834-B4754095DDE6}" srcOrd="0" destOrd="0" presId="urn:diagrams.loki3.com/BracketList"/>
+    <dgm:cxn modelId="{F6FD3334-085A-4EB9-B9C6-009F51047499}" type="presParOf" srcId="{E6D7E981-5688-4D1D-A748-213DB9C9E82E}" destId="{F9C733A0-2C4D-4533-9C42-DDBDF80F78D0}" srcOrd="1" destOrd="0" presId="urn:diagrams.loki3.com/BracketList"/>
+    <dgm:cxn modelId="{DEAB87F0-E0C8-41A4-976A-C4F6BDC39242}" type="presParOf" srcId="{E6D7E981-5688-4D1D-A748-213DB9C9E82E}" destId="{207199ED-7466-4414-8D1B-CCC1D7143E9E}" srcOrd="2" destOrd="0" presId="urn:diagrams.loki3.com/BracketList"/>
+    <dgm:cxn modelId="{33F148EF-93CF-45AC-891C-2D40CE8E1D41}" type="presParOf" srcId="{E6D7E981-5688-4D1D-A748-213DB9C9E82E}" destId="{7A96DE75-255B-4685-865C-02DE0D6F2453}" srcOrd="3" destOrd="0" presId="urn:diagrams.loki3.com/BracketList"/>
+    <dgm:cxn modelId="{F2D89540-3E38-4BD0-B73A-6E467A783857}" type="presParOf" srcId="{CA81BDFF-0F89-4B20-941E-0C10D5080CEC}" destId="{22B9AC6E-5B20-4F78-B491-B27E21F5C307}" srcOrd="1" destOrd="0" presId="urn:diagrams.loki3.com/BracketList"/>
+    <dgm:cxn modelId="{4CBA0511-EBB1-4AAD-B2DE-A6AF0D10FA17}" type="presParOf" srcId="{CA81BDFF-0F89-4B20-941E-0C10D5080CEC}" destId="{05ED852C-358A-4B98-A0BE-D974A3928C28}" srcOrd="2" destOrd="0" presId="urn:diagrams.loki3.com/BracketList"/>
+    <dgm:cxn modelId="{5DF343BF-A6F1-4567-9286-243CDB234B53}" type="presParOf" srcId="{05ED852C-358A-4B98-A0BE-D974A3928C28}" destId="{8637DFE7-A81A-4AF6-BE18-D83D9BF069DF}" srcOrd="0" destOrd="0" presId="urn:diagrams.loki3.com/BracketList"/>
+    <dgm:cxn modelId="{8A83CBC1-3D5C-4DA5-88DB-23C83CB19919}" type="presParOf" srcId="{05ED852C-358A-4B98-A0BE-D974A3928C28}" destId="{E354B591-2007-4F48-8C99-22713FBA1A19}" srcOrd="1" destOrd="0" presId="urn:diagrams.loki3.com/BracketList"/>
+    <dgm:cxn modelId="{71919D80-0A36-431D-9DA7-6943B408F27E}" type="presParOf" srcId="{05ED852C-358A-4B98-A0BE-D974A3928C28}" destId="{F901DDD4-B155-44CC-89B9-806A8694E1CA}" srcOrd="2" destOrd="0" presId="urn:diagrams.loki3.com/BracketList"/>
+    <dgm:cxn modelId="{6F6C6899-9F6E-4E1D-82E5-F0BA2172AF95}" type="presParOf" srcId="{05ED852C-358A-4B98-A0BE-D974A3928C28}" destId="{E0919275-8407-43DC-B61F-E9A617984F43}" srcOrd="3" destOrd="0" presId="urn:diagrams.loki3.com/BracketList"/>
+    <dgm:cxn modelId="{0D27BE98-8B2E-4863-B8F2-AE96DB6A3699}" type="presParOf" srcId="{CA81BDFF-0F89-4B20-941E-0C10D5080CEC}" destId="{B9EE2EC4-5B45-4D30-AEAF-14FB731F5C1C}" srcOrd="3" destOrd="0" presId="urn:diagrams.loki3.com/BracketList"/>
+    <dgm:cxn modelId="{35774B83-2A14-425D-A06D-B8F132D54A44}" type="presParOf" srcId="{CA81BDFF-0F89-4B20-941E-0C10D5080CEC}" destId="{309065E1-9E8C-4DA9-AC4A-C9D2958F5873}" srcOrd="4" destOrd="0" presId="urn:diagrams.loki3.com/BracketList"/>
+    <dgm:cxn modelId="{A6A7FCE6-6008-49EC-81B9-0B4B9C79FEAF}" type="presParOf" srcId="{309065E1-9E8C-4DA9-AC4A-C9D2958F5873}" destId="{EC5EE6F0-DC81-40DB-B2B1-3374EAFED1C4}" srcOrd="0" destOrd="0" presId="urn:diagrams.loki3.com/BracketList"/>
+    <dgm:cxn modelId="{FFE1F216-AE3E-4CEC-A994-ED2518390247}" type="presParOf" srcId="{309065E1-9E8C-4DA9-AC4A-C9D2958F5873}" destId="{DC12D579-9A09-480E-9B0C-EBF57A8BBE00}" srcOrd="1" destOrd="0" presId="urn:diagrams.loki3.com/BracketList"/>
+    <dgm:cxn modelId="{0D6AB4FD-60D7-49DF-A9AE-68278E3E91D9}" type="presParOf" srcId="{309065E1-9E8C-4DA9-AC4A-C9D2958F5873}" destId="{156258E2-4546-41C4-A706-DEFB45E2497D}" srcOrd="2" destOrd="0" presId="urn:diagrams.loki3.com/BracketList"/>
+    <dgm:cxn modelId="{86ED6A77-784E-44F3-BD88-0B1B8E9D0738}" type="presParOf" srcId="{309065E1-9E8C-4DA9-AC4A-C9D2958F5873}" destId="{D9AEC054-1B6F-412F-99B4-4A044511C5DA}" srcOrd="3" destOrd="0" presId="urn:diagrams.loki3.com/BracketList"/>
+    <dgm:cxn modelId="{56668691-EA7F-401A-A0B6-7ACD12E369F5}" type="presParOf" srcId="{CA81BDFF-0F89-4B20-941E-0C10D5080CEC}" destId="{FD15E9DE-E1A6-439C-B5A7-2F3042F012CA}" srcOrd="5" destOrd="0" presId="urn:diagrams.loki3.com/BracketList"/>
+    <dgm:cxn modelId="{1B30F9C2-38EA-4C8A-B37B-5B467F4EBFB2}" type="presParOf" srcId="{CA81BDFF-0F89-4B20-941E-0C10D5080CEC}" destId="{42F92A61-CC35-471E-8733-47BC18B58581}" srcOrd="6" destOrd="0" presId="urn:diagrams.loki3.com/BracketList"/>
+    <dgm:cxn modelId="{377E8C86-0953-4CAB-BE5E-2A1E209800A0}" type="presParOf" srcId="{42F92A61-CC35-471E-8733-47BC18B58581}" destId="{6839FE4E-FB24-484D-9D0D-BA69A65FB8EC}" srcOrd="0" destOrd="0" presId="urn:diagrams.loki3.com/BracketList"/>
+    <dgm:cxn modelId="{6FE0A552-17F2-444B-9CBD-41E5028C3C09}" type="presParOf" srcId="{42F92A61-CC35-471E-8733-47BC18B58581}" destId="{F4980296-5968-47CA-A718-D3C40AD143FA}" srcOrd="1" destOrd="0" presId="urn:diagrams.loki3.com/BracketList"/>
+    <dgm:cxn modelId="{DD3DF265-F3E2-487A-A5D7-16DC29F97A8F}" type="presParOf" srcId="{42F92A61-CC35-471E-8733-47BC18B58581}" destId="{A41E762E-B28B-4968-BCE5-EC884F2D5951}" srcOrd="2" destOrd="0" presId="urn:diagrams.loki3.com/BracketList"/>
+    <dgm:cxn modelId="{B226F720-8062-4643-91B0-F9D12904E2AC}" type="presParOf" srcId="{42F92A61-CC35-471E-8733-47BC18B58581}" destId="{C89F334D-08CD-4A2F-AB45-28C4BF063B80}" srcOrd="3" destOrd="0" presId="urn:diagrams.loki3.com/BracketList"/>
+    <dgm:cxn modelId="{251B91A7-B1E2-4E28-B5FC-96064DAD956D}" type="presParOf" srcId="{CA81BDFF-0F89-4B20-941E-0C10D5080CEC}" destId="{3FD6A9A9-555D-407A-A0D7-508AA24F8B87}" srcOrd="7" destOrd="0" presId="urn:diagrams.loki3.com/BracketList"/>
+    <dgm:cxn modelId="{AD9D1B53-4CC2-47D7-93AA-704748BE08AD}" type="presParOf" srcId="{CA81BDFF-0F89-4B20-941E-0C10D5080CEC}" destId="{86F6C291-7387-48F0-82C9-9963C3DAD40A}" srcOrd="8" destOrd="0" presId="urn:diagrams.loki3.com/BracketList"/>
+    <dgm:cxn modelId="{DC7D35A4-CC1E-49DD-893F-B9B494B59DF5}" type="presParOf" srcId="{86F6C291-7387-48F0-82C9-9963C3DAD40A}" destId="{4342207A-BE72-4470-917E-2E4A633C2EA0}" srcOrd="0" destOrd="0" presId="urn:diagrams.loki3.com/BracketList"/>
+    <dgm:cxn modelId="{740FA920-2D09-4D5B-A15C-16D73DFB8FA1}" type="presParOf" srcId="{86F6C291-7387-48F0-82C9-9963C3DAD40A}" destId="{0556E238-C039-4A18-97A5-F7174D8421A9}" srcOrd="1" destOrd="0" presId="urn:diagrams.loki3.com/BracketList"/>
+    <dgm:cxn modelId="{B5B5B65A-D229-4373-927F-8649BCABD10A}" type="presParOf" srcId="{86F6C291-7387-48F0-82C9-9963C3DAD40A}" destId="{FE46A928-A9C7-45E6-8CA2-BB80E8870C18}" srcOrd="2" destOrd="0" presId="urn:diagrams.loki3.com/BracketList"/>
+    <dgm:cxn modelId="{D8417202-B4B3-4313-9EDF-ED223664AB61}" type="presParOf" srcId="{86F6C291-7387-48F0-82C9-9963C3DAD40A}" destId="{D25F596D-CB3C-498A-B1A7-E6EFF0E20C15}" srcOrd="3" destOrd="0" presId="urn:diagrams.loki3.com/BracketList"/>
+  </dgm:cxnLst>
+  <dgm:bg/>
+  <dgm:whole/>
+  <dgm:extLst>
+    <a:ext uri="http://schemas.microsoft.com/office/drawing/2008/diagram">
+      <dsp:dataModelExt xmlns:dsp="http://schemas.microsoft.com/office/drawing/2008/diagram" relId="rId7" minVer="http://schemas.openxmlformats.org/drawingml/2006/diagram"/>
+    </a:ext>
+  </dgm:extLst>
+</dgm:dataModel>
+</file>
+
+<file path=ppt/diagrams/drawing1.xml><?xml version="1.0" encoding="utf-8"?>
+<dsp:drawing xmlns:dgm="http://schemas.openxmlformats.org/drawingml/2006/diagram" xmlns:dsp="http://schemas.microsoft.com/office/drawing/2008/diagram" xmlns:a="http://schemas.openxmlformats.org/drawingml/2006/main">
+  <dsp:spTree>
+    <dsp:nvGrpSpPr>
+      <dsp:cNvPr id="0" name=""/>
+      <dsp:cNvGrpSpPr/>
+    </dsp:nvGrpSpPr>
+    <dsp:grpSpPr/>
+    <dsp:sp modelId="{E2D3A282-75AF-447E-B834-B4754095DDE6}">
+      <dsp:nvSpPr>
+        <dsp:cNvPr id="0" name=""/>
+        <dsp:cNvSpPr/>
+      </dsp:nvSpPr>
+      <dsp:spPr>
+        <a:xfrm>
+          <a:off x="0" y="949274"/>
+          <a:ext cx="1796279" cy="356400"/>
+        </a:xfrm>
+        <a:prstGeom prst="rect">
+          <a:avLst/>
+        </a:prstGeom>
+        <a:noFill/>
+        <a:ln>
+          <a:noFill/>
+        </a:ln>
+        <a:effectLst/>
+      </dsp:spPr>
+      <dsp:style>
+        <a:lnRef idx="0">
+          <a:scrgbClr r="0" g="0" b="0"/>
+        </a:lnRef>
+        <a:fillRef idx="0">
+          <a:scrgbClr r="0" g="0" b="0"/>
+        </a:fillRef>
+        <a:effectRef idx="0">
+          <a:scrgbClr r="0" g="0" b="0"/>
+        </a:effectRef>
+        <a:fontRef idx="minor"/>
+      </dsp:style>
+      <dsp:txBody>
+        <a:bodyPr spcFirstLastPara="0" vert="horz" wrap="square" lIns="128016" tIns="45720" rIns="128016" bIns="45720" numCol="1" spcCol="1270" anchor="ctr" anchorCtr="0">
+          <a:noAutofit/>
+        </a:bodyPr>
+        <a:lstStyle/>
+        <a:p>
+          <a:pPr marL="0" lvl="0" indent="0" algn="r" defTabSz="800100">
+            <a:lnSpc>
+              <a:spcPct val="90000"/>
+            </a:lnSpc>
+            <a:spcBef>
+              <a:spcPct val="0"/>
+            </a:spcBef>
+            <a:spcAft>
+              <a:spcPct val="35000"/>
+            </a:spcAft>
+            <a:buNone/>
+          </a:pPr>
+          <a:r>
+            <a:rPr lang="en-US" sz="1800" kern="1200" dirty="0"/>
+            <a:t>Pandas</a:t>
+          </a:r>
+        </a:p>
+      </dsp:txBody>
+      <dsp:txXfrm>
+        <a:off x="0" y="949274"/>
+        <a:ext cx="1796279" cy="356400"/>
+      </dsp:txXfrm>
+    </dsp:sp>
+    <dsp:sp modelId="{F9C733A0-2C4D-4533-9C42-DDBDF80F78D0}">
+      <dsp:nvSpPr>
+        <dsp:cNvPr id="0" name=""/>
+        <dsp:cNvSpPr/>
+      </dsp:nvSpPr>
+      <dsp:spPr>
+        <a:xfrm>
+          <a:off x="1796279" y="35999"/>
+          <a:ext cx="359255" cy="2182950"/>
+        </a:xfrm>
+        <a:prstGeom prst="leftBrace">
+          <a:avLst>
+            <a:gd name="adj1" fmla="val 35000"/>
+            <a:gd name="adj2" fmla="val 50000"/>
+          </a:avLst>
+        </a:prstGeom>
+        <a:noFill/>
+        <a:ln w="12700" cap="flat" cmpd="sng" algn="ctr">
+          <a:solidFill>
+            <a:schemeClr val="accent5">
+              <a:hueOff val="0"/>
+              <a:satOff val="0"/>
+              <a:lumOff val="0"/>
+              <a:alphaOff val="0"/>
+            </a:schemeClr>
+          </a:solidFill>
+          <a:prstDash val="solid"/>
+          <a:miter lim="800000"/>
+        </a:ln>
+        <a:effectLst/>
+      </dsp:spPr>
+      <dsp:style>
+        <a:lnRef idx="2">
+          <a:scrgbClr r="0" g="0" b="0"/>
+        </a:lnRef>
+        <a:fillRef idx="0">
+          <a:scrgbClr r="0" g="0" b="0"/>
+        </a:fillRef>
+        <a:effectRef idx="0">
+          <a:scrgbClr r="0" g="0" b="0"/>
+        </a:effectRef>
+        <a:fontRef idx="minor"/>
+      </dsp:style>
+    </dsp:sp>
+    <dsp:sp modelId="{7A96DE75-255B-4685-865C-02DE0D6F2453}">
+      <dsp:nvSpPr>
+        <dsp:cNvPr id="0" name=""/>
+        <dsp:cNvSpPr/>
+      </dsp:nvSpPr>
+      <dsp:spPr>
+        <a:xfrm>
+          <a:off x="2299237" y="35999"/>
+          <a:ext cx="4885879" cy="2182950"/>
+        </a:xfrm>
+        <a:prstGeom prst="rect">
+          <a:avLst/>
+        </a:prstGeom>
+        <a:solidFill>
+          <a:schemeClr val="accent5">
+            <a:hueOff val="0"/>
+            <a:satOff val="0"/>
+            <a:lumOff val="0"/>
+            <a:alphaOff val="0"/>
+          </a:schemeClr>
+        </a:solidFill>
+        <a:ln w="12700" cap="flat" cmpd="sng" algn="ctr">
+          <a:solidFill>
+            <a:schemeClr val="lt1">
+              <a:hueOff val="0"/>
+              <a:satOff val="0"/>
+              <a:lumOff val="0"/>
+              <a:alphaOff val="0"/>
+            </a:schemeClr>
+          </a:solidFill>
+          <a:prstDash val="solid"/>
+          <a:miter lim="800000"/>
+        </a:ln>
+        <a:effectLst/>
+      </dsp:spPr>
+      <dsp:style>
+        <a:lnRef idx="2">
+          <a:scrgbClr r="0" g="0" b="0"/>
+        </a:lnRef>
+        <a:fillRef idx="1">
+          <a:scrgbClr r="0" g="0" b="0"/>
+        </a:fillRef>
+        <a:effectRef idx="0">
+          <a:scrgbClr r="0" g="0" b="0"/>
+        </a:effectRef>
+        <a:fontRef idx="minor">
+          <a:schemeClr val="lt1"/>
+        </a:fontRef>
+      </dsp:style>
+      <dsp:txBody>
+        <a:bodyPr spcFirstLastPara="0" vert="horz" wrap="square" lIns="68580" tIns="68580" rIns="68580" bIns="68580" numCol="1" spcCol="1270" anchor="ctr" anchorCtr="0">
+          <a:noAutofit/>
+        </a:bodyPr>
+        <a:lstStyle/>
+        <a:p>
+          <a:pPr marL="171450" lvl="1" indent="-171450" algn="l" defTabSz="800100">
+            <a:lnSpc>
+              <a:spcPct val="90000"/>
+            </a:lnSpc>
+            <a:spcBef>
+              <a:spcPct val="0"/>
+            </a:spcBef>
+            <a:spcAft>
+              <a:spcPct val="15000"/>
+            </a:spcAft>
+            <a:buChar char="•"/>
+          </a:pPr>
+          <a:r>
+            <a:rPr lang="en-US" sz="1800" kern="1200" dirty="0"/>
+            <a:t>Read CSV / Excel / HTML</a:t>
+          </a:r>
+        </a:p>
+        <a:p>
+          <a:pPr marL="171450" lvl="1" indent="-171450" algn="l" defTabSz="800100">
+            <a:lnSpc>
+              <a:spcPct val="90000"/>
+            </a:lnSpc>
+            <a:spcBef>
+              <a:spcPct val="0"/>
+            </a:spcBef>
+            <a:spcAft>
+              <a:spcPct val="15000"/>
+            </a:spcAft>
+            <a:buChar char="•"/>
+          </a:pPr>
+          <a:r>
+            <a:rPr lang="en-US" sz="1800" kern="1200" dirty="0"/>
+            <a:t>Transpose Data Frames</a:t>
+          </a:r>
+        </a:p>
+        <a:p>
+          <a:pPr marL="171450" lvl="1" indent="-171450" algn="l" defTabSz="800100">
+            <a:lnSpc>
+              <a:spcPct val="90000"/>
+            </a:lnSpc>
+            <a:spcBef>
+              <a:spcPct val="0"/>
+            </a:spcBef>
+            <a:spcAft>
+              <a:spcPct val="15000"/>
+            </a:spcAft>
+            <a:buChar char="•"/>
+          </a:pPr>
+          <a:r>
+            <a:rPr lang="en-US" sz="1800" kern="1200" dirty="0"/>
+            <a:t>Dropped Null Values </a:t>
+          </a:r>
+        </a:p>
+        <a:p>
+          <a:pPr marL="171450" lvl="1" indent="-171450" algn="l" defTabSz="800100">
+            <a:lnSpc>
+              <a:spcPct val="90000"/>
+            </a:lnSpc>
+            <a:spcBef>
+              <a:spcPct val="0"/>
+            </a:spcBef>
+            <a:spcAft>
+              <a:spcPct val="15000"/>
+            </a:spcAft>
+            <a:buChar char="•"/>
+          </a:pPr>
+          <a:r>
+            <a:rPr lang="en-US" sz="1800" kern="1200" dirty="0"/>
+            <a:t>Calculate % Change</a:t>
+          </a:r>
+        </a:p>
+        <a:p>
+          <a:pPr marL="171450" lvl="1" indent="-171450" algn="l" defTabSz="800100">
+            <a:lnSpc>
+              <a:spcPct val="90000"/>
+            </a:lnSpc>
+            <a:spcBef>
+              <a:spcPct val="0"/>
+            </a:spcBef>
+            <a:spcAft>
+              <a:spcPct val="15000"/>
+            </a:spcAft>
+            <a:buChar char="•"/>
+          </a:pPr>
+          <a:r>
+            <a:rPr lang="en-US" sz="1800" kern="1200" dirty="0"/>
+            <a:t>Name / Order Columns</a:t>
+          </a:r>
+        </a:p>
+        <a:p>
+          <a:pPr marL="171450" lvl="1" indent="-171450" algn="l" defTabSz="800100">
+            <a:lnSpc>
+              <a:spcPct val="90000"/>
+            </a:lnSpc>
+            <a:spcBef>
+              <a:spcPct val="0"/>
+            </a:spcBef>
+            <a:spcAft>
+              <a:spcPct val="15000"/>
+            </a:spcAft>
+            <a:buChar char="•"/>
+          </a:pPr>
+          <a:r>
+            <a:rPr lang="en-US" sz="1800" kern="1200" dirty="0"/>
+            <a:t>Fill Blank Cells</a:t>
+          </a:r>
+        </a:p>
+        <a:p>
+          <a:pPr marL="171450" lvl="1" indent="-171450" algn="l" defTabSz="800100">
+            <a:lnSpc>
+              <a:spcPct val="90000"/>
+            </a:lnSpc>
+            <a:spcBef>
+              <a:spcPct val="0"/>
+            </a:spcBef>
+            <a:spcAft>
+              <a:spcPct val="15000"/>
+            </a:spcAft>
+            <a:buChar char="•"/>
+          </a:pPr>
+          <a:r>
+            <a:rPr lang="en-US" sz="1800" kern="1200" dirty="0"/>
+            <a:t>Concatenate Data Frames</a:t>
+          </a:r>
+        </a:p>
+      </dsp:txBody>
+      <dsp:txXfrm>
+        <a:off x="2299237" y="35999"/>
+        <a:ext cx="4885879" cy="2182950"/>
+      </dsp:txXfrm>
+    </dsp:sp>
+    <dsp:sp modelId="{8637DFE7-A81A-4AF6-BE18-D83D9BF069DF}">
+      <dsp:nvSpPr>
+        <dsp:cNvPr id="0" name=""/>
+        <dsp:cNvSpPr/>
+      </dsp:nvSpPr>
+      <dsp:spPr>
+        <a:xfrm>
+          <a:off x="0" y="2740387"/>
+          <a:ext cx="1796279" cy="356400"/>
+        </a:xfrm>
+        <a:prstGeom prst="rect">
+          <a:avLst/>
+        </a:prstGeom>
+        <a:noFill/>
+        <a:ln>
+          <a:noFill/>
+        </a:ln>
+        <a:effectLst/>
+      </dsp:spPr>
+      <dsp:style>
+        <a:lnRef idx="0">
+          <a:scrgbClr r="0" g="0" b="0"/>
+        </a:lnRef>
+        <a:fillRef idx="0">
+          <a:scrgbClr r="0" g="0" b="0"/>
+        </a:fillRef>
+        <a:effectRef idx="0">
+          <a:scrgbClr r="0" g="0" b="0"/>
+        </a:effectRef>
+        <a:fontRef idx="minor"/>
+      </dsp:style>
+      <dsp:txBody>
+        <a:bodyPr spcFirstLastPara="0" vert="horz" wrap="square" lIns="128016" tIns="45720" rIns="128016" bIns="45720" numCol="1" spcCol="1270" anchor="ctr" anchorCtr="0">
+          <a:noAutofit/>
+        </a:bodyPr>
+        <a:lstStyle/>
+        <a:p>
+          <a:pPr marL="0" lvl="0" indent="0" algn="r" defTabSz="800100">
+            <a:lnSpc>
+              <a:spcPct val="90000"/>
+            </a:lnSpc>
+            <a:spcBef>
+              <a:spcPct val="0"/>
+            </a:spcBef>
+            <a:spcAft>
+              <a:spcPct val="35000"/>
+            </a:spcAft>
+            <a:buNone/>
+          </a:pPr>
+          <a:r>
+            <a:rPr lang="en-US" sz="1800" kern="1200"/>
+            <a:t>Numpy</a:t>
+          </a:r>
+          <a:endParaRPr lang="en-US" sz="1800" kern="1200" dirty="0"/>
+        </a:p>
+      </dsp:txBody>
+      <dsp:txXfrm>
+        <a:off x="0" y="2740387"/>
+        <a:ext cx="1796279" cy="356400"/>
+      </dsp:txXfrm>
+    </dsp:sp>
+    <dsp:sp modelId="{E354B591-2007-4F48-8C99-22713FBA1A19}">
+      <dsp:nvSpPr>
+        <dsp:cNvPr id="0" name=""/>
+        <dsp:cNvSpPr/>
+      </dsp:nvSpPr>
+      <dsp:spPr>
+        <a:xfrm>
+          <a:off x="1796279" y="2283749"/>
+          <a:ext cx="359255" cy="1269675"/>
+        </a:xfrm>
+        <a:prstGeom prst="leftBrace">
+          <a:avLst>
+            <a:gd name="adj1" fmla="val 35000"/>
+            <a:gd name="adj2" fmla="val 50000"/>
+          </a:avLst>
+        </a:prstGeom>
+        <a:noFill/>
+        <a:ln w="12700" cap="flat" cmpd="sng" algn="ctr">
+          <a:solidFill>
+            <a:schemeClr val="accent5">
+              <a:hueOff val="0"/>
+              <a:satOff val="0"/>
+              <a:lumOff val="0"/>
+              <a:alphaOff val="0"/>
+            </a:schemeClr>
+          </a:solidFill>
+          <a:prstDash val="solid"/>
+          <a:miter lim="800000"/>
+        </a:ln>
+        <a:effectLst/>
+      </dsp:spPr>
+      <dsp:style>
+        <a:lnRef idx="2">
+          <a:scrgbClr r="0" g="0" b="0"/>
+        </a:lnRef>
+        <a:fillRef idx="0">
+          <a:scrgbClr r="0" g="0" b="0"/>
+        </a:fillRef>
+        <a:effectRef idx="0">
+          <a:scrgbClr r="0" g="0" b="0"/>
+        </a:effectRef>
+        <a:fontRef idx="minor"/>
+      </dsp:style>
+    </dsp:sp>
+    <dsp:sp modelId="{E0919275-8407-43DC-B61F-E9A617984F43}">
+      <dsp:nvSpPr>
+        <dsp:cNvPr id="0" name=""/>
+        <dsp:cNvSpPr/>
+      </dsp:nvSpPr>
+      <dsp:spPr>
+        <a:xfrm>
+          <a:off x="2299237" y="2283749"/>
+          <a:ext cx="4885879" cy="1269675"/>
+        </a:xfrm>
+        <a:prstGeom prst="rect">
+          <a:avLst/>
+        </a:prstGeom>
+        <a:solidFill>
+          <a:schemeClr val="accent5">
+            <a:hueOff val="-1689636"/>
+            <a:satOff val="-4355"/>
+            <a:lumOff val="-2941"/>
+            <a:alphaOff val="0"/>
+          </a:schemeClr>
+        </a:solidFill>
+        <a:ln w="12700" cap="flat" cmpd="sng" algn="ctr">
+          <a:solidFill>
+            <a:schemeClr val="lt1">
+              <a:hueOff val="0"/>
+              <a:satOff val="0"/>
+              <a:lumOff val="0"/>
+              <a:alphaOff val="0"/>
+            </a:schemeClr>
+          </a:solidFill>
+          <a:prstDash val="solid"/>
+          <a:miter lim="800000"/>
+        </a:ln>
+        <a:effectLst/>
+      </dsp:spPr>
+      <dsp:style>
+        <a:lnRef idx="2">
+          <a:scrgbClr r="0" g="0" b="0"/>
+        </a:lnRef>
+        <a:fillRef idx="1">
+          <a:scrgbClr r="0" g="0" b="0"/>
+        </a:fillRef>
+        <a:effectRef idx="0">
+          <a:scrgbClr r="0" g="0" b="0"/>
+        </a:effectRef>
+        <a:fontRef idx="minor">
+          <a:schemeClr val="lt1"/>
+        </a:fontRef>
+      </dsp:style>
+      <dsp:txBody>
+        <a:bodyPr spcFirstLastPara="0" vert="horz" wrap="square" lIns="68580" tIns="68580" rIns="68580" bIns="68580" numCol="1" spcCol="1270" anchor="ctr" anchorCtr="0">
+          <a:noAutofit/>
+        </a:bodyPr>
+        <a:lstStyle/>
+        <a:p>
+          <a:pPr marL="171450" lvl="1" indent="-171450" algn="l" defTabSz="800100">
+            <a:lnSpc>
+              <a:spcPct val="90000"/>
+            </a:lnSpc>
+            <a:spcBef>
+              <a:spcPct val="0"/>
+            </a:spcBef>
+            <a:spcAft>
+              <a:spcPct val="15000"/>
+            </a:spcAft>
+            <a:buChar char="•"/>
+          </a:pPr>
+          <a:r>
+            <a:rPr lang="en-US" sz="1800" kern="1200" dirty="0"/>
+            <a:t>Standard Deviation</a:t>
+          </a:r>
+        </a:p>
+        <a:p>
+          <a:pPr marL="171450" lvl="1" indent="-171450" algn="l" defTabSz="800100">
+            <a:lnSpc>
+              <a:spcPct val="90000"/>
+            </a:lnSpc>
+            <a:spcBef>
+              <a:spcPct val="0"/>
+            </a:spcBef>
+            <a:spcAft>
+              <a:spcPct val="15000"/>
+            </a:spcAft>
+            <a:buChar char="•"/>
+          </a:pPr>
+          <a:r>
+            <a:rPr lang="en-US" sz="1800" kern="1200" dirty="0"/>
+            <a:t>Mean Values</a:t>
+          </a:r>
+        </a:p>
+        <a:p>
+          <a:pPr marL="171450" lvl="1" indent="-171450" algn="l" defTabSz="800100">
+            <a:lnSpc>
+              <a:spcPct val="90000"/>
+            </a:lnSpc>
+            <a:spcBef>
+              <a:spcPct val="0"/>
+            </a:spcBef>
+            <a:spcAft>
+              <a:spcPct val="15000"/>
+            </a:spcAft>
+            <a:buChar char="•"/>
+          </a:pPr>
+          <a:r>
+            <a:rPr lang="en-US" sz="1800" kern="1200" dirty="0"/>
+            <a:t>Monte Carlos Simulation</a:t>
+          </a:r>
+        </a:p>
+        <a:p>
+          <a:pPr marL="171450" lvl="1" indent="-171450" algn="l" defTabSz="800100">
+            <a:lnSpc>
+              <a:spcPct val="90000"/>
+            </a:lnSpc>
+            <a:spcBef>
+              <a:spcPct val="0"/>
+            </a:spcBef>
+            <a:spcAft>
+              <a:spcPct val="15000"/>
+            </a:spcAft>
+            <a:buChar char="•"/>
+          </a:pPr>
+          <a:r>
+            <a:rPr lang="en-US" sz="1800" kern="1200" dirty="0"/>
+            <a:t>Random Number Generations</a:t>
+          </a:r>
+        </a:p>
+      </dsp:txBody>
+      <dsp:txXfrm>
+        <a:off x="2299237" y="2283749"/>
+        <a:ext cx="4885879" cy="1269675"/>
+      </dsp:txXfrm>
+    </dsp:sp>
+    <dsp:sp modelId="{EC5EE6F0-DC81-40DB-B2B1-3374EAFED1C4}">
+      <dsp:nvSpPr>
+        <dsp:cNvPr id="0" name=""/>
+        <dsp:cNvSpPr/>
+      </dsp:nvSpPr>
+      <dsp:spPr>
+        <a:xfrm>
+          <a:off x="0" y="3930074"/>
+          <a:ext cx="1796279" cy="356400"/>
+        </a:xfrm>
+        <a:prstGeom prst="rect">
+          <a:avLst/>
+        </a:prstGeom>
+        <a:noFill/>
+        <a:ln>
+          <a:noFill/>
+        </a:ln>
+        <a:effectLst/>
+      </dsp:spPr>
+      <dsp:style>
+        <a:lnRef idx="0">
+          <a:scrgbClr r="0" g="0" b="0"/>
+        </a:lnRef>
+        <a:fillRef idx="0">
+          <a:scrgbClr r="0" g="0" b="0"/>
+        </a:fillRef>
+        <a:effectRef idx="0">
+          <a:scrgbClr r="0" g="0" b="0"/>
+        </a:effectRef>
+        <a:fontRef idx="minor"/>
+      </dsp:style>
+      <dsp:txBody>
+        <a:bodyPr spcFirstLastPara="0" vert="horz" wrap="square" lIns="128016" tIns="45720" rIns="128016" bIns="45720" numCol="1" spcCol="1270" anchor="ctr" anchorCtr="0">
+          <a:noAutofit/>
+        </a:bodyPr>
+        <a:lstStyle/>
+        <a:p>
+          <a:pPr marL="0" lvl="0" indent="0" algn="r" defTabSz="800100">
+            <a:lnSpc>
+              <a:spcPct val="90000"/>
+            </a:lnSpc>
+            <a:spcBef>
+              <a:spcPct val="0"/>
+            </a:spcBef>
+            <a:spcAft>
+              <a:spcPct val="35000"/>
+            </a:spcAft>
+            <a:buNone/>
+          </a:pPr>
+          <a:r>
+            <a:rPr lang="en-US" sz="1800" kern="1200" dirty="0" err="1"/>
+            <a:t>Plotly</a:t>
+          </a:r>
+          <a:endParaRPr lang="en-US" sz="1800" kern="1200" dirty="0"/>
+        </a:p>
+      </dsp:txBody>
+      <dsp:txXfrm>
+        <a:off x="0" y="3930074"/>
+        <a:ext cx="1796279" cy="356400"/>
+      </dsp:txXfrm>
+    </dsp:sp>
+    <dsp:sp modelId="{DC12D579-9A09-480E-9B0C-EBF57A8BBE00}">
+      <dsp:nvSpPr>
+        <dsp:cNvPr id="0" name=""/>
+        <dsp:cNvSpPr/>
+      </dsp:nvSpPr>
+      <dsp:spPr>
+        <a:xfrm>
+          <a:off x="1796279" y="3618225"/>
+          <a:ext cx="359255" cy="980100"/>
+        </a:xfrm>
+        <a:prstGeom prst="leftBrace">
+          <a:avLst>
+            <a:gd name="adj1" fmla="val 35000"/>
+            <a:gd name="adj2" fmla="val 50000"/>
+          </a:avLst>
+        </a:prstGeom>
+        <a:noFill/>
+        <a:ln w="12700" cap="flat" cmpd="sng" algn="ctr">
+          <a:solidFill>
+            <a:schemeClr val="accent5">
+              <a:hueOff val="0"/>
+              <a:satOff val="0"/>
+              <a:lumOff val="0"/>
+              <a:alphaOff val="0"/>
+            </a:schemeClr>
+          </a:solidFill>
+          <a:prstDash val="solid"/>
+          <a:miter lim="800000"/>
+        </a:ln>
+        <a:effectLst/>
+      </dsp:spPr>
+      <dsp:style>
+        <a:lnRef idx="2">
+          <a:scrgbClr r="0" g="0" b="0"/>
+        </a:lnRef>
+        <a:fillRef idx="0">
+          <a:scrgbClr r="0" g="0" b="0"/>
+        </a:fillRef>
+        <a:effectRef idx="0">
+          <a:scrgbClr r="0" g="0" b="0"/>
+        </a:effectRef>
+        <a:fontRef idx="minor"/>
+      </dsp:style>
+    </dsp:sp>
+    <dsp:sp modelId="{D9AEC054-1B6F-412F-99B4-4A044511C5DA}">
+      <dsp:nvSpPr>
+        <dsp:cNvPr id="0" name=""/>
+        <dsp:cNvSpPr/>
+      </dsp:nvSpPr>
+      <dsp:spPr>
+        <a:xfrm>
+          <a:off x="2299237" y="3618225"/>
+          <a:ext cx="4885879" cy="980100"/>
+        </a:xfrm>
+        <a:prstGeom prst="rect">
+          <a:avLst/>
+        </a:prstGeom>
+        <a:solidFill>
+          <a:schemeClr val="accent5">
+            <a:hueOff val="-3379271"/>
+            <a:satOff val="-8710"/>
+            <a:lumOff val="-5883"/>
+            <a:alphaOff val="0"/>
+          </a:schemeClr>
+        </a:solidFill>
+        <a:ln w="12700" cap="flat" cmpd="sng" algn="ctr">
+          <a:solidFill>
+            <a:schemeClr val="lt1">
+              <a:hueOff val="0"/>
+              <a:satOff val="0"/>
+              <a:lumOff val="0"/>
+              <a:alphaOff val="0"/>
+            </a:schemeClr>
+          </a:solidFill>
+          <a:prstDash val="solid"/>
+          <a:miter lim="800000"/>
+        </a:ln>
+        <a:effectLst/>
+      </dsp:spPr>
+      <dsp:style>
+        <a:lnRef idx="2">
+          <a:scrgbClr r="0" g="0" b="0"/>
+        </a:lnRef>
+        <a:fillRef idx="1">
+          <a:scrgbClr r="0" g="0" b="0"/>
+        </a:fillRef>
+        <a:effectRef idx="0">
+          <a:scrgbClr r="0" g="0" b="0"/>
+        </a:effectRef>
+        <a:fontRef idx="minor">
+          <a:schemeClr val="lt1"/>
+        </a:fontRef>
+      </dsp:style>
+      <dsp:txBody>
+        <a:bodyPr spcFirstLastPara="0" vert="horz" wrap="square" lIns="68580" tIns="68580" rIns="68580" bIns="68580" numCol="1" spcCol="1270" anchor="ctr" anchorCtr="0">
+          <a:noAutofit/>
+        </a:bodyPr>
+        <a:lstStyle/>
+        <a:p>
+          <a:pPr marL="171450" lvl="1" indent="-171450" algn="l" defTabSz="800100">
+            <a:lnSpc>
+              <a:spcPct val="90000"/>
+            </a:lnSpc>
+            <a:spcBef>
+              <a:spcPct val="0"/>
+            </a:spcBef>
+            <a:spcAft>
+              <a:spcPct val="15000"/>
+            </a:spcAft>
+            <a:buChar char="•"/>
+          </a:pPr>
+          <a:r>
+            <a:rPr lang="en-US" sz="1800" kern="1200" dirty="0"/>
+            <a:t>Bar Plots (</a:t>
+          </a:r>
+          <a:r>
+            <a:rPr lang="en-US" sz="1800" kern="1200" dirty="0" err="1"/>
+            <a:t>hvplot</a:t>
+          </a:r>
+          <a:r>
+            <a:rPr lang="en-US" sz="1800" kern="1200" dirty="0"/>
+            <a:t>)</a:t>
+          </a:r>
+        </a:p>
+        <a:p>
+          <a:pPr marL="171450" lvl="1" indent="-171450" algn="l" defTabSz="800100">
+            <a:lnSpc>
+              <a:spcPct val="90000"/>
+            </a:lnSpc>
+            <a:spcBef>
+              <a:spcPct val="0"/>
+            </a:spcBef>
+            <a:spcAft>
+              <a:spcPct val="15000"/>
+            </a:spcAft>
+            <a:buChar char="•"/>
+          </a:pPr>
+          <a:r>
+            <a:rPr lang="en-US" sz="1800" kern="1200" dirty="0"/>
+            <a:t>Line Graphs (</a:t>
+          </a:r>
+          <a:r>
+            <a:rPr lang="en-US" sz="1800" kern="1200" dirty="0" err="1"/>
+            <a:t>hvplot</a:t>
+          </a:r>
+          <a:r>
+            <a:rPr lang="en-US" sz="1800" kern="1200" dirty="0"/>
+            <a:t>)</a:t>
+          </a:r>
+        </a:p>
+        <a:p>
+          <a:pPr marL="171450" lvl="1" indent="-171450" algn="l" defTabSz="800100">
+            <a:lnSpc>
+              <a:spcPct val="90000"/>
+            </a:lnSpc>
+            <a:spcBef>
+              <a:spcPct val="0"/>
+            </a:spcBef>
+            <a:spcAft>
+              <a:spcPct val="15000"/>
+            </a:spcAft>
+            <a:buChar char="•"/>
+          </a:pPr>
+          <a:r>
+            <a:rPr lang="en-US" sz="1800" kern="1200" dirty="0"/>
+            <a:t>Correlation Plots</a:t>
+          </a:r>
+        </a:p>
+      </dsp:txBody>
+      <dsp:txXfrm>
+        <a:off x="2299237" y="3618225"/>
+        <a:ext cx="4885879" cy="980100"/>
+      </dsp:txXfrm>
+    </dsp:sp>
+    <dsp:sp modelId="{6839FE4E-FB24-484D-9D0D-BA69A65FB8EC}">
+      <dsp:nvSpPr>
+        <dsp:cNvPr id="0" name=""/>
+        <dsp:cNvSpPr/>
+      </dsp:nvSpPr>
+      <dsp:spPr>
+        <a:xfrm>
+          <a:off x="0" y="4679831"/>
+          <a:ext cx="1798035" cy="356400"/>
+        </a:xfrm>
+        <a:prstGeom prst="rect">
+          <a:avLst/>
+        </a:prstGeom>
+        <a:noFill/>
+        <a:ln>
+          <a:noFill/>
+        </a:ln>
+        <a:effectLst/>
+      </dsp:spPr>
+      <dsp:style>
+        <a:lnRef idx="0">
+          <a:scrgbClr r="0" g="0" b="0"/>
+        </a:lnRef>
+        <a:fillRef idx="0">
+          <a:scrgbClr r="0" g="0" b="0"/>
+        </a:fillRef>
+        <a:effectRef idx="0">
+          <a:scrgbClr r="0" g="0" b="0"/>
+        </a:effectRef>
+        <a:fontRef idx="minor"/>
+      </dsp:style>
+      <dsp:txBody>
+        <a:bodyPr spcFirstLastPara="0" vert="horz" wrap="square" lIns="128016" tIns="45720" rIns="128016" bIns="45720" numCol="1" spcCol="1270" anchor="ctr" anchorCtr="0">
+          <a:noAutofit/>
+        </a:bodyPr>
+        <a:lstStyle/>
+        <a:p>
+          <a:pPr marL="0" lvl="0" indent="0" algn="r" defTabSz="800100">
+            <a:lnSpc>
+              <a:spcPct val="90000"/>
+            </a:lnSpc>
+            <a:spcBef>
+              <a:spcPct val="0"/>
+            </a:spcBef>
+            <a:spcAft>
+              <a:spcPct val="35000"/>
+            </a:spcAft>
+            <a:buNone/>
+          </a:pPr>
+          <a:r>
+            <a:rPr lang="en-US" sz="1800" kern="1200" dirty="0" err="1"/>
+            <a:t>Mapbox</a:t>
+          </a:r>
+          <a:endParaRPr lang="en-US" sz="1800" kern="1200" dirty="0"/>
+        </a:p>
+      </dsp:txBody>
+      <dsp:txXfrm>
+        <a:off x="0" y="4679831"/>
+        <a:ext cx="1798035" cy="356400"/>
+      </dsp:txXfrm>
+    </dsp:sp>
+    <dsp:sp modelId="{F4980296-5968-47CA-A718-D3C40AD143FA}">
+      <dsp:nvSpPr>
+        <dsp:cNvPr id="0" name=""/>
+        <dsp:cNvSpPr/>
+      </dsp:nvSpPr>
+      <dsp:spPr>
+        <a:xfrm>
+          <a:off x="1798034" y="4663125"/>
+          <a:ext cx="359607" cy="389812"/>
+        </a:xfrm>
+        <a:prstGeom prst="leftBrace">
+          <a:avLst>
+            <a:gd name="adj1" fmla="val 35000"/>
+            <a:gd name="adj2" fmla="val 50000"/>
+          </a:avLst>
+        </a:prstGeom>
+        <a:noFill/>
+        <a:ln w="12700" cap="flat" cmpd="sng" algn="ctr">
+          <a:solidFill>
+            <a:schemeClr val="accent5">
+              <a:hueOff val="0"/>
+              <a:satOff val="0"/>
+              <a:lumOff val="0"/>
+              <a:alphaOff val="0"/>
+            </a:schemeClr>
+          </a:solidFill>
+          <a:prstDash val="solid"/>
+          <a:miter lim="800000"/>
+        </a:ln>
+        <a:effectLst/>
+      </dsp:spPr>
+      <dsp:style>
+        <a:lnRef idx="2">
+          <a:scrgbClr r="0" g="0" b="0"/>
+        </a:lnRef>
+        <a:fillRef idx="0">
+          <a:scrgbClr r="0" g="0" b="0"/>
+        </a:fillRef>
+        <a:effectRef idx="0">
+          <a:scrgbClr r="0" g="0" b="0"/>
+        </a:effectRef>
+        <a:fontRef idx="minor"/>
+      </dsp:style>
+    </dsp:sp>
+    <dsp:sp modelId="{C89F334D-08CD-4A2F-AB45-28C4BF063B80}">
+      <dsp:nvSpPr>
+        <dsp:cNvPr id="0" name=""/>
+        <dsp:cNvSpPr/>
+      </dsp:nvSpPr>
+      <dsp:spPr>
+        <a:xfrm>
+          <a:off x="2301484" y="4663125"/>
+          <a:ext cx="4890655" cy="389812"/>
+        </a:xfrm>
+        <a:prstGeom prst="rect">
+          <a:avLst/>
+        </a:prstGeom>
+        <a:solidFill>
+          <a:schemeClr val="accent5">
+            <a:hueOff val="-5068907"/>
+            <a:satOff val="-13064"/>
+            <a:lumOff val="-8824"/>
+            <a:alphaOff val="0"/>
+          </a:schemeClr>
+        </a:solidFill>
+        <a:ln w="12700" cap="flat" cmpd="sng" algn="ctr">
+          <a:solidFill>
+            <a:schemeClr val="lt1">
+              <a:hueOff val="0"/>
+              <a:satOff val="0"/>
+              <a:lumOff val="0"/>
+              <a:alphaOff val="0"/>
+            </a:schemeClr>
+          </a:solidFill>
+          <a:prstDash val="solid"/>
+          <a:miter lim="800000"/>
+        </a:ln>
+        <a:effectLst/>
+      </dsp:spPr>
+      <dsp:style>
+        <a:lnRef idx="2">
+          <a:scrgbClr r="0" g="0" b="0"/>
+        </a:lnRef>
+        <a:fillRef idx="1">
+          <a:scrgbClr r="0" g="0" b="0"/>
+        </a:fillRef>
+        <a:effectRef idx="0">
+          <a:scrgbClr r="0" g="0" b="0"/>
+        </a:effectRef>
+        <a:fontRef idx="minor">
+          <a:schemeClr val="lt1"/>
+        </a:fontRef>
+      </dsp:style>
+      <dsp:txBody>
+        <a:bodyPr spcFirstLastPara="0" vert="horz" wrap="square" lIns="68580" tIns="68580" rIns="68580" bIns="68580" numCol="1" spcCol="1270" anchor="ctr" anchorCtr="0">
+          <a:noAutofit/>
+        </a:bodyPr>
+        <a:lstStyle/>
+        <a:p>
+          <a:pPr marL="171450" lvl="1" indent="-171450" algn="l" defTabSz="800100">
+            <a:lnSpc>
+              <a:spcPct val="90000"/>
+            </a:lnSpc>
+            <a:spcBef>
+              <a:spcPct val="0"/>
+            </a:spcBef>
+            <a:spcAft>
+              <a:spcPct val="15000"/>
+            </a:spcAft>
+            <a:buChar char="•"/>
+          </a:pPr>
+          <a:r>
+            <a:rPr lang="en-US" sz="1800" kern="1200" dirty="0"/>
+            <a:t>Plot Ice Maps</a:t>
+          </a:r>
+        </a:p>
+      </dsp:txBody>
+      <dsp:txXfrm>
+        <a:off x="2301484" y="4663125"/>
+        <a:ext cx="4890655" cy="389812"/>
+      </dsp:txXfrm>
+    </dsp:sp>
+    <dsp:sp modelId="{4342207A-BE72-4470-917E-2E4A633C2EA0}">
+      <dsp:nvSpPr>
+        <dsp:cNvPr id="0" name=""/>
+        <dsp:cNvSpPr/>
+      </dsp:nvSpPr>
+      <dsp:spPr>
+        <a:xfrm>
+          <a:off x="0" y="5134443"/>
+          <a:ext cx="1798035" cy="356400"/>
+        </a:xfrm>
+        <a:prstGeom prst="rect">
+          <a:avLst/>
+        </a:prstGeom>
+        <a:noFill/>
+        <a:ln>
+          <a:noFill/>
+        </a:ln>
+        <a:effectLst/>
+      </dsp:spPr>
+      <dsp:style>
+        <a:lnRef idx="0">
+          <a:scrgbClr r="0" g="0" b="0"/>
+        </a:lnRef>
+        <a:fillRef idx="0">
+          <a:scrgbClr r="0" g="0" b="0"/>
+        </a:fillRef>
+        <a:effectRef idx="0">
+          <a:scrgbClr r="0" g="0" b="0"/>
+        </a:effectRef>
+        <a:fontRef idx="minor"/>
+      </dsp:style>
+      <dsp:txBody>
+        <a:bodyPr spcFirstLastPara="0" vert="horz" wrap="square" lIns="128016" tIns="45720" rIns="128016" bIns="45720" numCol="1" spcCol="1270" anchor="ctr" anchorCtr="0">
+          <a:noAutofit/>
+        </a:bodyPr>
+        <a:lstStyle/>
+        <a:p>
+          <a:pPr marL="0" lvl="0" indent="0" algn="r" defTabSz="800100">
+            <a:lnSpc>
+              <a:spcPct val="90000"/>
+            </a:lnSpc>
+            <a:spcBef>
+              <a:spcPct val="0"/>
+            </a:spcBef>
+            <a:spcAft>
+              <a:spcPct val="35000"/>
+            </a:spcAft>
+            <a:buNone/>
+          </a:pPr>
+          <a:r>
+            <a:rPr lang="en-US" sz="1800" kern="1200" dirty="0"/>
+            <a:t>Altair</a:t>
+          </a:r>
+        </a:p>
+      </dsp:txBody>
+      <dsp:txXfrm>
+        <a:off x="0" y="5134443"/>
+        <a:ext cx="1798035" cy="356400"/>
+      </dsp:txXfrm>
+    </dsp:sp>
+    <dsp:sp modelId="{0556E238-C039-4A18-97A5-F7174D8421A9}">
+      <dsp:nvSpPr>
+        <dsp:cNvPr id="0" name=""/>
+        <dsp:cNvSpPr/>
+      </dsp:nvSpPr>
+      <dsp:spPr>
+        <a:xfrm>
+          <a:off x="1798034" y="5117737"/>
+          <a:ext cx="359607" cy="389812"/>
+        </a:xfrm>
+        <a:prstGeom prst="leftBrace">
+          <a:avLst>
+            <a:gd name="adj1" fmla="val 35000"/>
+            <a:gd name="adj2" fmla="val 50000"/>
+          </a:avLst>
+        </a:prstGeom>
+        <a:noFill/>
+        <a:ln w="12700" cap="flat" cmpd="sng" algn="ctr">
+          <a:solidFill>
+            <a:schemeClr val="accent5">
+              <a:hueOff val="0"/>
+              <a:satOff val="0"/>
+              <a:lumOff val="0"/>
+              <a:alphaOff val="0"/>
+            </a:schemeClr>
+          </a:solidFill>
+          <a:prstDash val="solid"/>
+          <a:miter lim="800000"/>
+        </a:ln>
+        <a:effectLst/>
+      </dsp:spPr>
+      <dsp:style>
+        <a:lnRef idx="2">
+          <a:scrgbClr r="0" g="0" b="0"/>
+        </a:lnRef>
+        <a:fillRef idx="0">
+          <a:scrgbClr r="0" g="0" b="0"/>
+        </a:fillRef>
+        <a:effectRef idx="0">
+          <a:scrgbClr r="0" g="0" b="0"/>
+        </a:effectRef>
+        <a:fontRef idx="minor"/>
+      </dsp:style>
+    </dsp:sp>
+    <dsp:sp modelId="{D25F596D-CB3C-498A-B1A7-E6EFF0E20C15}">
+      <dsp:nvSpPr>
+        <dsp:cNvPr id="0" name=""/>
+        <dsp:cNvSpPr/>
+      </dsp:nvSpPr>
+      <dsp:spPr>
+        <a:xfrm>
+          <a:off x="2301484" y="5117737"/>
+          <a:ext cx="4890655" cy="389812"/>
+        </a:xfrm>
+        <a:prstGeom prst="rect">
+          <a:avLst/>
+        </a:prstGeom>
+        <a:solidFill>
+          <a:schemeClr val="accent5">
+            <a:hueOff val="-6758543"/>
+            <a:satOff val="-17419"/>
+            <a:lumOff val="-11765"/>
+            <a:alphaOff val="0"/>
+          </a:schemeClr>
+        </a:solidFill>
+        <a:ln w="12700" cap="flat" cmpd="sng" algn="ctr">
+          <a:solidFill>
+            <a:schemeClr val="lt1">
+              <a:hueOff val="0"/>
+              <a:satOff val="0"/>
+              <a:lumOff val="0"/>
+              <a:alphaOff val="0"/>
+            </a:schemeClr>
+          </a:solidFill>
+          <a:prstDash val="solid"/>
+          <a:miter lim="800000"/>
+        </a:ln>
+        <a:effectLst/>
+      </dsp:spPr>
+      <dsp:style>
+        <a:lnRef idx="2">
+          <a:scrgbClr r="0" g="0" b="0"/>
+        </a:lnRef>
+        <a:fillRef idx="1">
+          <a:scrgbClr r="0" g="0" b="0"/>
+        </a:fillRef>
+        <a:effectRef idx="0">
+          <a:scrgbClr r="0" g="0" b="0"/>
+        </a:effectRef>
+        <a:fontRef idx="minor">
+          <a:schemeClr val="lt1"/>
+        </a:fontRef>
+      </dsp:style>
+      <dsp:txBody>
+        <a:bodyPr spcFirstLastPara="0" vert="horz" wrap="square" lIns="68580" tIns="68580" rIns="68580" bIns="68580" numCol="1" spcCol="1270" anchor="ctr" anchorCtr="0">
+          <a:noAutofit/>
+        </a:bodyPr>
+        <a:lstStyle/>
+        <a:p>
+          <a:pPr marL="171450" lvl="1" indent="-171450" algn="l" defTabSz="800100">
+            <a:lnSpc>
+              <a:spcPct val="90000"/>
+            </a:lnSpc>
+            <a:spcBef>
+              <a:spcPct val="0"/>
+            </a:spcBef>
+            <a:spcAft>
+              <a:spcPct val="15000"/>
+            </a:spcAft>
+            <a:buChar char="•"/>
+          </a:pPr>
+          <a:r>
+            <a:rPr lang="en-US" sz="1800" kern="1200" dirty="0"/>
+            <a:t>Correlation Graph </a:t>
+          </a:r>
+        </a:p>
+      </dsp:txBody>
+      <dsp:txXfrm>
+        <a:off x="2301484" y="5117737"/>
+        <a:ext cx="4890655" cy="389812"/>
+      </dsp:txXfrm>
+    </dsp:sp>
+  </dsp:spTree>
+</dsp:drawing>
+</file>
+
+<file path=ppt/diagrams/layout1.xml><?xml version="1.0" encoding="utf-8"?>
+<dgm:layoutDef xmlns:dgm="http://schemas.openxmlformats.org/drawingml/2006/diagram" xmlns:a="http://schemas.openxmlformats.org/drawingml/2006/main" uniqueId="urn:diagrams.loki3.com/BracketList">
+  <dgm:title val="Vertical Bracket List"/>
+  <dgm:desc val="Use to show grouped blocks of information.  Works well with large amounts of Level 2 text."/>
+  <dgm:catLst>
+    <dgm:cat type="list" pri="4110"/>
+    <dgm:cat type="officeonline" pri="3000"/>
+  </dgm:catLst>
+  <dgm:sampData>
+    <dgm:dataModel>
+      <dgm:ptLst>
+        <dgm:pt modelId="0" type="doc"/>
+        <dgm:pt modelId="1">
+          <dgm:prSet phldr="1"/>
+        </dgm:pt>
+        <dgm:pt modelId="11">
+          <dgm:prSet phldr="1"/>
+        </dgm:pt>
+        <dgm:pt modelId="2">
+          <dgm:prSet phldr="1"/>
+        </dgm:pt>
+        <dgm:pt modelId="21">
+          <dgm:prSet phldr="1"/>
+        </dgm:pt>
+      </dgm:ptLst>
+      <dgm:cxnLst>
+        <dgm:cxn modelId="3" srcId="0" destId="1" srcOrd="0" destOrd="0"/>
+        <dgm:cxn modelId="4" srcId="1" destId="11" srcOrd="0" destOrd="0"/>
+        <dgm:cxn modelId="5" srcId="0" destId="2" srcOrd="0" destOrd="0"/>
+        <dgm:cxn modelId="6" srcId="2" destId="21" srcOrd="0" destOrd="0"/>
+      </dgm:cxnLst>
+      <dgm:bg/>
+      <dgm:whole/>
+    </dgm:dataModel>
+  </dgm:sampData>
+  <dgm:styleData useDef="1">
+    <dgm:dataModel>
+      <dgm:ptLst/>
+      <dgm:bg/>
+      <dgm:whole/>
+    </dgm:dataModel>
+  </dgm:styleData>
+  <dgm:clrData useDef="1">
+    <dgm:dataModel>
+      <dgm:ptLst/>
+      <dgm:bg/>
+      <dgm:whole/>
+    </dgm:dataModel>
+  </dgm:clrData>
+  <dgm:layoutNode name="Name0">
+    <dgm:varLst>
+      <dgm:dir/>
+      <dgm:animLvl val="lvl"/>
+      <dgm:resizeHandles val="exact"/>
+    </dgm:varLst>
+    <dgm:choose name="Name1">
+      <dgm:if name="Name2" func="var" arg="dir" op="equ" val="norm">
+        <dgm:alg type="lin">
+          <dgm:param type="linDir" val="fromT"/>
+          <dgm:param type="nodeHorzAlign" val="l"/>
+        </dgm:alg>
+      </dgm:if>
+      <dgm:else name="Name3">
+        <dgm:alg type="lin">
+          <dgm:param type="linDir" val="fromT"/>
+          <dgm:param type="nodeHorzAlign" val="r"/>
+        </dgm:alg>
+      </dgm:else>
+    </dgm:choose>
+    <dgm:shape xmlns:r="http://schemas.openxmlformats.org/officeDocument/2006/relationships" r:blip="">
+      <dgm:adjLst/>
+    </dgm:shape>
+    <dgm:presOf/>
+    <dgm:constrLst>
+      <dgm:constr type="h" for="ch" forName="linNode" refType="h"/>
+      <dgm:constr type="w" for="ch" forName="linNode" refType="w"/>
+      <dgm:constr type="h" for="ch" forName="spV" refType="primFontSz" refFor="des" refForName="parTx" fact="0.1"/>
+      <dgm:constr type="primFontSz" for="des" forName="parTx" val="65"/>
+      <dgm:constr type="primFontSz" for="des" forName="desTx" refType="primFontSz" refFor="des" refForName="parTx"/>
+      <dgm:constr type="h" for="des" forName="parTx" refType="primFontSz" refFor="des" refForName="parTx" fact="0.55"/>
+      <dgm:constr type="h" for="des" forName="bracket" refType="primFontSz" refFor="des" refForName="parTx" fact="0.55"/>
+      <dgm:constr type="h" for="des" forName="desTx" refType="primFontSz" refFor="des" refForName="parTx" fact="0.55"/>
+    </dgm:constrLst>
+    <dgm:ruleLst>
+      <dgm:rule type="primFontSz" for="des" forName="parTx" val="5" fact="NaN" max="NaN"/>
+    </dgm:ruleLst>
+    <dgm:forEach name="Name4" axis="ch" ptType="node">
+      <dgm:layoutNode name="linNode">
+        <dgm:choose name="Name5">
+          <dgm:if name="Name6" func="var" arg="dir" op="equ" val="norm">
+            <dgm:alg type="lin">
+              <dgm:param type="linDir" val="fromL"/>
+            </dgm:alg>
+          </dgm:if>
+          <dgm:else name="Name7">
+            <dgm:alg type="lin">
+              <dgm:param type="linDir" val="fromR"/>
+            </dgm:alg>
+          </dgm:else>
+        </dgm:choose>
+        <dgm:shape xmlns:r="http://schemas.openxmlformats.org/officeDocument/2006/relationships" r:blip="">
+          <dgm:adjLst/>
+        </dgm:shape>
+        <dgm:presOf/>
+        <dgm:constrLst>
+          <dgm:constr type="w" for="ch" forName="parTx" refType="w" fact="0.25"/>
+          <dgm:constr type="w" for="ch" forName="bracket" refType="w" fact="0.05"/>
+          <dgm:constr type="w" for="ch" forName="spH" refType="w" fact="0.02"/>
+          <dgm:constr type="w" for="ch" forName="desTx" refType="w" fact="0.68"/>
+          <dgm:constr type="h" for="ch" forName="bracket" refType="h" refFor="ch" refForName="desTx" op="gte"/>
+          <dgm:constr type="h" for="ch" forName="bracket" refType="h" refFor="ch" refForName="parTx" op="gte"/>
+          <dgm:constr type="h" for="ch" forName="desTx" refType="h" refFor="ch" refForName="parTx" op="gte"/>
+        </dgm:constrLst>
+        <dgm:ruleLst/>
+        <dgm:layoutNode name="parTx" styleLbl="revTx">
+          <dgm:varLst>
+            <dgm:chMax val="1"/>
+            <dgm:bulletEnabled val="1"/>
+          </dgm:varLst>
+          <dgm:choose name="Name8">
+            <dgm:if name="Name9" func="var" arg="dir" op="equ" val="norm">
+              <dgm:alg type="tx">
+                <dgm:param type="parTxLTRAlign" val="r"/>
+              </dgm:alg>
+            </dgm:if>
+            <dgm:else name="Name10">
+              <dgm:alg type="tx">
+                <dgm:param type="parTxLTRAlign" val="l"/>
+              </dgm:alg>
+            </dgm:else>
+          </dgm:choose>
+          <dgm:shape xmlns:r="http://schemas.openxmlformats.org/officeDocument/2006/relationships" type="rect" r:blip="">
+            <dgm:adjLst/>
+          </dgm:shape>
+          <dgm:presOf axis="self" ptType="node"/>
+          <dgm:constrLst>
+            <dgm:constr type="tMarg" refType="primFontSz" fact="0.2"/>
+            <dgm:constr type="bMarg" refType="primFontSz" fact="0.2"/>
+          </dgm:constrLst>
+          <dgm:ruleLst>
+            <dgm:rule type="h" val="INF" fact="NaN" max="NaN"/>
+          </dgm:ruleLst>
+        </dgm:layoutNode>
+        <dgm:layoutNode name="bracket" styleLbl="parChTrans1D1">
+          <dgm:alg type="sp"/>
+          <dgm:choose name="Name11">
+            <dgm:if name="Name12" func="var" arg="dir" op="equ" val="norm">
+              <dgm:shape xmlns:r="http://schemas.openxmlformats.org/officeDocument/2006/relationships" type="leftBrace" r:blip="">
+                <dgm:adjLst>
+                  <dgm:adj idx="1" val="0.35"/>
+                </dgm:adjLst>
+              </dgm:shape>
+            </dgm:if>
+            <dgm:else name="Name13">
+              <dgm:shape xmlns:r="http://schemas.openxmlformats.org/officeDocument/2006/relationships" rot="180" type="leftBrace" r:blip="">
+                <dgm:adjLst>
+                  <dgm:adj idx="1" val="0.35"/>
+                </dgm:adjLst>
+              </dgm:shape>
+            </dgm:else>
+          </dgm:choose>
+          <dgm:presOf/>
+        </dgm:layoutNode>
+        <dgm:layoutNode name="spH">
+          <dgm:alg type="sp"/>
+        </dgm:layoutNode>
+        <dgm:choose name="Name14">
+          <dgm:if name="Name15" axis="ch" ptType="node" func="cnt" op="gte" val="1">
+            <dgm:layoutNode name="desTx" styleLbl="node1">
+              <dgm:varLst>
+                <dgm:bulletEnabled val="1"/>
+              </dgm:varLst>
+              <dgm:alg type="tx">
+                <dgm:param type="stBulletLvl" val="1"/>
+                <dgm:param type="txAnchorVertCh" val="mid"/>
+              </dgm:alg>
+              <dgm:shape xmlns:r="http://schemas.openxmlformats.org/officeDocument/2006/relationships" type="rect" r:blip="">
+                <dgm:adjLst/>
+              </dgm:shape>
+              <dgm:presOf axis="des" ptType="node"/>
+              <dgm:constrLst>
+                <dgm:constr type="secFontSz" refType="primFontSz"/>
+                <dgm:constr type="tMarg" refType="primFontSz" fact="0.3"/>
+                <dgm:constr type="bMarg" refType="primFontSz" fact="0.3"/>
+                <dgm:constr type="lMarg" refType="primFontSz" fact="0.3"/>
+                <dgm:constr type="rMarg" refType="primFontSz" fact="0.3"/>
+              </dgm:constrLst>
+              <dgm:ruleLst>
+                <dgm:rule type="h" val="INF" fact="NaN" max="NaN"/>
+              </dgm:ruleLst>
+            </dgm:layoutNode>
+          </dgm:if>
+          <dgm:else name="Name16"/>
+        </dgm:choose>
+      </dgm:layoutNode>
+      <dgm:forEach name="Name17" axis="followSib" ptType="sibTrans" cnt="1">
+        <dgm:layoutNode name="spV">
+          <dgm:alg type="sp"/>
+        </dgm:layoutNode>
+      </dgm:forEach>
+    </dgm:forEach>
+  </dgm:layoutNode>
+</dgm:layoutDef>
+</file>
+
+<file path=ppt/diagrams/quickStyle1.xml><?xml version="1.0" encoding="utf-8"?>
+<dgm:styleDef xmlns:dgm="http://schemas.openxmlformats.org/drawingml/2006/diagram" xmlns:a="http://schemas.openxmlformats.org/drawingml/2006/main" uniqueId="urn:microsoft.com/office/officeart/2005/8/quickstyle/simple1">
+  <dgm:title val=""/>
+  <dgm:desc val=""/>
+  <dgm:catLst>
+    <dgm:cat type="simple" pri="10100"/>
+  </dgm:catLst>
+  <dgm:scene3d>
+    <a:camera prst="orthographicFront"/>
+    <a:lightRig rig="threePt" dir="t"/>
+  </dgm:scene3d>
+  <dgm:styleLbl name="node0">
+    <dgm:scene3d>
+      <a:camera prst="orthographicFront"/>
+      <a:lightRig rig="threePt" dir="t"/>
+    </dgm:scene3d>
+    <dgm:sp3d/>
+    <dgm:txPr/>
+    <dgm:style>
+      <a:lnRef idx="2">
+        <a:scrgbClr r="0" g="0" b="0"/>
+      </a:lnRef>
+      <a:fillRef idx="1">
+        <a:scrgbClr r="0" g="0" b="0"/>
+      </a:fillRef>
+      <a:effectRef idx="0">
+        <a:scrgbClr r="0" g="0" b="0"/>
+      </a:effectRef>
+      <a:fontRef idx="minor">
+        <a:schemeClr val="lt1"/>
+      </a:fontRef>
+    </dgm:style>
+  </dgm:styleLbl>
+  <dgm:styleLbl name="lnNode1">
+    <dgm:scene3d>
+      <a:camera prst="orthographicFront"/>
+      <a:lightRig rig="threePt" dir="t"/>
+    </dgm:scene3d>
+    <dgm:sp3d/>
+    <dgm:txPr/>
+    <dgm:style>
+      <a:lnRef idx="2">
+        <a:scrgbClr r="0" g="0" b="0"/>
+      </a:lnRef>
+      <a:fillRef idx="1">
+        <a:scrgbClr r="0" g="0" b="0"/>
+      </a:fillRef>
+      <a:effectRef idx="0">
+        <a:scrgbClr r="0" g="0" b="0"/>
+      </a:effectRef>
+      <a:fontRef idx="minor">
+        <a:schemeClr val="lt1"/>
+      </a:fontRef>
+    </dgm:style>
+  </dgm:styleLbl>
+  <dgm:styleLbl name="vennNode1">
+    <dgm:scene3d>
+      <a:camera prst="orthographicFront"/>
+      <a:lightRig rig="threePt" dir="t"/>
+    </dgm:scene3d>
+    <dgm:sp3d/>
+    <dgm:txPr/>
+    <dgm:style>
+      <a:lnRef idx="2">
+        <a:scrgbClr r="0" g="0" b="0"/>
+      </a:lnRef>
+      <a:fillRef idx="1">
+        <a:scrgbClr r="0" g="0" b="0"/>
+      </a:fillRef>
+      <a:effectRef idx="0">
+        <a:scrgbClr r="0" g="0" b="0"/>
+      </a:effectRef>
+      <a:fontRef idx="minor">
+        <a:schemeClr val="tx1"/>
+      </a:fontRef>
+    </dgm:style>
+  </dgm:styleLbl>
+  <dgm:styleLbl name="alignNode1">
+    <dgm:scene3d>
+      <a:camera prst="orthographicFront"/>
+      <a:lightRig rig="threePt" dir="t"/>
+    </dgm:scene3d>
+    <dgm:sp3d/>
+    <dgm:txPr/>
+    <dgm:style>
+      <a:lnRef idx="2">
+        <a:scrgbClr r="0" g="0" b="0"/>
+      </a:lnRef>
+      <a:fillRef idx="1">
+        <a:scrgbClr r="0" g="0" b="0"/>
+      </a:fillRef>
+      <a:effectRef idx="0">
+        <a:scrgbClr r="0" g="0" b="0"/>
+      </a:effectRef>
+      <a:fontRef idx="minor">
+        <a:schemeClr val="lt1"/>
+      </a:fontRef>
+    </dgm:style>
+  </dgm:styleLbl>
+  <dgm:styleLbl name="node1">
+    <dgm:scene3d>
+      <a:camera prst="orthographicFront"/>
+      <a:lightRig rig="threePt" dir="t"/>
+    </dgm:scene3d>
+    <dgm:sp3d/>
+    <dgm:txPr/>
+    <dgm:style>
+      <a:lnRef idx="2">
+        <a:scrgbClr r="0" g="0" b="0"/>
+      </a:lnRef>
+      <a:fillRef idx="1">
+        <a:scrgbClr r="0" g="0" b="0"/>
+      </a:fillRef>
+      <a:effectRef idx="0">
+        <a:scrgbClr r="0" g="0" b="0"/>
+      </a:effectRef>
+      <a:fontRef idx="minor">
+        <a:schemeClr val="lt1"/>
+      </a:fontRef>
+    </dgm:style>
+  </dgm:styleLbl>
+  <dgm:styleLbl name="node2">
+    <dgm:scene3d>
+      <a:camera prst="orthographicFront"/>
+      <a:lightRig rig="threePt" dir="t"/>
+    </dgm:scene3d>
+    <dgm:sp3d/>
+    <dgm:txPr/>
+    <dgm:style>
+      <a:lnRef idx="2">
+        <a:scrgbClr r="0" g="0" b="0"/>
+      </a:lnRef>
+      <a:fillRef idx="1">
+        <a:scrgbClr r="0" g="0" b="0"/>
+      </a:fillRef>
+      <a:effectRef idx="0">
+        <a:scrgbClr r="0" g="0" b="0"/>
+      </a:effectRef>
+      <a:fontRef idx="minor">
+        <a:schemeClr val="lt1"/>
+      </a:fontRef>
+    </dgm:style>
+  </dgm:styleLbl>
+  <dgm:styleLbl name="node3">
+    <dgm:scene3d>
+      <a:camera prst="orthographicFront"/>
+      <a:lightRig rig="threePt" dir="t"/>
+    </dgm:scene3d>
+    <dgm:sp3d/>
+    <dgm:txPr/>
+    <dgm:style>
+      <a:lnRef idx="2">
+        <a:scrgbClr r="0" g="0" b="0"/>
+      </a:lnRef>
+      <a:fillRef idx="1">
+        <a:scrgbClr r="0" g="0" b="0"/>
+      </a:fillRef>
+      <a:effectRef idx="0">
+        <a:scrgbClr r="0" g="0" b="0"/>
+      </a:effectRef>
+      <a:fontRef idx="minor">
+        <a:schemeClr val="lt1"/>
+      </a:fontRef>
+    </dgm:style>
+  </dgm:styleLbl>
+  <dgm:styleLbl name="node4">
+    <dgm:scene3d>
+      <a:camera prst="orthographicFront"/>
+      <a:lightRig rig="threePt" dir="t"/>
+    </dgm:scene3d>
+    <dgm:sp3d/>
+    <dgm:txPr/>
+    <dgm:style>
+      <a:lnRef idx="2">
+        <a:scrgbClr r="0" g="0" b="0"/>
+      </a:lnRef>
+      <a:fillRef idx="1">
+        <a:scrgbClr r="0" g="0" b="0"/>
+      </a:fillRef>
+      <a:effectRef idx="0">
+        <a:scrgbClr r="0" g="0" b="0"/>
+      </a:effectRef>
+      <a:fontRef idx="minor">
+        <a:schemeClr val="lt1"/>
+      </a:fontRef>
+    </dgm:style>
+  </dgm:styleLbl>
+  <dgm:styleLbl name="fgImgPlace1">
+    <dgm:scene3d>
+      <a:camera prst="orthographicFront"/>
+      <a:lightRig rig="threePt" dir="t"/>
+    </dgm:scene3d>
+    <dgm:sp3d/>
+    <dgm:txPr/>
+    <dgm:style>
+      <a:lnRef idx="2">
+        <a:scrgbClr r="0" g="0" b="0"/>
+      </a:lnRef>
+      <a:fillRef idx="1">
+        <a:scrgbClr r="0" g="0" b="0"/>
+      </a:fillRef>
+      <a:effectRef idx="0">
+        <a:scrgbClr r="0" g="0" b="0"/>
+      </a:effectRef>
+      <a:fontRef idx="minor"/>
+    </dgm:style>
+  </dgm:styleLbl>
+  <dgm:styleLbl name="alignImgPlace1">
+    <dgm:scene3d>
+      <a:camera prst="orthographicFront"/>
+      <a:lightRig rig="threePt" dir="t"/>
+    </dgm:scene3d>
+    <dgm:sp3d/>
+    <dgm:txPr/>
+    <dgm:style>
+      <a:lnRef idx="2">
+        <a:scrgbClr r="0" g="0" b="0"/>
+      </a:lnRef>
+      <a:fillRef idx="1">
+        <a:scrgbClr r="0" g="0" b="0"/>
+      </a:fillRef>
+      <a:effectRef idx="0">
+        <a:scrgbClr r="0" g="0" b="0"/>
+      </a:effectRef>
+      <a:fontRef idx="minor"/>
+    </dgm:style>
+  </dgm:styleLbl>
+  <dgm:styleLbl name="bgImgPlace1">
+    <dgm:scene3d>
+      <a:camera prst="orthographicFront"/>
+      <a:lightRig rig="threePt" dir="t"/>
+    </dgm:scene3d>
+    <dgm:sp3d/>
+    <dgm:txPr/>
+    <dgm:style>
+      <a:lnRef idx="2">
+        <a:scrgbClr r="0" g="0" b="0"/>
+      </a:lnRef>
+      <a:fillRef idx="1">
+        <a:scrgbClr r="0" g="0" b="0"/>
+      </a:fillRef>
+      <a:effectRef idx="0">
+        <a:scrgbClr r="0" g="0" b="0"/>
+      </a:effectRef>
+      <a:fontRef idx="minor"/>
+    </dgm:style>
+  </dgm:styleLbl>
+  <dgm:styleLbl name="sibTrans2D1">
+    <dgm:scene3d>
+      <a:camera prst="orthographicFront"/>
+      <a:lightRig rig="threePt" dir="t"/>
+    </dgm:scene3d>
+    <dgm:sp3d/>
+    <dgm:txPr/>
+    <dgm:style>
+      <a:lnRef idx="0">
+        <a:scrgbClr r="0" g="0" b="0"/>
+      </a:lnRef>
+      <a:fillRef idx="1">
+        <a:scrgbClr r="0" g="0" b="0"/>
+      </a:fillRef>
+      <a:effectRef idx="0">
+        <a:scrgbClr r="0" g="0" b="0"/>
+      </a:effectRef>
+      <a:fontRef idx="minor">
+        <a:schemeClr val="lt1"/>
+      </a:fontRef>
+    </dgm:style>
+  </dgm:styleLbl>
+  <dgm:styleLbl name="fgSibTrans2D1">
+    <dgm:scene3d>
+      <a:camera prst="orthographicFront"/>
+      <a:lightRig rig="threePt" dir="t"/>
+    </dgm:scene3d>
+    <dgm:sp3d/>
+    <dgm:txPr/>
+    <dgm:style>
+      <a:lnRef idx="0">
+        <a:scrgbClr r="0" g="0" b="0"/>
+      </a:lnRef>
+      <a:fillRef idx="1">
+        <a:scrgbClr r="0" g="0" b="0"/>
+      </a:fillRef>
+      <a:effectRef idx="0">
+        <a:scrgbClr r="0" g="0" b="0"/>
+      </a:effectRef>
+      <a:fontRef idx="minor">
+        <a:schemeClr val="lt1"/>
+      </a:fontRef>
+    </dgm:style>
+  </dgm:styleLbl>
+  <dgm:styleLbl name="bgSibTrans2D1">
+    <dgm:scene3d>
+      <a:camera prst="orthographicFront"/>
+      <a:lightRig rig="threePt" dir="t"/>
+    </dgm:scene3d>
+    <dgm:sp3d/>
+    <dgm:txPr/>
+    <dgm:style>
+      <a:lnRef idx="0">
+        <a:scrgbClr r="0" g="0" b="0"/>
+      </a:lnRef>
+      <a:fillRef idx="1">
+        <a:scrgbClr r="0" g="0" b="0"/>
+      </a:fillRef>
+      <a:effectRef idx="0">
+        <a:scrgbClr r="0" g="0" b="0"/>
+      </a:effectRef>
+      <a:fontRef idx="minor">
+        <a:schemeClr val="lt1"/>
+      </a:fontRef>
+    </dgm:style>
+  </dgm:styleLbl>
+  <dgm:styleLbl name="sibTrans1D1">
+    <dgm:scene3d>
+      <a:camera prst="orthographicFront"/>
+      <a:lightRig rig="threePt" dir="t"/>
+    </dgm:scene3d>
+    <dgm:sp3d/>
+    <dgm:txPr/>
+    <dgm:style>
+      <a:lnRef idx="1">
+        <a:scrgbClr r="0" g="0" b="0"/>
+      </a:lnRef>
+      <a:fillRef idx="0">
+        <a:scrgbClr r="0" g="0" b="0"/>
+      </a:fillRef>
+      <a:effectRef idx="0">
+        <a:scrgbClr r="0" g="0" b="0"/>
+      </a:effectRef>
+      <a:fontRef idx="minor"/>
+    </dgm:style>
+  </dgm:styleLbl>
+  <dgm:styleLbl name="callout">
+    <dgm:scene3d>
+      <a:camera prst="orthographicFront"/>
+      <a:lightRig rig="threePt" dir="t"/>
+    </dgm:scene3d>
+    <dgm:sp3d/>
+    <dgm:txPr/>
+    <dgm:style>
+      <a:lnRef idx="2">
+        <a:scrgbClr r="0" g="0" b="0"/>
+      </a:lnRef>
+      <a:fillRef idx="1">
+        <a:scrgbClr r="0" g="0" b="0"/>
+      </a:fillRef>
+      <a:effectRef idx="0">
+        <a:scrgbClr r="0" g="0" b="0"/>
+      </a:effectRef>
+      <a:fontRef idx="minor"/>
+    </dgm:style>
+  </dgm:styleLbl>
+  <dgm:styleLbl name="asst0">
+    <dgm:scene3d>
+      <a:camera prst="orthographicFront"/>
+      <a:lightRig rig="threePt" dir="t"/>
+    </dgm:scene3d>
+    <dgm:sp3d/>
+    <dgm:txPr/>
+    <dgm:style>
+      <a:lnRef idx="2">
+        <a:scrgbClr r="0" g="0" b="0"/>
+      </a:lnRef>
+      <a:fillRef idx="1">
+        <a:scrgbClr r="0" g="0" b="0"/>
+      </a:fillRef>
+      <a:effectRef idx="0">
+        <a:scrgbClr r="0" g="0" b="0"/>
+      </a:effectRef>
+      <a:fontRef idx="minor">
+        <a:schemeClr val="lt1"/>
+      </a:fontRef>
+    </dgm:style>
+  </dgm:styleLbl>
+  <dgm:styleLbl name="asst1">
+    <dgm:scene3d>
+      <a:camera prst="orthographicFront"/>
+      <a:lightRig rig="threePt" dir="t"/>
+    </dgm:scene3d>
+    <dgm:sp3d/>
+    <dgm:txPr/>
+    <dgm:style>
+      <a:lnRef idx="2">
+        <a:scrgbClr r="0" g="0" b="0"/>
+      </a:lnRef>
+      <a:fillRef idx="1">
+        <a:scrgbClr r="0" g="0" b="0"/>
+      </a:fillRef>
+      <a:effectRef idx="0">
+        <a:scrgbClr r="0" g="0" b="0"/>
+      </a:effectRef>
+      <a:fontRef idx="minor">
+        <a:schemeClr val="lt1"/>
+      </a:fontRef>
+    </dgm:style>
+  </dgm:styleLbl>
+  <dgm:styleLbl name="asst2">
+    <dgm:scene3d>
+      <a:camera prst="orthographicFront"/>
+      <a:lightRig rig="threePt" dir="t"/>
+    </dgm:scene3d>
+    <dgm:sp3d/>
+    <dgm:txPr/>
+    <dgm:style>
+      <a:lnRef idx="2">
+        <a:scrgbClr r="0" g="0" b="0"/>
+      </a:lnRef>
+      <a:fillRef idx="1">
+        <a:scrgbClr r="0" g="0" b="0"/>
+      </a:fillRef>
+      <a:effectRef idx="0">
+        <a:scrgbClr r="0" g="0" b="0"/>
+      </a:effectRef>
+      <a:fontRef idx="minor">
+        <a:schemeClr val="lt1"/>
+      </a:fontRef>
+    </dgm:style>
+  </dgm:styleLbl>
+  <dgm:styleLbl name="asst3">
+    <dgm:scene3d>
+      <a:camera prst="orthographicFront"/>
+      <a:lightRig rig="threePt" dir="t"/>
+    </dgm:scene3d>
+    <dgm:sp3d/>
+    <dgm:txPr/>
+    <dgm:style>
+      <a:lnRef idx="2">
+        <a:scrgbClr r="0" g="0" b="0"/>
+      </a:lnRef>
+      <a:fillRef idx="1">
+        <a:scrgbClr r="0" g="0" b="0"/>
+      </a:fillRef>
+      <a:effectRef idx="0">
+        <a:scrgbClr r="0" g="0" b="0"/>
+      </a:effectRef>
+      <a:fontRef idx="minor">
+        <a:schemeClr val="lt1"/>
+      </a:fontRef>
+    </dgm:style>
+  </dgm:styleLbl>
+  <dgm:styleLbl name="asst4">
+    <dgm:scene3d>
+      <a:camera prst="orthographicFront"/>
+      <a:lightRig rig="threePt" dir="t"/>
+    </dgm:scene3d>
+    <dgm:sp3d/>
+    <dgm:txPr/>
+    <dgm:style>
+      <a:lnRef idx="2">
+        <a:scrgbClr r="0" g="0" b="0"/>
+      </a:lnRef>
+      <a:fillRef idx="1">
+        <a:scrgbClr r="0" g="0" b="0"/>
+      </a:fillRef>
+      <a:effectRef idx="0">
+        <a:scrgbClr r="0" g="0" b="0"/>
+      </a:effectRef>
+      <a:fontRef idx="minor">
+        <a:schemeClr val="lt1"/>
+      </a:fontRef>
+    </dgm:style>
+  </dgm:styleLbl>
+  <dgm:styleLbl name="parChTrans2D1">
+    <dgm:scene3d>
+      <a:camera prst="orthographicFront"/>
+      <a:lightRig rig="threePt" dir="t"/>
+    </dgm:scene3d>
+    <dgm:sp3d/>
+    <dgm:txPr/>
+    <dgm:style>
+      <a:lnRef idx="2">
+        <a:scrgbClr r="0" g="0" b="0"/>
+      </a:lnRef>
+      <a:fillRef idx="1">
+        <a:scrgbClr r="0" g="0" b="0"/>
+      </a:fillRef>
+      <a:effectRef idx="0">
+        <a:scrgbClr r="0" g="0" b="0"/>
+      </a:effectRef>
+      <a:fontRef idx="minor">
+        <a:schemeClr val="lt1"/>
+      </a:fontRef>
+    </dgm:style>
+  </dgm:styleLbl>
+  <dgm:styleLbl name="parChTrans2D2">
+    <dgm:scene3d>
+      <a:camera prst="orthographicFront"/>
+      <a:lightRig rig="threePt" dir="t"/>
+    </dgm:scene3d>
+    <dgm:sp3d/>
+    <dgm:txPr/>
+    <dgm:style>
+      <a:lnRef idx="2">
+        <a:scrgbClr r="0" g="0" b="0"/>
+      </a:lnRef>
+      <a:fillRef idx="1">
+        <a:scrgbClr r="0" g="0" b="0"/>
+      </a:fillRef>
+      <a:effectRef idx="0">
+        <a:scrgbClr r="0" g="0" b="0"/>
+      </a:effectRef>
+      <a:fontRef idx="minor">
+        <a:schemeClr val="lt1"/>
+      </a:fontRef>
+    </dgm:style>
+  </dgm:styleLbl>
+  <dgm:styleLbl name="parChTrans2D3">
+    <dgm:scene3d>
+      <a:camera prst="orthographicFront"/>
+      <a:lightRig rig="threePt" dir="t"/>
+    </dgm:scene3d>
+    <dgm:sp3d/>
+    <dgm:txPr/>
+    <dgm:style>
+      <a:lnRef idx="2">
+        <a:scrgbClr r="0" g="0" b="0"/>
+      </a:lnRef>
+      <a:fillRef idx="1">
+        <a:scrgbClr r="0" g="0" b="0"/>
+      </a:fillRef>
+      <a:effectRef idx="0">
+        <a:scrgbClr r="0" g="0" b="0"/>
+      </a:effectRef>
+      <a:fontRef idx="minor">
+        <a:schemeClr val="lt1"/>
+      </a:fontRef>
+    </dgm:style>
+  </dgm:styleLbl>
+  <dgm:styleLbl name="parChTrans2D4">
+    <dgm:scene3d>
+      <a:camera prst="orthographicFront"/>
+      <a:lightRig rig="threePt" dir="t"/>
+    </dgm:scene3d>
+    <dgm:sp3d/>
+    <dgm:txPr/>
+    <dgm:style>
+      <a:lnRef idx="2">
+        <a:scrgbClr r="0" g="0" b="0"/>
+      </a:lnRef>
+      <a:fillRef idx="1">
+        <a:scrgbClr r="0" g="0" b="0"/>
+      </a:fillRef>
+      <a:effectRef idx="0">
+        <a:scrgbClr r="0" g="0" b="0"/>
+      </a:effectRef>
+      <a:fontRef idx="minor">
+        <a:schemeClr val="lt1"/>
+      </a:fontRef>
+    </dgm:style>
+  </dgm:styleLbl>
+  <dgm:styleLbl name="parChTrans1D1">
+    <dgm:scene3d>
+      <a:camera prst="orthographicFront"/>
+      <a:lightRig rig="threePt" dir="t"/>
+    </dgm:scene3d>
+    <dgm:sp3d/>
+    <dgm:txPr/>
+    <dgm:style>
+      <a:lnRef idx="2">
+        <a:scrgbClr r="0" g="0" b="0"/>
+      </a:lnRef>
+      <a:fillRef idx="0">
+        <a:scrgbClr r="0" g="0" b="0"/>
+      </a:fillRef>
+      <a:effectRef idx="0">
+        <a:scrgbClr r="0" g="0" b="0"/>
+      </a:effectRef>
+      <a:fontRef idx="minor"/>
+    </dgm:style>
+  </dgm:styleLbl>
+  <dgm:styleLbl name="parChTrans1D2">
+    <dgm:scene3d>
+      <a:camera prst="orthographicFront"/>
+      <a:lightRig rig="threePt" dir="t"/>
+    </dgm:scene3d>
+    <dgm:sp3d/>
+    <dgm:txPr/>
+    <dgm:style>
+      <a:lnRef idx="2">
+        <a:scrgbClr r="0" g="0" b="0"/>
+      </a:lnRef>
+      <a:fillRef idx="0">
+        <a:scrgbClr r="0" g="0" b="0"/>
+      </a:fillRef>
+      <a:effectRef idx="0">
+        <a:scrgbClr r="0" g="0" b="0"/>
+      </a:effectRef>
+      <a:fontRef idx="minor"/>
+    </dgm:style>
+  </dgm:styleLbl>
+  <dgm:styleLbl name="parChTrans1D3">
+    <dgm:scene3d>
+      <a:camera prst="orthographicFront"/>
+      <a:lightRig rig="threePt" dir="t"/>
+    </dgm:scene3d>
+    <dgm:sp3d/>
+    <dgm:txPr/>
+    <dgm:style>
+      <a:lnRef idx="2">
+        <a:scrgbClr r="0" g="0" b="0"/>
+      </a:lnRef>
+      <a:fillRef idx="0">
+        <a:scrgbClr r="0" g="0" b="0"/>
+      </a:fillRef>
+      <a:effectRef idx="0">
+        <a:scrgbClr r="0" g="0" b="0"/>
+      </a:effectRef>
+      <a:fontRef idx="minor"/>
+    </dgm:style>
+  </dgm:styleLbl>
+  <dgm:styleLbl name="parChTrans1D4">
+    <dgm:scene3d>
+      <a:camera prst="orthographicFront"/>
+      <a:lightRig rig="threePt" dir="t"/>
+    </dgm:scene3d>
+    <dgm:sp3d/>
+    <dgm:txPr/>
+    <dgm:style>
+      <a:lnRef idx="2">
+        <a:scrgbClr r="0" g="0" b="0"/>
+      </a:lnRef>
+      <a:fillRef idx="0">
+        <a:scrgbClr r="0" g="0" b="0"/>
+      </a:fillRef>
+      <a:effectRef idx="0">
+        <a:scrgbClr r="0" g="0" b="0"/>
+      </a:effectRef>
+      <a:fontRef idx="minor"/>
+    </dgm:style>
+  </dgm:styleLbl>
+  <dgm:styleLbl name="fgAcc1">
+    <dgm:scene3d>
+      <a:camera prst="orthographicFront"/>
+      <a:lightRig rig="threePt" dir="t"/>
+    </dgm:scene3d>
+    <dgm:sp3d/>
+    <dgm:txPr/>
+    <dgm:style>
+      <a:lnRef idx="2">
+        <a:scrgbClr r="0" g="0" b="0"/>
+      </a:lnRef>
+      <a:fillRef idx="1">
+        <a:scrgbClr r="0" g="0" b="0"/>
+      </a:fillRef>
+      <a:effectRef idx="0">
+        <a:scrgbClr r="0" g="0" b="0"/>
+      </a:effectRef>
+      <a:fontRef idx="minor"/>
+    </dgm:style>
+  </dgm:styleLbl>
+  <dgm:styleLbl name="conFgAcc1">
+    <dgm:scene3d>
+      <a:camera prst="orthographicFront"/>
+      <a:lightRig rig="threePt" dir="t"/>
+    </dgm:scene3d>
+    <dgm:sp3d/>
+    <dgm:txPr/>
+    <dgm:style>
+      <a:lnRef idx="2">
+        <a:scrgbClr r="0" g="0" b="0"/>
+      </a:lnRef>
+      <a:fillRef idx="1">
+        <a:scrgbClr r="0" g="0" b="0"/>
+      </a:fillRef>
+      <a:effectRef idx="0">
+        <a:scrgbClr r="0" g="0" b="0"/>
+      </a:effectRef>
+      <a:fontRef idx="minor"/>
+    </dgm:style>
+  </dgm:styleLbl>
+  <dgm:styleLbl name="alignAcc1">
+    <dgm:scene3d>
+      <a:camera prst="orthographicFront"/>
+      <a:lightRig rig="threePt" dir="t"/>
+    </dgm:scene3d>
+    <dgm:sp3d/>
+    <dgm:txPr/>
+    <dgm:style>
+      <a:lnRef idx="2">
+        <a:scrgbClr r="0" g="0" b="0"/>
+      </a:lnRef>
+      <a:fillRef idx="1">
+        <a:scrgbClr r="0" g="0" b="0"/>
+      </a:fillRef>
+      <a:effectRef idx="0">
+        <a:scrgbClr r="0" g="0" b="0"/>
+      </a:effectRef>
+      <a:fontRef idx="minor"/>
+    </dgm:style>
+  </dgm:styleLbl>
+  <dgm:styleLbl name="trAlignAcc1">
+    <dgm:scene3d>
+      <a:camera prst="orthographicFront"/>
+      <a:lightRig rig="threePt" dir="t"/>
+    </dgm:scene3d>
+    <dgm:sp3d/>
+    <dgm:txPr/>
+    <dgm:style>
+      <a:lnRef idx="1">
+        <a:scrgbClr r="0" g="0" b="0"/>
+      </a:lnRef>
+      <a:fillRef idx="1">
+        <a:scrgbClr r="0" g="0" b="0"/>
+      </a:fillRef>
+      <a:effectRef idx="0">
+        <a:scrgbClr r="0" g="0" b="0"/>
+      </a:effectRef>
+      <a:fontRef idx="minor"/>
+    </dgm:style>
+  </dgm:styleLbl>
+  <dgm:styleLbl name="bgAcc1">
+    <dgm:scene3d>
+      <a:camera prst="orthographicFront"/>
+      <a:lightRig rig="threePt" dir="t"/>
+    </dgm:scene3d>
+    <dgm:sp3d/>
+    <dgm:txPr/>
+    <dgm:style>
+      <a:lnRef idx="2">
+        <a:scrgbClr r="0" g="0" b="0"/>
+      </a:lnRef>
+      <a:fillRef idx="1">
+        <a:scrgbClr r="0" g="0" b="0"/>
+      </a:fillRef>
+      <a:effectRef idx="0">
+        <a:scrgbClr r="0" g="0" b="0"/>
+      </a:effectRef>
+      <a:fontRef idx="minor"/>
+    </dgm:style>
+  </dgm:styleLbl>
+  <dgm:styleLbl name="solidFgAcc1">
+    <dgm:scene3d>
+      <a:camera prst="orthographicFront"/>
+      <a:lightRig rig="threePt" dir="t"/>
+    </dgm:scene3d>
+    <dgm:sp3d/>
+    <dgm:txPr/>
+    <dgm:style>
+      <a:lnRef idx="2">
+        <a:scrgbClr r="0" g="0" b="0"/>
+      </a:lnRef>
+      <a:fillRef idx="1">
+        <a:scrgbClr r="0" g="0" b="0"/>
+      </a:fillRef>
+      <a:effectRef idx="0">
+        <a:scrgbClr r="0" g="0" b="0"/>
+      </a:effectRef>
+      <a:fontRef idx="minor"/>
+    </dgm:style>
+  </dgm:styleLbl>
+  <dgm:styleLbl name="solidAlignAcc1">
+    <dgm:scene3d>
+      <a:camera prst="orthographicFront"/>
+      <a:lightRig rig="threePt" dir="t"/>
+    </dgm:scene3d>
+    <dgm:sp3d/>
+    <dgm:txPr/>
+    <dgm:style>
+      <a:lnRef idx="2">
+        <a:scrgbClr r="0" g="0" b="0"/>
+      </a:lnRef>
+      <a:fillRef idx="1">
+        <a:scrgbClr r="0" g="0" b="0"/>
+      </a:fillRef>
+      <a:effectRef idx="0">
+        <a:scrgbClr r="0" g="0" b="0"/>
+      </a:effectRef>
+      <a:fontRef idx="minor"/>
+    </dgm:style>
+  </dgm:styleLbl>
+  <dgm:styleLbl name="solidBgAcc1">
+    <dgm:scene3d>
+      <a:camera prst="orthographicFront"/>
+      <a:lightRig rig="threePt" dir="t"/>
+    </dgm:scene3d>
+    <dgm:sp3d/>
+    <dgm:txPr/>
+    <dgm:style>
+      <a:lnRef idx="2">
+        <a:scrgbClr r="0" g="0" b="0"/>
+      </a:lnRef>
+      <a:fillRef idx="1">
+        <a:scrgbClr r="0" g="0" b="0"/>
+      </a:fillRef>
+      <a:effectRef idx="0">
+        <a:scrgbClr r="0" g="0" b="0"/>
+      </a:effectRef>
+      <a:fontRef idx="minor"/>
+    </dgm:style>
+  </dgm:styleLbl>
+  <dgm:styleLbl name="fgAccFollowNode1">
+    <dgm:scene3d>
+      <a:camera prst="orthographicFront"/>
+      <a:lightRig rig="threePt" dir="t"/>
+    </dgm:scene3d>
+    <dgm:sp3d/>
+    <dgm:txPr/>
+    <dgm:style>
+      <a:lnRef idx="2">
+        <a:scrgbClr r="0" g="0" b="0"/>
+      </a:lnRef>
+      <a:fillRef idx="1">
+        <a:scrgbClr r="0" g="0" b="0"/>
+      </a:fillRef>
+      <a:effectRef idx="0">
+        <a:scrgbClr r="0" g="0" b="0"/>
+      </a:effectRef>
+      <a:fontRef idx="minor"/>
+    </dgm:style>
+  </dgm:styleLbl>
+  <dgm:styleLbl name="alignAccFollowNode1">
+    <dgm:scene3d>
+      <a:camera prst="orthographicFront"/>
+      <a:lightRig rig="threePt" dir="t"/>
+    </dgm:scene3d>
+    <dgm:sp3d/>
+    <dgm:txPr/>
+    <dgm:style>
+      <a:lnRef idx="2">
+        <a:scrgbClr r="0" g="0" b="0"/>
+      </a:lnRef>
+      <a:fillRef idx="1">
+        <a:scrgbClr r="0" g="0" b="0"/>
+      </a:fillRef>
+      <a:effectRef idx="0">
+        <a:scrgbClr r="0" g="0" b="0"/>
+      </a:effectRef>
+      <a:fontRef idx="minor"/>
+    </dgm:style>
+  </dgm:styleLbl>
+  <dgm:styleLbl name="bgAccFollowNode1">
+    <dgm:scene3d>
+      <a:camera prst="orthographicFront"/>
+      <a:lightRig rig="threePt" dir="t"/>
+    </dgm:scene3d>
+    <dgm:sp3d/>
+    <dgm:txPr/>
+    <dgm:style>
+      <a:lnRef idx="2">
+        <a:scrgbClr r="0" g="0" b="0"/>
+      </a:lnRef>
+      <a:fillRef idx="1">
+        <a:scrgbClr r="0" g="0" b="0"/>
+      </a:fillRef>
+      <a:effectRef idx="0">
+        <a:scrgbClr r="0" g="0" b="0"/>
+      </a:effectRef>
+      <a:fontRef idx="minor"/>
+    </dgm:style>
+  </dgm:styleLbl>
+  <dgm:styleLbl name="fgAcc0">
+    <dgm:scene3d>
+      <a:camera prst="orthographicFront"/>
+      <a:lightRig rig="threePt" dir="t"/>
+    </dgm:scene3d>
+    <dgm:sp3d/>
+    <dgm:txPr/>
+    <dgm:style>
+      <a:lnRef idx="2">
+        <a:scrgbClr r="0" g="0" b="0"/>
+      </a:lnRef>
+      <a:fillRef idx="1">
+        <a:scrgbClr r="0" g="0" b="0"/>
+      </a:fillRef>
+      <a:effectRef idx="0">
+        <a:scrgbClr r="0" g="0" b="0"/>
+      </a:effectRef>
+      <a:fontRef idx="minor"/>
+    </dgm:style>
+  </dgm:styleLbl>
+  <dgm:styleLbl name="fgAcc2">
+    <dgm:scene3d>
+      <a:camera prst="orthographicFront"/>
+      <a:lightRig rig="threePt" dir="t"/>
+    </dgm:scene3d>
+    <dgm:sp3d/>
+    <dgm:txPr/>
+    <dgm:style>
+      <a:lnRef idx="2">
+        <a:scrgbClr r="0" g="0" b="0"/>
+      </a:lnRef>
+      <a:fillRef idx="1">
+        <a:scrgbClr r="0" g="0" b="0"/>
+      </a:fillRef>
+      <a:effectRef idx="0">
+        <a:scrgbClr r="0" g="0" b="0"/>
+      </a:effectRef>
+      <a:fontRef idx="minor"/>
+    </dgm:style>
+  </dgm:styleLbl>
+  <dgm:styleLbl name="fgAcc3">
+    <dgm:scene3d>
+      <a:camera prst="orthographicFront"/>
+      <a:lightRig rig="threePt" dir="t"/>
+    </dgm:scene3d>
+    <dgm:sp3d/>
+    <dgm:txPr/>
+    <dgm:style>
+      <a:lnRef idx="2">
+        <a:scrgbClr r="0" g="0" b="0"/>
+      </a:lnRef>
+      <a:fillRef idx="1">
+        <a:scrgbClr r="0" g="0" b="0"/>
+      </a:fillRef>
+      <a:effectRef idx="0">
+        <a:scrgbClr r="0" g="0" b="0"/>
+      </a:effectRef>
+      <a:fontRef idx="minor"/>
+    </dgm:style>
+  </dgm:styleLbl>
+  <dgm:styleLbl name="fgAcc4">
+    <dgm:scene3d>
+      <a:camera prst="orthographicFront"/>
+      <a:lightRig rig="threePt" dir="t"/>
+    </dgm:scene3d>
+    <dgm:sp3d/>
+    <dgm:txPr/>
+    <dgm:style>
+      <a:lnRef idx="2">
+        <a:scrgbClr r="0" g="0" b="0"/>
+      </a:lnRef>
+      <a:fillRef idx="1">
+        <a:scrgbClr r="0" g="0" b="0"/>
+      </a:fillRef>
+      <a:effectRef idx="0">
+        <a:scrgbClr r="0" g="0" b="0"/>
+      </a:effectRef>
+      <a:fontRef idx="minor"/>
+    </dgm:style>
+  </dgm:styleLbl>
+  <dgm:styleLbl name="bgShp">
+    <dgm:scene3d>
+      <a:camera prst="orthographicFront"/>
+      <a:lightRig rig="threePt" dir="t"/>
+    </dgm:scene3d>
+    <dgm:sp3d/>
+    <dgm:txPr/>
+    <dgm:style>
+      <a:lnRef idx="0">
+        <a:scrgbClr r="0" g="0" b="0"/>
+      </a:lnRef>
+      <a:fillRef idx="1">
+        <a:scrgbClr r="0" g="0" b="0"/>
+      </a:fillRef>
+      <a:effectRef idx="0">
+        <a:scrgbClr r="0" g="0" b="0"/>
+      </a:effectRef>
+      <a:fontRef idx="minor"/>
+    </dgm:style>
+  </dgm:styleLbl>
+  <dgm:styleLbl name="dkBgShp">
+    <dgm:scene3d>
+      <a:camera prst="orthographicFront"/>
+      <a:lightRig rig="threePt" dir="t"/>
+    </dgm:scene3d>
+    <dgm:sp3d/>
+    <dgm:txPr/>
+    <dgm:style>
+      <a:lnRef idx="0">
+        <a:scrgbClr r="0" g="0" b="0"/>
+      </a:lnRef>
+      <a:fillRef idx="1">
+        <a:scrgbClr r="0" g="0" b="0"/>
+      </a:fillRef>
+      <a:effectRef idx="0">
+        <a:scrgbClr r="0" g="0" b="0"/>
+      </a:effectRef>
+      <a:fontRef idx="minor"/>
+    </dgm:style>
+  </dgm:styleLbl>
+  <dgm:styleLbl name="trBgShp">
+    <dgm:scene3d>
+      <a:camera prst="orthographicFront"/>
+      <a:lightRig rig="threePt" dir="t"/>
+    </dgm:scene3d>
+    <dgm:sp3d/>
+    <dgm:txPr/>
+    <dgm:style>
+      <a:lnRef idx="0">
+        <a:scrgbClr r="0" g="0" b="0"/>
+      </a:lnRef>
+      <a:fillRef idx="1">
+        <a:scrgbClr r="0" g="0" b="0"/>
+      </a:fillRef>
+      <a:effectRef idx="0">
+        <a:scrgbClr r="0" g="0" b="0"/>
+      </a:effectRef>
+      <a:fontRef idx="minor"/>
+    </dgm:style>
+  </dgm:styleLbl>
+  <dgm:styleLbl name="fgShp">
+    <dgm:scene3d>
+      <a:camera prst="orthographicFront"/>
+      <a:lightRig rig="threePt" dir="t"/>
+    </dgm:scene3d>
+    <dgm:sp3d/>
+    <dgm:txPr/>
+    <dgm:style>
+      <a:lnRef idx="2">
+        <a:scrgbClr r="0" g="0" b="0"/>
+      </a:lnRef>
+      <a:fillRef idx="1">
+        <a:scrgbClr r="0" g="0" b="0"/>
+      </a:fillRef>
+      <a:effectRef idx="0">
+        <a:scrgbClr r="0" g="0" b="0"/>
+      </a:effectRef>
+      <a:fontRef idx="minor"/>
+    </dgm:style>
+  </dgm:styleLbl>
+  <dgm:styleLbl name="revTx">
+    <dgm:scene3d>
+      <a:camera prst="orthographicFront"/>
+      <a:lightRig rig="threePt" dir="t"/>
+    </dgm:scene3d>
+    <dgm:sp3d/>
+    <dgm:txPr/>
+    <dgm:style>
+      <a:lnRef idx="0">
+        <a:scrgbClr r="0" g="0" b="0"/>
+      </a:lnRef>
+      <a:fillRef idx="0">
+        <a:scrgbClr r="0" g="0" b="0"/>
+      </a:fillRef>
+      <a:effectRef idx="0">
+        <a:scrgbClr r="0" g="0" b="0"/>
+      </a:effectRef>
+      <a:fontRef idx="minor"/>
+    </dgm:style>
+  </dgm:styleLbl>
+</dgm:styleDef>
 </file>
 
 <file path=ppt/slideLayouts/slideLayout1.xml><?xml version="1.0" encoding="utf-8"?>
@@ -261,7 +4474,7 @@
           <a:p>
             <a:fld id="{8C5633CA-FACA-4899-9D82-FE57BD757CEA}" type="datetimeFigureOut">
               <a:rPr lang="en-US" smtClean="0"/>
-              <a:t>10/9/2020</a:t>
+              <a:t>10/12/2020</a:t>
             </a:fld>
             <a:endParaRPr lang="en-US"/>
           </a:p>
@@ -459,7 +4672,7 @@
           <a:p>
             <a:fld id="{8C5633CA-FACA-4899-9D82-FE57BD757CEA}" type="datetimeFigureOut">
               <a:rPr lang="en-US" smtClean="0"/>
-              <a:t>10/9/2020</a:t>
+              <a:t>10/12/2020</a:t>
             </a:fld>
             <a:endParaRPr lang="en-US"/>
           </a:p>
@@ -667,7 +4880,7 @@
           <a:p>
             <a:fld id="{8C5633CA-FACA-4899-9D82-FE57BD757CEA}" type="datetimeFigureOut">
               <a:rPr lang="en-US" smtClean="0"/>
-              <a:t>10/9/2020</a:t>
+              <a:t>10/12/2020</a:t>
             </a:fld>
             <a:endParaRPr lang="en-US"/>
           </a:p>
@@ -865,7 +5078,7 @@
           <a:p>
             <a:fld id="{8C5633CA-FACA-4899-9D82-FE57BD757CEA}" type="datetimeFigureOut">
               <a:rPr lang="en-US" smtClean="0"/>
-              <a:t>10/9/2020</a:t>
+              <a:t>10/12/2020</a:t>
             </a:fld>
             <a:endParaRPr lang="en-US"/>
           </a:p>
@@ -1140,7 +5353,7 @@
           <a:p>
             <a:fld id="{8C5633CA-FACA-4899-9D82-FE57BD757CEA}" type="datetimeFigureOut">
               <a:rPr lang="en-US" smtClean="0"/>
-              <a:t>10/9/2020</a:t>
+              <a:t>10/12/2020</a:t>
             </a:fld>
             <a:endParaRPr lang="en-US"/>
           </a:p>
@@ -1405,7 +5618,7 @@
           <a:p>
             <a:fld id="{8C5633CA-FACA-4899-9D82-FE57BD757CEA}" type="datetimeFigureOut">
               <a:rPr lang="en-US" smtClean="0"/>
-              <a:t>10/9/2020</a:t>
+              <a:t>10/12/2020</a:t>
             </a:fld>
             <a:endParaRPr lang="en-US"/>
           </a:p>
@@ -1817,7 +6030,7 @@
           <a:p>
             <a:fld id="{8C5633CA-FACA-4899-9D82-FE57BD757CEA}" type="datetimeFigureOut">
               <a:rPr lang="en-US" smtClean="0"/>
-              <a:t>10/9/2020</a:t>
+              <a:t>10/12/2020</a:t>
             </a:fld>
             <a:endParaRPr lang="en-US"/>
           </a:p>
@@ -1958,7 +6171,7 @@
           <a:p>
             <a:fld id="{8C5633CA-FACA-4899-9D82-FE57BD757CEA}" type="datetimeFigureOut">
               <a:rPr lang="en-US" smtClean="0"/>
-              <a:t>10/9/2020</a:t>
+              <a:t>10/12/2020</a:t>
             </a:fld>
             <a:endParaRPr lang="en-US"/>
           </a:p>
@@ -2071,7 +6284,7 @@
           <a:p>
             <a:fld id="{8C5633CA-FACA-4899-9D82-FE57BD757CEA}" type="datetimeFigureOut">
               <a:rPr lang="en-US" smtClean="0"/>
-              <a:t>10/9/2020</a:t>
+              <a:t>10/12/2020</a:t>
             </a:fld>
             <a:endParaRPr lang="en-US"/>
           </a:p>
@@ -2382,7 +6595,7 @@
           <a:p>
             <a:fld id="{8C5633CA-FACA-4899-9D82-FE57BD757CEA}" type="datetimeFigureOut">
               <a:rPr lang="en-US" smtClean="0"/>
-              <a:t>10/9/2020</a:t>
+              <a:t>10/12/2020</a:t>
             </a:fld>
             <a:endParaRPr lang="en-US"/>
           </a:p>
@@ -2670,7 +6883,7 @@
           <a:p>
             <a:fld id="{8C5633CA-FACA-4899-9D82-FE57BD757CEA}" type="datetimeFigureOut">
               <a:rPr lang="en-US" smtClean="0"/>
-              <a:t>10/9/2020</a:t>
+              <a:t>10/12/2020</a:t>
             </a:fld>
             <a:endParaRPr lang="en-US"/>
           </a:p>
@@ -2911,7 +7124,7 @@
           <a:p>
             <a:fld id="{8C5633CA-FACA-4899-9D82-FE57BD757CEA}" type="datetimeFigureOut">
               <a:rPr lang="en-US" smtClean="0"/>
-              <a:t>10/9/2020</a:t>
+              <a:t>10/12/2020</a:t>
             </a:fld>
             <a:endParaRPr lang="en-US"/>
           </a:p>
@@ -3336,12 +7549,12 @@
           <a:chExt cx="0" cy="0"/>
         </a:xfrm>
       </p:grpSpPr>
-      <p:sp useBgFill="1">
+      <p:sp>
         <p:nvSpPr>
-          <p:cNvPr id="59" name="Rectangle 58">
+          <p:cNvPr id="105" name="Rectangle 104">
             <a:extLst>
               <a:ext uri="{FF2B5EF4-FFF2-40B4-BE49-F238E27FC236}">
-                <a16:creationId xmlns:a16="http://schemas.microsoft.com/office/drawing/2014/main" id="{16F9E488-0718-4E1E-9D12-26779F606252}"/>
+                <a16:creationId xmlns:a16="http://schemas.microsoft.com/office/drawing/2014/main" id="{23962611-DFD5-4092-AAFD-559E3DFCE2C9}"/>
               </a:ext>
               <a:ext uri="{C183D7F6-B498-43B3-948B-1728B52AA6E4}">
                 <adec:decorative xmlns:adec="http://schemas.microsoft.com/office/drawing/2017/decorative" val="1"/>
@@ -3361,8 +7574,264 @@
         </p:nvSpPr>
         <p:spPr>
           <a:xfrm>
+            <a:off x="475488" y="0"/>
+            <a:ext cx="10910292" cy="6858000"/>
+          </a:xfrm>
+          <a:prstGeom prst="rect">
+            <a:avLst/>
+          </a:prstGeom>
+          <a:gradFill>
+            <a:gsLst>
+              <a:gs pos="0">
+                <a:schemeClr val="accent1">
+                  <a:lumMod val="90000"/>
+                </a:schemeClr>
+              </a:gs>
+              <a:gs pos="25000">
+                <a:schemeClr val="accent1">
+                  <a:lumMod val="90000"/>
+                </a:schemeClr>
+              </a:gs>
+              <a:gs pos="94000">
+                <a:schemeClr val="bg2">
+                  <a:lumMod val="25000"/>
+                </a:schemeClr>
+              </a:gs>
+              <a:gs pos="100000">
+                <a:schemeClr val="bg2">
+                  <a:lumMod val="25000"/>
+                </a:schemeClr>
+              </a:gs>
+            </a:gsLst>
+            <a:lin ang="4200000" scaled="0"/>
+          </a:gradFill>
+          <a:ln>
+            <a:noFill/>
+          </a:ln>
+        </p:spPr>
+        <p:style>
+          <a:lnRef idx="2">
+            <a:schemeClr val="accent1">
+              <a:shade val="50000"/>
+            </a:schemeClr>
+          </a:lnRef>
+          <a:fillRef idx="1">
+            <a:schemeClr val="accent1"/>
+          </a:fillRef>
+          <a:effectRef idx="0">
+            <a:schemeClr val="accent1"/>
+          </a:effectRef>
+          <a:fontRef idx="minor">
+            <a:schemeClr val="lt1"/>
+          </a:fontRef>
+        </p:style>
+        <p:txBody>
+          <a:bodyPr rtlCol="0" anchor="ctr"/>
+          <a:lstStyle/>
+          <a:p>
+            <a:pPr algn="ctr"/>
+            <a:endParaRPr lang="en-US"/>
+          </a:p>
+        </p:txBody>
+      </p:sp>
+      <p:pic>
+        <p:nvPicPr>
+          <p:cNvPr id="107" name="Picture 106">
+            <a:extLst>
+              <a:ext uri="{FF2B5EF4-FFF2-40B4-BE49-F238E27FC236}">
+                <a16:creationId xmlns:a16="http://schemas.microsoft.com/office/drawing/2014/main" id="{2270F1FA-0425-408F-9861-80BF5AFB276D}"/>
+              </a:ext>
+              <a:ext uri="{C183D7F6-B498-43B3-948B-1728B52AA6E4}">
+                <adec:decorative xmlns:adec="http://schemas.microsoft.com/office/drawing/2017/decorative" val="1"/>
+              </a:ext>
+            </a:extLst>
+          </p:cNvPr>
+          <p:cNvPicPr>
+            <a:picLocks noGrp="1" noRot="1" noChangeAspect="1" noMove="1" noResize="1" noEditPoints="1" noAdjustHandles="1" noChangeArrowheads="1" noChangeShapeType="1" noCrop="1"/>
+          </p:cNvPicPr>
+          <p:nvPr>
+            <p:extLst>
+              <p:ext uri="{386F3935-93C4-4BCD-93E2-E3B085C9AB24}">
+                <p16:designElem xmlns:p16="http://schemas.microsoft.com/office/powerpoint/2015/main" val="1"/>
+              </p:ext>
+            </p:extLst>
+          </p:nvPr>
+        </p:nvPicPr>
+        <p:blipFill>
+          <a:blip r:embed="rId2">
+            <a:extLst>
+              <a:ext uri="{28A0092B-C50C-407E-A947-70E740481C1C}">
+                <a14:useLocalDpi xmlns:a14="http://schemas.microsoft.com/office/drawing/2010/main" val="0"/>
+              </a:ext>
+            </a:extLst>
+          </a:blip>
+          <a:stretch>
+            <a:fillRect/>
+          </a:stretch>
+        </p:blipFill>
+        <p:spPr>
+          <a:xfrm>
             <a:off x="0" y="0"/>
             <a:ext cx="12192000" cy="6858000"/>
+          </a:xfrm>
+          <a:prstGeom prst="rect">
+            <a:avLst/>
+          </a:prstGeom>
+        </p:spPr>
+      </p:pic>
+      <p:sp>
+        <p:nvSpPr>
+          <p:cNvPr id="2" name="Title 1">
+            <a:extLst>
+              <a:ext uri="{FF2B5EF4-FFF2-40B4-BE49-F238E27FC236}">
+                <a16:creationId xmlns:a16="http://schemas.microsoft.com/office/drawing/2014/main" id="{F64204AB-CE26-43F1-82CE-3499C7734F31}"/>
+              </a:ext>
+            </a:extLst>
+          </p:cNvPr>
+          <p:cNvSpPr>
+            <a:spLocks noGrp="1"/>
+          </p:cNvSpPr>
+          <p:nvPr>
+            <p:ph type="ctrTitle"/>
+          </p:nvPr>
+        </p:nvSpPr>
+        <p:spPr>
+          <a:xfrm>
+            <a:off x="3045368" y="2043663"/>
+            <a:ext cx="6105194" cy="2031055"/>
+          </a:xfrm>
+        </p:spPr>
+        <p:txBody>
+          <a:bodyPr>
+            <a:normAutofit/>
+          </a:bodyPr>
+          <a:lstStyle/>
+          <a:p>
+            <a:r>
+              <a:rPr lang="en-US" sz="4700" b="1">
+                <a:solidFill>
+                  <a:srgbClr val="FFFFFF"/>
+                </a:solidFill>
+              </a:rPr>
+              <a:t>Crude Oil Production &amp; GDP Impact on Climate Change</a:t>
+            </a:r>
+          </a:p>
+        </p:txBody>
+      </p:sp>
+      <p:sp>
+        <p:nvSpPr>
+          <p:cNvPr id="3" name="Subtitle 2">
+            <a:extLst>
+              <a:ext uri="{FF2B5EF4-FFF2-40B4-BE49-F238E27FC236}">
+                <a16:creationId xmlns:a16="http://schemas.microsoft.com/office/drawing/2014/main" id="{E8C20666-FA35-4BA2-8466-5D4154CA492D}"/>
+              </a:ext>
+            </a:extLst>
+          </p:cNvPr>
+          <p:cNvSpPr>
+            <a:spLocks noGrp="1"/>
+          </p:cNvSpPr>
+          <p:nvPr>
+            <p:ph type="subTitle" idx="1"/>
+          </p:nvPr>
+        </p:nvSpPr>
+        <p:spPr>
+          <a:xfrm>
+            <a:off x="3045368" y="4074718"/>
+            <a:ext cx="6105194" cy="682079"/>
+          </a:xfrm>
+        </p:spPr>
+        <p:txBody>
+          <a:bodyPr>
+            <a:normAutofit/>
+          </a:bodyPr>
+          <a:lstStyle/>
+          <a:p>
+            <a:r>
+              <a:rPr lang="en-US" sz="1500">
+                <a:solidFill>
+                  <a:srgbClr val="FFFFFF"/>
+                </a:solidFill>
+              </a:rPr>
+              <a:t>Group Members: </a:t>
+            </a:r>
+          </a:p>
+          <a:p>
+            <a:r>
+              <a:rPr lang="en-US" sz="1500">
+                <a:solidFill>
+                  <a:srgbClr val="FFFFFF"/>
+                </a:solidFill>
+              </a:rPr>
+              <a:t>Diana, Simon, Vino &amp; Lee</a:t>
+            </a:r>
+          </a:p>
+        </p:txBody>
+      </p:sp>
+    </p:spTree>
+    <p:extLst>
+      <p:ext uri="{BB962C8B-B14F-4D97-AF65-F5344CB8AC3E}">
+        <p14:creationId xmlns:p14="http://schemas.microsoft.com/office/powerpoint/2010/main" val="1182765272"/>
+      </p:ext>
+    </p:extLst>
+  </p:cSld>
+  <p:clrMapOvr>
+    <a:masterClrMapping/>
+  </p:clrMapOvr>
+</p:sld>
+</file>
+
+<file path=ppt/slides/slide10.xml><?xml version="1.0" encoding="utf-8"?>
+<p:sld xmlns:a="http://schemas.openxmlformats.org/drawingml/2006/main" xmlns:r="http://schemas.openxmlformats.org/officeDocument/2006/relationships" xmlns:p="http://schemas.openxmlformats.org/presentationml/2006/main">
+  <p:cSld>
+    <p:bg>
+      <p:bgPr>
+        <a:solidFill>
+          <a:schemeClr val="bg1"/>
+        </a:solidFill>
+        <a:effectLst/>
+      </p:bgPr>
+    </p:bg>
+    <p:spTree>
+      <p:nvGrpSpPr>
+        <p:cNvPr id="1" name=""/>
+        <p:cNvGrpSpPr/>
+        <p:nvPr/>
+      </p:nvGrpSpPr>
+      <p:grpSpPr>
+        <a:xfrm>
+          <a:off x="0" y="0"/>
+          <a:ext cx="0" cy="0"/>
+          <a:chOff x="0" y="0"/>
+          <a:chExt cx="0" cy="0"/>
+        </a:xfrm>
+      </p:grpSpPr>
+      <p:sp useBgFill="1">
+        <p:nvSpPr>
+          <p:cNvPr id="8" name="Rectangle 7">
+            <a:extLst>
+              <a:ext uri="{FF2B5EF4-FFF2-40B4-BE49-F238E27FC236}">
+                <a16:creationId xmlns:a16="http://schemas.microsoft.com/office/drawing/2014/main" id="{3B854194-185D-494D-905C-7C7CB2E30F6E}"/>
+              </a:ext>
+              <a:ext uri="{C183D7F6-B498-43B3-948B-1728B52AA6E4}">
+                <adec:decorative xmlns:adec="http://schemas.microsoft.com/office/drawing/2017/decorative" val="1"/>
+              </a:ext>
+            </a:extLst>
+          </p:cNvPr>
+          <p:cNvSpPr>
+            <a:spLocks noGrp="1" noRot="1" noChangeAspect="1" noMove="1" noResize="1" noEditPoints="1" noAdjustHandles="1" noChangeArrowheads="1" noChangeShapeType="1" noTextEdit="1"/>
+          </p:cNvSpPr>
+          <p:nvPr>
+            <p:extLst>
+              <p:ext uri="{386F3935-93C4-4BCD-93E2-E3B085C9AB24}">
+                <p16:designElem xmlns:p16="http://schemas.microsoft.com/office/powerpoint/2015/main" val="1"/>
+              </p:ext>
+            </p:extLst>
+          </p:nvPr>
+        </p:nvSpPr>
+        <p:spPr>
+          <a:xfrm>
+            <a:off x="1" y="0"/>
+            <a:ext cx="6082110" cy="6858000"/>
           </a:xfrm>
           <a:prstGeom prst="rect">
             <a:avLst/>
@@ -3398,10 +7867,10 @@
       </p:sp>
       <p:sp>
         <p:nvSpPr>
-          <p:cNvPr id="61" name="Freeform: Shape 60">
+          <p:cNvPr id="10" name="Rectangle 9">
             <a:extLst>
               <a:ext uri="{FF2B5EF4-FFF2-40B4-BE49-F238E27FC236}">
-                <a16:creationId xmlns:a16="http://schemas.microsoft.com/office/drawing/2014/main" id="{09BE6F6B-19BD-443C-8FB0-FA45F13F9535}"/>
+                <a16:creationId xmlns:a16="http://schemas.microsoft.com/office/drawing/2014/main" id="{B4F5FA0D-0104-4987-8241-EFF7C85B88DE}"/>
               </a:ext>
               <a:ext uri="{C183D7F6-B498-43B3-948B-1728B52AA6E4}">
                 <adec:decorative xmlns:adec="http://schemas.microsoft.com/office/drawing/2017/decorative" val="1"/>
@@ -3421,96 +7890,37 @@
         </p:nvSpPr>
         <p:spPr>
           <a:xfrm>
-            <a:off x="0" y="0"/>
-            <a:ext cx="7539505" cy="6857542"/>
+            <a:off x="1" y="0"/>
+            <a:ext cx="12191998" cy="6858000"/>
           </a:xfrm>
-          <a:custGeom>
+          <a:prstGeom prst="rect">
             <a:avLst/>
-            <a:gdLst>
-              <a:gd name="connsiteX0" fmla="*/ 0 w 7539505"/>
-              <a:gd name="connsiteY0" fmla="*/ 0 h 6857542"/>
-              <a:gd name="connsiteX1" fmla="*/ 6392832 w 7539505"/>
-              <a:gd name="connsiteY1" fmla="*/ 0 h 6857542"/>
-              <a:gd name="connsiteX2" fmla="*/ 6405479 w 7539505"/>
-              <a:gd name="connsiteY2" fmla="*/ 31774 h 6857542"/>
-              <a:gd name="connsiteX3" fmla="*/ 7460487 w 7539505"/>
-              <a:gd name="connsiteY3" fmla="*/ 2682457 h 6857542"/>
-              <a:gd name="connsiteX4" fmla="*/ 7460487 w 7539505"/>
-              <a:gd name="connsiteY4" fmla="*/ 3752208 h 6857542"/>
-              <a:gd name="connsiteX5" fmla="*/ 6302983 w 7539505"/>
-              <a:gd name="connsiteY5" fmla="*/ 6660411 h 6857542"/>
-              <a:gd name="connsiteX6" fmla="*/ 6224521 w 7539505"/>
-              <a:gd name="connsiteY6" fmla="*/ 6857542 h 6857542"/>
-              <a:gd name="connsiteX7" fmla="*/ 0 w 7539505"/>
-              <a:gd name="connsiteY7" fmla="*/ 6857542 h 6857542"/>
-            </a:gdLst>
-            <a:ahLst/>
-            <a:cxnLst>
-              <a:cxn ang="0">
-                <a:pos x="connsiteX0" y="connsiteY0"/>
-              </a:cxn>
-              <a:cxn ang="0">
-                <a:pos x="connsiteX1" y="connsiteY1"/>
-              </a:cxn>
-              <a:cxn ang="0">
-                <a:pos x="connsiteX2" y="connsiteY2"/>
-              </a:cxn>
-              <a:cxn ang="0">
-                <a:pos x="connsiteX3" y="connsiteY3"/>
-              </a:cxn>
-              <a:cxn ang="0">
-                <a:pos x="connsiteX4" y="connsiteY4"/>
-              </a:cxn>
-              <a:cxn ang="0">
-                <a:pos x="connsiteX5" y="connsiteY5"/>
-              </a:cxn>
-              <a:cxn ang="0">
-                <a:pos x="connsiteX6" y="connsiteY6"/>
-              </a:cxn>
-              <a:cxn ang="0">
-                <a:pos x="connsiteX7" y="connsiteY7"/>
-              </a:cxn>
-            </a:cxnLst>
-            <a:rect l="l" t="t" r="r" b="b"/>
-            <a:pathLst>
-              <a:path w="7539505" h="6857542">
-                <a:moveTo>
-                  <a:pt x="0" y="0"/>
-                </a:moveTo>
-                <a:lnTo>
-                  <a:pt x="6392832" y="0"/>
-                </a:lnTo>
-                <a:lnTo>
-                  <a:pt x="6405479" y="31774"/>
-                </a:lnTo>
-                <a:cubicBezTo>
-                  <a:pt x="7460487" y="2682457"/>
-                  <a:pt x="7460487" y="2682457"/>
-                  <a:pt x="7460487" y="2682457"/>
-                </a:cubicBezTo>
-                <a:cubicBezTo>
-                  <a:pt x="7565845" y="2988100"/>
-                  <a:pt x="7565845" y="3446565"/>
-                  <a:pt x="7460487" y="3752208"/>
-                </a:cubicBezTo>
-                <a:cubicBezTo>
-                  <a:pt x="6976500" y="4968215"/>
-                  <a:pt x="6598385" y="5918220"/>
-                  <a:pt x="6302983" y="6660411"/>
-                </a:cubicBezTo>
-                <a:lnTo>
-                  <a:pt x="6224521" y="6857542"/>
-                </a:lnTo>
-                <a:lnTo>
-                  <a:pt x="0" y="6857542"/>
-                </a:lnTo>
-                <a:close/>
-              </a:path>
-            </a:pathLst>
-          </a:custGeom>
-          <a:solidFill>
-            <a:schemeClr val="tx1"/>
-          </a:solidFill>
+          </a:prstGeom>
+          <a:gradFill>
+            <a:gsLst>
+              <a:gs pos="0">
+                <a:schemeClr val="accent1">
+                  <a:lumMod val="90000"/>
+                </a:schemeClr>
+              </a:gs>
+              <a:gs pos="25000">
+                <a:schemeClr val="accent1">
+                  <a:lumMod val="90000"/>
+                </a:schemeClr>
+              </a:gs>
+              <a:gs pos="94000">
+                <a:schemeClr val="bg2">
+                  <a:lumMod val="25000"/>
+                </a:schemeClr>
+              </a:gs>
+              <a:gs pos="100000">
+                <a:schemeClr val="bg2">
+                  <a:lumMod val="25000"/>
+                </a:schemeClr>
+              </a:gs>
+            </a:gsLst>
+            <a:lin ang="4200000" scaled="0"/>
+          </a:gradFill>
           <a:ln>
             <a:noFill/>
           </a:ln>
@@ -3532,9 +7942,7 @@
           </a:fontRef>
         </p:style>
         <p:txBody>
-          <a:bodyPr wrap="square" rtlCol="0" anchor="ctr">
-            <a:noAutofit/>
-          </a:bodyPr>
+          <a:bodyPr rtlCol="0" anchor="ctr"/>
           <a:lstStyle/>
           <a:p>
             <a:pPr algn="ctr"/>
@@ -3542,21 +7950,21 @@
           </a:p>
         </p:txBody>
       </p:sp>
-      <p:grpSp>
-        <p:nvGrpSpPr>
-          <p:cNvPr id="63" name="Group 62">
+      <p:pic>
+        <p:nvPicPr>
+          <p:cNvPr id="12" name="Picture 11">
             <a:extLst>
               <a:ext uri="{FF2B5EF4-FFF2-40B4-BE49-F238E27FC236}">
-                <a16:creationId xmlns:a16="http://schemas.microsoft.com/office/drawing/2014/main" id="{92AAE609-C327-4952-BB48-254E9015AD81}"/>
+                <a16:creationId xmlns:a16="http://schemas.microsoft.com/office/drawing/2014/main" id="{2897127E-6CEF-446C-BE87-93B7C46E49D1}"/>
               </a:ext>
               <a:ext uri="{C183D7F6-B498-43B3-948B-1728B52AA6E4}">
                 <adec:decorative xmlns:adec="http://schemas.microsoft.com/office/drawing/2017/decorative" val="1"/>
               </a:ext>
             </a:extLst>
           </p:cNvPr>
-          <p:cNvGrpSpPr>
-            <a:grpSpLocks noGrp="1" noUngrp="1" noRot="1" noChangeAspect="1" noMove="1" noResize="1"/>
-          </p:cNvGrpSpPr>
+          <p:cNvPicPr>
+            <a:picLocks noGrp="1" noRot="1" noChangeAspect="1" noMove="1" noResize="1" noEditPoints="1" noAdjustHandles="1" noChangeArrowheads="1" noChangeShapeType="1" noCrop="1"/>
+          </p:cNvPicPr>
           <p:nvPr>
             <p:extLst>
               <p:ext uri="{386F3935-93C4-4BCD-93E2-E3B085C9AB24}">
@@ -3564,509 +7972,35 @@
               </p:ext>
             </p:extLst>
           </p:nvPr>
-        </p:nvGrpSpPr>
-        <p:grpSpPr>
+        </p:nvPicPr>
+        <p:blipFill>
+          <a:blip r:embed="rId2">
+            <a:extLst>
+              <a:ext uri="{28A0092B-C50C-407E-A947-70E740481C1C}">
+                <a14:useLocalDpi xmlns:a14="http://schemas.microsoft.com/office/drawing/2010/main" val="0"/>
+              </a:ext>
+            </a:extLst>
+          </a:blip>
+          <a:stretch>
+            <a:fillRect/>
+          </a:stretch>
+        </p:blipFill>
+        <p:spPr>
           <a:xfrm>
-            <a:off x="7293178" y="681628"/>
-            <a:ext cx="1562267" cy="1172973"/>
-            <a:chOff x="7493121" y="1000124"/>
-            <a:chExt cx="1562267" cy="1172973"/>
+            <a:off x="0" y="0"/>
+            <a:ext cx="12192000" cy="6858000"/>
           </a:xfrm>
-        </p:grpSpPr>
-        <p:sp>
-          <p:nvSpPr>
-            <p:cNvPr id="64" name="Freeform 5">
-              <a:extLst>
-                <a:ext uri="{FF2B5EF4-FFF2-40B4-BE49-F238E27FC236}">
-                  <a16:creationId xmlns:a16="http://schemas.microsoft.com/office/drawing/2014/main" id="{94F06CAB-1C7B-4E12-B1B8-5F7067FDAD11}"/>
-                </a:ext>
-                <a:ext uri="{C183D7F6-B498-43B3-948B-1728B52AA6E4}">
-                  <adec:decorative xmlns:adec="http://schemas.microsoft.com/office/drawing/2017/decorative" val="1"/>
-                </a:ext>
-              </a:extLst>
-            </p:cNvPr>
-            <p:cNvSpPr>
-              <a:spLocks/>
-            </p:cNvSpPr>
-            <p:nvPr>
-              <p:extLst>
-                <p:ext uri="{386F3935-93C4-4BCD-93E2-E3B085C9AB24}">
-                  <p16:designElem xmlns:p16="http://schemas.microsoft.com/office/powerpoint/2015/main" val="1"/>
-                </p:ext>
-              </p:extLst>
-            </p:nvPr>
-          </p:nvSpPr>
-          <p:spPr bwMode="auto">
-            <a:xfrm>
-              <a:off x="7493121" y="1348782"/>
-              <a:ext cx="935037" cy="824315"/>
-            </a:xfrm>
-            <a:custGeom>
-              <a:avLst/>
-              <a:gdLst>
-                <a:gd name="T0" fmla="*/ 225 w 785"/>
-                <a:gd name="T1" fmla="*/ 692 h 692"/>
-                <a:gd name="T2" fmla="*/ 177 w 785"/>
-                <a:gd name="T3" fmla="*/ 665 h 692"/>
-                <a:gd name="T4" fmla="*/ 9 w 785"/>
-                <a:gd name="T5" fmla="*/ 374 h 692"/>
-                <a:gd name="T6" fmla="*/ 9 w 785"/>
-                <a:gd name="T7" fmla="*/ 318 h 692"/>
-                <a:gd name="T8" fmla="*/ 177 w 785"/>
-                <a:gd name="T9" fmla="*/ 27 h 692"/>
-                <a:gd name="T10" fmla="*/ 225 w 785"/>
-                <a:gd name="T11" fmla="*/ 0 h 692"/>
-                <a:gd name="T12" fmla="*/ 561 w 785"/>
-                <a:gd name="T13" fmla="*/ 0 h 692"/>
-                <a:gd name="T14" fmla="*/ 609 w 785"/>
-                <a:gd name="T15" fmla="*/ 27 h 692"/>
-                <a:gd name="T16" fmla="*/ 777 w 785"/>
-                <a:gd name="T17" fmla="*/ 318 h 692"/>
-                <a:gd name="T18" fmla="*/ 777 w 785"/>
-                <a:gd name="T19" fmla="*/ 374 h 692"/>
-                <a:gd name="T20" fmla="*/ 609 w 785"/>
-                <a:gd name="T21" fmla="*/ 665 h 692"/>
-                <a:gd name="T22" fmla="*/ 561 w 785"/>
-                <a:gd name="T23" fmla="*/ 692 h 692"/>
-                <a:gd name="T24" fmla="*/ 225 w 785"/>
-                <a:gd name="T25" fmla="*/ 692 h 692"/>
-              </a:gdLst>
-              <a:ahLst/>
-              <a:cxnLst>
-                <a:cxn ang="0">
-                  <a:pos x="T0" y="T1"/>
-                </a:cxn>
-                <a:cxn ang="0">
-                  <a:pos x="T2" y="T3"/>
-                </a:cxn>
-                <a:cxn ang="0">
-                  <a:pos x="T4" y="T5"/>
-                </a:cxn>
-                <a:cxn ang="0">
-                  <a:pos x="T6" y="T7"/>
-                </a:cxn>
-                <a:cxn ang="0">
-                  <a:pos x="T8" y="T9"/>
-                </a:cxn>
-                <a:cxn ang="0">
-                  <a:pos x="T10" y="T11"/>
-                </a:cxn>
-                <a:cxn ang="0">
-                  <a:pos x="T12" y="T13"/>
-                </a:cxn>
-                <a:cxn ang="0">
-                  <a:pos x="T14" y="T15"/>
-                </a:cxn>
-                <a:cxn ang="0">
-                  <a:pos x="T16" y="T17"/>
-                </a:cxn>
-                <a:cxn ang="0">
-                  <a:pos x="T18" y="T19"/>
-                </a:cxn>
-                <a:cxn ang="0">
-                  <a:pos x="T20" y="T21"/>
-                </a:cxn>
-                <a:cxn ang="0">
-                  <a:pos x="T22" y="T23"/>
-                </a:cxn>
-                <a:cxn ang="0">
-                  <a:pos x="T24" y="T25"/>
-                </a:cxn>
-              </a:cxnLst>
-              <a:rect l="0" t="0" r="r" b="b"/>
-              <a:pathLst>
-                <a:path w="785" h="692">
-                  <a:moveTo>
-                    <a:pt x="225" y="692"/>
-                  </a:moveTo>
-                  <a:cubicBezTo>
-                    <a:pt x="207" y="692"/>
-                    <a:pt x="185" y="680"/>
-                    <a:pt x="177" y="665"/>
-                  </a:cubicBezTo>
-                  <a:cubicBezTo>
-                    <a:pt x="9" y="374"/>
-                    <a:pt x="9" y="374"/>
-                    <a:pt x="9" y="374"/>
-                  </a:cubicBezTo>
-                  <a:cubicBezTo>
-                    <a:pt x="0" y="358"/>
-                    <a:pt x="0" y="334"/>
-                    <a:pt x="9" y="318"/>
-                  </a:cubicBezTo>
-                  <a:cubicBezTo>
-                    <a:pt x="177" y="27"/>
-                    <a:pt x="177" y="27"/>
-                    <a:pt x="177" y="27"/>
-                  </a:cubicBezTo>
-                  <a:cubicBezTo>
-                    <a:pt x="185" y="12"/>
-                    <a:pt x="207" y="0"/>
-                    <a:pt x="225" y="0"/>
-                  </a:cubicBezTo>
-                  <a:cubicBezTo>
-                    <a:pt x="561" y="0"/>
-                    <a:pt x="561" y="0"/>
-                    <a:pt x="561" y="0"/>
-                  </a:cubicBezTo>
-                  <a:cubicBezTo>
-                    <a:pt x="578" y="0"/>
-                    <a:pt x="600" y="12"/>
-                    <a:pt x="609" y="27"/>
-                  </a:cubicBezTo>
-                  <a:cubicBezTo>
-                    <a:pt x="777" y="318"/>
-                    <a:pt x="777" y="318"/>
-                    <a:pt x="777" y="318"/>
-                  </a:cubicBezTo>
-                  <a:cubicBezTo>
-                    <a:pt x="785" y="334"/>
-                    <a:pt x="785" y="358"/>
-                    <a:pt x="777" y="374"/>
-                  </a:cubicBezTo>
-                  <a:cubicBezTo>
-                    <a:pt x="609" y="665"/>
-                    <a:pt x="609" y="665"/>
-                    <a:pt x="609" y="665"/>
-                  </a:cubicBezTo>
-                  <a:cubicBezTo>
-                    <a:pt x="600" y="680"/>
-                    <a:pt x="578" y="692"/>
-                    <a:pt x="561" y="692"/>
-                  </a:cubicBezTo>
-                  <a:lnTo>
-                    <a:pt x="225" y="692"/>
-                  </a:lnTo>
-                  <a:close/>
-                </a:path>
-              </a:pathLst>
-            </a:custGeom>
-            <a:noFill/>
-            <a:ln w="28575" cmpd="sng">
-              <a:solidFill>
-                <a:schemeClr val="tx1"/>
-              </a:solidFill>
-            </a:ln>
-          </p:spPr>
-          <p:txBody>
-            <a:bodyPr vert="horz" wrap="square" lIns="91440" tIns="45720" rIns="91440" bIns="45720" numCol="1" anchor="t" anchorCtr="0" compatLnSpc="1">
-              <a:prstTxWarp prst="textNoShape">
-                <a:avLst/>
-              </a:prstTxWarp>
-            </a:bodyPr>
-            <a:lstStyle/>
-            <a:p>
-              <a:endParaRPr lang="en-US"/>
-            </a:p>
-          </p:txBody>
-        </p:sp>
-        <p:sp>
-          <p:nvSpPr>
-            <p:cNvPr id="65" name="Freeform 5">
-              <a:extLst>
-                <a:ext uri="{FF2B5EF4-FFF2-40B4-BE49-F238E27FC236}">
-                  <a16:creationId xmlns:a16="http://schemas.microsoft.com/office/drawing/2014/main" id="{48448472-893D-4CE9-9024-B0F79813BF2A}"/>
-                </a:ext>
-                <a:ext uri="{C183D7F6-B498-43B3-948B-1728B52AA6E4}">
-                  <adec:decorative xmlns:adec="http://schemas.microsoft.com/office/drawing/2017/decorative" val="1"/>
-                </a:ext>
-              </a:extLst>
-            </p:cNvPr>
-            <p:cNvSpPr>
-              <a:spLocks/>
-            </p:cNvSpPr>
-            <p:nvPr>
-              <p:extLst>
-                <p:ext uri="{386F3935-93C4-4BCD-93E2-E3B085C9AB24}">
-                  <p16:designElem xmlns:p16="http://schemas.microsoft.com/office/powerpoint/2015/main" val="1"/>
-                </p:ext>
-              </p:extLst>
-            </p:nvPr>
-          </p:nvSpPr>
-          <p:spPr bwMode="auto">
-            <a:xfrm>
-              <a:off x="8293221" y="1000124"/>
-              <a:ext cx="762167" cy="671915"/>
-            </a:xfrm>
-            <a:custGeom>
-              <a:avLst/>
-              <a:gdLst>
-                <a:gd name="T0" fmla="*/ 225 w 785"/>
-                <a:gd name="T1" fmla="*/ 692 h 692"/>
-                <a:gd name="T2" fmla="*/ 177 w 785"/>
-                <a:gd name="T3" fmla="*/ 665 h 692"/>
-                <a:gd name="T4" fmla="*/ 9 w 785"/>
-                <a:gd name="T5" fmla="*/ 374 h 692"/>
-                <a:gd name="T6" fmla="*/ 9 w 785"/>
-                <a:gd name="T7" fmla="*/ 318 h 692"/>
-                <a:gd name="T8" fmla="*/ 177 w 785"/>
-                <a:gd name="T9" fmla="*/ 27 h 692"/>
-                <a:gd name="T10" fmla="*/ 225 w 785"/>
-                <a:gd name="T11" fmla="*/ 0 h 692"/>
-                <a:gd name="T12" fmla="*/ 561 w 785"/>
-                <a:gd name="T13" fmla="*/ 0 h 692"/>
-                <a:gd name="T14" fmla="*/ 609 w 785"/>
-                <a:gd name="T15" fmla="*/ 27 h 692"/>
-                <a:gd name="T16" fmla="*/ 777 w 785"/>
-                <a:gd name="T17" fmla="*/ 318 h 692"/>
-                <a:gd name="T18" fmla="*/ 777 w 785"/>
-                <a:gd name="T19" fmla="*/ 374 h 692"/>
-                <a:gd name="T20" fmla="*/ 609 w 785"/>
-                <a:gd name="T21" fmla="*/ 665 h 692"/>
-                <a:gd name="T22" fmla="*/ 561 w 785"/>
-                <a:gd name="T23" fmla="*/ 692 h 692"/>
-                <a:gd name="T24" fmla="*/ 225 w 785"/>
-                <a:gd name="T25" fmla="*/ 692 h 692"/>
-              </a:gdLst>
-              <a:ahLst/>
-              <a:cxnLst>
-                <a:cxn ang="0">
-                  <a:pos x="T0" y="T1"/>
-                </a:cxn>
-                <a:cxn ang="0">
-                  <a:pos x="T2" y="T3"/>
-                </a:cxn>
-                <a:cxn ang="0">
-                  <a:pos x="T4" y="T5"/>
-                </a:cxn>
-                <a:cxn ang="0">
-                  <a:pos x="T6" y="T7"/>
-                </a:cxn>
-                <a:cxn ang="0">
-                  <a:pos x="T8" y="T9"/>
-                </a:cxn>
-                <a:cxn ang="0">
-                  <a:pos x="T10" y="T11"/>
-                </a:cxn>
-                <a:cxn ang="0">
-                  <a:pos x="T12" y="T13"/>
-                </a:cxn>
-                <a:cxn ang="0">
-                  <a:pos x="T14" y="T15"/>
-                </a:cxn>
-                <a:cxn ang="0">
-                  <a:pos x="T16" y="T17"/>
-                </a:cxn>
-                <a:cxn ang="0">
-                  <a:pos x="T18" y="T19"/>
-                </a:cxn>
-                <a:cxn ang="0">
-                  <a:pos x="T20" y="T21"/>
-                </a:cxn>
-                <a:cxn ang="0">
-                  <a:pos x="T22" y="T23"/>
-                </a:cxn>
-                <a:cxn ang="0">
-                  <a:pos x="T24" y="T25"/>
-                </a:cxn>
-              </a:cxnLst>
-              <a:rect l="0" t="0" r="r" b="b"/>
-              <a:pathLst>
-                <a:path w="785" h="692">
-                  <a:moveTo>
-                    <a:pt x="225" y="692"/>
-                  </a:moveTo>
-                  <a:cubicBezTo>
-                    <a:pt x="207" y="692"/>
-                    <a:pt x="185" y="680"/>
-                    <a:pt x="177" y="665"/>
-                  </a:cubicBezTo>
-                  <a:cubicBezTo>
-                    <a:pt x="9" y="374"/>
-                    <a:pt x="9" y="374"/>
-                    <a:pt x="9" y="374"/>
-                  </a:cubicBezTo>
-                  <a:cubicBezTo>
-                    <a:pt x="0" y="358"/>
-                    <a:pt x="0" y="334"/>
-                    <a:pt x="9" y="318"/>
-                  </a:cubicBezTo>
-                  <a:cubicBezTo>
-                    <a:pt x="177" y="27"/>
-                    <a:pt x="177" y="27"/>
-                    <a:pt x="177" y="27"/>
-                  </a:cubicBezTo>
-                  <a:cubicBezTo>
-                    <a:pt x="185" y="12"/>
-                    <a:pt x="207" y="0"/>
-                    <a:pt x="225" y="0"/>
-                  </a:cubicBezTo>
-                  <a:cubicBezTo>
-                    <a:pt x="561" y="0"/>
-                    <a:pt x="561" y="0"/>
-                    <a:pt x="561" y="0"/>
-                  </a:cubicBezTo>
-                  <a:cubicBezTo>
-                    <a:pt x="578" y="0"/>
-                    <a:pt x="600" y="12"/>
-                    <a:pt x="609" y="27"/>
-                  </a:cubicBezTo>
-                  <a:cubicBezTo>
-                    <a:pt x="777" y="318"/>
-                    <a:pt x="777" y="318"/>
-                    <a:pt x="777" y="318"/>
-                  </a:cubicBezTo>
-                  <a:cubicBezTo>
-                    <a:pt x="785" y="334"/>
-                    <a:pt x="785" y="358"/>
-                    <a:pt x="777" y="374"/>
-                  </a:cubicBezTo>
-                  <a:cubicBezTo>
-                    <a:pt x="609" y="665"/>
-                    <a:pt x="609" y="665"/>
-                    <a:pt x="609" y="665"/>
-                  </a:cubicBezTo>
-                  <a:cubicBezTo>
-                    <a:pt x="600" y="680"/>
-                    <a:pt x="578" y="692"/>
-                    <a:pt x="561" y="692"/>
-                  </a:cubicBezTo>
-                  <a:lnTo>
-                    <a:pt x="225" y="692"/>
-                  </a:lnTo>
-                  <a:close/>
-                </a:path>
-              </a:pathLst>
-            </a:custGeom>
-            <a:noFill/>
-            <a:ln w="28575" cmpd="sng">
-              <a:solidFill>
-                <a:schemeClr val="tx1"/>
-              </a:solidFill>
-            </a:ln>
-          </p:spPr>
-          <p:txBody>
-            <a:bodyPr vert="horz" wrap="square" lIns="91440" tIns="45720" rIns="91440" bIns="45720" numCol="1" anchor="t" anchorCtr="0" compatLnSpc="1">
-              <a:prstTxWarp prst="textNoShape">
-                <a:avLst/>
-              </a:prstTxWarp>
-            </a:bodyPr>
-            <a:lstStyle/>
-            <a:p>
-              <a:endParaRPr lang="en-US"/>
-            </a:p>
-          </p:txBody>
-        </p:sp>
-      </p:grpSp>
+          <a:prstGeom prst="rect">
+            <a:avLst/>
+          </a:prstGeom>
+        </p:spPr>
+      </p:pic>
       <p:sp>
         <p:nvSpPr>
           <p:cNvPr id="2" name="Title 1">
             <a:extLst>
               <a:ext uri="{FF2B5EF4-FFF2-40B4-BE49-F238E27FC236}">
-                <a16:creationId xmlns:a16="http://schemas.microsoft.com/office/drawing/2014/main" id="{F64204AB-CE26-43F1-82CE-3499C7734F31}"/>
-              </a:ext>
-            </a:extLst>
-          </p:cNvPr>
-          <p:cNvSpPr>
-            <a:spLocks noGrp="1"/>
-          </p:cNvSpPr>
-          <p:nvPr>
-            <p:ph type="ctrTitle"/>
-          </p:nvPr>
-        </p:nvSpPr>
-        <p:spPr>
-          <a:xfrm>
-            <a:off x="539414" y="1270007"/>
-            <a:ext cx="5845097" cy="4317987"/>
-          </a:xfrm>
-        </p:spPr>
-        <p:txBody>
-          <a:bodyPr anchor="ctr">
-            <a:normAutofit/>
-          </a:bodyPr>
-          <a:lstStyle/>
-          <a:p>
-            <a:pPr algn="r"/>
-            <a:r>
-              <a:rPr lang="en-US" sz="6700">
-                <a:solidFill>
-                  <a:schemeClr val="bg1"/>
-                </a:solidFill>
-              </a:rPr>
-              <a:t>Crude Oil Production &amp; GDP Impact on Climate Change</a:t>
-            </a:r>
-          </a:p>
-        </p:txBody>
-      </p:sp>
-      <p:sp>
-        <p:nvSpPr>
-          <p:cNvPr id="3" name="Subtitle 2">
-            <a:extLst>
-              <a:ext uri="{FF2B5EF4-FFF2-40B4-BE49-F238E27FC236}">
-                <a16:creationId xmlns:a16="http://schemas.microsoft.com/office/drawing/2014/main" id="{E8C20666-FA35-4BA2-8466-5D4154CA492D}"/>
-              </a:ext>
-            </a:extLst>
-          </p:cNvPr>
-          <p:cNvSpPr>
-            <a:spLocks noGrp="1"/>
-          </p:cNvSpPr>
-          <p:nvPr>
-            <p:ph type="subTitle" idx="1"/>
-          </p:nvPr>
-        </p:nvSpPr>
-        <p:spPr>
-          <a:xfrm>
-            <a:off x="7792278" y="2251873"/>
-            <a:ext cx="3681454" cy="2354256"/>
-          </a:xfrm>
-        </p:spPr>
-        <p:txBody>
-          <a:bodyPr anchor="ctr">
-            <a:normAutofit/>
-          </a:bodyPr>
-          <a:lstStyle/>
-          <a:p>
-            <a:pPr algn="l"/>
-            <a:r>
-              <a:rPr lang="en-US"/>
-              <a:t>Group Members: </a:t>
-            </a:r>
-          </a:p>
-          <a:p>
-            <a:pPr algn="l"/>
-            <a:r>
-              <a:rPr lang="en-US"/>
-              <a:t>Diana, Simon, Vino &amp; Lee</a:t>
-            </a:r>
-          </a:p>
-        </p:txBody>
-      </p:sp>
-    </p:spTree>
-    <p:extLst>
-      <p:ext uri="{BB962C8B-B14F-4D97-AF65-F5344CB8AC3E}">
-        <p14:creationId xmlns:p14="http://schemas.microsoft.com/office/powerpoint/2010/main" val="1182765272"/>
-      </p:ext>
-    </p:extLst>
-  </p:cSld>
-  <p:clrMapOvr>
-    <a:masterClrMapping/>
-  </p:clrMapOvr>
-</p:sld>
-</file>
-
-<file path=ppt/slides/slide2.xml><?xml version="1.0" encoding="utf-8"?>
-<p:sld xmlns:a="http://schemas.openxmlformats.org/drawingml/2006/main" xmlns:r="http://schemas.openxmlformats.org/officeDocument/2006/relationships" xmlns:p="http://schemas.openxmlformats.org/presentationml/2006/main">
-  <p:cSld>
-    <p:spTree>
-      <p:nvGrpSpPr>
-        <p:cNvPr id="1" name=""/>
-        <p:cNvGrpSpPr/>
-        <p:nvPr/>
-      </p:nvGrpSpPr>
-      <p:grpSpPr>
-        <a:xfrm>
-          <a:off x="0" y="0"/>
-          <a:ext cx="0" cy="0"/>
-          <a:chOff x="0" y="0"/>
-          <a:chExt cx="0" cy="0"/>
-        </a:xfrm>
-      </p:grpSpPr>
-      <p:sp>
-        <p:nvSpPr>
-          <p:cNvPr id="4" name="Title 3">
-            <a:extLst>
-              <a:ext uri="{FF2B5EF4-FFF2-40B4-BE49-F238E27FC236}">
-                <a16:creationId xmlns:a16="http://schemas.microsoft.com/office/drawing/2014/main" id="{B05F9FA7-DAB8-46F1-841B-BA2806456001}"/>
+                <a16:creationId xmlns:a16="http://schemas.microsoft.com/office/drawing/2014/main" id="{7FB619F9-27F5-4359-8E7C-79F40FE66785}"/>
               </a:ext>
             </a:extLst>
           </p:cNvPr>
@@ -4077,230 +8011,25 @@
             <p:ph type="title"/>
           </p:nvPr>
         </p:nvSpPr>
-        <p:spPr/>
-        <p:txBody>
-          <a:bodyPr/>
-          <a:lstStyle/>
-          <a:p>
-            <a:r>
-              <a:rPr lang="en-US" dirty="0"/>
-              <a:t>Project Formulation</a:t>
-            </a:r>
-          </a:p>
-        </p:txBody>
-      </p:sp>
-      <p:sp>
-        <p:nvSpPr>
-          <p:cNvPr id="7" name="Text Placeholder 6">
-            <a:extLst>
-              <a:ext uri="{FF2B5EF4-FFF2-40B4-BE49-F238E27FC236}">
-                <a16:creationId xmlns:a16="http://schemas.microsoft.com/office/drawing/2014/main" id="{D948C040-9A1D-4C8F-BE32-1AE1E8EDD5AF}"/>
-              </a:ext>
-            </a:extLst>
-          </p:cNvPr>
-          <p:cNvSpPr>
-            <a:spLocks noGrp="1"/>
-          </p:cNvSpPr>
-          <p:nvPr>
-            <p:ph type="body" idx="1"/>
-          </p:nvPr>
-        </p:nvSpPr>
-        <p:spPr/>
-        <p:txBody>
-          <a:bodyPr/>
-          <a:lstStyle/>
-          <a:p>
-            <a:r>
-              <a:rPr lang="en-US" dirty="0"/>
-              <a:t>Project Message / Hypothesis:</a:t>
-            </a:r>
-          </a:p>
-        </p:txBody>
-      </p:sp>
-      <p:sp>
-        <p:nvSpPr>
-          <p:cNvPr id="8" name="Content Placeholder 7">
-            <a:extLst>
-              <a:ext uri="{FF2B5EF4-FFF2-40B4-BE49-F238E27FC236}">
-                <a16:creationId xmlns:a16="http://schemas.microsoft.com/office/drawing/2014/main" id="{58954B68-E06B-4BFF-8756-2D2B97684E15}"/>
-              </a:ext>
-            </a:extLst>
-          </p:cNvPr>
-          <p:cNvSpPr>
-            <a:spLocks noGrp="1"/>
-          </p:cNvSpPr>
-          <p:nvPr>
-            <p:ph sz="half" idx="2"/>
-          </p:nvPr>
-        </p:nvSpPr>
-        <p:spPr/>
+        <p:spPr>
+          <a:xfrm>
+            <a:off x="640079" y="2053641"/>
+            <a:ext cx="3669161" cy="2760098"/>
+          </a:xfrm>
+        </p:spPr>
         <p:txBody>
           <a:bodyPr>
-            <a:normAutofit fontScale="85000" lnSpcReduction="20000"/>
+            <a:normAutofit/>
           </a:bodyPr>
           <a:lstStyle/>
           <a:p>
-            <a:endParaRPr lang="en-US" dirty="0"/>
-          </a:p>
-          <a:p>
-            <a:r>
-              <a:rPr lang="en-US" dirty="0"/>
-              <a:t>GDP does impact climate change.</a:t>
-            </a:r>
-          </a:p>
-          <a:p>
-            <a:endParaRPr lang="en-US" dirty="0"/>
-          </a:p>
-          <a:p>
-            <a:r>
-              <a:rPr lang="en-US" dirty="0"/>
-              <a:t>Crude oil production correlates with climate change.</a:t>
-            </a:r>
-          </a:p>
-          <a:p>
-            <a:endParaRPr lang="en-US" dirty="0"/>
-          </a:p>
-          <a:p>
-            <a:r>
-              <a:rPr lang="en-US" dirty="0"/>
-              <a:t>Temperatures have increased and sea ice mass has deteriorated due to climate change. </a:t>
-            </a:r>
-          </a:p>
-        </p:txBody>
-      </p:sp>
-      <p:sp>
-        <p:nvSpPr>
-          <p:cNvPr id="9" name="Text Placeholder 8">
-            <a:extLst>
-              <a:ext uri="{FF2B5EF4-FFF2-40B4-BE49-F238E27FC236}">
-                <a16:creationId xmlns:a16="http://schemas.microsoft.com/office/drawing/2014/main" id="{3BF8227F-4764-4561-94DC-E8B9CFC3140D}"/>
-              </a:ext>
-            </a:extLst>
-          </p:cNvPr>
-          <p:cNvSpPr>
-            <a:spLocks noGrp="1"/>
-          </p:cNvSpPr>
-          <p:nvPr>
-            <p:ph type="body" sz="quarter" idx="3"/>
-          </p:nvPr>
-        </p:nvSpPr>
-        <p:spPr/>
-        <p:txBody>
-          <a:bodyPr/>
-          <a:lstStyle/>
-          <a:p>
-            <a:r>
-              <a:rPr lang="en-US" dirty="0"/>
-              <a:t>Questions Posed:</a:t>
-            </a:r>
-          </a:p>
-        </p:txBody>
-      </p:sp>
-      <p:sp>
-        <p:nvSpPr>
-          <p:cNvPr id="10" name="Content Placeholder 9">
-            <a:extLst>
-              <a:ext uri="{FF2B5EF4-FFF2-40B4-BE49-F238E27FC236}">
-                <a16:creationId xmlns:a16="http://schemas.microsoft.com/office/drawing/2014/main" id="{6E9A1C5C-DA49-44D5-B638-54B7B506A988}"/>
-              </a:ext>
-            </a:extLst>
-          </p:cNvPr>
-          <p:cNvSpPr>
-            <a:spLocks noGrp="1"/>
-          </p:cNvSpPr>
-          <p:nvPr>
-            <p:ph sz="quarter" idx="4"/>
-          </p:nvPr>
-        </p:nvSpPr>
-        <p:spPr/>
-        <p:txBody>
-          <a:bodyPr>
-            <a:normAutofit fontScale="85000" lnSpcReduction="20000"/>
-          </a:bodyPr>
-          <a:lstStyle/>
-          <a:p>
-            <a:endParaRPr lang="en-US" dirty="0"/>
-          </a:p>
-          <a:p>
-            <a:r>
-              <a:rPr lang="en-US" dirty="0"/>
-              <a:t>Can a direct correlation be identified between oil production and temperature increases? </a:t>
-            </a:r>
-          </a:p>
-          <a:p>
-            <a:endParaRPr lang="en-US" dirty="0"/>
-          </a:p>
-          <a:p>
-            <a:r>
-              <a:rPr lang="en-US" dirty="0"/>
-              <a:t>Do increase in GDP impact climate change? </a:t>
-            </a:r>
-          </a:p>
-          <a:p>
-            <a:endParaRPr lang="en-US" dirty="0"/>
-          </a:p>
-          <a:p>
-            <a:r>
-              <a:rPr lang="en-US" dirty="0"/>
-              <a:t>Can a Monte Carlo simulation predict temperature increases or further sea ice mass deterioration? </a:t>
-            </a:r>
-          </a:p>
-        </p:txBody>
-      </p:sp>
-    </p:spTree>
-    <p:extLst>
-      <p:ext uri="{BB962C8B-B14F-4D97-AF65-F5344CB8AC3E}">
-        <p14:creationId xmlns:p14="http://schemas.microsoft.com/office/powerpoint/2010/main" val="3847046141"/>
-      </p:ext>
-    </p:extLst>
-  </p:cSld>
-  <p:clrMapOvr>
-    <a:masterClrMapping/>
-  </p:clrMapOvr>
-</p:sld>
-</file>
-
-<file path=ppt/slides/slide3.xml><?xml version="1.0" encoding="utf-8"?>
-<p:sld xmlns:a="http://schemas.openxmlformats.org/drawingml/2006/main" xmlns:r="http://schemas.openxmlformats.org/officeDocument/2006/relationships" xmlns:p="http://schemas.openxmlformats.org/presentationml/2006/main">
-  <p:cSld>
-    <p:spTree>
-      <p:nvGrpSpPr>
-        <p:cNvPr id="1" name=""/>
-        <p:cNvGrpSpPr/>
-        <p:nvPr/>
-      </p:nvGrpSpPr>
-      <p:grpSpPr>
-        <a:xfrm>
-          <a:off x="0" y="0"/>
-          <a:ext cx="0" cy="0"/>
-          <a:chOff x="0" y="0"/>
-          <a:chExt cx="0" cy="0"/>
-        </a:xfrm>
-      </p:grpSpPr>
-      <p:sp>
-        <p:nvSpPr>
-          <p:cNvPr id="2" name="Title 1">
-            <a:extLst>
-              <a:ext uri="{FF2B5EF4-FFF2-40B4-BE49-F238E27FC236}">
-                <a16:creationId xmlns:a16="http://schemas.microsoft.com/office/drawing/2014/main" id="{DB8C2C28-27B9-43BB-A42B-9077477413ED}"/>
-              </a:ext>
-            </a:extLst>
-          </p:cNvPr>
-          <p:cNvSpPr>
-            <a:spLocks noGrp="1"/>
-          </p:cNvSpPr>
-          <p:nvPr>
-            <p:ph type="title"/>
-          </p:nvPr>
-        </p:nvSpPr>
-        <p:spPr/>
-        <p:txBody>
-          <a:bodyPr/>
-          <a:lstStyle/>
-          <a:p>
-            <a:r>
-              <a:rPr lang="en-US" dirty="0"/>
-              <a:t>Questions &amp; Data</a:t>
+            <a:r>
+              <a:rPr lang="en-US">
+                <a:solidFill>
+                  <a:srgbClr val="FFFFFF"/>
+                </a:solidFill>
+              </a:rPr>
+              <a:t>Additional Thoughts &amp; Questions</a:t>
             </a:r>
           </a:p>
         </p:txBody>
@@ -4310,7 +8039,7 @@
           <p:cNvPr id="3" name="Content Placeholder 2">
             <a:extLst>
               <a:ext uri="{FF2B5EF4-FFF2-40B4-BE49-F238E27FC236}">
-                <a16:creationId xmlns:a16="http://schemas.microsoft.com/office/drawing/2014/main" id="{2C46FB14-0E66-4923-B4B6-29EECFE9FF28}"/>
+                <a16:creationId xmlns:a16="http://schemas.microsoft.com/office/drawing/2014/main" id="{68C7FCE9-FC13-404F-908A-C561A0BDD44F}"/>
               </a:ext>
             </a:extLst>
           </p:cNvPr>
@@ -4321,414 +8050,135 @@
             <p:ph idx="1"/>
           </p:nvPr>
         </p:nvSpPr>
-        <p:spPr/>
+        <p:spPr>
+          <a:xfrm>
+            <a:off x="6090574" y="883146"/>
+            <a:ext cx="5306084" cy="5230634"/>
+          </a:xfrm>
+        </p:spPr>
         <p:txBody>
-          <a:bodyPr/>
+          <a:bodyPr anchor="ctr">
+            <a:normAutofit fontScale="92500" lnSpcReduction="20000"/>
+          </a:bodyPr>
           <a:lstStyle/>
           <a:p>
-            <a:r>
-              <a:rPr lang="en-US" dirty="0"/>
-              <a:t>Elaborate on questions we asked and discuss the data we needed to answer our questions and where we found it. </a:t>
-            </a:r>
-          </a:p>
-          <a:p>
-            <a:endParaRPr lang="en-US" dirty="0"/>
-          </a:p>
-        </p:txBody>
-      </p:sp>
-    </p:spTree>
-    <p:extLst>
-      <p:ext uri="{BB962C8B-B14F-4D97-AF65-F5344CB8AC3E}">
-        <p14:creationId xmlns:p14="http://schemas.microsoft.com/office/powerpoint/2010/main" val="992202392"/>
-      </p:ext>
-    </p:extLst>
-  </p:cSld>
-  <p:clrMapOvr>
-    <a:masterClrMapping/>
-  </p:clrMapOvr>
-</p:sld>
-</file>
-
-<file path=ppt/slides/slide4.xml><?xml version="1.0" encoding="utf-8"?>
-<p:sld xmlns:a="http://schemas.openxmlformats.org/drawingml/2006/main" xmlns:r="http://schemas.openxmlformats.org/officeDocument/2006/relationships" xmlns:p="http://schemas.openxmlformats.org/presentationml/2006/main">
-  <p:cSld>
-    <p:spTree>
-      <p:nvGrpSpPr>
-        <p:cNvPr id="1" name=""/>
-        <p:cNvGrpSpPr/>
-        <p:nvPr/>
-      </p:nvGrpSpPr>
-      <p:grpSpPr>
-        <a:xfrm>
-          <a:off x="0" y="0"/>
-          <a:ext cx="0" cy="0"/>
-          <a:chOff x="0" y="0"/>
-          <a:chExt cx="0" cy="0"/>
-        </a:xfrm>
-      </p:grpSpPr>
-      <p:sp>
-        <p:nvSpPr>
-          <p:cNvPr id="2" name="Title 1">
-            <a:extLst>
-              <a:ext uri="{FF2B5EF4-FFF2-40B4-BE49-F238E27FC236}">
-                <a16:creationId xmlns:a16="http://schemas.microsoft.com/office/drawing/2014/main" id="{3772556B-1AB1-42B2-93FE-CD788FEBF2F0}"/>
-              </a:ext>
-            </a:extLst>
-          </p:cNvPr>
-          <p:cNvSpPr>
-            <a:spLocks noGrp="1"/>
-          </p:cNvSpPr>
-          <p:nvPr>
-            <p:ph type="title"/>
-          </p:nvPr>
-        </p:nvSpPr>
-        <p:spPr/>
-        <p:txBody>
-          <a:bodyPr/>
-          <a:lstStyle/>
-          <a:p>
-            <a:r>
-              <a:rPr lang="en-US" dirty="0"/>
-              <a:t>Data Cleanup &amp; Exploration</a:t>
-            </a:r>
-          </a:p>
-        </p:txBody>
-      </p:sp>
-      <p:sp>
-        <p:nvSpPr>
-          <p:cNvPr id="3" name="Content Placeholder 2">
-            <a:extLst>
-              <a:ext uri="{FF2B5EF4-FFF2-40B4-BE49-F238E27FC236}">
-                <a16:creationId xmlns:a16="http://schemas.microsoft.com/office/drawing/2014/main" id="{949FE65D-8084-4B32-ADB6-F1F162F4DB57}"/>
-              </a:ext>
-            </a:extLst>
-          </p:cNvPr>
-          <p:cNvSpPr>
-            <a:spLocks noGrp="1"/>
-          </p:cNvSpPr>
-          <p:nvPr>
-            <p:ph idx="1"/>
-          </p:nvPr>
-        </p:nvSpPr>
-        <p:spPr/>
-        <p:txBody>
-          <a:bodyPr/>
-          <a:lstStyle/>
-          <a:p>
-            <a:r>
-              <a:rPr lang="en-US" dirty="0"/>
-              <a:t>Describe exploration and cleanup process of data</a:t>
-            </a:r>
-          </a:p>
-          <a:p>
-            <a:r>
-              <a:rPr lang="en-US" dirty="0"/>
-              <a:t>Discuss insights we had while exploring data that we did not anticipate</a:t>
-            </a:r>
-          </a:p>
-          <a:p>
-            <a:r>
-              <a:rPr lang="en-US" dirty="0"/>
-              <a:t>Discuss any problems that arose after exploring data and how we resolved</a:t>
-            </a:r>
-          </a:p>
-          <a:p>
-            <a:r>
-              <a:rPr lang="en-US" dirty="0"/>
-              <a:t>Present and discuss interesting figures developed during exploration (can use </a:t>
-            </a:r>
-            <a:r>
-              <a:rPr lang="en-US" dirty="0" err="1"/>
-              <a:t>Jupyter</a:t>
-            </a:r>
-            <a:r>
-              <a:rPr lang="en-US" dirty="0"/>
-              <a:t> Notebook here).</a:t>
-            </a:r>
-          </a:p>
-        </p:txBody>
-      </p:sp>
-    </p:spTree>
-    <p:extLst>
-      <p:ext uri="{BB962C8B-B14F-4D97-AF65-F5344CB8AC3E}">
-        <p14:creationId xmlns:p14="http://schemas.microsoft.com/office/powerpoint/2010/main" val="624627063"/>
-      </p:ext>
-    </p:extLst>
-  </p:cSld>
-  <p:clrMapOvr>
-    <a:masterClrMapping/>
-  </p:clrMapOvr>
-</p:sld>
-</file>
-
-<file path=ppt/slides/slide5.xml><?xml version="1.0" encoding="utf-8"?>
-<p:sld xmlns:a="http://schemas.openxmlformats.org/drawingml/2006/main" xmlns:r="http://schemas.openxmlformats.org/officeDocument/2006/relationships" xmlns:p="http://schemas.openxmlformats.org/presentationml/2006/main">
-  <p:cSld>
-    <p:spTree>
-      <p:nvGrpSpPr>
-        <p:cNvPr id="1" name=""/>
-        <p:cNvGrpSpPr/>
-        <p:nvPr/>
-      </p:nvGrpSpPr>
-      <p:grpSpPr>
-        <a:xfrm>
-          <a:off x="0" y="0"/>
-          <a:ext cx="0" cy="0"/>
-          <a:chOff x="0" y="0"/>
-          <a:chExt cx="0" cy="0"/>
-        </a:xfrm>
-      </p:grpSpPr>
-      <p:sp>
-        <p:nvSpPr>
-          <p:cNvPr id="2" name="Title 1">
-            <a:extLst>
-              <a:ext uri="{FF2B5EF4-FFF2-40B4-BE49-F238E27FC236}">
-                <a16:creationId xmlns:a16="http://schemas.microsoft.com/office/drawing/2014/main" id="{CA6DC782-6464-4020-AFFC-225C9B138945}"/>
-              </a:ext>
-            </a:extLst>
-          </p:cNvPr>
-          <p:cNvSpPr>
-            <a:spLocks noGrp="1"/>
-          </p:cNvSpPr>
-          <p:nvPr>
-            <p:ph type="title"/>
-          </p:nvPr>
-        </p:nvSpPr>
-        <p:spPr/>
-        <p:txBody>
-          <a:bodyPr/>
-          <a:lstStyle/>
-          <a:p>
-            <a:r>
-              <a:rPr lang="en-US" dirty="0"/>
-              <a:t>Data Analysis</a:t>
-            </a:r>
-          </a:p>
-        </p:txBody>
-      </p:sp>
-      <p:sp>
-        <p:nvSpPr>
-          <p:cNvPr id="3" name="Content Placeholder 2">
-            <a:extLst>
-              <a:ext uri="{FF2B5EF4-FFF2-40B4-BE49-F238E27FC236}">
-                <a16:creationId xmlns:a16="http://schemas.microsoft.com/office/drawing/2014/main" id="{12D374CB-84A8-42E2-AC8D-723D6E2B2885}"/>
-              </a:ext>
-            </a:extLst>
-          </p:cNvPr>
-          <p:cNvSpPr>
-            <a:spLocks noGrp="1"/>
-          </p:cNvSpPr>
-          <p:nvPr>
-            <p:ph idx="1"/>
-          </p:nvPr>
-        </p:nvSpPr>
-        <p:spPr/>
-        <p:txBody>
-          <a:bodyPr/>
-          <a:lstStyle/>
-          <a:p>
-            <a:r>
-              <a:rPr lang="en-US" dirty="0"/>
-              <a:t>Discuss the steps you took to analyze the data and answer each question you asked in your proposal.</a:t>
-            </a:r>
-          </a:p>
-          <a:p>
-            <a:r>
-              <a:rPr lang="en-US" dirty="0"/>
-              <a:t>Present and discuss interesting figures developed during analysis, ideally with the help of </a:t>
-            </a:r>
-            <a:r>
-              <a:rPr lang="en-US" dirty="0" err="1"/>
-              <a:t>Jupyter</a:t>
-            </a:r>
-            <a:r>
-              <a:rPr lang="en-US" dirty="0"/>
-              <a:t> Notebook.</a:t>
-            </a:r>
-          </a:p>
-        </p:txBody>
-      </p:sp>
-    </p:spTree>
-    <p:extLst>
-      <p:ext uri="{BB962C8B-B14F-4D97-AF65-F5344CB8AC3E}">
-        <p14:creationId xmlns:p14="http://schemas.microsoft.com/office/powerpoint/2010/main" val="2796724141"/>
-      </p:ext>
-    </p:extLst>
-  </p:cSld>
-  <p:clrMapOvr>
-    <a:masterClrMapping/>
-  </p:clrMapOvr>
-</p:sld>
-</file>
-
-<file path=ppt/slides/slide6.xml><?xml version="1.0" encoding="utf-8"?>
-<p:sld xmlns:a="http://schemas.openxmlformats.org/drawingml/2006/main" xmlns:r="http://schemas.openxmlformats.org/officeDocument/2006/relationships" xmlns:p="http://schemas.openxmlformats.org/presentationml/2006/main">
-  <p:cSld>
-    <p:spTree>
-      <p:nvGrpSpPr>
-        <p:cNvPr id="1" name=""/>
-        <p:cNvGrpSpPr/>
-        <p:nvPr/>
-      </p:nvGrpSpPr>
-      <p:grpSpPr>
-        <a:xfrm>
-          <a:off x="0" y="0"/>
-          <a:ext cx="0" cy="0"/>
-          <a:chOff x="0" y="0"/>
-          <a:chExt cx="0" cy="0"/>
-        </a:xfrm>
-      </p:grpSpPr>
-      <p:sp>
-        <p:nvSpPr>
-          <p:cNvPr id="2" name="Title 1">
-            <a:extLst>
-              <a:ext uri="{FF2B5EF4-FFF2-40B4-BE49-F238E27FC236}">
-                <a16:creationId xmlns:a16="http://schemas.microsoft.com/office/drawing/2014/main" id="{53C5F3DA-D1E4-4943-9699-D896BEA3354E}"/>
-              </a:ext>
-            </a:extLst>
-          </p:cNvPr>
-          <p:cNvSpPr>
-            <a:spLocks noGrp="1"/>
-          </p:cNvSpPr>
-          <p:nvPr>
-            <p:ph type="title"/>
-          </p:nvPr>
-        </p:nvSpPr>
-        <p:spPr/>
-        <p:txBody>
-          <a:bodyPr/>
-          <a:lstStyle/>
-          <a:p>
-            <a:r>
-              <a:rPr lang="en-US" dirty="0"/>
-              <a:t>Discussion </a:t>
-            </a:r>
-          </a:p>
-        </p:txBody>
-      </p:sp>
-      <p:sp>
-        <p:nvSpPr>
-          <p:cNvPr id="3" name="Content Placeholder 2">
-            <a:extLst>
-              <a:ext uri="{FF2B5EF4-FFF2-40B4-BE49-F238E27FC236}">
-                <a16:creationId xmlns:a16="http://schemas.microsoft.com/office/drawing/2014/main" id="{6B405A47-6A21-47FB-9B91-8ADDCBD11E02}"/>
-              </a:ext>
-            </a:extLst>
-          </p:cNvPr>
-          <p:cNvSpPr>
-            <a:spLocks noGrp="1"/>
-          </p:cNvSpPr>
-          <p:nvPr>
-            <p:ph idx="1"/>
-          </p:nvPr>
-        </p:nvSpPr>
-        <p:spPr/>
-        <p:txBody>
-          <a:bodyPr/>
-          <a:lstStyle/>
-          <a:p>
-            <a:r>
-              <a:rPr lang="en-US" dirty="0"/>
-              <a:t>Discuss your findings. Did you find what you expected to find? If not, why not? </a:t>
-            </a:r>
-          </a:p>
-          <a:p>
-            <a:r>
-              <a:rPr lang="en-US" dirty="0"/>
-              <a:t>What inferences or general conclusions can you draw from your analysis?</a:t>
-            </a:r>
-          </a:p>
-        </p:txBody>
-      </p:sp>
-    </p:spTree>
-    <p:extLst>
-      <p:ext uri="{BB962C8B-B14F-4D97-AF65-F5344CB8AC3E}">
-        <p14:creationId xmlns:p14="http://schemas.microsoft.com/office/powerpoint/2010/main" val="336987427"/>
-      </p:ext>
-    </p:extLst>
-  </p:cSld>
-  <p:clrMapOvr>
-    <a:masterClrMapping/>
-  </p:clrMapOvr>
-</p:sld>
-</file>
-
-<file path=ppt/slides/slide7.xml><?xml version="1.0" encoding="utf-8"?>
-<p:sld xmlns:a="http://schemas.openxmlformats.org/drawingml/2006/main" xmlns:r="http://schemas.openxmlformats.org/officeDocument/2006/relationships" xmlns:p="http://schemas.openxmlformats.org/presentationml/2006/main">
-  <p:cSld>
-    <p:spTree>
-      <p:nvGrpSpPr>
-        <p:cNvPr id="1" name=""/>
-        <p:cNvGrpSpPr/>
-        <p:nvPr/>
-      </p:nvGrpSpPr>
-      <p:grpSpPr>
-        <a:xfrm>
-          <a:off x="0" y="0"/>
-          <a:ext cx="0" cy="0"/>
-          <a:chOff x="0" y="0"/>
-          <a:chExt cx="0" cy="0"/>
-        </a:xfrm>
-      </p:grpSpPr>
-      <p:sp>
-        <p:nvSpPr>
-          <p:cNvPr id="2" name="Title 1">
-            <a:extLst>
-              <a:ext uri="{FF2B5EF4-FFF2-40B4-BE49-F238E27FC236}">
-                <a16:creationId xmlns:a16="http://schemas.microsoft.com/office/drawing/2014/main" id="{7FB619F9-27F5-4359-8E7C-79F40FE66785}"/>
-              </a:ext>
-            </a:extLst>
-          </p:cNvPr>
-          <p:cNvSpPr>
-            <a:spLocks noGrp="1"/>
-          </p:cNvSpPr>
-          <p:nvPr>
-            <p:ph type="title"/>
-          </p:nvPr>
-        </p:nvSpPr>
-        <p:spPr/>
-        <p:txBody>
-          <a:bodyPr/>
-          <a:lstStyle/>
-          <a:p>
-            <a:r>
-              <a:rPr lang="en-US" dirty="0"/>
-              <a:t>Postmortem</a:t>
-            </a:r>
-          </a:p>
-        </p:txBody>
-      </p:sp>
-      <p:sp>
-        <p:nvSpPr>
-          <p:cNvPr id="3" name="Content Placeholder 2">
-            <a:extLst>
-              <a:ext uri="{FF2B5EF4-FFF2-40B4-BE49-F238E27FC236}">
-                <a16:creationId xmlns:a16="http://schemas.microsoft.com/office/drawing/2014/main" id="{68C7FCE9-FC13-404F-908A-C561A0BDD44F}"/>
-              </a:ext>
-            </a:extLst>
-          </p:cNvPr>
-          <p:cNvSpPr>
-            <a:spLocks noGrp="1"/>
-          </p:cNvSpPr>
-          <p:nvPr>
-            <p:ph idx="1"/>
-          </p:nvPr>
-        </p:nvSpPr>
-        <p:spPr/>
-        <p:txBody>
-          <a:bodyPr/>
-          <a:lstStyle/>
-          <a:p>
-            <a:r>
-              <a:rPr lang="en-US" dirty="0"/>
-              <a:t>Discuss any difficulties that arose, and how you dealt with them.</a:t>
-            </a:r>
-          </a:p>
-          <a:p>
-            <a:r>
-              <a:rPr lang="en-US" dirty="0"/>
-              <a:t>Discuss any additional questions that came up, but which you didn't have time to answer: What would you research next, if you had two more weeks?</a:t>
-            </a:r>
+            <a:pPr marL="0" indent="0">
+              <a:buNone/>
+            </a:pPr>
+            <a:r>
+              <a:rPr lang="en-US" sz="2400" b="1" dirty="0">
+                <a:solidFill>
+                  <a:srgbClr val="000000"/>
+                </a:solidFill>
+              </a:rPr>
+              <a:t>More to Consider:</a:t>
+            </a:r>
+            <a:r>
+              <a:rPr lang="en-US" sz="2400" dirty="0">
+                <a:solidFill>
+                  <a:srgbClr val="000000"/>
+                </a:solidFill>
+              </a:rPr>
+              <a:t> </a:t>
+            </a:r>
+          </a:p>
+          <a:p>
+            <a:pPr lvl="1"/>
+            <a:r>
+              <a:rPr lang="en-US" dirty="0">
+                <a:solidFill>
+                  <a:srgbClr val="000000"/>
+                </a:solidFill>
+              </a:rPr>
+              <a:t>Could a correlation between greenhouse gas emission and GDP be identified? </a:t>
+            </a:r>
+          </a:p>
+          <a:p>
+            <a:pPr lvl="1"/>
+            <a:r>
+              <a:rPr lang="en-US" dirty="0">
+                <a:solidFill>
+                  <a:srgbClr val="000000"/>
+                </a:solidFill>
+              </a:rPr>
+              <a:t>Is there a correlation between oil price and production?  </a:t>
+            </a:r>
+          </a:p>
+          <a:p>
+            <a:pPr lvl="1"/>
+            <a:r>
+              <a:rPr lang="en-US" dirty="0">
+                <a:solidFill>
+                  <a:srgbClr val="000000"/>
+                </a:solidFill>
+              </a:rPr>
+              <a:t>How do crude oil ETFs impact crude oil production?</a:t>
+            </a:r>
+          </a:p>
+          <a:p>
+            <a:pPr lvl="1"/>
+            <a:r>
+              <a:rPr lang="en-US" dirty="0">
+                <a:solidFill>
+                  <a:srgbClr val="000000"/>
+                </a:solidFill>
+              </a:rPr>
+              <a:t>Determine temperature change lag period.</a:t>
+            </a:r>
+          </a:p>
+          <a:p>
+            <a:pPr lvl="1"/>
+            <a:r>
+              <a:rPr lang="en-US" dirty="0">
+                <a:solidFill>
+                  <a:srgbClr val="000000"/>
+                </a:solidFill>
+              </a:rPr>
+              <a:t>Identify exact temperature differences and detailed climate data in Arctic and Antarctic locations .</a:t>
+            </a:r>
+          </a:p>
+          <a:p>
+            <a:pPr lvl="1"/>
+            <a:r>
+              <a:rPr lang="en-US" dirty="0">
+                <a:solidFill>
+                  <a:srgbClr val="000000"/>
+                </a:solidFill>
+              </a:rPr>
+              <a:t>What is the impact of global warming on marine life?</a:t>
+            </a:r>
+          </a:p>
+          <a:p>
+            <a:pPr lvl="1"/>
+            <a:r>
+              <a:rPr lang="en-US" dirty="0">
+                <a:solidFill>
+                  <a:srgbClr val="000000"/>
+                </a:solidFill>
+              </a:rPr>
+              <a:t>How much does meat processing and consumption impact global warming?</a:t>
+            </a:r>
+          </a:p>
+          <a:p>
+            <a:pPr lvl="1"/>
+            <a:r>
+              <a:rPr lang="en-US" dirty="0">
+                <a:solidFill>
+                  <a:srgbClr val="000000"/>
+                </a:solidFill>
+              </a:rPr>
+              <a:t>What is the impact of inflation on global warming?</a:t>
+            </a:r>
+          </a:p>
+          <a:p>
+            <a:pPr marL="0" indent="0">
+              <a:buNone/>
+            </a:pPr>
+            <a:endParaRPr lang="en-US" sz="1900" dirty="0">
+              <a:solidFill>
+                <a:srgbClr val="000000"/>
+              </a:solidFill>
+            </a:endParaRPr>
           </a:p>
         </p:txBody>
       </p:sp>
@@ -4745,7 +8195,7 @@
 </p:sld>
 </file>
 
-<file path=ppt/slides/slide8.xml><?xml version="1.0" encoding="utf-8"?>
+<file path=ppt/slides/slide11.xml><?xml version="1.0" encoding="utf-8"?>
 <p:sld xmlns:a="http://schemas.openxmlformats.org/drawingml/2006/main" xmlns:r="http://schemas.openxmlformats.org/officeDocument/2006/relationships" xmlns:p="http://schemas.openxmlformats.org/presentationml/2006/main">
   <p:cSld>
     <p:bg>
@@ -5136,6 +8586,2524 @@
   </p:cSld>
   <p:clrMapOvr>
     <a:overrideClrMapping bg1="dk1" tx1="lt1" bg2="dk2" tx2="lt2" accent1="accent1" accent2="accent2" accent3="accent3" accent4="accent4" accent5="accent5" accent6="accent6" hlink="hlink" folHlink="folHlink"/>
+  </p:clrMapOvr>
+</p:sld>
+</file>
+
+<file path=ppt/slides/slide2.xml><?xml version="1.0" encoding="utf-8"?>
+<p:sld xmlns:a="http://schemas.openxmlformats.org/drawingml/2006/main" xmlns:r="http://schemas.openxmlformats.org/officeDocument/2006/relationships" xmlns:p="http://schemas.openxmlformats.org/presentationml/2006/main">
+  <p:cSld>
+    <p:bg>
+      <p:bgPr>
+        <a:solidFill>
+          <a:schemeClr val="bg1"/>
+        </a:solidFill>
+        <a:effectLst/>
+      </p:bgPr>
+    </p:bg>
+    <p:spTree>
+      <p:nvGrpSpPr>
+        <p:cNvPr id="1" name=""/>
+        <p:cNvGrpSpPr/>
+        <p:nvPr/>
+      </p:nvGrpSpPr>
+      <p:grpSpPr>
+        <a:xfrm>
+          <a:off x="0" y="0"/>
+          <a:ext cx="0" cy="0"/>
+          <a:chOff x="0" y="0"/>
+          <a:chExt cx="0" cy="0"/>
+        </a:xfrm>
+      </p:grpSpPr>
+      <p:sp useBgFill="1">
+        <p:nvSpPr>
+          <p:cNvPr id="37" name="Rectangle 36">
+            <a:extLst>
+              <a:ext uri="{FF2B5EF4-FFF2-40B4-BE49-F238E27FC236}">
+                <a16:creationId xmlns:a16="http://schemas.microsoft.com/office/drawing/2014/main" id="{3B854194-185D-494D-905C-7C7CB2E30F6E}"/>
+              </a:ext>
+              <a:ext uri="{C183D7F6-B498-43B3-948B-1728B52AA6E4}">
+                <adec:decorative xmlns:adec="http://schemas.microsoft.com/office/drawing/2017/decorative" val="1"/>
+              </a:ext>
+            </a:extLst>
+          </p:cNvPr>
+          <p:cNvSpPr>
+            <a:spLocks noGrp="1" noRot="1" noChangeAspect="1" noMove="1" noResize="1" noEditPoints="1" noAdjustHandles="1" noChangeArrowheads="1" noChangeShapeType="1" noTextEdit="1"/>
+          </p:cNvSpPr>
+          <p:nvPr>
+            <p:extLst>
+              <p:ext uri="{386F3935-93C4-4BCD-93E2-E3B085C9AB24}">
+                <p16:designElem xmlns:p16="http://schemas.microsoft.com/office/powerpoint/2015/main" val="1"/>
+              </p:ext>
+            </p:extLst>
+          </p:nvPr>
+        </p:nvSpPr>
+        <p:spPr>
+          <a:xfrm>
+            <a:off x="1" y="0"/>
+            <a:ext cx="6082110" cy="6858000"/>
+          </a:xfrm>
+          <a:prstGeom prst="rect">
+            <a:avLst/>
+          </a:prstGeom>
+          <a:ln>
+            <a:noFill/>
+          </a:ln>
+        </p:spPr>
+        <p:style>
+          <a:lnRef idx="2">
+            <a:schemeClr val="accent1">
+              <a:shade val="50000"/>
+            </a:schemeClr>
+          </a:lnRef>
+          <a:fillRef idx="1">
+            <a:schemeClr val="accent1"/>
+          </a:fillRef>
+          <a:effectRef idx="0">
+            <a:schemeClr val="accent1"/>
+          </a:effectRef>
+          <a:fontRef idx="minor">
+            <a:schemeClr val="lt1"/>
+          </a:fontRef>
+        </p:style>
+        <p:txBody>
+          <a:bodyPr rtlCol="0" anchor="ctr"/>
+          <a:lstStyle/>
+          <a:p>
+            <a:pPr algn="ctr"/>
+            <a:endParaRPr lang="en-US"/>
+          </a:p>
+        </p:txBody>
+      </p:sp>
+      <p:sp>
+        <p:nvSpPr>
+          <p:cNvPr id="39" name="Rectangle 38">
+            <a:extLst>
+              <a:ext uri="{FF2B5EF4-FFF2-40B4-BE49-F238E27FC236}">
+                <a16:creationId xmlns:a16="http://schemas.microsoft.com/office/drawing/2014/main" id="{B4F5FA0D-0104-4987-8241-EFF7C85B88DE}"/>
+              </a:ext>
+              <a:ext uri="{C183D7F6-B498-43B3-948B-1728B52AA6E4}">
+                <adec:decorative xmlns:adec="http://schemas.microsoft.com/office/drawing/2017/decorative" val="1"/>
+              </a:ext>
+            </a:extLst>
+          </p:cNvPr>
+          <p:cNvSpPr>
+            <a:spLocks noGrp="1" noRot="1" noChangeAspect="1" noMove="1" noResize="1" noEditPoints="1" noAdjustHandles="1" noChangeArrowheads="1" noChangeShapeType="1" noTextEdit="1"/>
+          </p:cNvSpPr>
+          <p:nvPr>
+            <p:extLst>
+              <p:ext uri="{386F3935-93C4-4BCD-93E2-E3B085C9AB24}">
+                <p16:designElem xmlns:p16="http://schemas.microsoft.com/office/powerpoint/2015/main" val="1"/>
+              </p:ext>
+            </p:extLst>
+          </p:nvPr>
+        </p:nvSpPr>
+        <p:spPr>
+          <a:xfrm>
+            <a:off x="1" y="0"/>
+            <a:ext cx="12191998" cy="6858000"/>
+          </a:xfrm>
+          <a:prstGeom prst="rect">
+            <a:avLst/>
+          </a:prstGeom>
+          <a:gradFill>
+            <a:gsLst>
+              <a:gs pos="0">
+                <a:schemeClr val="accent1">
+                  <a:lumMod val="90000"/>
+                </a:schemeClr>
+              </a:gs>
+              <a:gs pos="25000">
+                <a:schemeClr val="accent1">
+                  <a:lumMod val="90000"/>
+                </a:schemeClr>
+              </a:gs>
+              <a:gs pos="94000">
+                <a:schemeClr val="bg2">
+                  <a:lumMod val="25000"/>
+                </a:schemeClr>
+              </a:gs>
+              <a:gs pos="100000">
+                <a:schemeClr val="bg2">
+                  <a:lumMod val="25000"/>
+                </a:schemeClr>
+              </a:gs>
+            </a:gsLst>
+            <a:lin ang="4200000" scaled="0"/>
+          </a:gradFill>
+          <a:ln>
+            <a:noFill/>
+          </a:ln>
+        </p:spPr>
+        <p:style>
+          <a:lnRef idx="2">
+            <a:schemeClr val="accent1">
+              <a:shade val="50000"/>
+            </a:schemeClr>
+          </a:lnRef>
+          <a:fillRef idx="1">
+            <a:schemeClr val="accent1"/>
+          </a:fillRef>
+          <a:effectRef idx="0">
+            <a:schemeClr val="accent1"/>
+          </a:effectRef>
+          <a:fontRef idx="minor">
+            <a:schemeClr val="lt1"/>
+          </a:fontRef>
+        </p:style>
+        <p:txBody>
+          <a:bodyPr rtlCol="0" anchor="ctr"/>
+          <a:lstStyle/>
+          <a:p>
+            <a:pPr algn="ctr"/>
+            <a:endParaRPr lang="en-US"/>
+          </a:p>
+        </p:txBody>
+      </p:sp>
+      <p:pic>
+        <p:nvPicPr>
+          <p:cNvPr id="41" name="Picture 40">
+            <a:extLst>
+              <a:ext uri="{FF2B5EF4-FFF2-40B4-BE49-F238E27FC236}">
+                <a16:creationId xmlns:a16="http://schemas.microsoft.com/office/drawing/2014/main" id="{2897127E-6CEF-446C-BE87-93B7C46E49D1}"/>
+              </a:ext>
+              <a:ext uri="{C183D7F6-B498-43B3-948B-1728B52AA6E4}">
+                <adec:decorative xmlns:adec="http://schemas.microsoft.com/office/drawing/2017/decorative" val="1"/>
+              </a:ext>
+            </a:extLst>
+          </p:cNvPr>
+          <p:cNvPicPr>
+            <a:picLocks noGrp="1" noRot="1" noChangeAspect="1" noMove="1" noResize="1" noEditPoints="1" noAdjustHandles="1" noChangeArrowheads="1" noChangeShapeType="1" noCrop="1"/>
+          </p:cNvPicPr>
+          <p:nvPr>
+            <p:extLst>
+              <p:ext uri="{386F3935-93C4-4BCD-93E2-E3B085C9AB24}">
+                <p16:designElem xmlns:p16="http://schemas.microsoft.com/office/powerpoint/2015/main" val="1"/>
+              </p:ext>
+            </p:extLst>
+          </p:nvPr>
+        </p:nvPicPr>
+        <p:blipFill>
+          <a:blip r:embed="rId2">
+            <a:extLst>
+              <a:ext uri="{28A0092B-C50C-407E-A947-70E740481C1C}">
+                <a14:useLocalDpi xmlns:a14="http://schemas.microsoft.com/office/drawing/2010/main" val="0"/>
+              </a:ext>
+            </a:extLst>
+          </a:blip>
+          <a:stretch>
+            <a:fillRect/>
+          </a:stretch>
+        </p:blipFill>
+        <p:spPr>
+          <a:xfrm>
+            <a:off x="0" y="0"/>
+            <a:ext cx="12192000" cy="6858000"/>
+          </a:xfrm>
+          <a:prstGeom prst="rect">
+            <a:avLst/>
+          </a:prstGeom>
+        </p:spPr>
+      </p:pic>
+      <p:sp>
+        <p:nvSpPr>
+          <p:cNvPr id="7" name="Title 6">
+            <a:extLst>
+              <a:ext uri="{FF2B5EF4-FFF2-40B4-BE49-F238E27FC236}">
+                <a16:creationId xmlns:a16="http://schemas.microsoft.com/office/drawing/2014/main" id="{FCE96D65-C406-4A1B-8CDB-5F544AA0D574}"/>
+              </a:ext>
+            </a:extLst>
+          </p:cNvPr>
+          <p:cNvSpPr>
+            <a:spLocks noGrp="1"/>
+          </p:cNvSpPr>
+          <p:nvPr>
+            <p:ph type="title"/>
+          </p:nvPr>
+        </p:nvSpPr>
+        <p:spPr>
+          <a:xfrm>
+            <a:off x="640079" y="2053641"/>
+            <a:ext cx="3669161" cy="2760098"/>
+          </a:xfrm>
+        </p:spPr>
+        <p:txBody>
+          <a:bodyPr>
+            <a:normAutofit/>
+          </a:bodyPr>
+          <a:lstStyle/>
+          <a:p>
+            <a:r>
+              <a:rPr lang="en-US" b="1">
+                <a:solidFill>
+                  <a:srgbClr val="FFFFFF"/>
+                </a:solidFill>
+              </a:rPr>
+              <a:t>Project Formulation</a:t>
+            </a:r>
+          </a:p>
+        </p:txBody>
+      </p:sp>
+      <p:sp>
+        <p:nvSpPr>
+          <p:cNvPr id="8" name="Content Placeholder 7">
+            <a:extLst>
+              <a:ext uri="{FF2B5EF4-FFF2-40B4-BE49-F238E27FC236}">
+                <a16:creationId xmlns:a16="http://schemas.microsoft.com/office/drawing/2014/main" id="{A7496AE8-1D65-4111-AA6E-4621B1C2E153}"/>
+              </a:ext>
+            </a:extLst>
+          </p:cNvPr>
+          <p:cNvSpPr>
+            <a:spLocks noGrp="1"/>
+          </p:cNvSpPr>
+          <p:nvPr>
+            <p:ph idx="1"/>
+          </p:nvPr>
+        </p:nvSpPr>
+        <p:spPr>
+          <a:xfrm>
+            <a:off x="6090574" y="1106666"/>
+            <a:ext cx="5837266" cy="5230634"/>
+          </a:xfrm>
+        </p:spPr>
+        <p:txBody>
+          <a:bodyPr anchor="ctr">
+            <a:normAutofit/>
+          </a:bodyPr>
+          <a:lstStyle/>
+          <a:p>
+            <a:pPr marL="0" indent="0">
+              <a:buNone/>
+            </a:pPr>
+            <a:r>
+              <a:rPr lang="en-US" sz="2000" b="1" dirty="0">
+                <a:solidFill>
+                  <a:srgbClr val="000000"/>
+                </a:solidFill>
+              </a:rPr>
+              <a:t>What we thought (hypothesis):</a:t>
+            </a:r>
+          </a:p>
+          <a:p>
+            <a:pPr lvl="1"/>
+            <a:r>
+              <a:rPr lang="en-US" sz="2000" dirty="0">
+                <a:solidFill>
+                  <a:srgbClr val="000000"/>
+                </a:solidFill>
+              </a:rPr>
+              <a:t>GDP and crude oil production correlate with changes in global temperature, causing sea ice mass deterioration. </a:t>
+            </a:r>
+          </a:p>
+          <a:p>
+            <a:pPr lvl="1"/>
+            <a:endParaRPr lang="en-US" sz="2000" dirty="0">
+              <a:solidFill>
+                <a:srgbClr val="000000"/>
+              </a:solidFill>
+            </a:endParaRPr>
+          </a:p>
+          <a:p>
+            <a:pPr marL="0" indent="0">
+              <a:buNone/>
+            </a:pPr>
+            <a:r>
+              <a:rPr lang="en-US" sz="2000" b="1" dirty="0">
+                <a:solidFill>
+                  <a:srgbClr val="000000"/>
+                </a:solidFill>
+              </a:rPr>
+              <a:t>Questions posed:</a:t>
+            </a:r>
+          </a:p>
+          <a:p>
+            <a:pPr lvl="1"/>
+            <a:r>
+              <a:rPr lang="en-US" sz="2000" dirty="0">
+                <a:solidFill>
+                  <a:srgbClr val="000000"/>
+                </a:solidFill>
+              </a:rPr>
+              <a:t>Can a direct correlation be identified between oil production and temperature increases? </a:t>
+            </a:r>
+          </a:p>
+          <a:p>
+            <a:pPr lvl="1"/>
+            <a:r>
+              <a:rPr lang="en-US" sz="2000" dirty="0">
+                <a:solidFill>
+                  <a:srgbClr val="000000"/>
+                </a:solidFill>
+              </a:rPr>
+              <a:t>Do increases in GDP impact climate change?</a:t>
+            </a:r>
+          </a:p>
+          <a:p>
+            <a:pPr lvl="1"/>
+            <a:r>
+              <a:rPr lang="en-US" sz="2000" dirty="0">
+                <a:solidFill>
+                  <a:srgbClr val="000000"/>
+                </a:solidFill>
+              </a:rPr>
+              <a:t>Is there a correlation between oil production and sea ice melt? </a:t>
+            </a:r>
+          </a:p>
+          <a:p>
+            <a:pPr lvl="1"/>
+            <a:endParaRPr lang="en-US" dirty="0">
+              <a:solidFill>
+                <a:srgbClr val="000000"/>
+              </a:solidFill>
+            </a:endParaRPr>
+          </a:p>
+          <a:p>
+            <a:pPr lvl="1"/>
+            <a:endParaRPr lang="en-US" dirty="0">
+              <a:solidFill>
+                <a:srgbClr val="000000"/>
+              </a:solidFill>
+            </a:endParaRPr>
+          </a:p>
+          <a:p>
+            <a:pPr lvl="1"/>
+            <a:endParaRPr lang="en-US" dirty="0">
+              <a:solidFill>
+                <a:srgbClr val="000000"/>
+              </a:solidFill>
+            </a:endParaRPr>
+          </a:p>
+        </p:txBody>
+      </p:sp>
+    </p:spTree>
+    <p:extLst>
+      <p:ext uri="{BB962C8B-B14F-4D97-AF65-F5344CB8AC3E}">
+        <p14:creationId xmlns:p14="http://schemas.microsoft.com/office/powerpoint/2010/main" val="3068558775"/>
+      </p:ext>
+    </p:extLst>
+  </p:cSld>
+  <p:clrMapOvr>
+    <a:masterClrMapping/>
+  </p:clrMapOvr>
+</p:sld>
+</file>
+
+<file path=ppt/slides/slide3.xml><?xml version="1.0" encoding="utf-8"?>
+<p:sld xmlns:a="http://schemas.openxmlformats.org/drawingml/2006/main" xmlns:r="http://schemas.openxmlformats.org/officeDocument/2006/relationships" xmlns:p="http://schemas.openxmlformats.org/presentationml/2006/main">
+  <p:cSld>
+    <p:bg>
+      <p:bgPr>
+        <a:solidFill>
+          <a:schemeClr val="bg1"/>
+        </a:solidFill>
+        <a:effectLst/>
+      </p:bgPr>
+    </p:bg>
+    <p:spTree>
+      <p:nvGrpSpPr>
+        <p:cNvPr id="1" name=""/>
+        <p:cNvGrpSpPr/>
+        <p:nvPr/>
+      </p:nvGrpSpPr>
+      <p:grpSpPr>
+        <a:xfrm>
+          <a:off x="0" y="0"/>
+          <a:ext cx="0" cy="0"/>
+          <a:chOff x="0" y="0"/>
+          <a:chExt cx="0" cy="0"/>
+        </a:xfrm>
+      </p:grpSpPr>
+      <p:sp useBgFill="1">
+        <p:nvSpPr>
+          <p:cNvPr id="19" name="Rectangle 18">
+            <a:extLst>
+              <a:ext uri="{FF2B5EF4-FFF2-40B4-BE49-F238E27FC236}">
+                <a16:creationId xmlns:a16="http://schemas.microsoft.com/office/drawing/2014/main" id="{3B854194-185D-494D-905C-7C7CB2E30F6E}"/>
+              </a:ext>
+              <a:ext uri="{C183D7F6-B498-43B3-948B-1728B52AA6E4}">
+                <adec:decorative xmlns:adec="http://schemas.microsoft.com/office/drawing/2017/decorative" val="1"/>
+              </a:ext>
+            </a:extLst>
+          </p:cNvPr>
+          <p:cNvSpPr>
+            <a:spLocks noGrp="1" noRot="1" noChangeAspect="1" noMove="1" noResize="1" noEditPoints="1" noAdjustHandles="1" noChangeArrowheads="1" noChangeShapeType="1" noTextEdit="1"/>
+          </p:cNvSpPr>
+          <p:nvPr>
+            <p:extLst>
+              <p:ext uri="{386F3935-93C4-4BCD-93E2-E3B085C9AB24}">
+                <p16:designElem xmlns:p16="http://schemas.microsoft.com/office/powerpoint/2015/main" val="1"/>
+              </p:ext>
+            </p:extLst>
+          </p:nvPr>
+        </p:nvSpPr>
+        <p:spPr>
+          <a:xfrm>
+            <a:off x="1" y="0"/>
+            <a:ext cx="6082110" cy="6858000"/>
+          </a:xfrm>
+          <a:prstGeom prst="rect">
+            <a:avLst/>
+          </a:prstGeom>
+          <a:ln>
+            <a:noFill/>
+          </a:ln>
+        </p:spPr>
+        <p:style>
+          <a:lnRef idx="2">
+            <a:schemeClr val="accent1">
+              <a:shade val="50000"/>
+            </a:schemeClr>
+          </a:lnRef>
+          <a:fillRef idx="1">
+            <a:schemeClr val="accent1"/>
+          </a:fillRef>
+          <a:effectRef idx="0">
+            <a:schemeClr val="accent1"/>
+          </a:effectRef>
+          <a:fontRef idx="minor">
+            <a:schemeClr val="lt1"/>
+          </a:fontRef>
+        </p:style>
+        <p:txBody>
+          <a:bodyPr rtlCol="0" anchor="ctr"/>
+          <a:lstStyle/>
+          <a:p>
+            <a:pPr algn="ctr"/>
+            <a:endParaRPr lang="en-US"/>
+          </a:p>
+        </p:txBody>
+      </p:sp>
+      <p:sp>
+        <p:nvSpPr>
+          <p:cNvPr id="21" name="Rectangle 20">
+            <a:extLst>
+              <a:ext uri="{FF2B5EF4-FFF2-40B4-BE49-F238E27FC236}">
+                <a16:creationId xmlns:a16="http://schemas.microsoft.com/office/drawing/2014/main" id="{B4F5FA0D-0104-4987-8241-EFF7C85B88DE}"/>
+              </a:ext>
+              <a:ext uri="{C183D7F6-B498-43B3-948B-1728B52AA6E4}">
+                <adec:decorative xmlns:adec="http://schemas.microsoft.com/office/drawing/2017/decorative" val="1"/>
+              </a:ext>
+            </a:extLst>
+          </p:cNvPr>
+          <p:cNvSpPr>
+            <a:spLocks noGrp="1" noRot="1" noChangeAspect="1" noMove="1" noResize="1" noEditPoints="1" noAdjustHandles="1" noChangeArrowheads="1" noChangeShapeType="1" noTextEdit="1"/>
+          </p:cNvSpPr>
+          <p:nvPr>
+            <p:extLst>
+              <p:ext uri="{386F3935-93C4-4BCD-93E2-E3B085C9AB24}">
+                <p16:designElem xmlns:p16="http://schemas.microsoft.com/office/powerpoint/2015/main" val="1"/>
+              </p:ext>
+            </p:extLst>
+          </p:nvPr>
+        </p:nvSpPr>
+        <p:spPr>
+          <a:xfrm>
+            <a:off x="1" y="0"/>
+            <a:ext cx="12191998" cy="6858000"/>
+          </a:xfrm>
+          <a:prstGeom prst="rect">
+            <a:avLst/>
+          </a:prstGeom>
+          <a:gradFill>
+            <a:gsLst>
+              <a:gs pos="0">
+                <a:schemeClr val="accent1">
+                  <a:lumMod val="90000"/>
+                </a:schemeClr>
+              </a:gs>
+              <a:gs pos="25000">
+                <a:schemeClr val="accent1">
+                  <a:lumMod val="90000"/>
+                </a:schemeClr>
+              </a:gs>
+              <a:gs pos="94000">
+                <a:schemeClr val="bg2">
+                  <a:lumMod val="25000"/>
+                </a:schemeClr>
+              </a:gs>
+              <a:gs pos="100000">
+                <a:schemeClr val="bg2">
+                  <a:lumMod val="25000"/>
+                </a:schemeClr>
+              </a:gs>
+            </a:gsLst>
+            <a:lin ang="4200000" scaled="0"/>
+          </a:gradFill>
+          <a:ln>
+            <a:noFill/>
+          </a:ln>
+        </p:spPr>
+        <p:style>
+          <a:lnRef idx="2">
+            <a:schemeClr val="accent1">
+              <a:shade val="50000"/>
+            </a:schemeClr>
+          </a:lnRef>
+          <a:fillRef idx="1">
+            <a:schemeClr val="accent1"/>
+          </a:fillRef>
+          <a:effectRef idx="0">
+            <a:schemeClr val="accent1"/>
+          </a:effectRef>
+          <a:fontRef idx="minor">
+            <a:schemeClr val="lt1"/>
+          </a:fontRef>
+        </p:style>
+        <p:txBody>
+          <a:bodyPr rtlCol="0" anchor="ctr"/>
+          <a:lstStyle/>
+          <a:p>
+            <a:pPr algn="ctr"/>
+            <a:endParaRPr lang="en-US"/>
+          </a:p>
+        </p:txBody>
+      </p:sp>
+      <p:pic>
+        <p:nvPicPr>
+          <p:cNvPr id="23" name="Picture 22">
+            <a:extLst>
+              <a:ext uri="{FF2B5EF4-FFF2-40B4-BE49-F238E27FC236}">
+                <a16:creationId xmlns:a16="http://schemas.microsoft.com/office/drawing/2014/main" id="{2897127E-6CEF-446C-BE87-93B7C46E49D1}"/>
+              </a:ext>
+              <a:ext uri="{C183D7F6-B498-43B3-948B-1728B52AA6E4}">
+                <adec:decorative xmlns:adec="http://schemas.microsoft.com/office/drawing/2017/decorative" val="1"/>
+              </a:ext>
+            </a:extLst>
+          </p:cNvPr>
+          <p:cNvPicPr>
+            <a:picLocks noGrp="1" noRot="1" noChangeAspect="1" noMove="1" noResize="1" noEditPoints="1" noAdjustHandles="1" noChangeArrowheads="1" noChangeShapeType="1" noCrop="1"/>
+          </p:cNvPicPr>
+          <p:nvPr>
+            <p:extLst>
+              <p:ext uri="{386F3935-93C4-4BCD-93E2-E3B085C9AB24}">
+                <p16:designElem xmlns:p16="http://schemas.microsoft.com/office/powerpoint/2015/main" val="1"/>
+              </p:ext>
+            </p:extLst>
+          </p:nvPr>
+        </p:nvPicPr>
+        <p:blipFill>
+          <a:blip r:embed="rId2">
+            <a:extLst>
+              <a:ext uri="{28A0092B-C50C-407E-A947-70E740481C1C}">
+                <a14:useLocalDpi xmlns:a14="http://schemas.microsoft.com/office/drawing/2010/main" val="0"/>
+              </a:ext>
+            </a:extLst>
+          </a:blip>
+          <a:stretch>
+            <a:fillRect/>
+          </a:stretch>
+        </p:blipFill>
+        <p:spPr>
+          <a:xfrm>
+            <a:off x="0" y="0"/>
+            <a:ext cx="12192000" cy="6858000"/>
+          </a:xfrm>
+          <a:prstGeom prst="rect">
+            <a:avLst/>
+          </a:prstGeom>
+        </p:spPr>
+      </p:pic>
+      <p:sp>
+        <p:nvSpPr>
+          <p:cNvPr id="2" name="Title 1">
+            <a:extLst>
+              <a:ext uri="{FF2B5EF4-FFF2-40B4-BE49-F238E27FC236}">
+                <a16:creationId xmlns:a16="http://schemas.microsoft.com/office/drawing/2014/main" id="{DB8C2C28-27B9-43BB-A42B-9077477413ED}"/>
+              </a:ext>
+            </a:extLst>
+          </p:cNvPr>
+          <p:cNvSpPr>
+            <a:spLocks noGrp="1"/>
+          </p:cNvSpPr>
+          <p:nvPr>
+            <p:ph type="title"/>
+          </p:nvPr>
+        </p:nvSpPr>
+        <p:spPr>
+          <a:xfrm>
+            <a:off x="640079" y="2053641"/>
+            <a:ext cx="3669161" cy="2760098"/>
+          </a:xfrm>
+        </p:spPr>
+        <p:txBody>
+          <a:bodyPr>
+            <a:normAutofit/>
+          </a:bodyPr>
+          <a:lstStyle/>
+          <a:p>
+            <a:r>
+              <a:rPr lang="en-US">
+                <a:solidFill>
+                  <a:srgbClr val="FFFFFF"/>
+                </a:solidFill>
+              </a:rPr>
+              <a:t>Data Gathering </a:t>
+            </a:r>
+          </a:p>
+        </p:txBody>
+      </p:sp>
+      <p:sp>
+        <p:nvSpPr>
+          <p:cNvPr id="3" name="Content Placeholder 2">
+            <a:extLst>
+              <a:ext uri="{FF2B5EF4-FFF2-40B4-BE49-F238E27FC236}">
+                <a16:creationId xmlns:a16="http://schemas.microsoft.com/office/drawing/2014/main" id="{2C46FB14-0E66-4923-B4B6-29EECFE9FF28}"/>
+              </a:ext>
+            </a:extLst>
+          </p:cNvPr>
+          <p:cNvSpPr>
+            <a:spLocks noGrp="1"/>
+          </p:cNvSpPr>
+          <p:nvPr>
+            <p:ph idx="1"/>
+          </p:nvPr>
+        </p:nvSpPr>
+        <p:spPr>
+          <a:xfrm>
+            <a:off x="5750560" y="801866"/>
+            <a:ext cx="6228080" cy="5639574"/>
+          </a:xfrm>
+        </p:spPr>
+        <p:txBody>
+          <a:bodyPr anchor="ctr">
+            <a:normAutofit fontScale="70000" lnSpcReduction="20000"/>
+          </a:bodyPr>
+          <a:lstStyle/>
+          <a:p>
+            <a:r>
+              <a:rPr lang="en-US" sz="2900" dirty="0">
+                <a:solidFill>
+                  <a:srgbClr val="000000"/>
+                </a:solidFill>
+              </a:rPr>
+              <a:t>Data was pulled from the NASA website (temperature data) and Index Mundi website (crude oil production) for correlation analysis between oil production and temperature increases. </a:t>
+            </a:r>
+          </a:p>
+          <a:p>
+            <a:pPr lvl="1"/>
+            <a:r>
+              <a:rPr lang="en-US" sz="2000" dirty="0">
+                <a:solidFill>
+                  <a:srgbClr val="000000"/>
+                </a:solidFill>
+              </a:rPr>
+              <a:t>Temperature Data: </a:t>
+            </a:r>
+            <a:r>
+              <a:rPr lang="en-US" sz="2000" dirty="0">
+                <a:solidFill>
+                  <a:srgbClr val="000000"/>
+                </a:solidFill>
+                <a:latin typeface="Slack-Lato"/>
+                <a:hlinkClick r:id="rId3"/>
+              </a:rPr>
+              <a:t>https://data.giss.nasa.gov/gistemp/</a:t>
+            </a:r>
+            <a:endParaRPr lang="en-US" sz="2000" dirty="0">
+              <a:solidFill>
+                <a:srgbClr val="000000"/>
+              </a:solidFill>
+              <a:latin typeface="Slack-Lato"/>
+            </a:endParaRPr>
+          </a:p>
+          <a:p>
+            <a:pPr lvl="1"/>
+            <a:r>
+              <a:rPr lang="en-US" sz="2000" b="0" i="0" u="none" strike="noStrike" dirty="0">
+                <a:solidFill>
+                  <a:srgbClr val="000000"/>
+                </a:solidFill>
+                <a:effectLst/>
+                <a:latin typeface="Slack-Lato"/>
+              </a:rPr>
+              <a:t>Crude Oil Data: </a:t>
+            </a:r>
+            <a:r>
+              <a:rPr lang="en-US" sz="2000" b="0" i="0" u="none" strike="noStrike" dirty="0">
+                <a:solidFill>
+                  <a:srgbClr val="000000"/>
+                </a:solidFill>
+                <a:effectLst/>
+                <a:latin typeface="Slack-Lato"/>
+                <a:hlinkClick r:id="rId4"/>
+              </a:rPr>
+              <a:t>https://www.indexmundi.com/energy/?product=oil&amp;graph=production</a:t>
+            </a:r>
+            <a:endParaRPr lang="en-US" sz="2000" b="0" i="0" u="none" strike="noStrike" dirty="0">
+              <a:solidFill>
+                <a:srgbClr val="000000"/>
+              </a:solidFill>
+              <a:effectLst/>
+              <a:latin typeface="Slack-Lato"/>
+            </a:endParaRPr>
+          </a:p>
+          <a:p>
+            <a:pPr marL="457200" lvl="1" indent="0">
+              <a:buNone/>
+            </a:pPr>
+            <a:endParaRPr lang="en-US" sz="2300" dirty="0">
+              <a:solidFill>
+                <a:srgbClr val="000000"/>
+              </a:solidFill>
+            </a:endParaRPr>
+          </a:p>
+          <a:p>
+            <a:r>
+              <a:rPr lang="en-US" sz="2900" dirty="0">
+                <a:solidFill>
+                  <a:srgbClr val="000000"/>
+                </a:solidFill>
+              </a:rPr>
+              <a:t>GDP data was pulled from The World Bank for correlation analysis between GDP and temperature increases. </a:t>
+            </a:r>
+          </a:p>
+          <a:p>
+            <a:pPr lvl="1"/>
+            <a:r>
+              <a:rPr lang="en-US" sz="1800" dirty="0">
+                <a:solidFill>
+                  <a:srgbClr val="000000"/>
+                </a:solidFill>
+              </a:rPr>
+              <a:t>GDP Data: </a:t>
+            </a:r>
+            <a:r>
+              <a:rPr lang="en-US" sz="1800" b="0" i="0" u="none" strike="noStrike" dirty="0">
+                <a:solidFill>
+                  <a:srgbClr val="000000"/>
+                </a:solidFill>
+                <a:effectLst/>
+                <a:latin typeface="Slack-Lato"/>
+                <a:hlinkClick r:id="rId5"/>
+              </a:rPr>
+              <a:t>https://databank.worldbank.org/indicator/NY.GDP.MKTP.KD.ZG/1ff4a498/Popular-Indicators#</a:t>
+            </a:r>
+            <a:endParaRPr lang="en-US" sz="1800" dirty="0">
+              <a:solidFill>
+                <a:srgbClr val="000000"/>
+              </a:solidFill>
+            </a:endParaRPr>
+          </a:p>
+          <a:p>
+            <a:endParaRPr lang="en-US" sz="1600" dirty="0">
+              <a:solidFill>
+                <a:srgbClr val="000000"/>
+              </a:solidFill>
+            </a:endParaRPr>
+          </a:p>
+          <a:p>
+            <a:r>
+              <a:rPr lang="en-US" sz="3200" dirty="0">
+                <a:solidFill>
+                  <a:srgbClr val="000000"/>
+                </a:solidFill>
+              </a:rPr>
+              <a:t>To analyze potential correlation between sea ice melt and crude oil production &amp; GDP increases, data was pulled from The EPA website</a:t>
+            </a:r>
+          </a:p>
+          <a:p>
+            <a:pPr lvl="1"/>
+            <a:r>
+              <a:rPr lang="en-US" sz="2000" dirty="0">
+                <a:solidFill>
+                  <a:srgbClr val="000000"/>
+                </a:solidFill>
+              </a:rPr>
+              <a:t>EPA data: </a:t>
+            </a:r>
+          </a:p>
+          <a:p>
+            <a:pPr marL="457200" lvl="1" indent="0">
+              <a:buNone/>
+            </a:pPr>
+            <a:r>
+              <a:rPr lang="en-US" sz="2000" b="0" i="0" u="none" strike="noStrike" dirty="0">
+                <a:solidFill>
+                  <a:srgbClr val="000000"/>
+                </a:solidFill>
+                <a:effectLst/>
+                <a:latin typeface="Slack-Lato"/>
+                <a:hlinkClick r:id="rId6"/>
+              </a:rPr>
+              <a:t>https://www.epa.gov/climate-indicators/climate-change-indicators-glaciers</a:t>
+            </a:r>
+            <a:br>
+              <a:rPr lang="en-US" sz="2000" dirty="0">
+                <a:solidFill>
+                  <a:srgbClr val="000000"/>
+                </a:solidFill>
+              </a:rPr>
+            </a:br>
+            <a:r>
+              <a:rPr lang="en-US" sz="2000" b="0" i="0" u="none" strike="noStrike" dirty="0">
+                <a:solidFill>
+                  <a:srgbClr val="000000"/>
+                </a:solidFill>
+                <a:effectLst/>
+                <a:latin typeface="Slack-Lato"/>
+                <a:hlinkClick r:id="rId7"/>
+              </a:rPr>
+              <a:t>https://www.epa.gov/climate-indicators/climate-change-indicators-arctic-sea-ice</a:t>
+            </a:r>
+            <a:br>
+              <a:rPr lang="en-US" sz="2000" dirty="0">
+                <a:solidFill>
+                  <a:srgbClr val="000000"/>
+                </a:solidFill>
+              </a:rPr>
+            </a:br>
+            <a:r>
+              <a:rPr lang="en-US" sz="2000" b="0" i="0" u="none" strike="noStrike" dirty="0">
+                <a:solidFill>
+                  <a:srgbClr val="000000"/>
+                </a:solidFill>
+                <a:effectLst/>
+                <a:latin typeface="Slack-Lato"/>
+                <a:hlinkClick r:id="rId8"/>
+              </a:rPr>
+              <a:t>https://nsidc.org/data/glacier_inventory/query.html</a:t>
+            </a:r>
+            <a:br>
+              <a:rPr lang="en-US" sz="2000" dirty="0">
+                <a:solidFill>
+                  <a:srgbClr val="000000"/>
+                </a:solidFill>
+              </a:rPr>
+            </a:br>
+            <a:r>
+              <a:rPr lang="en-US" sz="2000" b="0" i="0" u="sng" dirty="0">
+                <a:solidFill>
+                  <a:srgbClr val="000000"/>
+                </a:solidFill>
+                <a:effectLst/>
+                <a:latin typeface="Slack-Lato"/>
+                <a:hlinkClick r:id="rId9"/>
+              </a:rPr>
+              <a:t>https://www.epa.gov/climate-indicators/climate-change-indicators-antarctic-sea-ice</a:t>
+            </a:r>
+            <a:endParaRPr lang="en-US" sz="2000" dirty="0">
+              <a:solidFill>
+                <a:srgbClr val="000000"/>
+              </a:solidFill>
+            </a:endParaRPr>
+          </a:p>
+          <a:p>
+            <a:endParaRPr lang="en-US" sz="1300" dirty="0">
+              <a:solidFill>
+                <a:srgbClr val="000000"/>
+              </a:solidFill>
+            </a:endParaRPr>
+          </a:p>
+        </p:txBody>
+      </p:sp>
+    </p:spTree>
+    <p:extLst>
+      <p:ext uri="{BB962C8B-B14F-4D97-AF65-F5344CB8AC3E}">
+        <p14:creationId xmlns:p14="http://schemas.microsoft.com/office/powerpoint/2010/main" val="992202392"/>
+      </p:ext>
+    </p:extLst>
+  </p:cSld>
+  <p:clrMapOvr>
+    <a:masterClrMapping/>
+  </p:clrMapOvr>
+</p:sld>
+</file>
+
+<file path=ppt/slides/slide4.xml><?xml version="1.0" encoding="utf-8"?>
+<p:sld xmlns:a="http://schemas.openxmlformats.org/drawingml/2006/main" xmlns:r="http://schemas.openxmlformats.org/officeDocument/2006/relationships" xmlns:p="http://schemas.openxmlformats.org/presentationml/2006/main">
+  <p:cSld>
+    <p:bg>
+      <p:bgPr>
+        <a:solidFill>
+          <a:schemeClr val="bg1"/>
+        </a:solidFill>
+        <a:effectLst/>
+      </p:bgPr>
+    </p:bg>
+    <p:spTree>
+      <p:nvGrpSpPr>
+        <p:cNvPr id="1" name=""/>
+        <p:cNvGrpSpPr/>
+        <p:nvPr/>
+      </p:nvGrpSpPr>
+      <p:grpSpPr>
+        <a:xfrm>
+          <a:off x="0" y="0"/>
+          <a:ext cx="0" cy="0"/>
+          <a:chOff x="0" y="0"/>
+          <a:chExt cx="0" cy="0"/>
+        </a:xfrm>
+      </p:grpSpPr>
+      <p:sp useBgFill="1">
+        <p:nvSpPr>
+          <p:cNvPr id="20" name="Rectangle 19">
+            <a:extLst>
+              <a:ext uri="{FF2B5EF4-FFF2-40B4-BE49-F238E27FC236}">
+                <a16:creationId xmlns:a16="http://schemas.microsoft.com/office/drawing/2014/main" id="{3B854194-185D-494D-905C-7C7CB2E30F6E}"/>
+              </a:ext>
+              <a:ext uri="{C183D7F6-B498-43B3-948B-1728B52AA6E4}">
+                <adec:decorative xmlns:adec="http://schemas.microsoft.com/office/drawing/2017/decorative" val="1"/>
+              </a:ext>
+            </a:extLst>
+          </p:cNvPr>
+          <p:cNvSpPr>
+            <a:spLocks noGrp="1" noRot="1" noChangeAspect="1" noMove="1" noResize="1" noEditPoints="1" noAdjustHandles="1" noChangeArrowheads="1" noChangeShapeType="1" noTextEdit="1"/>
+          </p:cNvSpPr>
+          <p:nvPr>
+            <p:extLst>
+              <p:ext uri="{386F3935-93C4-4BCD-93E2-E3B085C9AB24}">
+                <p16:designElem xmlns:p16="http://schemas.microsoft.com/office/powerpoint/2015/main" val="1"/>
+              </p:ext>
+            </p:extLst>
+          </p:nvPr>
+        </p:nvSpPr>
+        <p:spPr>
+          <a:xfrm>
+            <a:off x="1" y="0"/>
+            <a:ext cx="6082110" cy="6858000"/>
+          </a:xfrm>
+          <a:prstGeom prst="rect">
+            <a:avLst/>
+          </a:prstGeom>
+          <a:ln>
+            <a:noFill/>
+          </a:ln>
+        </p:spPr>
+        <p:style>
+          <a:lnRef idx="2">
+            <a:schemeClr val="accent1">
+              <a:shade val="50000"/>
+            </a:schemeClr>
+          </a:lnRef>
+          <a:fillRef idx="1">
+            <a:schemeClr val="accent1"/>
+          </a:fillRef>
+          <a:effectRef idx="0">
+            <a:schemeClr val="accent1"/>
+          </a:effectRef>
+          <a:fontRef idx="minor">
+            <a:schemeClr val="lt1"/>
+          </a:fontRef>
+        </p:style>
+        <p:txBody>
+          <a:bodyPr rtlCol="0" anchor="ctr"/>
+          <a:lstStyle/>
+          <a:p>
+            <a:pPr algn="ctr"/>
+            <a:endParaRPr lang="en-US"/>
+          </a:p>
+        </p:txBody>
+      </p:sp>
+      <p:sp>
+        <p:nvSpPr>
+          <p:cNvPr id="22" name="Rectangle 21">
+            <a:extLst>
+              <a:ext uri="{FF2B5EF4-FFF2-40B4-BE49-F238E27FC236}">
+                <a16:creationId xmlns:a16="http://schemas.microsoft.com/office/drawing/2014/main" id="{B4F5FA0D-0104-4987-8241-EFF7C85B88DE}"/>
+              </a:ext>
+              <a:ext uri="{C183D7F6-B498-43B3-948B-1728B52AA6E4}">
+                <adec:decorative xmlns:adec="http://schemas.microsoft.com/office/drawing/2017/decorative" val="1"/>
+              </a:ext>
+            </a:extLst>
+          </p:cNvPr>
+          <p:cNvSpPr>
+            <a:spLocks noGrp="1" noRot="1" noChangeAspect="1" noMove="1" noResize="1" noEditPoints="1" noAdjustHandles="1" noChangeArrowheads="1" noChangeShapeType="1" noTextEdit="1"/>
+          </p:cNvSpPr>
+          <p:nvPr>
+            <p:extLst>
+              <p:ext uri="{386F3935-93C4-4BCD-93E2-E3B085C9AB24}">
+                <p16:designElem xmlns:p16="http://schemas.microsoft.com/office/powerpoint/2015/main" val="1"/>
+              </p:ext>
+            </p:extLst>
+          </p:nvPr>
+        </p:nvSpPr>
+        <p:spPr>
+          <a:xfrm>
+            <a:off x="1" y="0"/>
+            <a:ext cx="12191998" cy="6858000"/>
+          </a:xfrm>
+          <a:prstGeom prst="rect">
+            <a:avLst/>
+          </a:prstGeom>
+          <a:gradFill>
+            <a:gsLst>
+              <a:gs pos="0">
+                <a:schemeClr val="accent1">
+                  <a:lumMod val="90000"/>
+                </a:schemeClr>
+              </a:gs>
+              <a:gs pos="25000">
+                <a:schemeClr val="accent1">
+                  <a:lumMod val="90000"/>
+                </a:schemeClr>
+              </a:gs>
+              <a:gs pos="94000">
+                <a:schemeClr val="bg2">
+                  <a:lumMod val="25000"/>
+                </a:schemeClr>
+              </a:gs>
+              <a:gs pos="100000">
+                <a:schemeClr val="bg2">
+                  <a:lumMod val="25000"/>
+                </a:schemeClr>
+              </a:gs>
+            </a:gsLst>
+            <a:lin ang="4200000" scaled="0"/>
+          </a:gradFill>
+          <a:ln>
+            <a:noFill/>
+          </a:ln>
+        </p:spPr>
+        <p:style>
+          <a:lnRef idx="2">
+            <a:schemeClr val="accent1">
+              <a:shade val="50000"/>
+            </a:schemeClr>
+          </a:lnRef>
+          <a:fillRef idx="1">
+            <a:schemeClr val="accent1"/>
+          </a:fillRef>
+          <a:effectRef idx="0">
+            <a:schemeClr val="accent1"/>
+          </a:effectRef>
+          <a:fontRef idx="minor">
+            <a:schemeClr val="lt1"/>
+          </a:fontRef>
+        </p:style>
+        <p:txBody>
+          <a:bodyPr rtlCol="0" anchor="ctr"/>
+          <a:lstStyle/>
+          <a:p>
+            <a:pPr algn="ctr"/>
+            <a:endParaRPr lang="en-US"/>
+          </a:p>
+        </p:txBody>
+      </p:sp>
+      <p:pic>
+        <p:nvPicPr>
+          <p:cNvPr id="24" name="Picture 23">
+            <a:extLst>
+              <a:ext uri="{FF2B5EF4-FFF2-40B4-BE49-F238E27FC236}">
+                <a16:creationId xmlns:a16="http://schemas.microsoft.com/office/drawing/2014/main" id="{2897127E-6CEF-446C-BE87-93B7C46E49D1}"/>
+              </a:ext>
+              <a:ext uri="{C183D7F6-B498-43B3-948B-1728B52AA6E4}">
+                <adec:decorative xmlns:adec="http://schemas.microsoft.com/office/drawing/2017/decorative" val="1"/>
+              </a:ext>
+            </a:extLst>
+          </p:cNvPr>
+          <p:cNvPicPr>
+            <a:picLocks noGrp="1" noRot="1" noChangeAspect="1" noMove="1" noResize="1" noEditPoints="1" noAdjustHandles="1" noChangeArrowheads="1" noChangeShapeType="1" noCrop="1"/>
+          </p:cNvPicPr>
+          <p:nvPr>
+            <p:extLst>
+              <p:ext uri="{386F3935-93C4-4BCD-93E2-E3B085C9AB24}">
+                <p16:designElem xmlns:p16="http://schemas.microsoft.com/office/powerpoint/2015/main" val="1"/>
+              </p:ext>
+            </p:extLst>
+          </p:nvPr>
+        </p:nvPicPr>
+        <p:blipFill>
+          <a:blip r:embed="rId2">
+            <a:extLst>
+              <a:ext uri="{28A0092B-C50C-407E-A947-70E740481C1C}">
+                <a14:useLocalDpi xmlns:a14="http://schemas.microsoft.com/office/drawing/2010/main" val="0"/>
+              </a:ext>
+            </a:extLst>
+          </a:blip>
+          <a:stretch>
+            <a:fillRect/>
+          </a:stretch>
+        </p:blipFill>
+        <p:spPr>
+          <a:xfrm>
+            <a:off x="0" y="0"/>
+            <a:ext cx="12192000" cy="6858000"/>
+          </a:xfrm>
+          <a:prstGeom prst="rect">
+            <a:avLst/>
+          </a:prstGeom>
+        </p:spPr>
+      </p:pic>
+      <p:sp>
+        <p:nvSpPr>
+          <p:cNvPr id="2" name="Title 1">
+            <a:extLst>
+              <a:ext uri="{FF2B5EF4-FFF2-40B4-BE49-F238E27FC236}">
+                <a16:creationId xmlns:a16="http://schemas.microsoft.com/office/drawing/2014/main" id="{3772556B-1AB1-42B2-93FE-CD788FEBF2F0}"/>
+              </a:ext>
+            </a:extLst>
+          </p:cNvPr>
+          <p:cNvSpPr>
+            <a:spLocks noGrp="1"/>
+          </p:cNvSpPr>
+          <p:nvPr>
+            <p:ph type="title"/>
+          </p:nvPr>
+        </p:nvSpPr>
+        <p:spPr>
+          <a:xfrm>
+            <a:off x="640079" y="2053641"/>
+            <a:ext cx="3669161" cy="2760098"/>
+          </a:xfrm>
+        </p:spPr>
+        <p:txBody>
+          <a:bodyPr vert="horz" lIns="91440" tIns="45720" rIns="91440" bIns="45720" rtlCol="0" anchor="ctr">
+            <a:normAutofit/>
+          </a:bodyPr>
+          <a:lstStyle/>
+          <a:p>
+            <a:r>
+              <a:rPr lang="en-US" kern="1200">
+                <a:solidFill>
+                  <a:srgbClr val="FFFFFF"/>
+                </a:solidFill>
+                <a:latin typeface="+mj-lt"/>
+                <a:ea typeface="+mj-ea"/>
+                <a:cs typeface="+mj-cs"/>
+              </a:rPr>
+              <a:t>Data Cleanup &amp; Exploration</a:t>
+            </a:r>
+          </a:p>
+        </p:txBody>
+      </p:sp>
+      <p:graphicFrame>
+        <p:nvGraphicFramePr>
+          <p:cNvPr id="21" name="Diagram 20">
+            <a:extLst>
+              <a:ext uri="{FF2B5EF4-FFF2-40B4-BE49-F238E27FC236}">
+                <a16:creationId xmlns:a16="http://schemas.microsoft.com/office/drawing/2014/main" id="{B10DC855-4C0B-44C5-9B22-34F18B47D885}"/>
+              </a:ext>
+            </a:extLst>
+          </p:cNvPr>
+          <p:cNvGraphicFramePr/>
+          <p:nvPr>
+            <p:extLst>
+              <p:ext uri="{D42A27DB-BD31-4B8C-83A1-F6EECF244321}">
+                <p14:modId xmlns:p14="http://schemas.microsoft.com/office/powerpoint/2010/main" val="2743162056"/>
+              </p:ext>
+            </p:extLst>
+          </p:nvPr>
+        </p:nvGraphicFramePr>
+        <p:xfrm>
+          <a:off x="4648200" y="647701"/>
+          <a:ext cx="7192140" cy="5543550"/>
+        </p:xfrm>
+        <a:graphic>
+          <a:graphicData uri="http://schemas.openxmlformats.org/drawingml/2006/diagram">
+            <dgm:relIds xmlns:dgm="http://schemas.openxmlformats.org/drawingml/2006/diagram" xmlns:r="http://schemas.openxmlformats.org/officeDocument/2006/relationships" r:dm="rId3" r:lo="rId4" r:qs="rId5" r:cs="rId6"/>
+          </a:graphicData>
+        </a:graphic>
+      </p:graphicFrame>
+    </p:spTree>
+    <p:extLst>
+      <p:ext uri="{BB962C8B-B14F-4D97-AF65-F5344CB8AC3E}">
+        <p14:creationId xmlns:p14="http://schemas.microsoft.com/office/powerpoint/2010/main" val="624627063"/>
+      </p:ext>
+    </p:extLst>
+  </p:cSld>
+  <p:clrMapOvr>
+    <a:masterClrMapping/>
+  </p:clrMapOvr>
+</p:sld>
+</file>
+
+<file path=ppt/slides/slide5.xml><?xml version="1.0" encoding="utf-8"?>
+<p:sld xmlns:a="http://schemas.openxmlformats.org/drawingml/2006/main" xmlns:r="http://schemas.openxmlformats.org/officeDocument/2006/relationships" xmlns:p="http://schemas.openxmlformats.org/presentationml/2006/main">
+  <p:cSld>
+    <p:spTree>
+      <p:nvGrpSpPr>
+        <p:cNvPr id="1" name=""/>
+        <p:cNvGrpSpPr/>
+        <p:nvPr/>
+      </p:nvGrpSpPr>
+      <p:grpSpPr>
+        <a:xfrm>
+          <a:off x="0" y="0"/>
+          <a:ext cx="0" cy="0"/>
+          <a:chOff x="0" y="0"/>
+          <a:chExt cx="0" cy="0"/>
+        </a:xfrm>
+      </p:grpSpPr>
+      <p:sp>
+        <p:nvSpPr>
+          <p:cNvPr id="2" name="Title 1">
+            <a:extLst>
+              <a:ext uri="{FF2B5EF4-FFF2-40B4-BE49-F238E27FC236}">
+                <a16:creationId xmlns:a16="http://schemas.microsoft.com/office/drawing/2014/main" id="{17D150A0-410A-4D19-9B8E-E9452F3A0DEB}"/>
+              </a:ext>
+            </a:extLst>
+          </p:cNvPr>
+          <p:cNvSpPr>
+            <a:spLocks noGrp="1"/>
+          </p:cNvSpPr>
+          <p:nvPr>
+            <p:ph type="title"/>
+          </p:nvPr>
+        </p:nvSpPr>
+        <p:spPr/>
+        <p:txBody>
+          <a:bodyPr/>
+          <a:lstStyle/>
+          <a:p>
+            <a:r>
+              <a:rPr lang="en-US" dirty="0"/>
+              <a:t>DELETE SLIDE? </a:t>
+            </a:r>
+          </a:p>
+        </p:txBody>
+      </p:sp>
+      <p:sp>
+        <p:nvSpPr>
+          <p:cNvPr id="3" name="Content Placeholder 2">
+            <a:extLst>
+              <a:ext uri="{FF2B5EF4-FFF2-40B4-BE49-F238E27FC236}">
+                <a16:creationId xmlns:a16="http://schemas.microsoft.com/office/drawing/2014/main" id="{B6601E47-FDCC-4DC9-A7F0-7619E5A639F8}"/>
+              </a:ext>
+            </a:extLst>
+          </p:cNvPr>
+          <p:cNvSpPr>
+            <a:spLocks noGrp="1"/>
+          </p:cNvSpPr>
+          <p:nvPr>
+            <p:ph idx="1"/>
+          </p:nvPr>
+        </p:nvSpPr>
+        <p:spPr/>
+        <p:txBody>
+          <a:bodyPr/>
+          <a:lstStyle/>
+          <a:p>
+            <a:r>
+              <a:rPr lang="en-US" dirty="0"/>
+              <a:t>Created data frames for temperature, GDP, crude oil production, and sea ice data.  Cleaned, manipulated, and plotted all data.  Combined all data sets to look for correlations. </a:t>
+            </a:r>
+          </a:p>
+          <a:p>
+            <a:r>
+              <a:rPr lang="en-US" dirty="0"/>
+              <a:t>Monte Carlo simulation ran to predict temperature and sea ice melt over 10 years.  Reviewed correlation plots and found inconsistent correlations. </a:t>
+            </a:r>
+          </a:p>
+          <a:p>
+            <a:endParaRPr lang="en-US" dirty="0"/>
+          </a:p>
+        </p:txBody>
+      </p:sp>
+    </p:spTree>
+    <p:extLst>
+      <p:ext uri="{BB962C8B-B14F-4D97-AF65-F5344CB8AC3E}">
+        <p14:creationId xmlns:p14="http://schemas.microsoft.com/office/powerpoint/2010/main" val="1400404360"/>
+      </p:ext>
+    </p:extLst>
+  </p:cSld>
+  <p:clrMapOvr>
+    <a:masterClrMapping/>
+  </p:clrMapOvr>
+</p:sld>
+</file>
+
+<file path=ppt/slides/slide6.xml><?xml version="1.0" encoding="utf-8"?>
+<p:sld xmlns:a="http://schemas.openxmlformats.org/drawingml/2006/main" xmlns:r="http://schemas.openxmlformats.org/officeDocument/2006/relationships" xmlns:p="http://schemas.openxmlformats.org/presentationml/2006/main">
+  <p:cSld>
+    <p:spTree>
+      <p:nvGrpSpPr>
+        <p:cNvPr id="1" name=""/>
+        <p:cNvGrpSpPr/>
+        <p:nvPr/>
+      </p:nvGrpSpPr>
+      <p:grpSpPr>
+        <a:xfrm>
+          <a:off x="0" y="0"/>
+          <a:ext cx="0" cy="0"/>
+          <a:chOff x="0" y="0"/>
+          <a:chExt cx="0" cy="0"/>
+        </a:xfrm>
+      </p:grpSpPr>
+      <p:sp>
+        <p:nvSpPr>
+          <p:cNvPr id="2" name="Title 1">
+            <a:extLst>
+              <a:ext uri="{FF2B5EF4-FFF2-40B4-BE49-F238E27FC236}">
+                <a16:creationId xmlns:a16="http://schemas.microsoft.com/office/drawing/2014/main" id="{CA6DC782-6464-4020-AFFC-225C9B138945}"/>
+              </a:ext>
+            </a:extLst>
+          </p:cNvPr>
+          <p:cNvSpPr>
+            <a:spLocks noGrp="1"/>
+          </p:cNvSpPr>
+          <p:nvPr>
+            <p:ph type="title"/>
+          </p:nvPr>
+        </p:nvSpPr>
+        <p:spPr/>
+        <p:txBody>
+          <a:bodyPr/>
+          <a:lstStyle/>
+          <a:p>
+            <a:r>
+              <a:rPr lang="en-US" dirty="0"/>
+              <a:t>Data Analysis – Correlations </a:t>
+            </a:r>
+          </a:p>
+        </p:txBody>
+      </p:sp>
+      <p:pic>
+        <p:nvPicPr>
+          <p:cNvPr id="5" name="Picture 4">
+            <a:extLst>
+              <a:ext uri="{FF2B5EF4-FFF2-40B4-BE49-F238E27FC236}">
+                <a16:creationId xmlns:a16="http://schemas.microsoft.com/office/drawing/2014/main" id="{9A3AFFBE-06F9-45BB-8EAB-D2B055BCEEB9}"/>
+              </a:ext>
+            </a:extLst>
+          </p:cNvPr>
+          <p:cNvPicPr>
+            <a:picLocks noChangeAspect="1"/>
+          </p:cNvPicPr>
+          <p:nvPr/>
+        </p:nvPicPr>
+        <p:blipFill>
+          <a:blip r:embed="rId2"/>
+          <a:stretch>
+            <a:fillRect/>
+          </a:stretch>
+        </p:blipFill>
+        <p:spPr>
+          <a:xfrm>
+            <a:off x="7650481" y="240785"/>
+            <a:ext cx="4046219" cy="2011680"/>
+          </a:xfrm>
+          <a:prstGeom prst="rect">
+            <a:avLst/>
+          </a:prstGeom>
+          <a:ln>
+            <a:solidFill>
+              <a:schemeClr val="tx1"/>
+            </a:solidFill>
+          </a:ln>
+        </p:spPr>
+      </p:pic>
+      <p:pic>
+        <p:nvPicPr>
+          <p:cNvPr id="7" name="Picture 6">
+            <a:extLst>
+              <a:ext uri="{FF2B5EF4-FFF2-40B4-BE49-F238E27FC236}">
+                <a16:creationId xmlns:a16="http://schemas.microsoft.com/office/drawing/2014/main" id="{F1395600-944F-4EB9-AC43-A15B99CCE1BA}"/>
+              </a:ext>
+            </a:extLst>
+          </p:cNvPr>
+          <p:cNvPicPr>
+            <a:picLocks noChangeAspect="1"/>
+          </p:cNvPicPr>
+          <p:nvPr/>
+        </p:nvPicPr>
+        <p:blipFill>
+          <a:blip r:embed="rId3"/>
+          <a:stretch>
+            <a:fillRect/>
+          </a:stretch>
+        </p:blipFill>
+        <p:spPr>
+          <a:xfrm>
+            <a:off x="7650481" y="4501831"/>
+            <a:ext cx="4046220" cy="2011680"/>
+          </a:xfrm>
+          <a:prstGeom prst="rect">
+            <a:avLst/>
+          </a:prstGeom>
+          <a:ln>
+            <a:solidFill>
+              <a:schemeClr val="tx1"/>
+            </a:solidFill>
+          </a:ln>
+        </p:spPr>
+      </p:pic>
+      <p:pic>
+        <p:nvPicPr>
+          <p:cNvPr id="9" name="Picture 8">
+            <a:extLst>
+              <a:ext uri="{FF2B5EF4-FFF2-40B4-BE49-F238E27FC236}">
+                <a16:creationId xmlns:a16="http://schemas.microsoft.com/office/drawing/2014/main" id="{882E0950-A018-44A3-9B90-F9541105CB04}"/>
+              </a:ext>
+            </a:extLst>
+          </p:cNvPr>
+          <p:cNvPicPr>
+            <a:picLocks noChangeAspect="1"/>
+          </p:cNvPicPr>
+          <p:nvPr/>
+        </p:nvPicPr>
+        <p:blipFill>
+          <a:blip r:embed="rId4"/>
+          <a:stretch>
+            <a:fillRect/>
+          </a:stretch>
+        </p:blipFill>
+        <p:spPr>
+          <a:xfrm>
+            <a:off x="7650480" y="2373668"/>
+            <a:ext cx="4046220" cy="2011680"/>
+          </a:xfrm>
+          <a:prstGeom prst="rect">
+            <a:avLst/>
+          </a:prstGeom>
+          <a:ln>
+            <a:solidFill>
+              <a:schemeClr val="tx1"/>
+            </a:solidFill>
+          </a:ln>
+        </p:spPr>
+      </p:pic>
+      <p:pic>
+        <p:nvPicPr>
+          <p:cNvPr id="11" name="Picture 10">
+            <a:extLst>
+              <a:ext uri="{FF2B5EF4-FFF2-40B4-BE49-F238E27FC236}">
+                <a16:creationId xmlns:a16="http://schemas.microsoft.com/office/drawing/2014/main" id="{B4B9064E-4515-4C41-8F9F-A730AEAD5901}"/>
+              </a:ext>
+            </a:extLst>
+          </p:cNvPr>
+          <p:cNvPicPr>
+            <a:picLocks noChangeAspect="1"/>
+          </p:cNvPicPr>
+          <p:nvPr/>
+        </p:nvPicPr>
+        <p:blipFill>
+          <a:blip r:embed="rId5"/>
+          <a:stretch>
+            <a:fillRect/>
+          </a:stretch>
+        </p:blipFill>
+        <p:spPr>
+          <a:xfrm>
+            <a:off x="408144" y="1521136"/>
+            <a:ext cx="6977385" cy="4971739"/>
+          </a:xfrm>
+          <a:prstGeom prst="rect">
+            <a:avLst/>
+          </a:prstGeom>
+          <a:ln>
+            <a:solidFill>
+              <a:schemeClr val="tx1"/>
+            </a:solidFill>
+          </a:ln>
+        </p:spPr>
+      </p:pic>
+    </p:spTree>
+    <p:extLst>
+      <p:ext uri="{BB962C8B-B14F-4D97-AF65-F5344CB8AC3E}">
+        <p14:creationId xmlns:p14="http://schemas.microsoft.com/office/powerpoint/2010/main" val="2796724141"/>
+      </p:ext>
+    </p:extLst>
+  </p:cSld>
+  <p:clrMapOvr>
+    <a:masterClrMapping/>
+  </p:clrMapOvr>
+</p:sld>
+</file>
+
+<file path=ppt/slides/slide7.xml><?xml version="1.0" encoding="utf-8"?>
+<p:sld xmlns:a="http://schemas.openxmlformats.org/drawingml/2006/main" xmlns:r="http://schemas.openxmlformats.org/officeDocument/2006/relationships" xmlns:p="http://schemas.openxmlformats.org/presentationml/2006/main">
+  <p:cSld>
+    <p:spTree>
+      <p:nvGrpSpPr>
+        <p:cNvPr id="1" name=""/>
+        <p:cNvGrpSpPr/>
+        <p:nvPr/>
+      </p:nvGrpSpPr>
+      <p:grpSpPr>
+        <a:xfrm>
+          <a:off x="0" y="0"/>
+          <a:ext cx="0" cy="0"/>
+          <a:chOff x="0" y="0"/>
+          <a:chExt cx="0" cy="0"/>
+        </a:xfrm>
+      </p:grpSpPr>
+      <p:sp>
+        <p:nvSpPr>
+          <p:cNvPr id="2" name="Title 1">
+            <a:extLst>
+              <a:ext uri="{FF2B5EF4-FFF2-40B4-BE49-F238E27FC236}">
+                <a16:creationId xmlns:a16="http://schemas.microsoft.com/office/drawing/2014/main" id="{B2FD66AA-2E61-4DA8-A2D6-13DC98F93F88}"/>
+              </a:ext>
+            </a:extLst>
+          </p:cNvPr>
+          <p:cNvSpPr>
+            <a:spLocks noGrp="1"/>
+          </p:cNvSpPr>
+          <p:nvPr>
+            <p:ph type="title"/>
+          </p:nvPr>
+        </p:nvSpPr>
+        <p:spPr/>
+        <p:txBody>
+          <a:bodyPr/>
+          <a:lstStyle/>
+          <a:p>
+            <a:r>
+              <a:rPr lang="en-US" dirty="0"/>
+              <a:t>Data Analysis – Monte Carlo Simulations</a:t>
+            </a:r>
+          </a:p>
+        </p:txBody>
+      </p:sp>
+      <p:pic>
+        <p:nvPicPr>
+          <p:cNvPr id="5" name="Picture 4">
+            <a:extLst>
+              <a:ext uri="{FF2B5EF4-FFF2-40B4-BE49-F238E27FC236}">
+                <a16:creationId xmlns:a16="http://schemas.microsoft.com/office/drawing/2014/main" id="{A2147390-0991-4F48-A9FF-4F696E23FB47}"/>
+              </a:ext>
+            </a:extLst>
+          </p:cNvPr>
+          <p:cNvPicPr>
+            <a:picLocks noChangeAspect="1"/>
+          </p:cNvPicPr>
+          <p:nvPr/>
+        </p:nvPicPr>
+        <p:blipFill>
+          <a:blip r:embed="rId2"/>
+          <a:stretch>
+            <a:fillRect/>
+          </a:stretch>
+        </p:blipFill>
+        <p:spPr>
+          <a:xfrm>
+            <a:off x="429683" y="1549796"/>
+            <a:ext cx="6075891" cy="5031978"/>
+          </a:xfrm>
+          <a:prstGeom prst="rect">
+            <a:avLst/>
+          </a:prstGeom>
+          <a:ln>
+            <a:solidFill>
+              <a:schemeClr val="tx1"/>
+            </a:solidFill>
+          </a:ln>
+        </p:spPr>
+      </p:pic>
+      <p:pic>
+        <p:nvPicPr>
+          <p:cNvPr id="7" name="Picture 6">
+            <a:extLst>
+              <a:ext uri="{FF2B5EF4-FFF2-40B4-BE49-F238E27FC236}">
+                <a16:creationId xmlns:a16="http://schemas.microsoft.com/office/drawing/2014/main" id="{92D9D6D8-E1DA-4359-B32B-534CCF65DD21}"/>
+              </a:ext>
+            </a:extLst>
+          </p:cNvPr>
+          <p:cNvPicPr>
+            <a:picLocks noChangeAspect="1"/>
+          </p:cNvPicPr>
+          <p:nvPr/>
+        </p:nvPicPr>
+        <p:blipFill>
+          <a:blip r:embed="rId3"/>
+          <a:stretch>
+            <a:fillRect/>
+          </a:stretch>
+        </p:blipFill>
+        <p:spPr>
+          <a:xfrm>
+            <a:off x="6640998" y="4171950"/>
+            <a:ext cx="5048734" cy="2409824"/>
+          </a:xfrm>
+          <a:prstGeom prst="rect">
+            <a:avLst/>
+          </a:prstGeom>
+          <a:ln>
+            <a:solidFill>
+              <a:schemeClr val="tx1"/>
+            </a:solidFill>
+          </a:ln>
+        </p:spPr>
+      </p:pic>
+      <p:pic>
+        <p:nvPicPr>
+          <p:cNvPr id="13" name="Picture 12">
+            <a:extLst>
+              <a:ext uri="{FF2B5EF4-FFF2-40B4-BE49-F238E27FC236}">
+                <a16:creationId xmlns:a16="http://schemas.microsoft.com/office/drawing/2014/main" id="{CFE42DE1-5D2C-4D4F-B521-CA2A32F41812}"/>
+              </a:ext>
+            </a:extLst>
+          </p:cNvPr>
+          <p:cNvPicPr>
+            <a:picLocks noChangeAspect="1"/>
+          </p:cNvPicPr>
+          <p:nvPr/>
+        </p:nvPicPr>
+        <p:blipFill>
+          <a:blip r:embed="rId4"/>
+          <a:stretch>
+            <a:fillRect/>
+          </a:stretch>
+        </p:blipFill>
+        <p:spPr>
+          <a:xfrm>
+            <a:off x="6640998" y="1549796"/>
+            <a:ext cx="5048735" cy="2409825"/>
+          </a:xfrm>
+          <a:prstGeom prst="rect">
+            <a:avLst/>
+          </a:prstGeom>
+          <a:ln>
+            <a:solidFill>
+              <a:schemeClr val="tx1"/>
+            </a:solidFill>
+          </a:ln>
+        </p:spPr>
+      </p:pic>
+    </p:spTree>
+    <p:extLst>
+      <p:ext uri="{BB962C8B-B14F-4D97-AF65-F5344CB8AC3E}">
+        <p14:creationId xmlns:p14="http://schemas.microsoft.com/office/powerpoint/2010/main" val="2275606137"/>
+      </p:ext>
+    </p:extLst>
+  </p:cSld>
+  <p:clrMapOvr>
+    <a:masterClrMapping/>
+  </p:clrMapOvr>
+</p:sld>
+</file>
+
+<file path=ppt/slides/slide8.xml><?xml version="1.0" encoding="utf-8"?>
+<p:sld xmlns:a="http://schemas.openxmlformats.org/drawingml/2006/main" xmlns:r="http://schemas.openxmlformats.org/officeDocument/2006/relationships" xmlns:p="http://schemas.openxmlformats.org/presentationml/2006/main">
+  <p:cSld>
+    <p:bg>
+      <p:bgPr>
+        <a:solidFill>
+          <a:schemeClr val="bg1"/>
+        </a:solidFill>
+        <a:effectLst/>
+      </p:bgPr>
+    </p:bg>
+    <p:spTree>
+      <p:nvGrpSpPr>
+        <p:cNvPr id="1" name=""/>
+        <p:cNvGrpSpPr/>
+        <p:nvPr/>
+      </p:nvGrpSpPr>
+      <p:grpSpPr>
+        <a:xfrm>
+          <a:off x="0" y="0"/>
+          <a:ext cx="0" cy="0"/>
+          <a:chOff x="0" y="0"/>
+          <a:chExt cx="0" cy="0"/>
+        </a:xfrm>
+      </p:grpSpPr>
+      <p:sp useBgFill="1">
+        <p:nvSpPr>
+          <p:cNvPr id="8" name="Rectangle 7">
+            <a:extLst>
+              <a:ext uri="{FF2B5EF4-FFF2-40B4-BE49-F238E27FC236}">
+                <a16:creationId xmlns:a16="http://schemas.microsoft.com/office/drawing/2014/main" id="{3B854194-185D-494D-905C-7C7CB2E30F6E}"/>
+              </a:ext>
+              <a:ext uri="{C183D7F6-B498-43B3-948B-1728B52AA6E4}">
+                <adec:decorative xmlns:adec="http://schemas.microsoft.com/office/drawing/2017/decorative" val="1"/>
+              </a:ext>
+            </a:extLst>
+          </p:cNvPr>
+          <p:cNvSpPr>
+            <a:spLocks noGrp="1" noRot="1" noChangeAspect="1" noMove="1" noResize="1" noEditPoints="1" noAdjustHandles="1" noChangeArrowheads="1" noChangeShapeType="1" noTextEdit="1"/>
+          </p:cNvSpPr>
+          <p:nvPr>
+            <p:extLst>
+              <p:ext uri="{386F3935-93C4-4BCD-93E2-E3B085C9AB24}">
+                <p16:designElem xmlns:p16="http://schemas.microsoft.com/office/powerpoint/2015/main" val="1"/>
+              </p:ext>
+            </p:extLst>
+          </p:nvPr>
+        </p:nvSpPr>
+        <p:spPr>
+          <a:xfrm>
+            <a:off x="1" y="0"/>
+            <a:ext cx="6082110" cy="6858000"/>
+          </a:xfrm>
+          <a:prstGeom prst="rect">
+            <a:avLst/>
+          </a:prstGeom>
+          <a:ln>
+            <a:noFill/>
+          </a:ln>
+        </p:spPr>
+        <p:style>
+          <a:lnRef idx="2">
+            <a:schemeClr val="accent1">
+              <a:shade val="50000"/>
+            </a:schemeClr>
+          </a:lnRef>
+          <a:fillRef idx="1">
+            <a:schemeClr val="accent1"/>
+          </a:fillRef>
+          <a:effectRef idx="0">
+            <a:schemeClr val="accent1"/>
+          </a:effectRef>
+          <a:fontRef idx="minor">
+            <a:schemeClr val="lt1"/>
+          </a:fontRef>
+        </p:style>
+        <p:txBody>
+          <a:bodyPr rtlCol="0" anchor="ctr"/>
+          <a:lstStyle/>
+          <a:p>
+            <a:pPr algn="ctr"/>
+            <a:endParaRPr lang="en-US"/>
+          </a:p>
+        </p:txBody>
+      </p:sp>
+      <p:sp>
+        <p:nvSpPr>
+          <p:cNvPr id="10" name="Rectangle 9">
+            <a:extLst>
+              <a:ext uri="{FF2B5EF4-FFF2-40B4-BE49-F238E27FC236}">
+                <a16:creationId xmlns:a16="http://schemas.microsoft.com/office/drawing/2014/main" id="{B4F5FA0D-0104-4987-8241-EFF7C85B88DE}"/>
+              </a:ext>
+              <a:ext uri="{C183D7F6-B498-43B3-948B-1728B52AA6E4}">
+                <adec:decorative xmlns:adec="http://schemas.microsoft.com/office/drawing/2017/decorative" val="1"/>
+              </a:ext>
+            </a:extLst>
+          </p:cNvPr>
+          <p:cNvSpPr>
+            <a:spLocks noGrp="1" noRot="1" noChangeAspect="1" noMove="1" noResize="1" noEditPoints="1" noAdjustHandles="1" noChangeArrowheads="1" noChangeShapeType="1" noTextEdit="1"/>
+          </p:cNvSpPr>
+          <p:nvPr>
+            <p:extLst>
+              <p:ext uri="{386F3935-93C4-4BCD-93E2-E3B085C9AB24}">
+                <p16:designElem xmlns:p16="http://schemas.microsoft.com/office/powerpoint/2015/main" val="1"/>
+              </p:ext>
+            </p:extLst>
+          </p:nvPr>
+        </p:nvSpPr>
+        <p:spPr>
+          <a:xfrm>
+            <a:off x="1" y="0"/>
+            <a:ext cx="12191998" cy="6858000"/>
+          </a:xfrm>
+          <a:prstGeom prst="rect">
+            <a:avLst/>
+          </a:prstGeom>
+          <a:gradFill>
+            <a:gsLst>
+              <a:gs pos="0">
+                <a:schemeClr val="accent1">
+                  <a:lumMod val="90000"/>
+                </a:schemeClr>
+              </a:gs>
+              <a:gs pos="25000">
+                <a:schemeClr val="accent1">
+                  <a:lumMod val="90000"/>
+                </a:schemeClr>
+              </a:gs>
+              <a:gs pos="94000">
+                <a:schemeClr val="bg2">
+                  <a:lumMod val="25000"/>
+                </a:schemeClr>
+              </a:gs>
+              <a:gs pos="100000">
+                <a:schemeClr val="bg2">
+                  <a:lumMod val="25000"/>
+                </a:schemeClr>
+              </a:gs>
+            </a:gsLst>
+            <a:lin ang="4200000" scaled="0"/>
+          </a:gradFill>
+          <a:ln>
+            <a:noFill/>
+          </a:ln>
+        </p:spPr>
+        <p:style>
+          <a:lnRef idx="2">
+            <a:schemeClr val="accent1">
+              <a:shade val="50000"/>
+            </a:schemeClr>
+          </a:lnRef>
+          <a:fillRef idx="1">
+            <a:schemeClr val="accent1"/>
+          </a:fillRef>
+          <a:effectRef idx="0">
+            <a:schemeClr val="accent1"/>
+          </a:effectRef>
+          <a:fontRef idx="minor">
+            <a:schemeClr val="lt1"/>
+          </a:fontRef>
+        </p:style>
+        <p:txBody>
+          <a:bodyPr rtlCol="0" anchor="ctr"/>
+          <a:lstStyle/>
+          <a:p>
+            <a:pPr algn="ctr"/>
+            <a:endParaRPr lang="en-US"/>
+          </a:p>
+        </p:txBody>
+      </p:sp>
+      <p:pic>
+        <p:nvPicPr>
+          <p:cNvPr id="12" name="Picture 11">
+            <a:extLst>
+              <a:ext uri="{FF2B5EF4-FFF2-40B4-BE49-F238E27FC236}">
+                <a16:creationId xmlns:a16="http://schemas.microsoft.com/office/drawing/2014/main" id="{2897127E-6CEF-446C-BE87-93B7C46E49D1}"/>
+              </a:ext>
+              <a:ext uri="{C183D7F6-B498-43B3-948B-1728B52AA6E4}">
+                <adec:decorative xmlns:adec="http://schemas.microsoft.com/office/drawing/2017/decorative" val="1"/>
+              </a:ext>
+            </a:extLst>
+          </p:cNvPr>
+          <p:cNvPicPr>
+            <a:picLocks noGrp="1" noRot="1" noChangeAspect="1" noMove="1" noResize="1" noEditPoints="1" noAdjustHandles="1" noChangeArrowheads="1" noChangeShapeType="1" noCrop="1"/>
+          </p:cNvPicPr>
+          <p:nvPr>
+            <p:extLst>
+              <p:ext uri="{386F3935-93C4-4BCD-93E2-E3B085C9AB24}">
+                <p16:designElem xmlns:p16="http://schemas.microsoft.com/office/powerpoint/2015/main" val="1"/>
+              </p:ext>
+            </p:extLst>
+          </p:nvPr>
+        </p:nvPicPr>
+        <p:blipFill>
+          <a:blip r:embed="rId2">
+            <a:extLst>
+              <a:ext uri="{28A0092B-C50C-407E-A947-70E740481C1C}">
+                <a14:useLocalDpi xmlns:a14="http://schemas.microsoft.com/office/drawing/2010/main" val="0"/>
+              </a:ext>
+            </a:extLst>
+          </a:blip>
+          <a:stretch>
+            <a:fillRect/>
+          </a:stretch>
+        </p:blipFill>
+        <p:spPr>
+          <a:xfrm>
+            <a:off x="0" y="0"/>
+            <a:ext cx="12192000" cy="6858000"/>
+          </a:xfrm>
+          <a:prstGeom prst="rect">
+            <a:avLst/>
+          </a:prstGeom>
+        </p:spPr>
+      </p:pic>
+      <p:sp>
+        <p:nvSpPr>
+          <p:cNvPr id="2" name="Title 1">
+            <a:extLst>
+              <a:ext uri="{FF2B5EF4-FFF2-40B4-BE49-F238E27FC236}">
+                <a16:creationId xmlns:a16="http://schemas.microsoft.com/office/drawing/2014/main" id="{53C5F3DA-D1E4-4943-9699-D896BEA3354E}"/>
+              </a:ext>
+            </a:extLst>
+          </p:cNvPr>
+          <p:cNvSpPr>
+            <a:spLocks noGrp="1"/>
+          </p:cNvSpPr>
+          <p:nvPr>
+            <p:ph type="title"/>
+          </p:nvPr>
+        </p:nvSpPr>
+        <p:spPr>
+          <a:xfrm>
+            <a:off x="640079" y="2053641"/>
+            <a:ext cx="3669161" cy="2760098"/>
+          </a:xfrm>
+        </p:spPr>
+        <p:txBody>
+          <a:bodyPr>
+            <a:normAutofit/>
+          </a:bodyPr>
+          <a:lstStyle/>
+          <a:p>
+            <a:r>
+              <a:rPr lang="en-US" dirty="0">
+                <a:solidFill>
+                  <a:srgbClr val="FFFFFF"/>
+                </a:solidFill>
+              </a:rPr>
+              <a:t>Analysis for Discussion </a:t>
+            </a:r>
+          </a:p>
+        </p:txBody>
+      </p:sp>
+      <p:sp>
+        <p:nvSpPr>
+          <p:cNvPr id="3" name="Content Placeholder 2">
+            <a:extLst>
+              <a:ext uri="{FF2B5EF4-FFF2-40B4-BE49-F238E27FC236}">
+                <a16:creationId xmlns:a16="http://schemas.microsoft.com/office/drawing/2014/main" id="{6B405A47-6A21-47FB-9B91-8ADDCBD11E02}"/>
+              </a:ext>
+            </a:extLst>
+          </p:cNvPr>
+          <p:cNvSpPr>
+            <a:spLocks noGrp="1"/>
+          </p:cNvSpPr>
+          <p:nvPr>
+            <p:ph idx="1"/>
+          </p:nvPr>
+        </p:nvSpPr>
+        <p:spPr>
+          <a:xfrm>
+            <a:off x="6090574" y="801866"/>
+            <a:ext cx="5306084" cy="5230634"/>
+          </a:xfrm>
+        </p:spPr>
+        <p:txBody>
+          <a:bodyPr anchor="ctr">
+            <a:normAutofit fontScale="77500" lnSpcReduction="20000"/>
+          </a:bodyPr>
+          <a:lstStyle/>
+          <a:p>
+            <a:pPr marL="0" indent="0">
+              <a:buNone/>
+            </a:pPr>
+            <a:r>
+              <a:rPr lang="en-US" sz="2600" b="1" dirty="0">
+                <a:solidFill>
+                  <a:srgbClr val="000000"/>
+                </a:solidFill>
+              </a:rPr>
+              <a:t>Key Findings: </a:t>
+            </a:r>
+          </a:p>
+          <a:p>
+            <a:pPr lvl="1"/>
+            <a:r>
+              <a:rPr lang="en-US" sz="2600" dirty="0">
+                <a:solidFill>
+                  <a:srgbClr val="000000"/>
+                </a:solidFill>
+              </a:rPr>
+              <a:t>Correlation exists between world temperature and oil production.</a:t>
+            </a:r>
+          </a:p>
+          <a:p>
+            <a:pPr lvl="1"/>
+            <a:r>
+              <a:rPr lang="en-US" sz="2600" dirty="0">
+                <a:solidFill>
+                  <a:srgbClr val="000000"/>
+                </a:solidFill>
+              </a:rPr>
+              <a:t>No correlation between arctic sea ice melt and crude oil production.</a:t>
+            </a:r>
+          </a:p>
+          <a:p>
+            <a:pPr lvl="1"/>
+            <a:r>
+              <a:rPr lang="en-US" sz="2600" dirty="0">
+                <a:solidFill>
+                  <a:srgbClr val="000000"/>
+                </a:solidFill>
+              </a:rPr>
+              <a:t>Slight correlation between Antarctic sea ice melt and crude oil production.</a:t>
+            </a:r>
+          </a:p>
+          <a:p>
+            <a:pPr lvl="1"/>
+            <a:r>
+              <a:rPr lang="en-US" sz="2600" dirty="0">
+                <a:solidFill>
+                  <a:srgbClr val="000000"/>
+                </a:solidFill>
+              </a:rPr>
+              <a:t>Estimated 2-degree Celsius temperature variance in the next 10 years, per Monte Carlo simulation.</a:t>
+            </a:r>
+          </a:p>
+          <a:p>
+            <a:pPr lvl="1"/>
+            <a:r>
+              <a:rPr lang="en-US" sz="2600" dirty="0">
+                <a:solidFill>
+                  <a:srgbClr val="000000"/>
+                </a:solidFill>
+              </a:rPr>
+              <a:t>Potential accelerated sea ice melt over the next 10 years, per Monte Carlo simulations.</a:t>
+            </a:r>
+          </a:p>
+          <a:p>
+            <a:pPr marL="457200" lvl="1" indent="0">
+              <a:buNone/>
+            </a:pPr>
+            <a:endParaRPr lang="en-US" sz="1700" dirty="0">
+              <a:solidFill>
+                <a:srgbClr val="000000"/>
+              </a:solidFill>
+            </a:endParaRPr>
+          </a:p>
+          <a:p>
+            <a:pPr marL="0" indent="0">
+              <a:buNone/>
+            </a:pPr>
+            <a:r>
+              <a:rPr lang="en-US" b="1" dirty="0">
+                <a:solidFill>
+                  <a:srgbClr val="000000"/>
+                </a:solidFill>
+              </a:rPr>
+              <a:t>Conclusions: </a:t>
+            </a:r>
+          </a:p>
+          <a:p>
+            <a:pPr lvl="1"/>
+            <a:r>
+              <a:rPr lang="en-US" sz="2800" dirty="0">
+                <a:solidFill>
+                  <a:srgbClr val="000000"/>
+                </a:solidFill>
+              </a:rPr>
+              <a:t>Global warming is negatively impacting arctic and Antarctic sea ice</a:t>
+            </a:r>
+          </a:p>
+          <a:p>
+            <a:pPr lvl="1"/>
+            <a:r>
+              <a:rPr lang="en-US" sz="2800" dirty="0">
+                <a:solidFill>
+                  <a:srgbClr val="000000"/>
+                </a:solidFill>
+              </a:rPr>
+              <a:t>Increased oil production results in increased global temperature</a:t>
+            </a:r>
+          </a:p>
+        </p:txBody>
+      </p:sp>
+    </p:spTree>
+    <p:extLst>
+      <p:ext uri="{BB962C8B-B14F-4D97-AF65-F5344CB8AC3E}">
+        <p14:creationId xmlns:p14="http://schemas.microsoft.com/office/powerpoint/2010/main" val="336987427"/>
+      </p:ext>
+    </p:extLst>
+  </p:cSld>
+  <p:clrMapOvr>
+    <a:masterClrMapping/>
+  </p:clrMapOvr>
+</p:sld>
+</file>
+
+<file path=ppt/slides/slide9.xml><?xml version="1.0" encoding="utf-8"?>
+<p:sld xmlns:a="http://schemas.openxmlformats.org/drawingml/2006/main" xmlns:r="http://schemas.openxmlformats.org/officeDocument/2006/relationships" xmlns:p="http://schemas.openxmlformats.org/presentationml/2006/main">
+  <p:cSld>
+    <p:bg>
+      <p:bgPr>
+        <a:solidFill>
+          <a:schemeClr val="bg1"/>
+        </a:solidFill>
+        <a:effectLst/>
+      </p:bgPr>
+    </p:bg>
+    <p:spTree>
+      <p:nvGrpSpPr>
+        <p:cNvPr id="1" name=""/>
+        <p:cNvGrpSpPr/>
+        <p:nvPr/>
+      </p:nvGrpSpPr>
+      <p:grpSpPr>
+        <a:xfrm>
+          <a:off x="0" y="0"/>
+          <a:ext cx="0" cy="0"/>
+          <a:chOff x="0" y="0"/>
+          <a:chExt cx="0" cy="0"/>
+        </a:xfrm>
+      </p:grpSpPr>
+      <p:sp useBgFill="1">
+        <p:nvSpPr>
+          <p:cNvPr id="20" name="Rectangle 19">
+            <a:extLst>
+              <a:ext uri="{FF2B5EF4-FFF2-40B4-BE49-F238E27FC236}">
+                <a16:creationId xmlns:a16="http://schemas.microsoft.com/office/drawing/2014/main" id="{3B854194-185D-494D-905C-7C7CB2E30F6E}"/>
+              </a:ext>
+              <a:ext uri="{C183D7F6-B498-43B3-948B-1728B52AA6E4}">
+                <adec:decorative xmlns:adec="http://schemas.microsoft.com/office/drawing/2017/decorative" val="1"/>
+              </a:ext>
+            </a:extLst>
+          </p:cNvPr>
+          <p:cNvSpPr>
+            <a:spLocks noGrp="1" noRot="1" noChangeAspect="1" noMove="1" noResize="1" noEditPoints="1" noAdjustHandles="1" noChangeArrowheads="1" noChangeShapeType="1" noTextEdit="1"/>
+          </p:cNvSpPr>
+          <p:nvPr>
+            <p:extLst>
+              <p:ext uri="{386F3935-93C4-4BCD-93E2-E3B085C9AB24}">
+                <p16:designElem xmlns:p16="http://schemas.microsoft.com/office/powerpoint/2015/main" val="1"/>
+              </p:ext>
+            </p:extLst>
+          </p:nvPr>
+        </p:nvSpPr>
+        <p:spPr>
+          <a:xfrm>
+            <a:off x="1" y="0"/>
+            <a:ext cx="6082110" cy="6858000"/>
+          </a:xfrm>
+          <a:prstGeom prst="rect">
+            <a:avLst/>
+          </a:prstGeom>
+          <a:ln>
+            <a:noFill/>
+          </a:ln>
+        </p:spPr>
+        <p:style>
+          <a:lnRef idx="2">
+            <a:schemeClr val="accent1">
+              <a:shade val="50000"/>
+            </a:schemeClr>
+          </a:lnRef>
+          <a:fillRef idx="1">
+            <a:schemeClr val="accent1"/>
+          </a:fillRef>
+          <a:effectRef idx="0">
+            <a:schemeClr val="accent1"/>
+          </a:effectRef>
+          <a:fontRef idx="minor">
+            <a:schemeClr val="lt1"/>
+          </a:fontRef>
+        </p:style>
+        <p:txBody>
+          <a:bodyPr rtlCol="0" anchor="ctr"/>
+          <a:lstStyle/>
+          <a:p>
+            <a:pPr algn="ctr"/>
+            <a:endParaRPr lang="en-US"/>
+          </a:p>
+        </p:txBody>
+      </p:sp>
+      <p:sp>
+        <p:nvSpPr>
+          <p:cNvPr id="22" name="Rectangle 21">
+            <a:extLst>
+              <a:ext uri="{FF2B5EF4-FFF2-40B4-BE49-F238E27FC236}">
+                <a16:creationId xmlns:a16="http://schemas.microsoft.com/office/drawing/2014/main" id="{B4F5FA0D-0104-4987-8241-EFF7C85B88DE}"/>
+              </a:ext>
+              <a:ext uri="{C183D7F6-B498-43B3-948B-1728B52AA6E4}">
+                <adec:decorative xmlns:adec="http://schemas.microsoft.com/office/drawing/2017/decorative" val="1"/>
+              </a:ext>
+            </a:extLst>
+          </p:cNvPr>
+          <p:cNvSpPr>
+            <a:spLocks noGrp="1" noRot="1" noChangeAspect="1" noMove="1" noResize="1" noEditPoints="1" noAdjustHandles="1" noChangeArrowheads="1" noChangeShapeType="1" noTextEdit="1"/>
+          </p:cNvSpPr>
+          <p:nvPr>
+            <p:extLst>
+              <p:ext uri="{386F3935-93C4-4BCD-93E2-E3B085C9AB24}">
+                <p16:designElem xmlns:p16="http://schemas.microsoft.com/office/powerpoint/2015/main" val="1"/>
+              </p:ext>
+            </p:extLst>
+          </p:nvPr>
+        </p:nvSpPr>
+        <p:spPr>
+          <a:xfrm>
+            <a:off x="1" y="0"/>
+            <a:ext cx="12191998" cy="6858000"/>
+          </a:xfrm>
+          <a:prstGeom prst="rect">
+            <a:avLst/>
+          </a:prstGeom>
+          <a:gradFill>
+            <a:gsLst>
+              <a:gs pos="0">
+                <a:schemeClr val="accent1">
+                  <a:lumMod val="90000"/>
+                </a:schemeClr>
+              </a:gs>
+              <a:gs pos="25000">
+                <a:schemeClr val="accent1">
+                  <a:lumMod val="90000"/>
+                </a:schemeClr>
+              </a:gs>
+              <a:gs pos="94000">
+                <a:schemeClr val="bg2">
+                  <a:lumMod val="25000"/>
+                </a:schemeClr>
+              </a:gs>
+              <a:gs pos="100000">
+                <a:schemeClr val="bg2">
+                  <a:lumMod val="25000"/>
+                </a:schemeClr>
+              </a:gs>
+            </a:gsLst>
+            <a:lin ang="4200000" scaled="0"/>
+          </a:gradFill>
+          <a:ln>
+            <a:noFill/>
+          </a:ln>
+        </p:spPr>
+        <p:style>
+          <a:lnRef idx="2">
+            <a:schemeClr val="accent1">
+              <a:shade val="50000"/>
+            </a:schemeClr>
+          </a:lnRef>
+          <a:fillRef idx="1">
+            <a:schemeClr val="accent1"/>
+          </a:fillRef>
+          <a:effectRef idx="0">
+            <a:schemeClr val="accent1"/>
+          </a:effectRef>
+          <a:fontRef idx="minor">
+            <a:schemeClr val="lt1"/>
+          </a:fontRef>
+        </p:style>
+        <p:txBody>
+          <a:bodyPr rtlCol="0" anchor="ctr"/>
+          <a:lstStyle/>
+          <a:p>
+            <a:pPr algn="ctr"/>
+            <a:endParaRPr lang="en-US"/>
+          </a:p>
+        </p:txBody>
+      </p:sp>
+      <p:pic>
+        <p:nvPicPr>
+          <p:cNvPr id="24" name="Picture 23">
+            <a:extLst>
+              <a:ext uri="{FF2B5EF4-FFF2-40B4-BE49-F238E27FC236}">
+                <a16:creationId xmlns:a16="http://schemas.microsoft.com/office/drawing/2014/main" id="{2897127E-6CEF-446C-BE87-93B7C46E49D1}"/>
+              </a:ext>
+              <a:ext uri="{C183D7F6-B498-43B3-948B-1728B52AA6E4}">
+                <adec:decorative xmlns:adec="http://schemas.microsoft.com/office/drawing/2017/decorative" val="1"/>
+              </a:ext>
+            </a:extLst>
+          </p:cNvPr>
+          <p:cNvPicPr>
+            <a:picLocks noGrp="1" noRot="1" noChangeAspect="1" noMove="1" noResize="1" noEditPoints="1" noAdjustHandles="1" noChangeArrowheads="1" noChangeShapeType="1" noCrop="1"/>
+          </p:cNvPicPr>
+          <p:nvPr>
+            <p:extLst>
+              <p:ext uri="{386F3935-93C4-4BCD-93E2-E3B085C9AB24}">
+                <p16:designElem xmlns:p16="http://schemas.microsoft.com/office/powerpoint/2015/main" val="1"/>
+              </p:ext>
+            </p:extLst>
+          </p:nvPr>
+        </p:nvPicPr>
+        <p:blipFill>
+          <a:blip r:embed="rId2">
+            <a:extLst>
+              <a:ext uri="{28A0092B-C50C-407E-A947-70E740481C1C}">
+                <a14:useLocalDpi xmlns:a14="http://schemas.microsoft.com/office/drawing/2010/main" val="0"/>
+              </a:ext>
+            </a:extLst>
+          </a:blip>
+          <a:stretch>
+            <a:fillRect/>
+          </a:stretch>
+        </p:blipFill>
+        <p:spPr>
+          <a:xfrm>
+            <a:off x="0" y="0"/>
+            <a:ext cx="12192000" cy="6858000"/>
+          </a:xfrm>
+          <a:prstGeom prst="rect">
+            <a:avLst/>
+          </a:prstGeom>
+        </p:spPr>
+      </p:pic>
+      <p:sp>
+        <p:nvSpPr>
+          <p:cNvPr id="2" name="Title 1">
+            <a:extLst>
+              <a:ext uri="{FF2B5EF4-FFF2-40B4-BE49-F238E27FC236}">
+                <a16:creationId xmlns:a16="http://schemas.microsoft.com/office/drawing/2014/main" id="{3772556B-1AB1-42B2-93FE-CD788FEBF2F0}"/>
+              </a:ext>
+            </a:extLst>
+          </p:cNvPr>
+          <p:cNvSpPr>
+            <a:spLocks noGrp="1"/>
+          </p:cNvSpPr>
+          <p:nvPr>
+            <p:ph type="title"/>
+          </p:nvPr>
+        </p:nvSpPr>
+        <p:spPr>
+          <a:xfrm>
+            <a:off x="640079" y="2053641"/>
+            <a:ext cx="3669161" cy="2760098"/>
+          </a:xfrm>
+        </p:spPr>
+        <p:txBody>
+          <a:bodyPr vert="horz" lIns="91440" tIns="45720" rIns="91440" bIns="45720" rtlCol="0" anchor="ctr">
+            <a:normAutofit/>
+          </a:bodyPr>
+          <a:lstStyle/>
+          <a:p>
+            <a:r>
+              <a:rPr lang="en-US" kern="1200">
+                <a:solidFill>
+                  <a:srgbClr val="FFFFFF"/>
+                </a:solidFill>
+                <a:latin typeface="+mj-lt"/>
+                <a:ea typeface="+mj-ea"/>
+                <a:cs typeface="+mj-cs"/>
+              </a:rPr>
+              <a:t>Data Cleanup &amp; Exploration</a:t>
+            </a:r>
+          </a:p>
+        </p:txBody>
+      </p:sp>
+      <p:sp>
+        <p:nvSpPr>
+          <p:cNvPr id="14" name="Content Placeholder 13">
+            <a:extLst>
+              <a:ext uri="{FF2B5EF4-FFF2-40B4-BE49-F238E27FC236}">
+                <a16:creationId xmlns:a16="http://schemas.microsoft.com/office/drawing/2014/main" id="{5E28138D-DBB4-4689-B80B-21693A8DBE46}"/>
+              </a:ext>
+            </a:extLst>
+          </p:cNvPr>
+          <p:cNvSpPr>
+            <a:spLocks noGrp="1"/>
+          </p:cNvSpPr>
+          <p:nvPr>
+            <p:ph sz="half" idx="2"/>
+          </p:nvPr>
+        </p:nvSpPr>
+        <p:spPr>
+          <a:xfrm>
+            <a:off x="6082111" y="801865"/>
+            <a:ext cx="5314547" cy="5437009"/>
+          </a:xfrm>
+        </p:spPr>
+        <p:txBody>
+          <a:bodyPr vert="horz" lIns="91440" tIns="45720" rIns="91440" bIns="45720" rtlCol="0" anchor="ctr">
+            <a:normAutofit/>
+          </a:bodyPr>
+          <a:lstStyle/>
+          <a:p>
+            <a:pPr marL="0" indent="0">
+              <a:buNone/>
+            </a:pPr>
+            <a:r>
+              <a:rPr lang="en-US" sz="2200" b="1" dirty="0">
+                <a:solidFill>
+                  <a:srgbClr val="000000"/>
+                </a:solidFill>
+              </a:rPr>
+              <a:t>Insights: </a:t>
+            </a:r>
+          </a:p>
+          <a:p>
+            <a:pPr lvl="1"/>
+            <a:r>
+              <a:rPr lang="en-US" sz="2200" dirty="0">
+                <a:solidFill>
+                  <a:srgbClr val="000000"/>
+                </a:solidFill>
+              </a:rPr>
+              <a:t>Sea ice data was more applicable than glacier data, which was originally used.  </a:t>
+            </a:r>
+          </a:p>
+          <a:p>
+            <a:pPr lvl="1"/>
+            <a:r>
+              <a:rPr lang="en-US" sz="2200" dirty="0">
+                <a:solidFill>
+                  <a:srgbClr val="000000"/>
+                </a:solidFill>
+              </a:rPr>
+              <a:t>Limited date range based on data availability.  </a:t>
+            </a:r>
+          </a:p>
+          <a:p>
+            <a:pPr lvl="1"/>
+            <a:r>
+              <a:rPr lang="en-US" sz="2200" dirty="0">
+                <a:solidFill>
+                  <a:srgbClr val="000000"/>
+                </a:solidFill>
+              </a:rPr>
+              <a:t>GDP grouped by region rather than country specific. </a:t>
+            </a:r>
+          </a:p>
+          <a:p>
+            <a:pPr marL="0" indent="0">
+              <a:buNone/>
+            </a:pPr>
+            <a:r>
+              <a:rPr lang="en-US" sz="2200" b="1" dirty="0">
+                <a:solidFill>
+                  <a:srgbClr val="000000"/>
+                </a:solidFill>
+              </a:rPr>
+              <a:t>Problems: </a:t>
+            </a:r>
+          </a:p>
+          <a:p>
+            <a:pPr lvl="1"/>
+            <a:r>
+              <a:rPr lang="en-US" sz="2200" dirty="0">
+                <a:solidFill>
+                  <a:srgbClr val="000000"/>
+                </a:solidFill>
+              </a:rPr>
+              <a:t>Incomplete data sets, </a:t>
+            </a:r>
+          </a:p>
+          <a:p>
+            <a:pPr lvl="1"/>
+            <a:r>
+              <a:rPr lang="en-US" sz="2200" dirty="0">
+                <a:solidFill>
+                  <a:srgbClr val="000000"/>
+                </a:solidFill>
+              </a:rPr>
+              <a:t>Reading in certain file types </a:t>
+            </a:r>
+          </a:p>
+          <a:p>
+            <a:pPr lvl="1"/>
+            <a:r>
+              <a:rPr lang="en-US" sz="2200" dirty="0">
+                <a:solidFill>
+                  <a:srgbClr val="000000"/>
+                </a:solidFill>
+              </a:rPr>
+              <a:t>Generating accurate Panel dashboards.</a:t>
+            </a:r>
+          </a:p>
+          <a:p>
+            <a:pPr marL="457200" lvl="1" indent="0">
+              <a:buNone/>
+            </a:pPr>
+            <a:endParaRPr lang="en-US" sz="2200" dirty="0">
+              <a:solidFill>
+                <a:srgbClr val="000000"/>
+              </a:solidFill>
+            </a:endParaRPr>
+          </a:p>
+          <a:p>
+            <a:pPr marL="0" indent="0">
+              <a:buNone/>
+            </a:pPr>
+            <a:r>
+              <a:rPr lang="en-US" sz="2200" dirty="0" err="1">
+                <a:solidFill>
+                  <a:srgbClr val="000000"/>
+                </a:solidFill>
+              </a:rPr>
+              <a:t>Jupyter</a:t>
+            </a:r>
+            <a:r>
+              <a:rPr lang="en-US" sz="2200" dirty="0">
+                <a:solidFill>
+                  <a:srgbClr val="000000"/>
+                </a:solidFill>
+              </a:rPr>
+              <a:t> Notebook Review</a:t>
+            </a:r>
+          </a:p>
+          <a:p>
+            <a:endParaRPr lang="en-US" sz="2200" dirty="0">
+              <a:solidFill>
+                <a:srgbClr val="000000"/>
+              </a:solidFill>
+            </a:endParaRPr>
+          </a:p>
+          <a:p>
+            <a:endParaRPr lang="en-US" sz="2200" dirty="0">
+              <a:solidFill>
+                <a:srgbClr val="000000"/>
+              </a:solidFill>
+            </a:endParaRPr>
+          </a:p>
+        </p:txBody>
+      </p:sp>
+    </p:spTree>
+    <p:extLst>
+      <p:ext uri="{BB962C8B-B14F-4D97-AF65-F5344CB8AC3E}">
+        <p14:creationId xmlns:p14="http://schemas.microsoft.com/office/powerpoint/2010/main" val="1324840199"/>
+      </p:ext>
+    </p:extLst>
+  </p:cSld>
+  <p:clrMapOvr>
+    <a:masterClrMapping/>
   </p:clrMapOvr>
 </p:sld>
 </file>

--- a/Project 1 Presentation.pptx
+++ b/Project 1 Presentation.pptx
@@ -9,13 +9,12 @@
     <p:sldId id="264" r:id="rId3"/>
     <p:sldId id="258" r:id="rId4"/>
     <p:sldId id="259" r:id="rId5"/>
-    <p:sldId id="266" r:id="rId6"/>
-    <p:sldId id="260" r:id="rId7"/>
-    <p:sldId id="265" r:id="rId8"/>
-    <p:sldId id="261" r:id="rId9"/>
-    <p:sldId id="267" r:id="rId10"/>
-    <p:sldId id="262" r:id="rId11"/>
-    <p:sldId id="263" r:id="rId12"/>
+    <p:sldId id="260" r:id="rId6"/>
+    <p:sldId id="265" r:id="rId7"/>
+    <p:sldId id="261" r:id="rId8"/>
+    <p:sldId id="267" r:id="rId9"/>
+    <p:sldId id="262" r:id="rId10"/>
+    <p:sldId id="263" r:id="rId11"/>
   </p:sldIdLst>
   <p:sldSz cx="12192000" cy="6858000"/>
   <p:notesSz cx="6858000" cy="9144000"/>
@@ -1378,7 +1377,7 @@
         <a:p>
           <a:r>
             <a:rPr lang="en-US" dirty="0"/>
-            <a:t>Monte Carlos Simulation</a:t>
+            <a:t>Monte Carlo Simulations</a:t>
           </a:r>
         </a:p>
       </dgm:t>
@@ -1414,7 +1413,7 @@
         <a:p>
           <a:r>
             <a:rPr lang="en-US" dirty="0"/>
-            <a:t>Random Number Generations</a:t>
+            <a:t>Random Number Generator</a:t>
           </a:r>
         </a:p>
       </dgm:t>
@@ -2457,7 +2456,7 @@
           </a:pPr>
           <a:r>
             <a:rPr lang="en-US" sz="1800" kern="1200" dirty="0"/>
-            <a:t>Monte Carlos Simulation</a:t>
+            <a:t>Monte Carlo Simulations</a:t>
           </a:r>
         </a:p>
         <a:p>
@@ -2475,7 +2474,7 @@
           </a:pPr>
           <a:r>
             <a:rPr lang="en-US" sz="1800" kern="1200" dirty="0"/>
-            <a:t>Random Number Generations</a:t>
+            <a:t>Random Number Generator</a:t>
           </a:r>
         </a:p>
       </dsp:txBody>
@@ -4474,7 +4473,7 @@
           <a:p>
             <a:fld id="{8C5633CA-FACA-4899-9D82-FE57BD757CEA}" type="datetimeFigureOut">
               <a:rPr lang="en-US" smtClean="0"/>
-              <a:t>10/12/2020</a:t>
+              <a:t>10/20/2020</a:t>
             </a:fld>
             <a:endParaRPr lang="en-US"/>
           </a:p>
@@ -4672,7 +4671,7 @@
           <a:p>
             <a:fld id="{8C5633CA-FACA-4899-9D82-FE57BD757CEA}" type="datetimeFigureOut">
               <a:rPr lang="en-US" smtClean="0"/>
-              <a:t>10/12/2020</a:t>
+              <a:t>10/20/2020</a:t>
             </a:fld>
             <a:endParaRPr lang="en-US"/>
           </a:p>
@@ -4880,7 +4879,7 @@
           <a:p>
             <a:fld id="{8C5633CA-FACA-4899-9D82-FE57BD757CEA}" type="datetimeFigureOut">
               <a:rPr lang="en-US" smtClean="0"/>
-              <a:t>10/12/2020</a:t>
+              <a:t>10/20/2020</a:t>
             </a:fld>
             <a:endParaRPr lang="en-US"/>
           </a:p>
@@ -5078,7 +5077,7 @@
           <a:p>
             <a:fld id="{8C5633CA-FACA-4899-9D82-FE57BD757CEA}" type="datetimeFigureOut">
               <a:rPr lang="en-US" smtClean="0"/>
-              <a:t>10/12/2020</a:t>
+              <a:t>10/20/2020</a:t>
             </a:fld>
             <a:endParaRPr lang="en-US"/>
           </a:p>
@@ -5353,7 +5352,7 @@
           <a:p>
             <a:fld id="{8C5633CA-FACA-4899-9D82-FE57BD757CEA}" type="datetimeFigureOut">
               <a:rPr lang="en-US" smtClean="0"/>
-              <a:t>10/12/2020</a:t>
+              <a:t>10/20/2020</a:t>
             </a:fld>
             <a:endParaRPr lang="en-US"/>
           </a:p>
@@ -5618,7 +5617,7 @@
           <a:p>
             <a:fld id="{8C5633CA-FACA-4899-9D82-FE57BD757CEA}" type="datetimeFigureOut">
               <a:rPr lang="en-US" smtClean="0"/>
-              <a:t>10/12/2020</a:t>
+              <a:t>10/20/2020</a:t>
             </a:fld>
             <a:endParaRPr lang="en-US"/>
           </a:p>
@@ -6030,7 +6029,7 @@
           <a:p>
             <a:fld id="{8C5633CA-FACA-4899-9D82-FE57BD757CEA}" type="datetimeFigureOut">
               <a:rPr lang="en-US" smtClean="0"/>
-              <a:t>10/12/2020</a:t>
+              <a:t>10/20/2020</a:t>
             </a:fld>
             <a:endParaRPr lang="en-US"/>
           </a:p>
@@ -6171,7 +6170,7 @@
           <a:p>
             <a:fld id="{8C5633CA-FACA-4899-9D82-FE57BD757CEA}" type="datetimeFigureOut">
               <a:rPr lang="en-US" smtClean="0"/>
-              <a:t>10/12/2020</a:t>
+              <a:t>10/20/2020</a:t>
             </a:fld>
             <a:endParaRPr lang="en-US"/>
           </a:p>
@@ -6284,7 +6283,7 @@
           <a:p>
             <a:fld id="{8C5633CA-FACA-4899-9D82-FE57BD757CEA}" type="datetimeFigureOut">
               <a:rPr lang="en-US" smtClean="0"/>
-              <a:t>10/12/2020</a:t>
+              <a:t>10/20/2020</a:t>
             </a:fld>
             <a:endParaRPr lang="en-US"/>
           </a:p>
@@ -6595,7 +6594,7 @@
           <a:p>
             <a:fld id="{8C5633CA-FACA-4899-9D82-FE57BD757CEA}" type="datetimeFigureOut">
               <a:rPr lang="en-US" smtClean="0"/>
-              <a:t>10/12/2020</a:t>
+              <a:t>10/20/2020</a:t>
             </a:fld>
             <a:endParaRPr lang="en-US"/>
           </a:p>
@@ -6883,7 +6882,7 @@
           <a:p>
             <a:fld id="{8C5633CA-FACA-4899-9D82-FE57BD757CEA}" type="datetimeFigureOut">
               <a:rPr lang="en-US" smtClean="0"/>
-              <a:t>10/12/2020</a:t>
+              <a:t>10/20/2020</a:t>
             </a:fld>
             <a:endParaRPr lang="en-US"/>
           </a:p>
@@ -7124,7 +7123,7 @@
           <a:p>
             <a:fld id="{8C5633CA-FACA-4899-9D82-FE57BD757CEA}" type="datetimeFigureOut">
               <a:rPr lang="en-US" smtClean="0"/>
-              <a:t>10/12/2020</a:t>
+              <a:t>10/20/2020</a:t>
             </a:fld>
             <a:endParaRPr lang="en-US"/>
           </a:p>
@@ -7805,421 +7804,6 @@
           <a:chExt cx="0" cy="0"/>
         </a:xfrm>
       </p:grpSpPr>
-      <p:sp useBgFill="1">
-        <p:nvSpPr>
-          <p:cNvPr id="8" name="Rectangle 7">
-            <a:extLst>
-              <a:ext uri="{FF2B5EF4-FFF2-40B4-BE49-F238E27FC236}">
-                <a16:creationId xmlns:a16="http://schemas.microsoft.com/office/drawing/2014/main" id="{3B854194-185D-494D-905C-7C7CB2E30F6E}"/>
-              </a:ext>
-              <a:ext uri="{C183D7F6-B498-43B3-948B-1728B52AA6E4}">
-                <adec:decorative xmlns:adec="http://schemas.microsoft.com/office/drawing/2017/decorative" val="1"/>
-              </a:ext>
-            </a:extLst>
-          </p:cNvPr>
-          <p:cNvSpPr>
-            <a:spLocks noGrp="1" noRot="1" noChangeAspect="1" noMove="1" noResize="1" noEditPoints="1" noAdjustHandles="1" noChangeArrowheads="1" noChangeShapeType="1" noTextEdit="1"/>
-          </p:cNvSpPr>
-          <p:nvPr>
-            <p:extLst>
-              <p:ext uri="{386F3935-93C4-4BCD-93E2-E3B085C9AB24}">
-                <p16:designElem xmlns:p16="http://schemas.microsoft.com/office/powerpoint/2015/main" val="1"/>
-              </p:ext>
-            </p:extLst>
-          </p:nvPr>
-        </p:nvSpPr>
-        <p:spPr>
-          <a:xfrm>
-            <a:off x="1" y="0"/>
-            <a:ext cx="6082110" cy="6858000"/>
-          </a:xfrm>
-          <a:prstGeom prst="rect">
-            <a:avLst/>
-          </a:prstGeom>
-          <a:ln>
-            <a:noFill/>
-          </a:ln>
-        </p:spPr>
-        <p:style>
-          <a:lnRef idx="2">
-            <a:schemeClr val="accent1">
-              <a:shade val="50000"/>
-            </a:schemeClr>
-          </a:lnRef>
-          <a:fillRef idx="1">
-            <a:schemeClr val="accent1"/>
-          </a:fillRef>
-          <a:effectRef idx="0">
-            <a:schemeClr val="accent1"/>
-          </a:effectRef>
-          <a:fontRef idx="minor">
-            <a:schemeClr val="lt1"/>
-          </a:fontRef>
-        </p:style>
-        <p:txBody>
-          <a:bodyPr rtlCol="0" anchor="ctr"/>
-          <a:lstStyle/>
-          <a:p>
-            <a:pPr algn="ctr"/>
-            <a:endParaRPr lang="en-US"/>
-          </a:p>
-        </p:txBody>
-      </p:sp>
-      <p:sp>
-        <p:nvSpPr>
-          <p:cNvPr id="10" name="Rectangle 9">
-            <a:extLst>
-              <a:ext uri="{FF2B5EF4-FFF2-40B4-BE49-F238E27FC236}">
-                <a16:creationId xmlns:a16="http://schemas.microsoft.com/office/drawing/2014/main" id="{B4F5FA0D-0104-4987-8241-EFF7C85B88DE}"/>
-              </a:ext>
-              <a:ext uri="{C183D7F6-B498-43B3-948B-1728B52AA6E4}">
-                <adec:decorative xmlns:adec="http://schemas.microsoft.com/office/drawing/2017/decorative" val="1"/>
-              </a:ext>
-            </a:extLst>
-          </p:cNvPr>
-          <p:cNvSpPr>
-            <a:spLocks noGrp="1" noRot="1" noChangeAspect="1" noMove="1" noResize="1" noEditPoints="1" noAdjustHandles="1" noChangeArrowheads="1" noChangeShapeType="1" noTextEdit="1"/>
-          </p:cNvSpPr>
-          <p:nvPr>
-            <p:extLst>
-              <p:ext uri="{386F3935-93C4-4BCD-93E2-E3B085C9AB24}">
-                <p16:designElem xmlns:p16="http://schemas.microsoft.com/office/powerpoint/2015/main" val="1"/>
-              </p:ext>
-            </p:extLst>
-          </p:nvPr>
-        </p:nvSpPr>
-        <p:spPr>
-          <a:xfrm>
-            <a:off x="1" y="0"/>
-            <a:ext cx="12191998" cy="6858000"/>
-          </a:xfrm>
-          <a:prstGeom prst="rect">
-            <a:avLst/>
-          </a:prstGeom>
-          <a:gradFill>
-            <a:gsLst>
-              <a:gs pos="0">
-                <a:schemeClr val="accent1">
-                  <a:lumMod val="90000"/>
-                </a:schemeClr>
-              </a:gs>
-              <a:gs pos="25000">
-                <a:schemeClr val="accent1">
-                  <a:lumMod val="90000"/>
-                </a:schemeClr>
-              </a:gs>
-              <a:gs pos="94000">
-                <a:schemeClr val="bg2">
-                  <a:lumMod val="25000"/>
-                </a:schemeClr>
-              </a:gs>
-              <a:gs pos="100000">
-                <a:schemeClr val="bg2">
-                  <a:lumMod val="25000"/>
-                </a:schemeClr>
-              </a:gs>
-            </a:gsLst>
-            <a:lin ang="4200000" scaled="0"/>
-          </a:gradFill>
-          <a:ln>
-            <a:noFill/>
-          </a:ln>
-        </p:spPr>
-        <p:style>
-          <a:lnRef idx="2">
-            <a:schemeClr val="accent1">
-              <a:shade val="50000"/>
-            </a:schemeClr>
-          </a:lnRef>
-          <a:fillRef idx="1">
-            <a:schemeClr val="accent1"/>
-          </a:fillRef>
-          <a:effectRef idx="0">
-            <a:schemeClr val="accent1"/>
-          </a:effectRef>
-          <a:fontRef idx="minor">
-            <a:schemeClr val="lt1"/>
-          </a:fontRef>
-        </p:style>
-        <p:txBody>
-          <a:bodyPr rtlCol="0" anchor="ctr"/>
-          <a:lstStyle/>
-          <a:p>
-            <a:pPr algn="ctr"/>
-            <a:endParaRPr lang="en-US"/>
-          </a:p>
-        </p:txBody>
-      </p:sp>
-      <p:pic>
-        <p:nvPicPr>
-          <p:cNvPr id="12" name="Picture 11">
-            <a:extLst>
-              <a:ext uri="{FF2B5EF4-FFF2-40B4-BE49-F238E27FC236}">
-                <a16:creationId xmlns:a16="http://schemas.microsoft.com/office/drawing/2014/main" id="{2897127E-6CEF-446C-BE87-93B7C46E49D1}"/>
-              </a:ext>
-              <a:ext uri="{C183D7F6-B498-43B3-948B-1728B52AA6E4}">
-                <adec:decorative xmlns:adec="http://schemas.microsoft.com/office/drawing/2017/decorative" val="1"/>
-              </a:ext>
-            </a:extLst>
-          </p:cNvPr>
-          <p:cNvPicPr>
-            <a:picLocks noGrp="1" noRot="1" noChangeAspect="1" noMove="1" noResize="1" noEditPoints="1" noAdjustHandles="1" noChangeArrowheads="1" noChangeShapeType="1" noCrop="1"/>
-          </p:cNvPicPr>
-          <p:nvPr>
-            <p:extLst>
-              <p:ext uri="{386F3935-93C4-4BCD-93E2-E3B085C9AB24}">
-                <p16:designElem xmlns:p16="http://schemas.microsoft.com/office/powerpoint/2015/main" val="1"/>
-              </p:ext>
-            </p:extLst>
-          </p:nvPr>
-        </p:nvPicPr>
-        <p:blipFill>
-          <a:blip r:embed="rId2">
-            <a:extLst>
-              <a:ext uri="{28A0092B-C50C-407E-A947-70E740481C1C}">
-                <a14:useLocalDpi xmlns:a14="http://schemas.microsoft.com/office/drawing/2010/main" val="0"/>
-              </a:ext>
-            </a:extLst>
-          </a:blip>
-          <a:stretch>
-            <a:fillRect/>
-          </a:stretch>
-        </p:blipFill>
-        <p:spPr>
-          <a:xfrm>
-            <a:off x="0" y="0"/>
-            <a:ext cx="12192000" cy="6858000"/>
-          </a:xfrm>
-          <a:prstGeom prst="rect">
-            <a:avLst/>
-          </a:prstGeom>
-        </p:spPr>
-      </p:pic>
-      <p:sp>
-        <p:nvSpPr>
-          <p:cNvPr id="2" name="Title 1">
-            <a:extLst>
-              <a:ext uri="{FF2B5EF4-FFF2-40B4-BE49-F238E27FC236}">
-                <a16:creationId xmlns:a16="http://schemas.microsoft.com/office/drawing/2014/main" id="{7FB619F9-27F5-4359-8E7C-79F40FE66785}"/>
-              </a:ext>
-            </a:extLst>
-          </p:cNvPr>
-          <p:cNvSpPr>
-            <a:spLocks noGrp="1"/>
-          </p:cNvSpPr>
-          <p:nvPr>
-            <p:ph type="title"/>
-          </p:nvPr>
-        </p:nvSpPr>
-        <p:spPr>
-          <a:xfrm>
-            <a:off x="640079" y="2053641"/>
-            <a:ext cx="3669161" cy="2760098"/>
-          </a:xfrm>
-        </p:spPr>
-        <p:txBody>
-          <a:bodyPr>
-            <a:normAutofit/>
-          </a:bodyPr>
-          <a:lstStyle/>
-          <a:p>
-            <a:r>
-              <a:rPr lang="en-US">
-                <a:solidFill>
-                  <a:srgbClr val="FFFFFF"/>
-                </a:solidFill>
-              </a:rPr>
-              <a:t>Additional Thoughts &amp; Questions</a:t>
-            </a:r>
-          </a:p>
-        </p:txBody>
-      </p:sp>
-      <p:sp>
-        <p:nvSpPr>
-          <p:cNvPr id="3" name="Content Placeholder 2">
-            <a:extLst>
-              <a:ext uri="{FF2B5EF4-FFF2-40B4-BE49-F238E27FC236}">
-                <a16:creationId xmlns:a16="http://schemas.microsoft.com/office/drawing/2014/main" id="{68C7FCE9-FC13-404F-908A-C561A0BDD44F}"/>
-              </a:ext>
-            </a:extLst>
-          </p:cNvPr>
-          <p:cNvSpPr>
-            <a:spLocks noGrp="1"/>
-          </p:cNvSpPr>
-          <p:nvPr>
-            <p:ph idx="1"/>
-          </p:nvPr>
-        </p:nvSpPr>
-        <p:spPr>
-          <a:xfrm>
-            <a:off x="6090574" y="883146"/>
-            <a:ext cx="5306084" cy="5230634"/>
-          </a:xfrm>
-        </p:spPr>
-        <p:txBody>
-          <a:bodyPr anchor="ctr">
-            <a:normAutofit fontScale="92500" lnSpcReduction="20000"/>
-          </a:bodyPr>
-          <a:lstStyle/>
-          <a:p>
-            <a:pPr marL="0" indent="0">
-              <a:buNone/>
-            </a:pPr>
-            <a:r>
-              <a:rPr lang="en-US" sz="2400" b="1" dirty="0">
-                <a:solidFill>
-                  <a:srgbClr val="000000"/>
-                </a:solidFill>
-              </a:rPr>
-              <a:t>More to Consider:</a:t>
-            </a:r>
-            <a:r>
-              <a:rPr lang="en-US" sz="2400" dirty="0">
-                <a:solidFill>
-                  <a:srgbClr val="000000"/>
-                </a:solidFill>
-              </a:rPr>
-              <a:t> </a:t>
-            </a:r>
-          </a:p>
-          <a:p>
-            <a:pPr lvl="1"/>
-            <a:r>
-              <a:rPr lang="en-US" dirty="0">
-                <a:solidFill>
-                  <a:srgbClr val="000000"/>
-                </a:solidFill>
-              </a:rPr>
-              <a:t>Could a correlation between greenhouse gas emission and GDP be identified? </a:t>
-            </a:r>
-          </a:p>
-          <a:p>
-            <a:pPr lvl="1"/>
-            <a:r>
-              <a:rPr lang="en-US" dirty="0">
-                <a:solidFill>
-                  <a:srgbClr val="000000"/>
-                </a:solidFill>
-              </a:rPr>
-              <a:t>Is there a correlation between oil price and production?  </a:t>
-            </a:r>
-          </a:p>
-          <a:p>
-            <a:pPr lvl="1"/>
-            <a:r>
-              <a:rPr lang="en-US" dirty="0">
-                <a:solidFill>
-                  <a:srgbClr val="000000"/>
-                </a:solidFill>
-              </a:rPr>
-              <a:t>How do crude oil ETFs impact crude oil production?</a:t>
-            </a:r>
-          </a:p>
-          <a:p>
-            <a:pPr lvl="1"/>
-            <a:r>
-              <a:rPr lang="en-US" dirty="0">
-                <a:solidFill>
-                  <a:srgbClr val="000000"/>
-                </a:solidFill>
-              </a:rPr>
-              <a:t>Determine temperature change lag period.</a:t>
-            </a:r>
-          </a:p>
-          <a:p>
-            <a:pPr lvl="1"/>
-            <a:r>
-              <a:rPr lang="en-US" dirty="0">
-                <a:solidFill>
-                  <a:srgbClr val="000000"/>
-                </a:solidFill>
-              </a:rPr>
-              <a:t>Identify exact temperature differences and detailed climate data in Arctic and Antarctic locations .</a:t>
-            </a:r>
-          </a:p>
-          <a:p>
-            <a:pPr lvl="1"/>
-            <a:r>
-              <a:rPr lang="en-US" dirty="0">
-                <a:solidFill>
-                  <a:srgbClr val="000000"/>
-                </a:solidFill>
-              </a:rPr>
-              <a:t>What is the impact of global warming on marine life?</a:t>
-            </a:r>
-          </a:p>
-          <a:p>
-            <a:pPr lvl="1"/>
-            <a:r>
-              <a:rPr lang="en-US" dirty="0">
-                <a:solidFill>
-                  <a:srgbClr val="000000"/>
-                </a:solidFill>
-              </a:rPr>
-              <a:t>How much does meat processing and consumption impact global warming?</a:t>
-            </a:r>
-          </a:p>
-          <a:p>
-            <a:pPr lvl="1"/>
-            <a:r>
-              <a:rPr lang="en-US" dirty="0">
-                <a:solidFill>
-                  <a:srgbClr val="000000"/>
-                </a:solidFill>
-              </a:rPr>
-              <a:t>What is the impact of inflation on global warming?</a:t>
-            </a:r>
-          </a:p>
-          <a:p>
-            <a:pPr marL="0" indent="0">
-              <a:buNone/>
-            </a:pPr>
-            <a:endParaRPr lang="en-US" sz="1900" dirty="0">
-              <a:solidFill>
-                <a:srgbClr val="000000"/>
-              </a:solidFill>
-            </a:endParaRPr>
-          </a:p>
-        </p:txBody>
-      </p:sp>
-    </p:spTree>
-    <p:extLst>
-      <p:ext uri="{BB962C8B-B14F-4D97-AF65-F5344CB8AC3E}">
-        <p14:creationId xmlns:p14="http://schemas.microsoft.com/office/powerpoint/2010/main" val="2733325807"/>
-      </p:ext>
-    </p:extLst>
-  </p:cSld>
-  <p:clrMapOvr>
-    <a:masterClrMapping/>
-  </p:clrMapOvr>
-</p:sld>
-</file>
-
-<file path=ppt/slides/slide11.xml><?xml version="1.0" encoding="utf-8"?>
-<p:sld xmlns:a="http://schemas.openxmlformats.org/drawingml/2006/main" xmlns:r="http://schemas.openxmlformats.org/officeDocument/2006/relationships" xmlns:p="http://schemas.openxmlformats.org/presentationml/2006/main">
-  <p:cSld>
-    <p:bg>
-      <p:bgPr>
-        <a:solidFill>
-          <a:schemeClr val="bg1"/>
-        </a:solidFill>
-        <a:effectLst/>
-      </p:bgPr>
-    </p:bg>
-    <p:spTree>
-      <p:nvGrpSpPr>
-        <p:cNvPr id="1" name=""/>
-        <p:cNvGrpSpPr/>
-        <p:nvPr/>
-      </p:nvGrpSpPr>
-      <p:grpSpPr>
-        <a:xfrm>
-          <a:off x="0" y="0"/>
-          <a:ext cx="0" cy="0"/>
-          <a:chOff x="0" y="0"/>
-          <a:chExt cx="0" cy="0"/>
-        </a:xfrm>
-      </p:grpSpPr>
       <p:pic>
         <p:nvPicPr>
           <p:cNvPr id="5" name="Content Placeholder 4" descr="Quizzical burrowing owl looking forward">
@@ -8929,6 +8513,14 @@
           </a:p>
           <a:p>
             <a:pPr lvl="1"/>
+            <a:endParaRPr lang="en-US" sz="2000" dirty="0">
+              <a:solidFill>
+                <a:srgbClr val="000000"/>
+              </a:solidFill>
+            </a:endParaRPr>
+          </a:p>
+          <a:p>
+            <a:pPr lvl="1"/>
             <a:r>
               <a:rPr lang="en-US" sz="2000" dirty="0">
                 <a:solidFill>
@@ -8937,6 +8529,14 @@
               </a:rPr>
               <a:t>Do increases in GDP impact climate change?</a:t>
             </a:r>
+          </a:p>
+          <a:p>
+            <a:pPr lvl="1"/>
+            <a:endParaRPr lang="en-US" sz="2000" dirty="0">
+              <a:solidFill>
+                <a:srgbClr val="000000"/>
+              </a:solidFill>
+            </a:endParaRPr>
           </a:p>
           <a:p>
             <a:pPr lvl="1"/>
@@ -9276,7 +8876,7 @@
                   <a:srgbClr val="000000"/>
                 </a:solidFill>
               </a:rPr>
-              <a:t>Data was pulled from the NASA website (temperature data) and Index Mundi website (crude oil production) for correlation analysis between oil production and temperature increases. </a:t>
+              <a:t>Data was pulled from the NASA website and Index Mundi website for correlation analysis between oil production and temperature increases. </a:t>
             </a:r>
           </a:p>
           <a:p>
@@ -9360,7 +8960,7 @@
           <a:p>
             <a:pPr lvl="1"/>
             <a:r>
-              <a:rPr lang="en-US" sz="1800" dirty="0">
+              <a:rPr lang="en-US" sz="2000" dirty="0">
                 <a:solidFill>
                   <a:srgbClr val="000000"/>
                 </a:solidFill>
@@ -9368,7 +8968,7 @@
               <a:t>GDP Data: </a:t>
             </a:r>
             <a:r>
-              <a:rPr lang="en-US" sz="1800" b="0" i="0" u="none" strike="noStrike" dirty="0">
+              <a:rPr lang="en-US" sz="2000" b="0" i="0" u="none" strike="noStrike" dirty="0">
                 <a:solidFill>
                   <a:srgbClr val="000000"/>
                 </a:solidFill>
@@ -9378,7 +8978,7 @@
               </a:rPr>
               <a:t>https://databank.worldbank.org/indicator/NY.GDP.MKTP.KD.ZG/1ff4a498/Popular-Indicators#</a:t>
             </a:r>
-            <a:endParaRPr lang="en-US" sz="1800" dirty="0">
+            <a:endParaRPr lang="en-US" sz="2000" dirty="0">
               <a:solidFill>
                 <a:srgbClr val="000000"/>
               </a:solidFill>
@@ -9393,12 +8993,12 @@
           </a:p>
           <a:p>
             <a:r>
-              <a:rPr lang="en-US" sz="3200" dirty="0">
+              <a:rPr lang="en-US" sz="2900" dirty="0">
                 <a:solidFill>
                   <a:srgbClr val="000000"/>
                 </a:solidFill>
               </a:rPr>
-              <a:t>To analyze potential correlation between sea ice melt and crude oil production &amp; GDP increases, data was pulled from The EPA website</a:t>
+              <a:t>To analyze potential correlation between sea ice melt, crude oil production &amp; GDP increases, data was pulled from The EPA website.</a:t>
             </a:r>
           </a:p>
           <a:p>
@@ -9779,7 +9379,7 @@
           <p:nvPr>
             <p:extLst>
               <p:ext uri="{D42A27DB-BD31-4B8C-83A1-F6EECF244321}">
-                <p14:modId xmlns:p14="http://schemas.microsoft.com/office/powerpoint/2010/main" val="2743162056"/>
+                <p14:modId xmlns:p14="http://schemas.microsoft.com/office/powerpoint/2010/main" val="3885233283"/>
               </p:ext>
             </p:extLst>
           </p:nvPr>
@@ -9829,101 +9429,6 @@
           <p:cNvPr id="2" name="Title 1">
             <a:extLst>
               <a:ext uri="{FF2B5EF4-FFF2-40B4-BE49-F238E27FC236}">
-                <a16:creationId xmlns:a16="http://schemas.microsoft.com/office/drawing/2014/main" id="{17D150A0-410A-4D19-9B8E-E9452F3A0DEB}"/>
-              </a:ext>
-            </a:extLst>
-          </p:cNvPr>
-          <p:cNvSpPr>
-            <a:spLocks noGrp="1"/>
-          </p:cNvSpPr>
-          <p:nvPr>
-            <p:ph type="title"/>
-          </p:nvPr>
-        </p:nvSpPr>
-        <p:spPr/>
-        <p:txBody>
-          <a:bodyPr/>
-          <a:lstStyle/>
-          <a:p>
-            <a:r>
-              <a:rPr lang="en-US" dirty="0"/>
-              <a:t>DELETE SLIDE? </a:t>
-            </a:r>
-          </a:p>
-        </p:txBody>
-      </p:sp>
-      <p:sp>
-        <p:nvSpPr>
-          <p:cNvPr id="3" name="Content Placeholder 2">
-            <a:extLst>
-              <a:ext uri="{FF2B5EF4-FFF2-40B4-BE49-F238E27FC236}">
-                <a16:creationId xmlns:a16="http://schemas.microsoft.com/office/drawing/2014/main" id="{B6601E47-FDCC-4DC9-A7F0-7619E5A639F8}"/>
-              </a:ext>
-            </a:extLst>
-          </p:cNvPr>
-          <p:cNvSpPr>
-            <a:spLocks noGrp="1"/>
-          </p:cNvSpPr>
-          <p:nvPr>
-            <p:ph idx="1"/>
-          </p:nvPr>
-        </p:nvSpPr>
-        <p:spPr/>
-        <p:txBody>
-          <a:bodyPr/>
-          <a:lstStyle/>
-          <a:p>
-            <a:r>
-              <a:rPr lang="en-US" dirty="0"/>
-              <a:t>Created data frames for temperature, GDP, crude oil production, and sea ice data.  Cleaned, manipulated, and plotted all data.  Combined all data sets to look for correlations. </a:t>
-            </a:r>
-          </a:p>
-          <a:p>
-            <a:r>
-              <a:rPr lang="en-US" dirty="0"/>
-              <a:t>Monte Carlo simulation ran to predict temperature and sea ice melt over 10 years.  Reviewed correlation plots and found inconsistent correlations. </a:t>
-            </a:r>
-          </a:p>
-          <a:p>
-            <a:endParaRPr lang="en-US" dirty="0"/>
-          </a:p>
-        </p:txBody>
-      </p:sp>
-    </p:spTree>
-    <p:extLst>
-      <p:ext uri="{BB962C8B-B14F-4D97-AF65-F5344CB8AC3E}">
-        <p14:creationId xmlns:p14="http://schemas.microsoft.com/office/powerpoint/2010/main" val="1400404360"/>
-      </p:ext>
-    </p:extLst>
-  </p:cSld>
-  <p:clrMapOvr>
-    <a:masterClrMapping/>
-  </p:clrMapOvr>
-</p:sld>
-</file>
-
-<file path=ppt/slides/slide6.xml><?xml version="1.0" encoding="utf-8"?>
-<p:sld xmlns:a="http://schemas.openxmlformats.org/drawingml/2006/main" xmlns:r="http://schemas.openxmlformats.org/officeDocument/2006/relationships" xmlns:p="http://schemas.openxmlformats.org/presentationml/2006/main">
-  <p:cSld>
-    <p:spTree>
-      <p:nvGrpSpPr>
-        <p:cNvPr id="1" name=""/>
-        <p:cNvGrpSpPr/>
-        <p:nvPr/>
-      </p:nvGrpSpPr>
-      <p:grpSpPr>
-        <a:xfrm>
-          <a:off x="0" y="0"/>
-          <a:ext cx="0" cy="0"/>
-          <a:chOff x="0" y="0"/>
-          <a:chExt cx="0" cy="0"/>
-        </a:xfrm>
-      </p:grpSpPr>
-      <p:sp>
-        <p:nvSpPr>
-          <p:cNvPr id="2" name="Title 1">
-            <a:extLst>
-              <a:ext uri="{FF2B5EF4-FFF2-40B4-BE49-F238E27FC236}">
                 <a16:creationId xmlns:a16="http://schemas.microsoft.com/office/drawing/2014/main" id="{CA6DC782-6464-4020-AFFC-225C9B138945}"/>
               </a:ext>
             </a:extLst>
@@ -10100,7 +9605,7 @@
 </p:sld>
 </file>
 
-<file path=ppt/slides/slide7.xml><?xml version="1.0" encoding="utf-8"?>
+<file path=ppt/slides/slide6.xml><?xml version="1.0" encoding="utf-8"?>
 <p:sld xmlns:a="http://schemas.openxmlformats.org/drawingml/2006/main" xmlns:r="http://schemas.openxmlformats.org/officeDocument/2006/relationships" xmlns:p="http://schemas.openxmlformats.org/presentationml/2006/main">
   <p:cSld>
     <p:spTree>
@@ -10263,7 +9768,7 @@
 </p:sld>
 </file>
 
-<file path=ppt/slides/slide8.xml><?xml version="1.0" encoding="utf-8"?>
+<file path=ppt/slides/slide7.xml><?xml version="1.0" encoding="utf-8"?>
 <p:sld xmlns:a="http://schemas.openxmlformats.org/drawingml/2006/main" xmlns:r="http://schemas.openxmlformats.org/officeDocument/2006/relationships" xmlns:p="http://schemas.openxmlformats.org/presentationml/2006/main">
   <p:cSld>
     <p:bg>
@@ -10541,7 +10046,7 @@
         </p:spPr>
         <p:txBody>
           <a:bodyPr anchor="ctr">
-            <a:normAutofit fontScale="77500" lnSpcReduction="20000"/>
+            <a:normAutofit fontScale="62500" lnSpcReduction="20000"/>
           </a:bodyPr>
           <a:lstStyle/>
           <a:p>
@@ -10549,7 +10054,7 @@
               <a:buNone/>
             </a:pPr>
             <a:r>
-              <a:rPr lang="en-US" sz="2600" b="1" dirty="0">
+              <a:rPr lang="en-US" sz="2900" b="1" dirty="0">
                 <a:solidFill>
                   <a:srgbClr val="000000"/>
                 </a:solidFill>
@@ -10560,7 +10065,7 @@
           <a:p>
             <a:pPr lvl="1"/>
             <a:r>
-              <a:rPr lang="en-US" sz="2600" dirty="0">
+              <a:rPr lang="en-US" sz="2900" dirty="0">
                 <a:solidFill>
                   <a:srgbClr val="000000"/>
                 </a:solidFill>
@@ -10571,18 +10076,18 @@
           <a:p>
             <a:pPr lvl="1"/>
             <a:r>
-              <a:rPr lang="en-US" sz="2600" dirty="0">
+              <a:rPr lang="en-US" sz="2900" dirty="0">
                 <a:solidFill>
                   <a:srgbClr val="000000"/>
                 </a:solidFill>
               </a:rPr>
-              <a:t>No correlation between arctic sea ice melt and crude oil production.</a:t>
+              <a:t>No correlation between Arctic sea ice melt and crude oil production.</a:t>
             </a:r>
           </a:p>
           <a:p>
             <a:pPr lvl="1"/>
             <a:r>
-              <a:rPr lang="en-US" sz="2600" dirty="0">
+              <a:rPr lang="en-US" sz="2900" dirty="0">
                 <a:solidFill>
                   <a:srgbClr val="000000"/>
                 </a:solidFill>
@@ -10593,7 +10098,7 @@
           <a:p>
             <a:pPr lvl="1"/>
             <a:r>
-              <a:rPr lang="en-US" sz="2600" dirty="0">
+              <a:rPr lang="en-US" sz="2900" dirty="0">
                 <a:solidFill>
                   <a:srgbClr val="000000"/>
                 </a:solidFill>
@@ -10604,7 +10109,7 @@
           <a:p>
             <a:pPr lvl="1"/>
             <a:r>
-              <a:rPr lang="en-US" sz="2600" dirty="0">
+              <a:rPr lang="en-US" sz="2900" dirty="0">
                 <a:solidFill>
                   <a:srgbClr val="000000"/>
                 </a:solidFill>
@@ -10643,7 +10148,7 @@
                   <a:srgbClr val="000000"/>
                 </a:solidFill>
               </a:rPr>
-              <a:t>Global warming is negatively impacting arctic and Antarctic sea ice</a:t>
+              <a:t>Global warming seems to be negatively impacting Arctic and Antarctic sea ice melt, based on our correlation analysis.</a:t>
             </a:r>
           </a:p>
           <a:p>
@@ -10654,7 +10159,7 @@
                   <a:srgbClr val="000000"/>
                 </a:solidFill>
               </a:rPr>
-              <a:t>Increased oil production results in increased global temperature</a:t>
+              <a:t>Increased oil production seems like it could be a factor driving increases in global temperatures, based on our correlation findings. </a:t>
             </a:r>
           </a:p>
         </p:txBody>
@@ -10672,7 +10177,7 @@
 </p:sld>
 </file>
 
-<file path=ppt/slides/slide9.xml><?xml version="1.0" encoding="utf-8"?>
+<file path=ppt/slides/slide8.xml><?xml version="1.0" encoding="utf-8"?>
 <p:sld xmlns:a="http://schemas.openxmlformats.org/drawingml/2006/main" xmlns:r="http://schemas.openxmlformats.org/officeDocument/2006/relationships" xmlns:p="http://schemas.openxmlformats.org/presentationml/2006/main">
   <p:cSld>
     <p:bg>
@@ -10988,7 +10493,7 @@
                   <a:srgbClr val="000000"/>
                 </a:solidFill>
               </a:rPr>
-              <a:t>Limited date range based on data availability.  </a:t>
+              <a:t>The date range used for this analysis had to be limited based on data availability.  </a:t>
             </a:r>
           </a:p>
           <a:p>
@@ -10999,7 +10504,7 @@
                   <a:srgbClr val="000000"/>
                 </a:solidFill>
               </a:rPr>
-              <a:t>GDP grouped by region rather than country specific. </a:t>
+              <a:t>GDP was grouped by region rather than country specific. </a:t>
             </a:r>
           </a:p>
           <a:p>
@@ -11023,7 +10528,7 @@
                   <a:srgbClr val="000000"/>
                 </a:solidFill>
               </a:rPr>
-              <a:t>Incomplete data sets, </a:t>
+              <a:t>Incomplete data sets. </a:t>
             </a:r>
           </a:p>
           <a:p>
@@ -11034,7 +10539,7 @@
                   <a:srgbClr val="000000"/>
                 </a:solidFill>
               </a:rPr>
-              <a:t>Reading in certain file types </a:t>
+              <a:t>Reading in certain file types. </a:t>
             </a:r>
           </a:p>
           <a:p>
@@ -11076,8 +10581,28 @@
                   <a:srgbClr val="000000"/>
                 </a:solidFill>
               </a:rPr>
-              <a:t> Notebook Review</a:t>
-            </a:r>
+              <a:t> Notebook Review / Analysis: (</a:t>
+            </a:r>
+            <a:r>
+              <a:rPr lang="en-US" sz="1600" b="0" i="0" u="none" strike="noStrike" dirty="0" err="1">
+                <a:effectLst/>
+                <a:latin typeface="-apple-system"/>
+                <a:hlinkClick r:id="rId3" tooltip="GDP_GreengasEmissions.ipynb"/>
+              </a:rPr>
+              <a:t>GDP_GreengasEmissions.ipynb</a:t>
+            </a:r>
+            <a:r>
+              <a:rPr lang="en-US" sz="1600" b="0" i="0" u="none" strike="noStrike" dirty="0">
+                <a:effectLst/>
+                <a:latin typeface="-apple-system"/>
+              </a:rPr>
+              <a:t>)</a:t>
+            </a:r>
+            <a:endParaRPr lang="en-US" sz="2200" dirty="0">
+              <a:solidFill>
+                <a:srgbClr val="000000"/>
+              </a:solidFill>
+            </a:endParaRPr>
           </a:p>
           <a:p>
             <a:endParaRPr lang="en-US" sz="2200" dirty="0">
@@ -11099,6 +10624,421 @@
     <p:extLst>
       <p:ext uri="{BB962C8B-B14F-4D97-AF65-F5344CB8AC3E}">
         <p14:creationId xmlns:p14="http://schemas.microsoft.com/office/powerpoint/2010/main" val="1324840199"/>
+      </p:ext>
+    </p:extLst>
+  </p:cSld>
+  <p:clrMapOvr>
+    <a:masterClrMapping/>
+  </p:clrMapOvr>
+</p:sld>
+</file>
+
+<file path=ppt/slides/slide9.xml><?xml version="1.0" encoding="utf-8"?>
+<p:sld xmlns:a="http://schemas.openxmlformats.org/drawingml/2006/main" xmlns:r="http://schemas.openxmlformats.org/officeDocument/2006/relationships" xmlns:p="http://schemas.openxmlformats.org/presentationml/2006/main">
+  <p:cSld>
+    <p:bg>
+      <p:bgPr>
+        <a:solidFill>
+          <a:schemeClr val="bg1"/>
+        </a:solidFill>
+        <a:effectLst/>
+      </p:bgPr>
+    </p:bg>
+    <p:spTree>
+      <p:nvGrpSpPr>
+        <p:cNvPr id="1" name=""/>
+        <p:cNvGrpSpPr/>
+        <p:nvPr/>
+      </p:nvGrpSpPr>
+      <p:grpSpPr>
+        <a:xfrm>
+          <a:off x="0" y="0"/>
+          <a:ext cx="0" cy="0"/>
+          <a:chOff x="0" y="0"/>
+          <a:chExt cx="0" cy="0"/>
+        </a:xfrm>
+      </p:grpSpPr>
+      <p:sp useBgFill="1">
+        <p:nvSpPr>
+          <p:cNvPr id="8" name="Rectangle 7">
+            <a:extLst>
+              <a:ext uri="{FF2B5EF4-FFF2-40B4-BE49-F238E27FC236}">
+                <a16:creationId xmlns:a16="http://schemas.microsoft.com/office/drawing/2014/main" id="{3B854194-185D-494D-905C-7C7CB2E30F6E}"/>
+              </a:ext>
+              <a:ext uri="{C183D7F6-B498-43B3-948B-1728B52AA6E4}">
+                <adec:decorative xmlns:adec="http://schemas.microsoft.com/office/drawing/2017/decorative" val="1"/>
+              </a:ext>
+            </a:extLst>
+          </p:cNvPr>
+          <p:cNvSpPr>
+            <a:spLocks noGrp="1" noRot="1" noChangeAspect="1" noMove="1" noResize="1" noEditPoints="1" noAdjustHandles="1" noChangeArrowheads="1" noChangeShapeType="1" noTextEdit="1"/>
+          </p:cNvSpPr>
+          <p:nvPr>
+            <p:extLst>
+              <p:ext uri="{386F3935-93C4-4BCD-93E2-E3B085C9AB24}">
+                <p16:designElem xmlns:p16="http://schemas.microsoft.com/office/powerpoint/2015/main" val="1"/>
+              </p:ext>
+            </p:extLst>
+          </p:nvPr>
+        </p:nvSpPr>
+        <p:spPr>
+          <a:xfrm>
+            <a:off x="1" y="0"/>
+            <a:ext cx="6082110" cy="6858000"/>
+          </a:xfrm>
+          <a:prstGeom prst="rect">
+            <a:avLst/>
+          </a:prstGeom>
+          <a:ln>
+            <a:noFill/>
+          </a:ln>
+        </p:spPr>
+        <p:style>
+          <a:lnRef idx="2">
+            <a:schemeClr val="accent1">
+              <a:shade val="50000"/>
+            </a:schemeClr>
+          </a:lnRef>
+          <a:fillRef idx="1">
+            <a:schemeClr val="accent1"/>
+          </a:fillRef>
+          <a:effectRef idx="0">
+            <a:schemeClr val="accent1"/>
+          </a:effectRef>
+          <a:fontRef idx="minor">
+            <a:schemeClr val="lt1"/>
+          </a:fontRef>
+        </p:style>
+        <p:txBody>
+          <a:bodyPr rtlCol="0" anchor="ctr"/>
+          <a:lstStyle/>
+          <a:p>
+            <a:pPr algn="ctr"/>
+            <a:endParaRPr lang="en-US"/>
+          </a:p>
+        </p:txBody>
+      </p:sp>
+      <p:sp>
+        <p:nvSpPr>
+          <p:cNvPr id="10" name="Rectangle 9">
+            <a:extLst>
+              <a:ext uri="{FF2B5EF4-FFF2-40B4-BE49-F238E27FC236}">
+                <a16:creationId xmlns:a16="http://schemas.microsoft.com/office/drawing/2014/main" id="{B4F5FA0D-0104-4987-8241-EFF7C85B88DE}"/>
+              </a:ext>
+              <a:ext uri="{C183D7F6-B498-43B3-948B-1728B52AA6E4}">
+                <adec:decorative xmlns:adec="http://schemas.microsoft.com/office/drawing/2017/decorative" val="1"/>
+              </a:ext>
+            </a:extLst>
+          </p:cNvPr>
+          <p:cNvSpPr>
+            <a:spLocks noGrp="1" noRot="1" noChangeAspect="1" noMove="1" noResize="1" noEditPoints="1" noAdjustHandles="1" noChangeArrowheads="1" noChangeShapeType="1" noTextEdit="1"/>
+          </p:cNvSpPr>
+          <p:nvPr>
+            <p:extLst>
+              <p:ext uri="{386F3935-93C4-4BCD-93E2-E3B085C9AB24}">
+                <p16:designElem xmlns:p16="http://schemas.microsoft.com/office/powerpoint/2015/main" val="1"/>
+              </p:ext>
+            </p:extLst>
+          </p:nvPr>
+        </p:nvSpPr>
+        <p:spPr>
+          <a:xfrm>
+            <a:off x="1" y="0"/>
+            <a:ext cx="12191998" cy="6858000"/>
+          </a:xfrm>
+          <a:prstGeom prst="rect">
+            <a:avLst/>
+          </a:prstGeom>
+          <a:gradFill>
+            <a:gsLst>
+              <a:gs pos="0">
+                <a:schemeClr val="accent1">
+                  <a:lumMod val="90000"/>
+                </a:schemeClr>
+              </a:gs>
+              <a:gs pos="25000">
+                <a:schemeClr val="accent1">
+                  <a:lumMod val="90000"/>
+                </a:schemeClr>
+              </a:gs>
+              <a:gs pos="94000">
+                <a:schemeClr val="bg2">
+                  <a:lumMod val="25000"/>
+                </a:schemeClr>
+              </a:gs>
+              <a:gs pos="100000">
+                <a:schemeClr val="bg2">
+                  <a:lumMod val="25000"/>
+                </a:schemeClr>
+              </a:gs>
+            </a:gsLst>
+            <a:lin ang="4200000" scaled="0"/>
+          </a:gradFill>
+          <a:ln>
+            <a:noFill/>
+          </a:ln>
+        </p:spPr>
+        <p:style>
+          <a:lnRef idx="2">
+            <a:schemeClr val="accent1">
+              <a:shade val="50000"/>
+            </a:schemeClr>
+          </a:lnRef>
+          <a:fillRef idx="1">
+            <a:schemeClr val="accent1"/>
+          </a:fillRef>
+          <a:effectRef idx="0">
+            <a:schemeClr val="accent1"/>
+          </a:effectRef>
+          <a:fontRef idx="minor">
+            <a:schemeClr val="lt1"/>
+          </a:fontRef>
+        </p:style>
+        <p:txBody>
+          <a:bodyPr rtlCol="0" anchor="ctr"/>
+          <a:lstStyle/>
+          <a:p>
+            <a:pPr algn="ctr"/>
+            <a:endParaRPr lang="en-US"/>
+          </a:p>
+        </p:txBody>
+      </p:sp>
+      <p:pic>
+        <p:nvPicPr>
+          <p:cNvPr id="12" name="Picture 11">
+            <a:extLst>
+              <a:ext uri="{FF2B5EF4-FFF2-40B4-BE49-F238E27FC236}">
+                <a16:creationId xmlns:a16="http://schemas.microsoft.com/office/drawing/2014/main" id="{2897127E-6CEF-446C-BE87-93B7C46E49D1}"/>
+              </a:ext>
+              <a:ext uri="{C183D7F6-B498-43B3-948B-1728B52AA6E4}">
+                <adec:decorative xmlns:adec="http://schemas.microsoft.com/office/drawing/2017/decorative" val="1"/>
+              </a:ext>
+            </a:extLst>
+          </p:cNvPr>
+          <p:cNvPicPr>
+            <a:picLocks noGrp="1" noRot="1" noChangeAspect="1" noMove="1" noResize="1" noEditPoints="1" noAdjustHandles="1" noChangeArrowheads="1" noChangeShapeType="1" noCrop="1"/>
+          </p:cNvPicPr>
+          <p:nvPr>
+            <p:extLst>
+              <p:ext uri="{386F3935-93C4-4BCD-93E2-E3B085C9AB24}">
+                <p16:designElem xmlns:p16="http://schemas.microsoft.com/office/powerpoint/2015/main" val="1"/>
+              </p:ext>
+            </p:extLst>
+          </p:nvPr>
+        </p:nvPicPr>
+        <p:blipFill>
+          <a:blip r:embed="rId2">
+            <a:extLst>
+              <a:ext uri="{28A0092B-C50C-407E-A947-70E740481C1C}">
+                <a14:useLocalDpi xmlns:a14="http://schemas.microsoft.com/office/drawing/2010/main" val="0"/>
+              </a:ext>
+            </a:extLst>
+          </a:blip>
+          <a:stretch>
+            <a:fillRect/>
+          </a:stretch>
+        </p:blipFill>
+        <p:spPr>
+          <a:xfrm>
+            <a:off x="0" y="0"/>
+            <a:ext cx="12192000" cy="6858000"/>
+          </a:xfrm>
+          <a:prstGeom prst="rect">
+            <a:avLst/>
+          </a:prstGeom>
+        </p:spPr>
+      </p:pic>
+      <p:sp>
+        <p:nvSpPr>
+          <p:cNvPr id="2" name="Title 1">
+            <a:extLst>
+              <a:ext uri="{FF2B5EF4-FFF2-40B4-BE49-F238E27FC236}">
+                <a16:creationId xmlns:a16="http://schemas.microsoft.com/office/drawing/2014/main" id="{7FB619F9-27F5-4359-8E7C-79F40FE66785}"/>
+              </a:ext>
+            </a:extLst>
+          </p:cNvPr>
+          <p:cNvSpPr>
+            <a:spLocks noGrp="1"/>
+          </p:cNvSpPr>
+          <p:nvPr>
+            <p:ph type="title"/>
+          </p:nvPr>
+        </p:nvSpPr>
+        <p:spPr>
+          <a:xfrm>
+            <a:off x="640079" y="2053641"/>
+            <a:ext cx="3669161" cy="2760098"/>
+          </a:xfrm>
+        </p:spPr>
+        <p:txBody>
+          <a:bodyPr>
+            <a:normAutofit/>
+          </a:bodyPr>
+          <a:lstStyle/>
+          <a:p>
+            <a:r>
+              <a:rPr lang="en-US">
+                <a:solidFill>
+                  <a:srgbClr val="FFFFFF"/>
+                </a:solidFill>
+              </a:rPr>
+              <a:t>Additional Thoughts &amp; Questions</a:t>
+            </a:r>
+          </a:p>
+        </p:txBody>
+      </p:sp>
+      <p:sp>
+        <p:nvSpPr>
+          <p:cNvPr id="3" name="Content Placeholder 2">
+            <a:extLst>
+              <a:ext uri="{FF2B5EF4-FFF2-40B4-BE49-F238E27FC236}">
+                <a16:creationId xmlns:a16="http://schemas.microsoft.com/office/drawing/2014/main" id="{68C7FCE9-FC13-404F-908A-C561A0BDD44F}"/>
+              </a:ext>
+            </a:extLst>
+          </p:cNvPr>
+          <p:cNvSpPr>
+            <a:spLocks noGrp="1"/>
+          </p:cNvSpPr>
+          <p:nvPr>
+            <p:ph idx="1"/>
+          </p:nvPr>
+        </p:nvSpPr>
+        <p:spPr>
+          <a:xfrm>
+            <a:off x="6090574" y="883146"/>
+            <a:ext cx="5306084" cy="5230634"/>
+          </a:xfrm>
+        </p:spPr>
+        <p:txBody>
+          <a:bodyPr anchor="ctr">
+            <a:normAutofit fontScale="85000" lnSpcReduction="20000"/>
+          </a:bodyPr>
+          <a:lstStyle/>
+          <a:p>
+            <a:pPr marL="0" indent="0">
+              <a:buNone/>
+            </a:pPr>
+            <a:r>
+              <a:rPr lang="en-US" sz="2400" b="1" dirty="0">
+                <a:solidFill>
+                  <a:srgbClr val="000000"/>
+                </a:solidFill>
+              </a:rPr>
+              <a:t>More to Consider:</a:t>
+            </a:r>
+            <a:r>
+              <a:rPr lang="en-US" sz="2400" dirty="0">
+                <a:solidFill>
+                  <a:srgbClr val="000000"/>
+                </a:solidFill>
+              </a:rPr>
+              <a:t> </a:t>
+            </a:r>
+          </a:p>
+          <a:p>
+            <a:pPr lvl="1"/>
+            <a:r>
+              <a:rPr lang="en-US" dirty="0">
+                <a:solidFill>
+                  <a:srgbClr val="000000"/>
+                </a:solidFill>
+              </a:rPr>
+              <a:t>Could a correlation between greenhouse gas emission and GDP be identified? </a:t>
+            </a:r>
+          </a:p>
+          <a:p>
+            <a:pPr lvl="1"/>
+            <a:r>
+              <a:rPr lang="en-US" dirty="0">
+                <a:solidFill>
+                  <a:srgbClr val="000000"/>
+                </a:solidFill>
+              </a:rPr>
+              <a:t>Is there a correlation between oil price and production?  </a:t>
+            </a:r>
+          </a:p>
+          <a:p>
+            <a:pPr lvl="1"/>
+            <a:r>
+              <a:rPr lang="en-US" dirty="0">
+                <a:solidFill>
+                  <a:srgbClr val="000000"/>
+                </a:solidFill>
+              </a:rPr>
+              <a:t>How do crude oil ETFs impact crude oil production?</a:t>
+            </a:r>
+          </a:p>
+          <a:p>
+            <a:pPr lvl="1"/>
+            <a:r>
+              <a:rPr lang="en-US" dirty="0">
+                <a:solidFill>
+                  <a:srgbClr val="000000"/>
+                </a:solidFill>
+              </a:rPr>
+              <a:t>Determine what the lag period is for temperatures to change to allow for more detailed and in-depth analysis.</a:t>
+            </a:r>
+          </a:p>
+          <a:p>
+            <a:pPr lvl="1"/>
+            <a:r>
+              <a:rPr lang="en-US" dirty="0">
+                <a:solidFill>
+                  <a:srgbClr val="000000"/>
+                </a:solidFill>
+              </a:rPr>
+              <a:t>Identify exact temperature differences and detailed climate data in Arctic and Antarctic locations .</a:t>
+            </a:r>
+          </a:p>
+          <a:p>
+            <a:pPr lvl="1"/>
+            <a:r>
+              <a:rPr lang="en-US" dirty="0">
+                <a:solidFill>
+                  <a:srgbClr val="000000"/>
+                </a:solidFill>
+              </a:rPr>
+              <a:t>What is the impact of global warming on marine life?</a:t>
+            </a:r>
+          </a:p>
+          <a:p>
+            <a:pPr lvl="1"/>
+            <a:r>
+              <a:rPr lang="en-US" dirty="0">
+                <a:solidFill>
+                  <a:srgbClr val="000000"/>
+                </a:solidFill>
+              </a:rPr>
+              <a:t>How much does meat processing and consumption impact global warming?</a:t>
+            </a:r>
+          </a:p>
+          <a:p>
+            <a:pPr lvl="1"/>
+            <a:r>
+              <a:rPr lang="en-US" dirty="0">
+                <a:solidFill>
+                  <a:srgbClr val="000000"/>
+                </a:solidFill>
+              </a:rPr>
+              <a:t>What is the impact of inflation on global warming?</a:t>
+            </a:r>
+          </a:p>
+          <a:p>
+            <a:pPr marL="0" indent="0">
+              <a:buNone/>
+            </a:pPr>
+            <a:endParaRPr lang="en-US" sz="1900" dirty="0">
+              <a:solidFill>
+                <a:srgbClr val="000000"/>
+              </a:solidFill>
+            </a:endParaRPr>
+          </a:p>
+        </p:txBody>
+      </p:sp>
+    </p:spTree>
+    <p:extLst>
+      <p:ext uri="{BB962C8B-B14F-4D97-AF65-F5344CB8AC3E}">
+        <p14:creationId xmlns:p14="http://schemas.microsoft.com/office/powerpoint/2010/main" val="2733325807"/>
       </p:ext>
     </p:extLst>
   </p:cSld>
